--- a/curriculum/Unit5/Unit5.pptx
+++ b/curriculum/Unit5/Unit5.pptx
@@ -5,7 +5,7 @@
     <p:sldMasterId id="2147483648" r:id="rId4"/>
   </p:sldMasterIdLst>
   <p:notesMasterIdLst>
-    <p:notesMasterId r:id="rId75"/>
+    <p:notesMasterId r:id="rId77"/>
   </p:notesMasterIdLst>
   <p:sldIdLst>
     <p:sldId id="302" r:id="rId5"/>
@@ -49,35 +49,37 @@
     <p:sldId id="277" r:id="rId43"/>
     <p:sldId id="278" r:id="rId44"/>
     <p:sldId id="279" r:id="rId45"/>
-    <p:sldId id="280" r:id="rId46"/>
-    <p:sldId id="281" r:id="rId47"/>
-    <p:sldId id="282" r:id="rId48"/>
-    <p:sldId id="283" r:id="rId49"/>
-    <p:sldId id="284" r:id="rId50"/>
-    <p:sldId id="285" r:id="rId51"/>
-    <p:sldId id="286" r:id="rId52"/>
-    <p:sldId id="287" r:id="rId53"/>
-    <p:sldId id="271" r:id="rId54"/>
-    <p:sldId id="272" r:id="rId55"/>
-    <p:sldId id="273" r:id="rId56"/>
-    <p:sldId id="274" r:id="rId57"/>
-    <p:sldId id="275" r:id="rId58"/>
-    <p:sldId id="276" r:id="rId59"/>
-    <p:sldId id="267" r:id="rId60"/>
-    <p:sldId id="268" r:id="rId61"/>
-    <p:sldId id="269" r:id="rId62"/>
-    <p:sldId id="270" r:id="rId63"/>
-    <p:sldId id="263" r:id="rId64"/>
-    <p:sldId id="264" r:id="rId65"/>
-    <p:sldId id="265" r:id="rId66"/>
-    <p:sldId id="266" r:id="rId67"/>
-    <p:sldId id="261" r:id="rId68"/>
-    <p:sldId id="262" r:id="rId69"/>
-    <p:sldId id="256" r:id="rId70"/>
-    <p:sldId id="257" r:id="rId71"/>
-    <p:sldId id="258" r:id="rId72"/>
-    <p:sldId id="259" r:id="rId73"/>
-    <p:sldId id="260" r:id="rId74"/>
+    <p:sldId id="326" r:id="rId46"/>
+    <p:sldId id="327" r:id="rId47"/>
+    <p:sldId id="280" r:id="rId48"/>
+    <p:sldId id="281" r:id="rId49"/>
+    <p:sldId id="282" r:id="rId50"/>
+    <p:sldId id="283" r:id="rId51"/>
+    <p:sldId id="284" r:id="rId52"/>
+    <p:sldId id="285" r:id="rId53"/>
+    <p:sldId id="286" r:id="rId54"/>
+    <p:sldId id="287" r:id="rId55"/>
+    <p:sldId id="271" r:id="rId56"/>
+    <p:sldId id="272" r:id="rId57"/>
+    <p:sldId id="273" r:id="rId58"/>
+    <p:sldId id="274" r:id="rId59"/>
+    <p:sldId id="275" r:id="rId60"/>
+    <p:sldId id="276" r:id="rId61"/>
+    <p:sldId id="267" r:id="rId62"/>
+    <p:sldId id="268" r:id="rId63"/>
+    <p:sldId id="269" r:id="rId64"/>
+    <p:sldId id="270" r:id="rId65"/>
+    <p:sldId id="263" r:id="rId66"/>
+    <p:sldId id="264" r:id="rId67"/>
+    <p:sldId id="265" r:id="rId68"/>
+    <p:sldId id="266" r:id="rId69"/>
+    <p:sldId id="261" r:id="rId70"/>
+    <p:sldId id="262" r:id="rId71"/>
+    <p:sldId id="256" r:id="rId72"/>
+    <p:sldId id="257" r:id="rId73"/>
+    <p:sldId id="258" r:id="rId74"/>
+    <p:sldId id="259" r:id="rId75"/>
+    <p:sldId id="260" r:id="rId76"/>
   </p:sldIdLst>
   <p:sldSz cx="12192000" cy="6858000"/>
   <p:notesSz cx="6858000" cy="9144000"/>
@@ -277,7 +279,7 @@
           <a:p>
             <a:fld id="{DFD2D4D3-AF7F-407D-A91C-28A05E3AAF0B}" type="datetimeFigureOut">
               <a:rPr lang="en-US" smtClean="0"/>
-              <a:t>9/8/2016</a:t>
+              <a:t>1/8/2020</a:t>
             </a:fld>
             <a:endParaRPr lang="en-US"/>
           </a:p>
@@ -861,7 +863,7 @@
           <a:p>
             <a:fld id="{C56969A0-B3EA-45A4-A390-44554200A62E}" type="slidenum">
               <a:rPr lang="en-US" smtClean="0"/>
-              <a:t>50</a:t>
+              <a:t>52</a:t>
             </a:fld>
             <a:endParaRPr lang="en-US"/>
           </a:p>
@@ -945,7 +947,7 @@
           <a:p>
             <a:fld id="{C56969A0-B3EA-45A4-A390-44554200A62E}" type="slidenum">
               <a:rPr lang="en-US" smtClean="0"/>
-              <a:t>56</a:t>
+              <a:t>58</a:t>
             </a:fld>
             <a:endParaRPr lang="en-US"/>
           </a:p>
@@ -1032,7 +1034,7 @@
           <a:p>
             <a:fld id="{C56969A0-B3EA-45A4-A390-44554200A62E}" type="slidenum">
               <a:rPr lang="en-US" smtClean="0"/>
-              <a:t>57</a:t>
+              <a:t>59</a:t>
             </a:fld>
             <a:endParaRPr lang="en-US"/>
           </a:p>
@@ -1128,7 +1130,7 @@
           <a:p>
             <a:fld id="{C56969A0-B3EA-45A4-A390-44554200A62E}" type="slidenum">
               <a:rPr lang="en-US" smtClean="0"/>
-              <a:t>60</a:t>
+              <a:t>62</a:t>
             </a:fld>
             <a:endParaRPr lang="en-US"/>
           </a:p>
@@ -1224,7 +1226,7 @@
           <a:p>
             <a:fld id="{C56969A0-B3EA-45A4-A390-44554200A62E}" type="slidenum">
               <a:rPr lang="en-US" smtClean="0"/>
-              <a:t>64</a:t>
+              <a:t>66</a:t>
             </a:fld>
             <a:endParaRPr lang="en-US"/>
           </a:p>
@@ -1308,7 +1310,7 @@
           <a:p>
             <a:fld id="{C56969A0-B3EA-45A4-A390-44554200A62E}" type="slidenum">
               <a:rPr lang="en-US" smtClean="0"/>
-              <a:t>66</a:t>
+              <a:t>68</a:t>
             </a:fld>
             <a:endParaRPr lang="en-US"/>
           </a:p>
@@ -1456,7 +1458,7 @@
           <a:p>
             <a:fld id="{1F2FBFEA-012E-42C0-88EC-181B3441BE0C}" type="datetimeFigureOut">
               <a:rPr lang="en-US" smtClean="0"/>
-              <a:t>9/8/2016</a:t>
+              <a:t>1/8/2020</a:t>
             </a:fld>
             <a:endParaRPr lang="en-US"/>
           </a:p>
@@ -1624,7 +1626,7 @@
           <a:p>
             <a:fld id="{1F2FBFEA-012E-42C0-88EC-181B3441BE0C}" type="datetimeFigureOut">
               <a:rPr lang="en-US" smtClean="0"/>
-              <a:t>9/8/2016</a:t>
+              <a:t>1/8/2020</a:t>
             </a:fld>
             <a:endParaRPr lang="en-US"/>
           </a:p>
@@ -1802,7 +1804,7 @@
           <a:p>
             <a:fld id="{1F2FBFEA-012E-42C0-88EC-181B3441BE0C}" type="datetimeFigureOut">
               <a:rPr lang="en-US" smtClean="0"/>
-              <a:t>9/8/2016</a:t>
+              <a:t>1/8/2020</a:t>
             </a:fld>
             <a:endParaRPr lang="en-US"/>
           </a:p>
@@ -1970,7 +1972,7 @@
           <a:p>
             <a:fld id="{1F2FBFEA-012E-42C0-88EC-181B3441BE0C}" type="datetimeFigureOut">
               <a:rPr lang="en-US" smtClean="0"/>
-              <a:t>9/8/2016</a:t>
+              <a:t>1/8/2020</a:t>
             </a:fld>
             <a:endParaRPr lang="en-US"/>
           </a:p>
@@ -2215,7 +2217,7 @@
           <a:p>
             <a:fld id="{1F2FBFEA-012E-42C0-88EC-181B3441BE0C}" type="datetimeFigureOut">
               <a:rPr lang="en-US" smtClean="0"/>
-              <a:t>9/8/2016</a:t>
+              <a:t>1/8/2020</a:t>
             </a:fld>
             <a:endParaRPr lang="en-US"/>
           </a:p>
@@ -2444,7 +2446,7 @@
           <a:p>
             <a:fld id="{1F2FBFEA-012E-42C0-88EC-181B3441BE0C}" type="datetimeFigureOut">
               <a:rPr lang="en-US" smtClean="0"/>
-              <a:t>9/8/2016</a:t>
+              <a:t>1/8/2020</a:t>
             </a:fld>
             <a:endParaRPr lang="en-US"/>
           </a:p>
@@ -2808,7 +2810,7 @@
           <a:p>
             <a:fld id="{1F2FBFEA-012E-42C0-88EC-181B3441BE0C}" type="datetimeFigureOut">
               <a:rPr lang="en-US" smtClean="0"/>
-              <a:t>9/8/2016</a:t>
+              <a:t>1/8/2020</a:t>
             </a:fld>
             <a:endParaRPr lang="en-US"/>
           </a:p>
@@ -2925,7 +2927,7 @@
           <a:p>
             <a:fld id="{1F2FBFEA-012E-42C0-88EC-181B3441BE0C}" type="datetimeFigureOut">
               <a:rPr lang="en-US" smtClean="0"/>
-              <a:t>9/8/2016</a:t>
+              <a:t>1/8/2020</a:t>
             </a:fld>
             <a:endParaRPr lang="en-US"/>
           </a:p>
@@ -3020,7 +3022,7 @@
           <a:p>
             <a:fld id="{1F2FBFEA-012E-42C0-88EC-181B3441BE0C}" type="datetimeFigureOut">
               <a:rPr lang="en-US" smtClean="0"/>
-              <a:t>9/8/2016</a:t>
+              <a:t>1/8/2020</a:t>
             </a:fld>
             <a:endParaRPr lang="en-US"/>
           </a:p>
@@ -3295,7 +3297,7 @@
           <a:p>
             <a:fld id="{1F2FBFEA-012E-42C0-88EC-181B3441BE0C}" type="datetimeFigureOut">
               <a:rPr lang="en-US" smtClean="0"/>
-              <a:t>9/8/2016</a:t>
+              <a:t>1/8/2020</a:t>
             </a:fld>
             <a:endParaRPr lang="en-US"/>
           </a:p>
@@ -3547,7 +3549,7 @@
           <a:p>
             <a:fld id="{1F2FBFEA-012E-42C0-88EC-181B3441BE0C}" type="datetimeFigureOut">
               <a:rPr lang="en-US" smtClean="0"/>
-              <a:t>9/8/2016</a:t>
+              <a:t>1/8/2020</a:t>
             </a:fld>
             <a:endParaRPr lang="en-US"/>
           </a:p>
@@ -3758,7 +3760,7 @@
           <a:p>
             <a:fld id="{1F2FBFEA-012E-42C0-88EC-181B3441BE0C}" type="datetimeFigureOut">
               <a:rPr lang="en-US" smtClean="0"/>
-              <a:t>9/8/2016</a:t>
+              <a:t>1/8/2020</a:t>
             </a:fld>
             <a:endParaRPr lang="en-US"/>
           </a:p>
@@ -7897,7 +7899,13 @@
       </p:grpSpPr>
       <p:sp>
         <p:nvSpPr>
-          <p:cNvPr id="2" name="Title 1"/>
+          <p:cNvPr id="2" name="Title 1">
+            <a:extLst>
+              <a:ext uri="{FF2B5EF4-FFF2-40B4-BE49-F238E27FC236}">
+                <a16:creationId xmlns:a16="http://schemas.microsoft.com/office/drawing/2014/main" id="{C523C934-E7DB-4FCA-AD40-36B282B512E8}"/>
+              </a:ext>
+            </a:extLst>
+          </p:cNvPr>
           <p:cNvSpPr>
             <a:spLocks noGrp="1"/>
           </p:cNvSpPr>
@@ -7912,14 +7920,20 @@
           <a:p>
             <a:r>
               <a:rPr lang="en-US" dirty="0"/>
-              <a:t>Methods: Pokémon</a:t>
-            </a:r>
-          </a:p>
-        </p:txBody>
-      </p:sp>
-      <p:sp>
-        <p:nvSpPr>
-          <p:cNvPr id="3" name="Content Placeholder 2"/>
+              <a:t>Accessor Methods</a:t>
+            </a:r>
+          </a:p>
+        </p:txBody>
+      </p:sp>
+      <p:sp>
+        <p:nvSpPr>
+          <p:cNvPr id="3" name="Content Placeholder 2">
+            <a:extLst>
+              <a:ext uri="{FF2B5EF4-FFF2-40B4-BE49-F238E27FC236}">
+                <a16:creationId xmlns:a16="http://schemas.microsoft.com/office/drawing/2014/main" id="{296A1DFF-D282-4F79-8A8B-C5598B31D56D}"/>
+              </a:ext>
+            </a:extLst>
+          </p:cNvPr>
           <p:cNvSpPr>
             <a:spLocks noGrp="1"/>
           </p:cNvSpPr>
@@ -7929,55 +7943,193 @@
         </p:nvSpPr>
         <p:spPr/>
         <p:txBody>
-          <a:bodyPr/>
-          <a:lstStyle/>
-          <a:p>
-            <a:pPr marL="0" indent="0">
-              <a:buNone/>
-            </a:pPr>
-            <a:r>
-              <a:rPr lang="en-US" dirty="0"/>
-              <a:t>Pokémon get an effort ribbon if their combined stats exceed a certain value – what’s a good way to get all of a Pokémon's stats?</a:t>
-            </a:r>
-          </a:p>
-          <a:p>
-            <a:pPr marL="0" indent="0">
-              <a:buNone/>
-            </a:pPr>
-            <a:endParaRPr lang="en-US" dirty="0"/>
-          </a:p>
-          <a:p>
-            <a:pPr marL="0" indent="0">
-              <a:buNone/>
-            </a:pPr>
-            <a:r>
-              <a:rPr lang="en-US" dirty="0"/>
-              <a:t>	</a:t>
-            </a:r>
-          </a:p>
-          <a:p>
-            <a:pPr marL="0" indent="0">
-              <a:buNone/>
-            </a:pPr>
-            <a:r>
-              <a:rPr lang="en-US" dirty="0"/>
-              <a:t>	What would the method </a:t>
-            </a:r>
-            <a:r>
-              <a:rPr lang="en-US" dirty="0" err="1"/>
-              <a:t>sumStats</a:t>
-            </a:r>
-            <a:r>
-              <a:rPr lang="en-US" dirty="0"/>
-              <a:t> look like?</a:t>
-            </a:r>
+          <a:bodyPr>
+            <a:normAutofit/>
+          </a:bodyPr>
+          <a:lstStyle/>
+          <a:p>
+            <a:pPr marL="0" indent="0">
+              <a:buNone/>
+            </a:pPr>
+            <a:r>
+              <a:rPr lang="en-US" sz="1600" dirty="0">
+                <a:latin typeface="Courier New" panose="02070309020205020404" pitchFamily="49" charset="0"/>
+                <a:cs typeface="Courier New" panose="02070309020205020404" pitchFamily="49" charset="0"/>
+              </a:rPr>
+              <a:t>public class Student {</a:t>
+            </a:r>
+          </a:p>
+          <a:p>
+            <a:pPr marL="457200" lvl="1" indent="0">
+              <a:buNone/>
+            </a:pPr>
+            <a:r>
+              <a:rPr lang="en-US" sz="1600" dirty="0">
+                <a:latin typeface="Courier New" panose="02070309020205020404" pitchFamily="49" charset="0"/>
+                <a:cs typeface="Courier New" panose="02070309020205020404" pitchFamily="49" charset="0"/>
+              </a:rPr>
+              <a:t>private String name;</a:t>
+            </a:r>
+          </a:p>
+          <a:p>
+            <a:pPr marL="457200" lvl="1" indent="0">
+              <a:buNone/>
+            </a:pPr>
+            <a:endParaRPr lang="en-US" sz="1600" dirty="0">
+              <a:latin typeface="Courier New" panose="02070309020205020404" pitchFamily="49" charset="0"/>
+              <a:cs typeface="Courier New" panose="02070309020205020404" pitchFamily="49" charset="0"/>
+            </a:endParaRPr>
+          </a:p>
+          <a:p>
+            <a:pPr marL="457200" lvl="1" indent="0">
+              <a:buNone/>
+            </a:pPr>
+            <a:r>
+              <a:rPr lang="en-US" sz="1600" dirty="0">
+                <a:latin typeface="Courier New" panose="02070309020205020404" pitchFamily="49" charset="0"/>
+                <a:cs typeface="Courier New" panose="02070309020205020404" pitchFamily="49" charset="0"/>
+              </a:rPr>
+              <a:t>public String </a:t>
+            </a:r>
+            <a:r>
+              <a:rPr lang="en-US" sz="1600" dirty="0" err="1">
+                <a:latin typeface="Courier New" panose="02070309020205020404" pitchFamily="49" charset="0"/>
+                <a:cs typeface="Courier New" panose="02070309020205020404" pitchFamily="49" charset="0"/>
+              </a:rPr>
+              <a:t>getName</a:t>
+            </a:r>
+            <a:r>
+              <a:rPr lang="en-US" sz="1600" dirty="0">
+                <a:latin typeface="Courier New" panose="02070309020205020404" pitchFamily="49" charset="0"/>
+                <a:cs typeface="Courier New" panose="02070309020205020404" pitchFamily="49" charset="0"/>
+              </a:rPr>
+              <a:t> () {			// getter accessor method</a:t>
+            </a:r>
+          </a:p>
+          <a:p>
+            <a:pPr marL="914400" lvl="2" indent="0">
+              <a:buNone/>
+            </a:pPr>
+            <a:r>
+              <a:rPr lang="en-US" sz="1600" dirty="0">
+                <a:latin typeface="Courier New" panose="02070309020205020404" pitchFamily="49" charset="0"/>
+                <a:cs typeface="Courier New" panose="02070309020205020404" pitchFamily="49" charset="0"/>
+              </a:rPr>
+              <a:t>return name;</a:t>
+            </a:r>
+          </a:p>
+          <a:p>
+            <a:pPr marL="457200" lvl="1" indent="0">
+              <a:buNone/>
+            </a:pPr>
+            <a:r>
+              <a:rPr lang="en-US" sz="1600" dirty="0">
+                <a:latin typeface="Courier New" panose="02070309020205020404" pitchFamily="49" charset="0"/>
+                <a:cs typeface="Courier New" panose="02070309020205020404" pitchFamily="49" charset="0"/>
+              </a:rPr>
+              <a:t>}</a:t>
+            </a:r>
+          </a:p>
+          <a:p>
+            <a:pPr marL="914400" lvl="2" indent="0">
+              <a:buNone/>
+            </a:pPr>
+            <a:endParaRPr lang="en-US" sz="1600" dirty="0">
+              <a:latin typeface="Courier New" panose="02070309020205020404" pitchFamily="49" charset="0"/>
+              <a:cs typeface="Courier New" panose="02070309020205020404" pitchFamily="49" charset="0"/>
+            </a:endParaRPr>
+          </a:p>
+          <a:p>
+            <a:pPr marL="457200" lvl="1" indent="0">
+              <a:buNone/>
+            </a:pPr>
+            <a:r>
+              <a:rPr lang="en-US" sz="1600" dirty="0">
+                <a:latin typeface="Courier New" panose="02070309020205020404" pitchFamily="49" charset="0"/>
+                <a:cs typeface="Courier New" panose="02070309020205020404" pitchFamily="49" charset="0"/>
+              </a:rPr>
+              <a:t>public void </a:t>
+            </a:r>
+            <a:r>
+              <a:rPr lang="en-US" sz="1600" dirty="0" err="1">
+                <a:latin typeface="Courier New" panose="02070309020205020404" pitchFamily="49" charset="0"/>
+                <a:cs typeface="Courier New" panose="02070309020205020404" pitchFamily="49" charset="0"/>
+              </a:rPr>
+              <a:t>setName</a:t>
+            </a:r>
+            <a:r>
+              <a:rPr lang="en-US" sz="1600" dirty="0">
+                <a:latin typeface="Courier New" panose="02070309020205020404" pitchFamily="49" charset="0"/>
+                <a:cs typeface="Courier New" panose="02070309020205020404" pitchFamily="49" charset="0"/>
+              </a:rPr>
+              <a:t>(String newname) {	// setter accessor method</a:t>
+            </a:r>
+          </a:p>
+          <a:p>
+            <a:pPr marL="914400" lvl="2" indent="0">
+              <a:buNone/>
+            </a:pPr>
+            <a:r>
+              <a:rPr lang="en-US" sz="1600" dirty="0">
+                <a:latin typeface="Courier New" panose="02070309020205020404" pitchFamily="49" charset="0"/>
+                <a:cs typeface="Courier New" panose="02070309020205020404" pitchFamily="49" charset="0"/>
+              </a:rPr>
+              <a:t>n</a:t>
+            </a:r>
+            <a:r>
+              <a:rPr lang="en-US" sz="1600">
+                <a:latin typeface="Courier New" panose="02070309020205020404" pitchFamily="49" charset="0"/>
+                <a:cs typeface="Courier New" panose="02070309020205020404" pitchFamily="49" charset="0"/>
+              </a:rPr>
+              <a:t>ame </a:t>
+            </a:r>
+            <a:r>
+              <a:rPr lang="en-US" sz="1600" dirty="0">
+                <a:latin typeface="Courier New" panose="02070309020205020404" pitchFamily="49" charset="0"/>
+                <a:cs typeface="Courier New" panose="02070309020205020404" pitchFamily="49" charset="0"/>
+              </a:rPr>
+              <a:t>= newname;</a:t>
+            </a:r>
+          </a:p>
+          <a:p>
+            <a:pPr marL="457200" lvl="1" indent="0">
+              <a:buNone/>
+            </a:pPr>
+            <a:r>
+              <a:rPr lang="en-US" sz="1600" dirty="0">
+                <a:latin typeface="Courier New" panose="02070309020205020404" pitchFamily="49" charset="0"/>
+                <a:cs typeface="Courier New" panose="02070309020205020404" pitchFamily="49" charset="0"/>
+              </a:rPr>
+              <a:t>}</a:t>
+            </a:r>
+          </a:p>
+          <a:p>
+            <a:pPr marL="0" indent="0">
+              <a:buNone/>
+            </a:pPr>
+            <a:r>
+              <a:rPr lang="en-US" sz="1600" dirty="0">
+                <a:latin typeface="Courier New" panose="02070309020205020404" pitchFamily="49" charset="0"/>
+                <a:cs typeface="Courier New" panose="02070309020205020404" pitchFamily="49" charset="0"/>
+              </a:rPr>
+              <a:t>}</a:t>
+            </a:r>
+          </a:p>
+          <a:p>
+            <a:pPr marL="0" indent="0">
+              <a:buNone/>
+            </a:pPr>
+            <a:endParaRPr lang="en-US" sz="1600" dirty="0">
+              <a:latin typeface="Courier New" panose="02070309020205020404" pitchFamily="49" charset="0"/>
+              <a:cs typeface="Courier New" panose="02070309020205020404" pitchFamily="49" charset="0"/>
+            </a:endParaRPr>
           </a:p>
         </p:txBody>
       </p:sp>
     </p:spTree>
     <p:extLst>
       <p:ext uri="{BB962C8B-B14F-4D97-AF65-F5344CB8AC3E}">
-        <p14:creationId xmlns:p14="http://schemas.microsoft.com/office/powerpoint/2010/main" val="660450313"/>
+        <p14:creationId xmlns:p14="http://schemas.microsoft.com/office/powerpoint/2010/main" val="1459667153"/>
       </p:ext>
     </p:extLst>
   </p:cSld>
@@ -8006,7 +8158,13 @@
       </p:grpSpPr>
       <p:sp>
         <p:nvSpPr>
-          <p:cNvPr id="2" name="Title 1"/>
+          <p:cNvPr id="2" name="Title 1">
+            <a:extLst>
+              <a:ext uri="{FF2B5EF4-FFF2-40B4-BE49-F238E27FC236}">
+                <a16:creationId xmlns:a16="http://schemas.microsoft.com/office/drawing/2014/main" id="{F174439D-8810-466D-8FAD-EDAF6AD339AC}"/>
+              </a:ext>
+            </a:extLst>
+          </p:cNvPr>
           <p:cNvSpPr>
             <a:spLocks noGrp="1"/>
           </p:cNvSpPr>
@@ -8020,19 +8178,21 @@
           <a:lstStyle/>
           <a:p>
             <a:r>
-              <a:rPr lang="en-US" dirty="0" err="1"/>
-              <a:t>sumStats</a:t>
-            </a:r>
-            <a:r>
-              <a:rPr lang="en-US" dirty="0"/>
-              <a:t>:</a:t>
-            </a:r>
-          </a:p>
-        </p:txBody>
-      </p:sp>
-      <p:sp>
-        <p:nvSpPr>
-          <p:cNvPr id="3" name="Content Placeholder 2"/>
+              <a:rPr lang="en-US" dirty="0"/>
+              <a:t>Accessor Example</a:t>
+            </a:r>
+          </a:p>
+        </p:txBody>
+      </p:sp>
+      <p:sp>
+        <p:nvSpPr>
+          <p:cNvPr id="3" name="Content Placeholder 2">
+            <a:extLst>
+              <a:ext uri="{FF2B5EF4-FFF2-40B4-BE49-F238E27FC236}">
+                <a16:creationId xmlns:a16="http://schemas.microsoft.com/office/drawing/2014/main" id="{505E8D4C-3D5C-4ECC-9470-F07BF0B5BAD3}"/>
+              </a:ext>
+            </a:extLst>
+          </p:cNvPr>
           <p:cNvSpPr>
             <a:spLocks noGrp="1"/>
           </p:cNvSpPr>
@@ -8042,98 +8202,259 @@
         </p:nvSpPr>
         <p:spPr/>
         <p:txBody>
-          <a:bodyPr/>
-          <a:lstStyle/>
-          <a:p>
-            <a:pPr marL="0" indent="0">
-              <a:buNone/>
-            </a:pPr>
-            <a:r>
-              <a:rPr lang="en-US" dirty="0">
-                <a:latin typeface="Courier New" panose="02070309020205020404" pitchFamily="49" charset="0"/>
-                <a:cs typeface="Courier New" panose="02070309020205020404" pitchFamily="49" charset="0"/>
-              </a:rPr>
-              <a:t>public </a:t>
-            </a:r>
-            <a:r>
-              <a:rPr lang="en-US" dirty="0" err="1">
-                <a:latin typeface="Courier New" panose="02070309020205020404" pitchFamily="49" charset="0"/>
-                <a:cs typeface="Courier New" panose="02070309020205020404" pitchFamily="49" charset="0"/>
-              </a:rPr>
-              <a:t>int</a:t>
-            </a:r>
-            <a:r>
-              <a:rPr lang="en-US" dirty="0">
-                <a:latin typeface="Courier New" panose="02070309020205020404" pitchFamily="49" charset="0"/>
-                <a:cs typeface="Courier New" panose="02070309020205020404" pitchFamily="49" charset="0"/>
-              </a:rPr>
-              <a:t> </a:t>
-            </a:r>
-            <a:r>
-              <a:rPr lang="en-US" dirty="0" err="1">
-                <a:latin typeface="Courier New" panose="02070309020205020404" pitchFamily="49" charset="0"/>
-                <a:cs typeface="Courier New" panose="02070309020205020404" pitchFamily="49" charset="0"/>
-              </a:rPr>
-              <a:t>sumStats</a:t>
-            </a:r>
-            <a:r>
-              <a:rPr lang="en-US" dirty="0">
-                <a:latin typeface="Courier New" panose="02070309020205020404" pitchFamily="49" charset="0"/>
-                <a:cs typeface="Courier New" panose="02070309020205020404" pitchFamily="49" charset="0"/>
-              </a:rPr>
-              <a:t>() {</a:t>
-            </a:r>
-          </a:p>
-          <a:p>
-            <a:pPr marL="0" indent="0">
-              <a:buNone/>
-            </a:pPr>
-            <a:r>
-              <a:rPr lang="en-US" dirty="0">
-                <a:latin typeface="Courier New" panose="02070309020205020404" pitchFamily="49" charset="0"/>
-                <a:cs typeface="Courier New" panose="02070309020205020404" pitchFamily="49" charset="0"/>
-              </a:rPr>
-              <a:t>	return(HP + attack + defense + </a:t>
-            </a:r>
-            <a:r>
-              <a:rPr lang="en-US" dirty="0" err="1">
-                <a:latin typeface="Courier New" panose="02070309020205020404" pitchFamily="49" charset="0"/>
-                <a:cs typeface="Courier New" panose="02070309020205020404" pitchFamily="49" charset="0"/>
-              </a:rPr>
-              <a:t>specialAttack</a:t>
-            </a:r>
-            <a:r>
-              <a:rPr lang="en-US" dirty="0">
-                <a:latin typeface="Courier New" panose="02070309020205020404" pitchFamily="49" charset="0"/>
-                <a:cs typeface="Courier New" panose="02070309020205020404" pitchFamily="49" charset="0"/>
-              </a:rPr>
-              <a:t> 		+ </a:t>
-            </a:r>
-            <a:r>
-              <a:rPr lang="en-US" dirty="0" err="1">
-                <a:latin typeface="Courier New" panose="02070309020205020404" pitchFamily="49" charset="0"/>
-                <a:cs typeface="Courier New" panose="02070309020205020404" pitchFamily="49" charset="0"/>
-              </a:rPr>
-              <a:t>specialDefense</a:t>
-            </a:r>
-            <a:r>
-              <a:rPr lang="en-US" dirty="0">
-                <a:latin typeface="Courier New" panose="02070309020205020404" pitchFamily="49" charset="0"/>
-                <a:cs typeface="Courier New" panose="02070309020205020404" pitchFamily="49" charset="0"/>
-              </a:rPr>
-              <a:t> + speed);</a:t>
-            </a:r>
-          </a:p>
-          <a:p>
-            <a:pPr marL="0" indent="0">
-              <a:buNone/>
-            </a:pPr>
-            <a:r>
-              <a:rPr lang="en-US" dirty="0">
+          <a:bodyPr>
+            <a:normAutofit lnSpcReduction="10000"/>
+          </a:bodyPr>
+          <a:lstStyle/>
+          <a:p>
+            <a:pPr marL="0" indent="0">
+              <a:buNone/>
+            </a:pPr>
+            <a:r>
+              <a:rPr lang="en-US" sz="1600" dirty="0">
+                <a:latin typeface="Courier New" panose="02070309020205020404" pitchFamily="49" charset="0"/>
+                <a:cs typeface="Courier New" panose="02070309020205020404" pitchFamily="49" charset="0"/>
+              </a:rPr>
+              <a:t>public class </a:t>
+            </a:r>
+            <a:r>
+              <a:rPr lang="en-US" sz="1600" dirty="0" err="1">
+                <a:latin typeface="Courier New" panose="02070309020205020404" pitchFamily="49" charset="0"/>
+                <a:cs typeface="Courier New" panose="02070309020205020404" pitchFamily="49" charset="0"/>
+              </a:rPr>
+              <a:t>FormGroups</a:t>
+            </a:r>
+            <a:r>
+              <a:rPr lang="en-US" sz="1600" dirty="0">
+                <a:latin typeface="Courier New" panose="02070309020205020404" pitchFamily="49" charset="0"/>
+                <a:cs typeface="Courier New" panose="02070309020205020404" pitchFamily="49" charset="0"/>
+              </a:rPr>
+              <a:t> {</a:t>
+            </a:r>
+          </a:p>
+          <a:p>
+            <a:pPr marL="457200" lvl="1" indent="0">
+              <a:buNone/>
+            </a:pPr>
+            <a:endParaRPr lang="en-US" sz="1600" dirty="0">
+              <a:latin typeface="Courier New" panose="02070309020205020404" pitchFamily="49" charset="0"/>
+              <a:cs typeface="Courier New" panose="02070309020205020404" pitchFamily="49" charset="0"/>
+            </a:endParaRPr>
+          </a:p>
+          <a:p>
+            <a:pPr marL="457200" lvl="1" indent="0">
+              <a:buNone/>
+            </a:pPr>
+            <a:r>
+              <a:rPr lang="en-US" sz="1600" dirty="0">
+                <a:latin typeface="Courier New" panose="02070309020205020404" pitchFamily="49" charset="0"/>
+                <a:cs typeface="Courier New" panose="02070309020205020404" pitchFamily="49" charset="0"/>
+              </a:rPr>
+              <a:t>public static void main (String </a:t>
+            </a:r>
+            <a:r>
+              <a:rPr lang="en-US" sz="1600" dirty="0" err="1">
+                <a:latin typeface="Courier New" panose="02070309020205020404" pitchFamily="49" charset="0"/>
+                <a:cs typeface="Courier New" panose="02070309020205020404" pitchFamily="49" charset="0"/>
+              </a:rPr>
+              <a:t>args</a:t>
+            </a:r>
+            <a:r>
+              <a:rPr lang="en-US" sz="1600" dirty="0">
+                <a:latin typeface="Courier New" panose="02070309020205020404" pitchFamily="49" charset="0"/>
+                <a:cs typeface="Courier New" panose="02070309020205020404" pitchFamily="49" charset="0"/>
+              </a:rPr>
+              <a:t>[]){</a:t>
+            </a:r>
+          </a:p>
+          <a:p>
+            <a:pPr marL="457200" lvl="1" indent="0">
+              <a:buNone/>
+            </a:pPr>
+            <a:r>
+              <a:rPr lang="en-US" sz="1600" dirty="0">
+                <a:latin typeface="Courier New" panose="02070309020205020404" pitchFamily="49" charset="0"/>
+                <a:cs typeface="Courier New" panose="02070309020205020404" pitchFamily="49" charset="0"/>
+              </a:rPr>
+              <a:t>	Student </a:t>
+            </a:r>
+            <a:r>
+              <a:rPr lang="en-US" sz="1600" dirty="0" err="1">
+                <a:latin typeface="Courier New" panose="02070309020205020404" pitchFamily="49" charset="0"/>
+                <a:cs typeface="Courier New" panose="02070309020205020404" pitchFamily="49" charset="0"/>
+              </a:rPr>
+              <a:t>groupLeader</a:t>
+            </a:r>
+            <a:r>
+              <a:rPr lang="en-US" sz="1600" dirty="0">
+                <a:latin typeface="Courier New" panose="02070309020205020404" pitchFamily="49" charset="0"/>
+                <a:cs typeface="Courier New" panose="02070309020205020404" pitchFamily="49" charset="0"/>
+              </a:rPr>
+              <a:t> = new Student();</a:t>
+            </a:r>
+          </a:p>
+          <a:p>
+            <a:pPr marL="457200" lvl="1" indent="0">
+              <a:buNone/>
+            </a:pPr>
+            <a:endParaRPr lang="en-US" sz="1600" dirty="0">
+              <a:latin typeface="Courier New" panose="02070309020205020404" pitchFamily="49" charset="0"/>
+              <a:cs typeface="Courier New" panose="02070309020205020404" pitchFamily="49" charset="0"/>
+            </a:endParaRPr>
+          </a:p>
+          <a:p>
+            <a:pPr marL="457200" lvl="1" indent="0">
+              <a:buNone/>
+            </a:pPr>
+            <a:r>
+              <a:rPr lang="en-US" sz="1600" dirty="0">
+                <a:latin typeface="Courier New" panose="02070309020205020404" pitchFamily="49" charset="0"/>
+                <a:cs typeface="Courier New" panose="02070309020205020404" pitchFamily="49" charset="0"/>
+              </a:rPr>
+              <a:t>	</a:t>
+            </a:r>
+            <a:r>
+              <a:rPr lang="en-US" sz="1600" dirty="0" err="1">
+                <a:latin typeface="Courier New" panose="02070309020205020404" pitchFamily="49" charset="0"/>
+                <a:cs typeface="Courier New" panose="02070309020205020404" pitchFamily="49" charset="0"/>
+              </a:rPr>
+              <a:t>groupLeader.setName</a:t>
+            </a:r>
+            <a:r>
+              <a:rPr lang="en-US" sz="1600" dirty="0">
+                <a:latin typeface="Courier New" panose="02070309020205020404" pitchFamily="49" charset="0"/>
+                <a:cs typeface="Courier New" panose="02070309020205020404" pitchFamily="49" charset="0"/>
+              </a:rPr>
+              <a:t>(“Pat”);</a:t>
+            </a:r>
+          </a:p>
+          <a:p>
+            <a:pPr marL="457200" lvl="1" indent="0">
+              <a:buNone/>
+            </a:pPr>
+            <a:endParaRPr lang="en-US" sz="1600" dirty="0">
+              <a:latin typeface="Courier New" panose="02070309020205020404" pitchFamily="49" charset="0"/>
+              <a:cs typeface="Courier New" panose="02070309020205020404" pitchFamily="49" charset="0"/>
+            </a:endParaRPr>
+          </a:p>
+          <a:p>
+            <a:pPr marL="457200" lvl="1" indent="0">
+              <a:buNone/>
+            </a:pPr>
+            <a:r>
+              <a:rPr lang="en-US" sz="1600" dirty="0">
+                <a:latin typeface="Courier New" panose="02070309020205020404" pitchFamily="49" charset="0"/>
+                <a:cs typeface="Courier New" panose="02070309020205020404" pitchFamily="49" charset="0"/>
+              </a:rPr>
+              <a:t>	</a:t>
+            </a:r>
+            <a:r>
+              <a:rPr lang="en-US" sz="1600" dirty="0" err="1">
+                <a:latin typeface="Courier New" panose="02070309020205020404" pitchFamily="49" charset="0"/>
+                <a:cs typeface="Courier New" panose="02070309020205020404" pitchFamily="49" charset="0"/>
+              </a:rPr>
+              <a:t>System.out.println</a:t>
+            </a:r>
+            <a:r>
+              <a:rPr lang="en-US" sz="1600" dirty="0">
+                <a:latin typeface="Courier New" panose="02070309020205020404" pitchFamily="49" charset="0"/>
+                <a:cs typeface="Courier New" panose="02070309020205020404" pitchFamily="49" charset="0"/>
+              </a:rPr>
+              <a:t> (“The group leader is “ + </a:t>
+            </a:r>
+            <a:r>
+              <a:rPr lang="en-US" sz="1600" dirty="0" err="1">
+                <a:latin typeface="Courier New" panose="02070309020205020404" pitchFamily="49" charset="0"/>
+                <a:cs typeface="Courier New" panose="02070309020205020404" pitchFamily="49" charset="0"/>
+              </a:rPr>
+              <a:t>groupLeader.getName</a:t>
+            </a:r>
+            <a:r>
+              <a:rPr lang="en-US" sz="1600" dirty="0">
+                <a:latin typeface="Courier New" panose="02070309020205020404" pitchFamily="49" charset="0"/>
+                <a:cs typeface="Courier New" panose="02070309020205020404" pitchFamily="49" charset="0"/>
+              </a:rPr>
+              <a:t>()); 		</a:t>
+            </a:r>
+          </a:p>
+          <a:p>
+            <a:pPr marL="457200" lvl="1" indent="0">
+              <a:buNone/>
+            </a:pPr>
+            <a:r>
+              <a:rPr lang="en-US" sz="1600" dirty="0">
                 <a:latin typeface="Courier New" panose="02070309020205020404" pitchFamily="49" charset="0"/>
                 <a:cs typeface="Courier New" panose="02070309020205020404" pitchFamily="49" charset="0"/>
               </a:rPr>
               <a:t>}</a:t>
+            </a:r>
+          </a:p>
+          <a:p>
+            <a:pPr marL="0" indent="0">
+              <a:buNone/>
+            </a:pPr>
+            <a:r>
+              <a:rPr lang="en-US" sz="1600" dirty="0">
+                <a:latin typeface="Courier New" panose="02070309020205020404" pitchFamily="49" charset="0"/>
+                <a:cs typeface="Courier New" panose="02070309020205020404" pitchFamily="49" charset="0"/>
+              </a:rPr>
+              <a:t>}</a:t>
+            </a:r>
+          </a:p>
+          <a:p>
+            <a:pPr marL="0" indent="0">
+              <a:buNone/>
+            </a:pPr>
+            <a:endParaRPr lang="en-US" sz="1600" dirty="0">
+              <a:latin typeface="Courier New" panose="02070309020205020404" pitchFamily="49" charset="0"/>
+              <a:cs typeface="Courier New" panose="02070309020205020404" pitchFamily="49" charset="0"/>
+            </a:endParaRPr>
+          </a:p>
+          <a:p>
+            <a:pPr marL="0" indent="0">
+              <a:buNone/>
+            </a:pPr>
+            <a:r>
+              <a:rPr lang="en-US" sz="1600" dirty="0">
+                <a:cs typeface="Courier New" panose="02070309020205020404" pitchFamily="49" charset="0"/>
+              </a:rPr>
+              <a:t>Note: </a:t>
+            </a:r>
+          </a:p>
+          <a:p>
+            <a:r>
+              <a:rPr lang="en-US" sz="1600" dirty="0">
+                <a:cs typeface="Courier New" panose="02070309020205020404" pitchFamily="49" charset="0"/>
+              </a:rPr>
+              <a:t>The return expression from </a:t>
+            </a:r>
+            <a:r>
+              <a:rPr lang="en-US" sz="1600" dirty="0" err="1">
+                <a:latin typeface="Courier New" panose="02070309020205020404" pitchFamily="49" charset="0"/>
+                <a:cs typeface="Courier New" panose="02070309020205020404" pitchFamily="49" charset="0"/>
+              </a:rPr>
+              <a:t>groupLeader.getName</a:t>
+            </a:r>
+            <a:r>
+              <a:rPr lang="en-US" sz="1600" dirty="0">
+                <a:latin typeface="Courier New" panose="02070309020205020404" pitchFamily="49" charset="0"/>
+                <a:cs typeface="Courier New" panose="02070309020205020404" pitchFamily="49" charset="0"/>
+              </a:rPr>
+              <a:t>()</a:t>
+            </a:r>
+            <a:r>
+              <a:rPr lang="en-US" sz="1600" dirty="0">
+                <a:cs typeface="Courier New" panose="02070309020205020404" pitchFamily="49" charset="0"/>
+              </a:rPr>
+              <a:t> a reference to an object.</a:t>
+            </a:r>
+          </a:p>
+          <a:p>
+            <a:r>
+              <a:rPr lang="en-US" sz="1600" dirty="0">
+                <a:cs typeface="Courier New" panose="02070309020205020404" pitchFamily="49" charset="0"/>
+              </a:rPr>
+              <a:t>A copy of that reference is returned, not a copy of the object.</a:t>
             </a:r>
           </a:p>
         </p:txBody>
@@ -8141,7 +8462,7 @@
     </p:spTree>
     <p:extLst>
       <p:ext uri="{BB962C8B-B14F-4D97-AF65-F5344CB8AC3E}">
-        <p14:creationId xmlns:p14="http://schemas.microsoft.com/office/powerpoint/2010/main" val="2988899252"/>
+        <p14:creationId xmlns:p14="http://schemas.microsoft.com/office/powerpoint/2010/main" val="1177665373"/>
       </p:ext>
     </p:extLst>
   </p:cSld>
@@ -8185,122 +8506,72 @@
           <a:p>
             <a:r>
               <a:rPr lang="en-US" dirty="0"/>
-              <a:t>Methods: </a:t>
+              <a:t>Methods: Pokémon</a:t>
+            </a:r>
+          </a:p>
+        </p:txBody>
+      </p:sp>
+      <p:sp>
+        <p:nvSpPr>
+          <p:cNvPr id="3" name="Content Placeholder 2"/>
+          <p:cNvSpPr>
+            <a:spLocks noGrp="1"/>
+          </p:cNvSpPr>
+          <p:nvPr>
+            <p:ph idx="1"/>
+          </p:nvPr>
+        </p:nvSpPr>
+        <p:spPr/>
+        <p:txBody>
+          <a:bodyPr/>
+          <a:lstStyle/>
+          <a:p>
+            <a:pPr marL="0" indent="0">
+              <a:buNone/>
+            </a:pPr>
+            <a:r>
+              <a:rPr lang="en-US" dirty="0"/>
+              <a:t>Pokémon get an effort ribbon if their combined stats exceed a certain value – what’s a good way to get all of a Pokémon's stats?</a:t>
+            </a:r>
+          </a:p>
+          <a:p>
+            <a:pPr marL="0" indent="0">
+              <a:buNone/>
+            </a:pPr>
+            <a:endParaRPr lang="en-US" dirty="0"/>
+          </a:p>
+          <a:p>
+            <a:pPr marL="0" indent="0">
+              <a:buNone/>
+            </a:pPr>
+            <a:r>
+              <a:rPr lang="en-US" dirty="0"/>
+              <a:t>	</a:t>
+            </a:r>
+          </a:p>
+          <a:p>
+            <a:pPr marL="0" indent="0">
+              <a:buNone/>
+            </a:pPr>
+            <a:r>
+              <a:rPr lang="en-US" dirty="0"/>
+              <a:t>	What would the method </a:t>
             </a:r>
             <a:r>
               <a:rPr lang="en-US" dirty="0" err="1"/>
-              <a:t>Pokemon</a:t>
-            </a:r>
-            <a:endParaRPr lang="en-US" dirty="0"/>
-          </a:p>
-        </p:txBody>
-      </p:sp>
-      <p:sp>
-        <p:nvSpPr>
-          <p:cNvPr id="3" name="Content Placeholder 2"/>
-          <p:cNvSpPr>
-            <a:spLocks noGrp="1"/>
-          </p:cNvSpPr>
-          <p:nvPr>
-            <p:ph idx="1"/>
-          </p:nvPr>
-        </p:nvSpPr>
-        <p:spPr/>
-        <p:txBody>
-          <a:bodyPr/>
-          <a:lstStyle/>
-          <a:p>
-            <a:pPr marL="0" indent="0">
-              <a:buNone/>
-            </a:pPr>
-            <a:r>
-              <a:rPr lang="en-US" dirty="0" err="1"/>
-              <a:t>Pokemon</a:t>
-            </a:r>
-            <a:r>
-              <a:rPr lang="en-US" dirty="0"/>
-              <a:t> use vitamins to boost their stats. Here are some examples:</a:t>
-            </a:r>
-          </a:p>
-          <a:p>
-            <a:pPr marL="0" indent="0">
-              <a:buNone/>
-            </a:pPr>
-            <a:endParaRPr lang="en-US" dirty="0"/>
-          </a:p>
-          <a:p>
-            <a:pPr marL="0" indent="0">
-              <a:buNone/>
-            </a:pPr>
-            <a:r>
-              <a:rPr lang="en-US" dirty="0"/>
-              <a:t>Vitamin		Function</a:t>
-            </a:r>
-          </a:p>
-          <a:p>
-            <a:pPr marL="0" indent="0">
-              <a:buNone/>
-            </a:pPr>
-            <a:r>
-              <a:rPr lang="en-US" dirty="0" err="1"/>
-              <a:t>hpUp</a:t>
-            </a:r>
-            <a:r>
-              <a:rPr lang="en-US" dirty="0"/>
-              <a:t> 			+ points to HP</a:t>
-            </a:r>
-          </a:p>
-          <a:p>
-            <a:pPr marL="0" indent="0">
-              <a:buNone/>
-            </a:pPr>
-            <a:r>
-              <a:rPr lang="en-US" dirty="0"/>
-              <a:t>protein		+ points to attack</a:t>
-            </a:r>
-          </a:p>
-          <a:p>
-            <a:pPr marL="0" indent="0">
-              <a:buNone/>
-            </a:pPr>
-            <a:r>
-              <a:rPr lang="en-US" dirty="0"/>
-              <a:t>iron			+ points to defense</a:t>
-            </a:r>
-            <a:br>
-              <a:rPr lang="en-US" dirty="0"/>
-            </a:br>
-            <a:endParaRPr lang="en-US" dirty="0"/>
-          </a:p>
-          <a:p>
-            <a:pPr marL="0" indent="0">
-              <a:buNone/>
-            </a:pPr>
-            <a:r>
-              <a:rPr lang="en-US" dirty="0"/>
-              <a:t>Now write a method, </a:t>
-            </a:r>
-            <a:r>
-              <a:rPr lang="en-US" dirty="0" err="1"/>
-              <a:t>consumeVitamin</a:t>
-            </a:r>
-            <a:r>
-              <a:rPr lang="en-US" dirty="0"/>
-              <a:t>, that actually changes the state.</a:t>
-            </a:r>
-          </a:p>
-          <a:p>
-            <a:pPr marL="0" indent="0">
-              <a:buNone/>
-            </a:pPr>
-            <a:endParaRPr lang="en-US" dirty="0"/>
+              <a:t>sumStats</a:t>
+            </a:r>
+            <a:r>
+              <a:rPr lang="en-US" dirty="0"/>
+              <a:t> look like?</a:t>
+            </a:r>
           </a:p>
         </p:txBody>
       </p:sp>
     </p:spTree>
     <p:extLst>
       <p:ext uri="{BB962C8B-B14F-4D97-AF65-F5344CB8AC3E}">
-        <p14:creationId xmlns:p14="http://schemas.microsoft.com/office/powerpoint/2010/main" val="3888733780"/>
+        <p14:creationId xmlns:p14="http://schemas.microsoft.com/office/powerpoint/2010/main" val="660450313"/>
       </p:ext>
     </p:extLst>
   </p:cSld>
@@ -8344,9 +8615,12 @@
           <a:p>
             <a:r>
               <a:rPr lang="en-US" dirty="0" err="1"/>
-              <a:t>consumeVitamin</a:t>
-            </a:r>
-            <a:endParaRPr lang="en-US" dirty="0"/>
+              <a:t>sumStats</a:t>
+            </a:r>
+            <a:r>
+              <a:rPr lang="en-US" dirty="0"/>
+              <a:t>:</a:t>
+            </a:r>
           </a:p>
         </p:txBody>
       </p:sp>
@@ -8362,148 +8636,94 @@
         </p:nvSpPr>
         <p:spPr/>
         <p:txBody>
-          <a:bodyPr>
-            <a:normAutofit/>
-          </a:bodyPr>
-          <a:lstStyle/>
-          <a:p>
-            <a:pPr marL="0" indent="0">
-              <a:buNone/>
-            </a:pPr>
-            <a:r>
-              <a:rPr lang="en-US" sz="2400" dirty="0">
-                <a:latin typeface="Courier New" panose="02070309020205020404" pitchFamily="49" charset="0"/>
-                <a:cs typeface="Courier New" panose="02070309020205020404" pitchFamily="49" charset="0"/>
-              </a:rPr>
-              <a:t>public void </a:t>
-            </a:r>
-            <a:r>
-              <a:rPr lang="en-US" sz="2400" dirty="0" err="1">
-                <a:latin typeface="Courier New" panose="02070309020205020404" pitchFamily="49" charset="0"/>
-                <a:cs typeface="Courier New" panose="02070309020205020404" pitchFamily="49" charset="0"/>
-              </a:rPr>
-              <a:t>consumeVitamin</a:t>
-            </a:r>
-            <a:r>
-              <a:rPr lang="en-US" sz="2400" dirty="0">
-                <a:latin typeface="Courier New" panose="02070309020205020404" pitchFamily="49" charset="0"/>
-                <a:cs typeface="Courier New" panose="02070309020205020404" pitchFamily="49" charset="0"/>
-              </a:rPr>
-              <a:t>( </a:t>
-            </a:r>
-            <a:r>
-              <a:rPr lang="en-US" sz="2400" dirty="0" err="1">
+          <a:bodyPr/>
+          <a:lstStyle/>
+          <a:p>
+            <a:pPr marL="0" indent="0">
+              <a:buNone/>
+            </a:pPr>
+            <a:r>
+              <a:rPr lang="en-US" dirty="0">
+                <a:latin typeface="Courier New" panose="02070309020205020404" pitchFamily="49" charset="0"/>
+                <a:cs typeface="Courier New" panose="02070309020205020404" pitchFamily="49" charset="0"/>
+              </a:rPr>
+              <a:t>public </a:t>
+            </a:r>
+            <a:r>
+              <a:rPr lang="en-US" dirty="0" err="1">
                 <a:latin typeface="Courier New" panose="02070309020205020404" pitchFamily="49" charset="0"/>
                 <a:cs typeface="Courier New" panose="02070309020205020404" pitchFamily="49" charset="0"/>
               </a:rPr>
               <a:t>int</a:t>
             </a:r>
             <a:r>
-              <a:rPr lang="en-US" sz="2400" dirty="0">
+              <a:rPr lang="en-US" dirty="0">
                 <a:latin typeface="Courier New" panose="02070309020205020404" pitchFamily="49" charset="0"/>
                 <a:cs typeface="Courier New" panose="02070309020205020404" pitchFamily="49" charset="0"/>
               </a:rPr>
               <a:t> </a:t>
             </a:r>
             <a:r>
-              <a:rPr lang="en-US" sz="2400" dirty="0" err="1">
-                <a:latin typeface="Courier New" panose="02070309020205020404" pitchFamily="49" charset="0"/>
-                <a:cs typeface="Courier New" panose="02070309020205020404" pitchFamily="49" charset="0"/>
-              </a:rPr>
-              <a:t>hpUp</a:t>
-            </a:r>
-            <a:r>
-              <a:rPr lang="en-US" sz="2400" dirty="0">
-                <a:latin typeface="Courier New" panose="02070309020205020404" pitchFamily="49" charset="0"/>
-                <a:cs typeface="Courier New" panose="02070309020205020404" pitchFamily="49" charset="0"/>
-              </a:rPr>
-              <a:t>, </a:t>
-            </a:r>
-            <a:r>
-              <a:rPr lang="en-US" sz="2400" dirty="0" err="1">
-                <a:latin typeface="Courier New" panose="02070309020205020404" pitchFamily="49" charset="0"/>
-                <a:cs typeface="Courier New" panose="02070309020205020404" pitchFamily="49" charset="0"/>
-              </a:rPr>
-              <a:t>int</a:t>
-            </a:r>
-            <a:r>
-              <a:rPr lang="en-US" sz="2400" dirty="0">
-                <a:latin typeface="Courier New" panose="02070309020205020404" pitchFamily="49" charset="0"/>
-                <a:cs typeface="Courier New" panose="02070309020205020404" pitchFamily="49" charset="0"/>
-              </a:rPr>
-              <a:t> protein …) {</a:t>
-            </a:r>
-          </a:p>
-          <a:p>
-            <a:pPr marL="0" indent="0">
-              <a:buNone/>
-            </a:pPr>
-            <a:r>
-              <a:rPr lang="en-US" sz="2400" dirty="0">
-                <a:latin typeface="Courier New" panose="02070309020205020404" pitchFamily="49" charset="0"/>
-                <a:cs typeface="Courier New" panose="02070309020205020404" pitchFamily="49" charset="0"/>
-              </a:rPr>
-              <a:t>	</a:t>
-            </a:r>
-            <a:r>
-              <a:rPr lang="en-US" sz="2400" dirty="0" err="1">
-                <a:latin typeface="Courier New" panose="02070309020205020404" pitchFamily="49" charset="0"/>
-                <a:cs typeface="Courier New" panose="02070309020205020404" pitchFamily="49" charset="0"/>
-              </a:rPr>
-              <a:t>hp</a:t>
-            </a:r>
-            <a:r>
-              <a:rPr lang="en-US" sz="2400" dirty="0">
-                <a:latin typeface="Courier New" panose="02070309020205020404" pitchFamily="49" charset="0"/>
-                <a:cs typeface="Courier New" panose="02070309020205020404" pitchFamily="49" charset="0"/>
-              </a:rPr>
-              <a:t> += </a:t>
-            </a:r>
-            <a:r>
-              <a:rPr lang="en-US" sz="2400" dirty="0" err="1">
-                <a:latin typeface="Courier New" panose="02070309020205020404" pitchFamily="49" charset="0"/>
-                <a:cs typeface="Courier New" panose="02070309020205020404" pitchFamily="49" charset="0"/>
-              </a:rPr>
-              <a:t>hpUp</a:t>
-            </a:r>
-            <a:r>
-              <a:rPr lang="en-US" sz="2400" dirty="0">
-                <a:latin typeface="Courier New" panose="02070309020205020404" pitchFamily="49" charset="0"/>
-                <a:cs typeface="Courier New" panose="02070309020205020404" pitchFamily="49" charset="0"/>
-              </a:rPr>
-              <a:t>;</a:t>
-            </a:r>
-          </a:p>
-          <a:p>
-            <a:pPr marL="0" indent="0">
-              <a:buNone/>
-            </a:pPr>
-            <a:r>
-              <a:rPr lang="en-US" sz="2400" dirty="0">
-                <a:latin typeface="Courier New" panose="02070309020205020404" pitchFamily="49" charset="0"/>
-                <a:cs typeface="Courier New" panose="02070309020205020404" pitchFamily="49" charset="0"/>
-              </a:rPr>
-              <a:t>	attack += protein;</a:t>
-            </a:r>
-          </a:p>
-          <a:p>
-            <a:pPr marL="0" indent="0">
-              <a:buNone/>
-            </a:pPr>
-            <a:r>
-              <a:rPr lang="en-US" sz="2400" dirty="0">
-                <a:latin typeface="Courier New" panose="02070309020205020404" pitchFamily="49" charset="0"/>
-                <a:cs typeface="Courier New" panose="02070309020205020404" pitchFamily="49" charset="0"/>
-              </a:rPr>
-              <a:t>	…</a:t>
-            </a:r>
-          </a:p>
-          <a:p>
-            <a:pPr marL="0" indent="0">
-              <a:buNone/>
-            </a:pPr>
-            <a:r>
-              <a:rPr lang="en-US" sz="2400" dirty="0">
+              <a:rPr lang="en-US" dirty="0" err="1">
+                <a:latin typeface="Courier New" panose="02070309020205020404" pitchFamily="49" charset="0"/>
+                <a:cs typeface="Courier New" panose="02070309020205020404" pitchFamily="49" charset="0"/>
+              </a:rPr>
+              <a:t>sumStats</a:t>
+            </a:r>
+            <a:r>
+              <a:rPr lang="en-US" dirty="0">
+                <a:latin typeface="Courier New" panose="02070309020205020404" pitchFamily="49" charset="0"/>
+                <a:cs typeface="Courier New" panose="02070309020205020404" pitchFamily="49" charset="0"/>
+              </a:rPr>
+              <a:t>() {</a:t>
+            </a:r>
+          </a:p>
+          <a:p>
+            <a:pPr marL="0" indent="0">
+              <a:buNone/>
+            </a:pPr>
+            <a:r>
+              <a:rPr lang="en-US" dirty="0">
+                <a:latin typeface="Courier New" panose="02070309020205020404" pitchFamily="49" charset="0"/>
+                <a:cs typeface="Courier New" panose="02070309020205020404" pitchFamily="49" charset="0"/>
+              </a:rPr>
+              <a:t>	return(HP + attack + defense + </a:t>
+            </a:r>
+            <a:r>
+              <a:rPr lang="en-US" dirty="0" err="1">
+                <a:latin typeface="Courier New" panose="02070309020205020404" pitchFamily="49" charset="0"/>
+                <a:cs typeface="Courier New" panose="02070309020205020404" pitchFamily="49" charset="0"/>
+              </a:rPr>
+              <a:t>specialAttack</a:t>
+            </a:r>
+            <a:r>
+              <a:rPr lang="en-US" dirty="0">
+                <a:latin typeface="Courier New" panose="02070309020205020404" pitchFamily="49" charset="0"/>
+                <a:cs typeface="Courier New" panose="02070309020205020404" pitchFamily="49" charset="0"/>
+              </a:rPr>
+              <a:t> 		+ </a:t>
+            </a:r>
+            <a:r>
+              <a:rPr lang="en-US" dirty="0" err="1">
+                <a:latin typeface="Courier New" panose="02070309020205020404" pitchFamily="49" charset="0"/>
+                <a:cs typeface="Courier New" panose="02070309020205020404" pitchFamily="49" charset="0"/>
+              </a:rPr>
+              <a:t>specialDefense</a:t>
+            </a:r>
+            <a:r>
+              <a:rPr lang="en-US" dirty="0">
+                <a:latin typeface="Courier New" panose="02070309020205020404" pitchFamily="49" charset="0"/>
+                <a:cs typeface="Courier New" panose="02070309020205020404" pitchFamily="49" charset="0"/>
+              </a:rPr>
+              <a:t> + speed);</a:t>
+            </a:r>
+          </a:p>
+          <a:p>
+            <a:pPr marL="0" indent="0">
+              <a:buNone/>
+            </a:pPr>
+            <a:r>
+              <a:rPr lang="en-US" dirty="0">
                 <a:latin typeface="Courier New" panose="02070309020205020404" pitchFamily="49" charset="0"/>
                 <a:cs typeface="Courier New" panose="02070309020205020404" pitchFamily="49" charset="0"/>
               </a:rPr>
@@ -8515,7 +8735,7 @@
     </p:spTree>
     <p:extLst>
       <p:ext uri="{BB962C8B-B14F-4D97-AF65-F5344CB8AC3E}">
-        <p14:creationId xmlns:p14="http://schemas.microsoft.com/office/powerpoint/2010/main" val="2002235189"/>
+        <p14:creationId xmlns:p14="http://schemas.microsoft.com/office/powerpoint/2010/main" val="2988899252"/>
       </p:ext>
     </p:extLst>
   </p:cSld>
@@ -8559,8 +8779,13 @@
           <a:p>
             <a:r>
               <a:rPr lang="en-US" dirty="0"/>
-              <a:t>Constructors</a:t>
-            </a:r>
+              <a:t>Methods: </a:t>
+            </a:r>
+            <a:r>
+              <a:rPr lang="en-US" dirty="0" err="1"/>
+              <a:t>Pokemon</a:t>
+            </a:r>
+            <a:endParaRPr lang="en-US" dirty="0"/>
           </a:p>
         </p:txBody>
       </p:sp>
@@ -8576,26 +8801,19 @@
         </p:nvSpPr>
         <p:spPr/>
         <p:txBody>
-          <a:bodyPr>
-            <a:normAutofit fontScale="77500" lnSpcReduction="20000"/>
-          </a:bodyPr>
-          <a:lstStyle/>
-          <a:p>
-            <a:pPr marL="0" indent="0">
-              <a:buNone/>
-            </a:pPr>
-            <a:r>
-              <a:rPr lang="en-US" dirty="0"/>
-              <a:t>We need to initialize our values of each instance of the Pokémon class.</a:t>
-            </a:r>
-          </a:p>
-          <a:p>
-            <a:pPr marL="0" indent="0">
-              <a:buNone/>
-            </a:pPr>
-            <a:r>
-              <a:rPr lang="en-US" dirty="0"/>
-              <a:t>This is done in the constructor:</a:t>
+          <a:bodyPr/>
+          <a:lstStyle/>
+          <a:p>
+            <a:pPr marL="0" indent="0">
+              <a:buNone/>
+            </a:pPr>
+            <a:r>
+              <a:rPr lang="en-US" dirty="0" err="1"/>
+              <a:t>Pokemon</a:t>
+            </a:r>
+            <a:r>
+              <a:rPr lang="en-US" dirty="0"/>
+              <a:t> use vitamins to boost their stats. Here are some examples:</a:t>
             </a:r>
           </a:p>
           <a:p>
@@ -8609,244 +8827,60 @@
               <a:buNone/>
             </a:pPr>
             <a:r>
-              <a:rPr lang="en-US" dirty="0">
-                <a:latin typeface="Courier New" panose="02070309020205020404" pitchFamily="49" charset="0"/>
-                <a:cs typeface="Courier New" panose="02070309020205020404" pitchFamily="49" charset="0"/>
-              </a:rPr>
-              <a:t>public class </a:t>
-            </a:r>
-            <a:r>
-              <a:rPr lang="en-US" dirty="0" err="1">
-                <a:latin typeface="Courier New" panose="02070309020205020404" pitchFamily="49" charset="0"/>
-                <a:cs typeface="Courier New" panose="02070309020205020404" pitchFamily="49" charset="0"/>
-              </a:rPr>
-              <a:t>Pokemon</a:t>
-            </a:r>
-            <a:r>
-              <a:rPr lang="en-US" dirty="0">
-                <a:latin typeface="Courier New" panose="02070309020205020404" pitchFamily="49" charset="0"/>
-                <a:cs typeface="Courier New" panose="02070309020205020404" pitchFamily="49" charset="0"/>
-              </a:rPr>
-              <a:t> {</a:t>
-            </a:r>
-          </a:p>
-          <a:p>
-            <a:pPr marL="0" indent="0">
-              <a:buNone/>
-            </a:pPr>
-            <a:r>
-              <a:rPr lang="en-US" dirty="0">
-                <a:latin typeface="Courier New" panose="02070309020205020404" pitchFamily="49" charset="0"/>
-                <a:cs typeface="Courier New" panose="02070309020205020404" pitchFamily="49" charset="0"/>
-              </a:rPr>
-              <a:t>	</a:t>
-            </a:r>
-            <a:r>
-              <a:rPr lang="en-US" dirty="0" err="1">
-                <a:latin typeface="Courier New" panose="02070309020205020404" pitchFamily="49" charset="0"/>
-                <a:cs typeface="Courier New" panose="02070309020205020404" pitchFamily="49" charset="0"/>
-              </a:rPr>
-              <a:t>int</a:t>
-            </a:r>
-            <a:r>
-              <a:rPr lang="en-US" dirty="0">
-                <a:latin typeface="Courier New" panose="02070309020205020404" pitchFamily="49" charset="0"/>
-                <a:cs typeface="Courier New" panose="02070309020205020404" pitchFamily="49" charset="0"/>
-              </a:rPr>
-              <a:t> </a:t>
-            </a:r>
-            <a:r>
-              <a:rPr lang="en-US" dirty="0" err="1">
-                <a:latin typeface="Courier New" panose="02070309020205020404" pitchFamily="49" charset="0"/>
-                <a:cs typeface="Courier New" panose="02070309020205020404" pitchFamily="49" charset="0"/>
-              </a:rPr>
-              <a:t>hp</a:t>
-            </a:r>
-            <a:r>
-              <a:rPr lang="en-US" dirty="0">
-                <a:latin typeface="Courier New" panose="02070309020205020404" pitchFamily="49" charset="0"/>
-                <a:cs typeface="Courier New" panose="02070309020205020404" pitchFamily="49" charset="0"/>
-              </a:rPr>
-              <a:t>;</a:t>
-            </a:r>
-          </a:p>
-          <a:p>
-            <a:pPr marL="0" indent="0">
-              <a:buNone/>
-            </a:pPr>
-            <a:r>
-              <a:rPr lang="en-US" dirty="0">
-                <a:latin typeface="Courier New" panose="02070309020205020404" pitchFamily="49" charset="0"/>
-                <a:cs typeface="Courier New" panose="02070309020205020404" pitchFamily="49" charset="0"/>
-              </a:rPr>
-              <a:t>	</a:t>
-            </a:r>
-            <a:r>
-              <a:rPr lang="en-US" dirty="0" err="1">
-                <a:latin typeface="Courier New" panose="02070309020205020404" pitchFamily="49" charset="0"/>
-                <a:cs typeface="Courier New" panose="02070309020205020404" pitchFamily="49" charset="0"/>
-              </a:rPr>
-              <a:t>int</a:t>
-            </a:r>
-            <a:r>
-              <a:rPr lang="en-US" dirty="0">
-                <a:latin typeface="Courier New" panose="02070309020205020404" pitchFamily="49" charset="0"/>
-                <a:cs typeface="Courier New" panose="02070309020205020404" pitchFamily="49" charset="0"/>
-              </a:rPr>
-              <a:t> attack;</a:t>
-            </a:r>
-          </a:p>
-          <a:p>
-            <a:pPr marL="0" indent="0">
-              <a:buNone/>
-            </a:pPr>
-            <a:endParaRPr lang="en-US" dirty="0">
-              <a:latin typeface="Courier New" panose="02070309020205020404" pitchFamily="49" charset="0"/>
-              <a:cs typeface="Courier New" panose="02070309020205020404" pitchFamily="49" charset="0"/>
-            </a:endParaRPr>
-          </a:p>
-          <a:p>
-            <a:pPr marL="0" indent="0">
-              <a:buNone/>
-            </a:pPr>
-            <a:r>
-              <a:rPr lang="en-US" dirty="0">
-                <a:latin typeface="Courier New" panose="02070309020205020404" pitchFamily="49" charset="0"/>
-                <a:cs typeface="Courier New" panose="02070309020205020404" pitchFamily="49" charset="0"/>
-              </a:rPr>
-              <a:t>	public </a:t>
-            </a:r>
-            <a:r>
-              <a:rPr lang="en-US" dirty="0" err="1">
-                <a:latin typeface="Courier New" panose="02070309020205020404" pitchFamily="49" charset="0"/>
-                <a:cs typeface="Courier New" panose="02070309020205020404" pitchFamily="49" charset="0"/>
-              </a:rPr>
-              <a:t>Pokemon</a:t>
-            </a:r>
-            <a:r>
-              <a:rPr lang="en-US" dirty="0">
-                <a:latin typeface="Courier New" panose="02070309020205020404" pitchFamily="49" charset="0"/>
-                <a:cs typeface="Courier New" panose="02070309020205020404" pitchFamily="49" charset="0"/>
-              </a:rPr>
-              <a:t>(</a:t>
-            </a:r>
-            <a:r>
-              <a:rPr lang="en-US" dirty="0" err="1">
-                <a:latin typeface="Courier New" panose="02070309020205020404" pitchFamily="49" charset="0"/>
-                <a:cs typeface="Courier New" panose="02070309020205020404" pitchFamily="49" charset="0"/>
-              </a:rPr>
-              <a:t>int</a:t>
-            </a:r>
-            <a:r>
-              <a:rPr lang="en-US" dirty="0">
-                <a:latin typeface="Courier New" panose="02070309020205020404" pitchFamily="49" charset="0"/>
-                <a:cs typeface="Courier New" panose="02070309020205020404" pitchFamily="49" charset="0"/>
-              </a:rPr>
-              <a:t> </a:t>
-            </a:r>
-            <a:r>
-              <a:rPr lang="en-US" dirty="0" err="1">
-                <a:latin typeface="Courier New" panose="02070309020205020404" pitchFamily="49" charset="0"/>
-                <a:cs typeface="Courier New" panose="02070309020205020404" pitchFamily="49" charset="0"/>
-              </a:rPr>
-              <a:t>hitpoints</a:t>
-            </a:r>
-            <a:r>
-              <a:rPr lang="en-US" dirty="0">
-                <a:latin typeface="Courier New" panose="02070309020205020404" pitchFamily="49" charset="0"/>
-                <a:cs typeface="Courier New" panose="02070309020205020404" pitchFamily="49" charset="0"/>
-              </a:rPr>
-              <a:t>, </a:t>
-            </a:r>
-            <a:r>
-              <a:rPr lang="en-US" dirty="0" err="1">
-                <a:latin typeface="Courier New" panose="02070309020205020404" pitchFamily="49" charset="0"/>
-                <a:cs typeface="Courier New" panose="02070309020205020404" pitchFamily="49" charset="0"/>
-              </a:rPr>
-              <a:t>int</a:t>
-            </a:r>
-            <a:r>
-              <a:rPr lang="en-US" dirty="0">
-                <a:latin typeface="Courier New" panose="02070309020205020404" pitchFamily="49" charset="0"/>
-                <a:cs typeface="Courier New" panose="02070309020205020404" pitchFamily="49" charset="0"/>
-              </a:rPr>
-              <a:t> a) { </a:t>
-            </a:r>
-          </a:p>
-          <a:p>
-            <a:pPr marL="0" indent="0">
-              <a:buNone/>
-            </a:pPr>
-            <a:r>
-              <a:rPr lang="en-US" dirty="0">
-                <a:latin typeface="Courier New" panose="02070309020205020404" pitchFamily="49" charset="0"/>
-                <a:cs typeface="Courier New" panose="02070309020205020404" pitchFamily="49" charset="0"/>
-              </a:rPr>
-              <a:t>		</a:t>
-            </a:r>
-            <a:r>
-              <a:rPr lang="en-US" dirty="0" err="1">
-                <a:latin typeface="Courier New" panose="02070309020205020404" pitchFamily="49" charset="0"/>
-                <a:cs typeface="Courier New" panose="02070309020205020404" pitchFamily="49" charset="0"/>
-              </a:rPr>
-              <a:t>hp</a:t>
-            </a:r>
-            <a:r>
-              <a:rPr lang="en-US" dirty="0">
-                <a:latin typeface="Courier New" panose="02070309020205020404" pitchFamily="49" charset="0"/>
-                <a:cs typeface="Courier New" panose="02070309020205020404" pitchFamily="49" charset="0"/>
-              </a:rPr>
-              <a:t> = </a:t>
-            </a:r>
-            <a:r>
-              <a:rPr lang="en-US" dirty="0" err="1">
-                <a:latin typeface="Courier New" panose="02070309020205020404" pitchFamily="49" charset="0"/>
-                <a:cs typeface="Courier New" panose="02070309020205020404" pitchFamily="49" charset="0"/>
-              </a:rPr>
-              <a:t>hitpoints</a:t>
-            </a:r>
-            <a:r>
-              <a:rPr lang="en-US" dirty="0">
-                <a:latin typeface="Courier New" panose="02070309020205020404" pitchFamily="49" charset="0"/>
-                <a:cs typeface="Courier New" panose="02070309020205020404" pitchFamily="49" charset="0"/>
-              </a:rPr>
-              <a:t>;</a:t>
-            </a:r>
-          </a:p>
-          <a:p>
-            <a:pPr marL="0" indent="0">
-              <a:buNone/>
-            </a:pPr>
-            <a:r>
-              <a:rPr lang="en-US" dirty="0">
-                <a:latin typeface="Courier New" panose="02070309020205020404" pitchFamily="49" charset="0"/>
-                <a:cs typeface="Courier New" panose="02070309020205020404" pitchFamily="49" charset="0"/>
-              </a:rPr>
-              <a:t>		attack = a;</a:t>
-            </a:r>
-          </a:p>
-          <a:p>
-            <a:pPr marL="0" indent="0">
-              <a:buNone/>
-            </a:pPr>
-            <a:r>
-              <a:rPr lang="en-US" dirty="0">
-                <a:latin typeface="Courier New" panose="02070309020205020404" pitchFamily="49" charset="0"/>
-                <a:cs typeface="Courier New" panose="02070309020205020404" pitchFamily="49" charset="0"/>
-              </a:rPr>
-              <a:t>	}</a:t>
-            </a:r>
-          </a:p>
-          <a:p>
-            <a:pPr marL="0" indent="0">
-              <a:buNone/>
-            </a:pPr>
-            <a:r>
-              <a:rPr lang="en-US" dirty="0">
-                <a:latin typeface="Courier New" panose="02070309020205020404" pitchFamily="49" charset="0"/>
-                <a:cs typeface="Courier New" panose="02070309020205020404" pitchFamily="49" charset="0"/>
-              </a:rPr>
-              <a:t>}</a:t>
+              <a:rPr lang="en-US" dirty="0"/>
+              <a:t>Vitamin		Function</a:t>
+            </a:r>
+          </a:p>
+          <a:p>
+            <a:pPr marL="0" indent="0">
+              <a:buNone/>
+            </a:pPr>
+            <a:r>
+              <a:rPr lang="en-US" dirty="0" err="1"/>
+              <a:t>hpUp</a:t>
+            </a:r>
+            <a:r>
+              <a:rPr lang="en-US" dirty="0"/>
+              <a:t> 			+ points to HP</a:t>
+            </a:r>
+          </a:p>
+          <a:p>
+            <a:pPr marL="0" indent="0">
+              <a:buNone/>
+            </a:pPr>
+            <a:r>
+              <a:rPr lang="en-US" dirty="0"/>
+              <a:t>protein		+ points to attack</a:t>
+            </a:r>
+          </a:p>
+          <a:p>
+            <a:pPr marL="0" indent="0">
+              <a:buNone/>
+            </a:pPr>
+            <a:r>
+              <a:rPr lang="en-US" dirty="0"/>
+              <a:t>iron			+ points to defense</a:t>
+            </a:r>
+            <a:br>
+              <a:rPr lang="en-US" dirty="0"/>
+            </a:br>
+            <a:endParaRPr lang="en-US" dirty="0"/>
+          </a:p>
+          <a:p>
+            <a:pPr marL="0" indent="0">
+              <a:buNone/>
+            </a:pPr>
+            <a:r>
+              <a:rPr lang="en-US" dirty="0"/>
+              <a:t>Now write a method, </a:t>
+            </a:r>
+            <a:r>
+              <a:rPr lang="en-US" dirty="0" err="1"/>
+              <a:t>consumeVitamin</a:t>
+            </a:r>
+            <a:r>
+              <a:rPr lang="en-US" dirty="0"/>
+              <a:t>, that actually changes the state.</a:t>
             </a:r>
           </a:p>
           <a:p>
@@ -8860,7 +8894,7 @@
     </p:spTree>
     <p:extLst>
       <p:ext uri="{BB962C8B-B14F-4D97-AF65-F5344CB8AC3E}">
-        <p14:creationId xmlns:p14="http://schemas.microsoft.com/office/powerpoint/2010/main" val="949328187"/>
+        <p14:creationId xmlns:p14="http://schemas.microsoft.com/office/powerpoint/2010/main" val="3888733780"/>
       </p:ext>
     </p:extLst>
   </p:cSld>
@@ -8903,9 +8937,10 @@
           <a:lstStyle/>
           <a:p>
             <a:r>
-              <a:rPr lang="en-US" dirty="0"/>
-              <a:t>Constructors</a:t>
-            </a:r>
+              <a:rPr lang="en-US" dirty="0" err="1"/>
+              <a:t>consumeVitamin</a:t>
+            </a:r>
+            <a:endParaRPr lang="en-US" dirty="0"/>
           </a:p>
         </p:txBody>
       </p:sp>
@@ -8930,114 +8965,151 @@
               <a:buNone/>
             </a:pPr>
             <a:r>
-              <a:rPr lang="en-US" dirty="0"/>
-              <a:t>We can then call these constructors to create our instances:</a:t>
-            </a:r>
-          </a:p>
-          <a:p>
-            <a:pPr marL="0" indent="0">
-              <a:buNone/>
-            </a:pPr>
-            <a:endParaRPr lang="en-US" dirty="0">
-              <a:latin typeface="Courier New" panose="02070309020205020404" pitchFamily="49" charset="0"/>
-              <a:cs typeface="Courier New" panose="02070309020205020404" pitchFamily="49" charset="0"/>
-            </a:endParaRPr>
-          </a:p>
-          <a:p>
-            <a:pPr marL="0" indent="0">
-              <a:buNone/>
-            </a:pPr>
-            <a:r>
-              <a:rPr lang="en-US" dirty="0">
-                <a:latin typeface="Courier New" panose="02070309020205020404" pitchFamily="49" charset="0"/>
-                <a:cs typeface="Courier New" panose="02070309020205020404" pitchFamily="49" charset="0"/>
-              </a:rPr>
-              <a:t>Pokémon </a:t>
-            </a:r>
-            <a:r>
-              <a:rPr lang="en-US" dirty="0" err="1">
-                <a:latin typeface="Courier New" panose="02070309020205020404" pitchFamily="49" charset="0"/>
-                <a:cs typeface="Courier New" panose="02070309020205020404" pitchFamily="49" charset="0"/>
-              </a:rPr>
-              <a:t>pikachu</a:t>
-            </a:r>
-            <a:r>
-              <a:rPr lang="en-US" dirty="0">
-                <a:latin typeface="Courier New" panose="02070309020205020404" pitchFamily="49" charset="0"/>
-                <a:cs typeface="Courier New" panose="02070309020205020404" pitchFamily="49" charset="0"/>
-              </a:rPr>
-              <a:t> = new Pokémon(70, 120);</a:t>
-            </a:r>
-          </a:p>
-          <a:p>
-            <a:pPr marL="0" indent="0">
-              <a:buNone/>
-            </a:pPr>
-            <a:endParaRPr lang="en-US" dirty="0">
-              <a:latin typeface="Courier New" panose="02070309020205020404" pitchFamily="49" charset="0"/>
-              <a:cs typeface="Courier New" panose="02070309020205020404" pitchFamily="49" charset="0"/>
-            </a:endParaRPr>
-          </a:p>
-          <a:p>
-            <a:pPr marL="0" indent="0">
-              <a:buNone/>
-            </a:pPr>
-            <a:r>
-              <a:rPr lang="en-US" dirty="0">
-                <a:cs typeface="Courier New" panose="02070309020205020404" pitchFamily="49" charset="0"/>
-              </a:rPr>
-              <a:t>We can also call our methods on the object:</a:t>
-            </a:r>
-          </a:p>
-          <a:p>
-            <a:pPr marL="0" indent="0">
-              <a:buNone/>
-            </a:pPr>
-            <a:endParaRPr lang="en-US" dirty="0">
-              <a:cs typeface="Courier New" panose="02070309020205020404" pitchFamily="49" charset="0"/>
-            </a:endParaRPr>
-          </a:p>
-          <a:p>
-            <a:pPr marL="0" indent="0">
-              <a:buNone/>
-            </a:pPr>
-            <a:r>
-              <a:rPr lang="en-US" dirty="0" err="1">
-                <a:latin typeface="Courier New" panose="02070309020205020404" pitchFamily="49" charset="0"/>
-                <a:cs typeface="Courier New" panose="02070309020205020404" pitchFamily="49" charset="0"/>
-              </a:rPr>
-              <a:t>pikachu.sumStats</a:t>
-            </a:r>
-            <a:r>
-              <a:rPr lang="en-US" dirty="0">
-                <a:latin typeface="Courier New" panose="02070309020205020404" pitchFamily="49" charset="0"/>
-                <a:cs typeface="Courier New" panose="02070309020205020404" pitchFamily="49" charset="0"/>
-              </a:rPr>
-              <a:t>(); </a:t>
-            </a:r>
-            <a:r>
-              <a:rPr lang="en-US" dirty="0">
-                <a:solidFill>
-                  <a:schemeClr val="accent6"/>
-                </a:solidFill>
-                <a:latin typeface="Courier New" panose="02070309020205020404" pitchFamily="49" charset="0"/>
-                <a:cs typeface="Courier New" panose="02070309020205020404" pitchFamily="49" charset="0"/>
-              </a:rPr>
-              <a:t>//returns 190</a:t>
-            </a:r>
-          </a:p>
-          <a:p>
-            <a:pPr marL="0" indent="0">
-              <a:buNone/>
-            </a:pPr>
-            <a:endParaRPr lang="en-US" dirty="0"/>
+              <a:rPr lang="en-US" sz="2400" dirty="0">
+                <a:latin typeface="Courier New" panose="02070309020205020404" pitchFamily="49" charset="0"/>
+                <a:cs typeface="Courier New" panose="02070309020205020404" pitchFamily="49" charset="0"/>
+              </a:rPr>
+              <a:t>public void </a:t>
+            </a:r>
+            <a:r>
+              <a:rPr lang="en-US" sz="2400" dirty="0" err="1">
+                <a:latin typeface="Courier New" panose="02070309020205020404" pitchFamily="49" charset="0"/>
+                <a:cs typeface="Courier New" panose="02070309020205020404" pitchFamily="49" charset="0"/>
+              </a:rPr>
+              <a:t>consumeVitamin</a:t>
+            </a:r>
+            <a:r>
+              <a:rPr lang="en-US" sz="2400" dirty="0">
+                <a:latin typeface="Courier New" panose="02070309020205020404" pitchFamily="49" charset="0"/>
+                <a:cs typeface="Courier New" panose="02070309020205020404" pitchFamily="49" charset="0"/>
+              </a:rPr>
+              <a:t>( </a:t>
+            </a:r>
+            <a:r>
+              <a:rPr lang="en-US" sz="2400" dirty="0" err="1">
+                <a:latin typeface="Courier New" panose="02070309020205020404" pitchFamily="49" charset="0"/>
+                <a:cs typeface="Courier New" panose="02070309020205020404" pitchFamily="49" charset="0"/>
+              </a:rPr>
+              <a:t>int</a:t>
+            </a:r>
+            <a:r>
+              <a:rPr lang="en-US" sz="2400" dirty="0">
+                <a:latin typeface="Courier New" panose="02070309020205020404" pitchFamily="49" charset="0"/>
+                <a:cs typeface="Courier New" panose="02070309020205020404" pitchFamily="49" charset="0"/>
+              </a:rPr>
+              <a:t> </a:t>
+            </a:r>
+            <a:r>
+              <a:rPr lang="en-US" sz="2400" dirty="0" err="1">
+                <a:latin typeface="Courier New" panose="02070309020205020404" pitchFamily="49" charset="0"/>
+                <a:cs typeface="Courier New" panose="02070309020205020404" pitchFamily="49" charset="0"/>
+              </a:rPr>
+              <a:t>hpUp</a:t>
+            </a:r>
+            <a:r>
+              <a:rPr lang="en-US" sz="2400" dirty="0">
+                <a:latin typeface="Courier New" panose="02070309020205020404" pitchFamily="49" charset="0"/>
+                <a:cs typeface="Courier New" panose="02070309020205020404" pitchFamily="49" charset="0"/>
+              </a:rPr>
+              <a:t>, </a:t>
+            </a:r>
+            <a:r>
+              <a:rPr lang="en-US" sz="2400" dirty="0" err="1">
+                <a:latin typeface="Courier New" panose="02070309020205020404" pitchFamily="49" charset="0"/>
+                <a:cs typeface="Courier New" panose="02070309020205020404" pitchFamily="49" charset="0"/>
+              </a:rPr>
+              <a:t>int</a:t>
+            </a:r>
+            <a:r>
+              <a:rPr lang="en-US" sz="2400" dirty="0">
+                <a:latin typeface="Courier New" panose="02070309020205020404" pitchFamily="49" charset="0"/>
+                <a:cs typeface="Courier New" panose="02070309020205020404" pitchFamily="49" charset="0"/>
+              </a:rPr>
+              <a:t> protein …) {</a:t>
+            </a:r>
+          </a:p>
+          <a:p>
+            <a:pPr marL="0" indent="0">
+              <a:buNone/>
+            </a:pPr>
+            <a:r>
+              <a:rPr lang="en-US" sz="2400" dirty="0">
+                <a:latin typeface="Courier New" panose="02070309020205020404" pitchFamily="49" charset="0"/>
+                <a:cs typeface="Courier New" panose="02070309020205020404" pitchFamily="49" charset="0"/>
+              </a:rPr>
+              <a:t>	</a:t>
+            </a:r>
+            <a:r>
+              <a:rPr lang="en-US" sz="2400" dirty="0" err="1">
+                <a:latin typeface="Courier New" panose="02070309020205020404" pitchFamily="49" charset="0"/>
+                <a:cs typeface="Courier New" panose="02070309020205020404" pitchFamily="49" charset="0"/>
+              </a:rPr>
+              <a:t>hp</a:t>
+            </a:r>
+            <a:r>
+              <a:rPr lang="en-US" sz="2400" dirty="0">
+                <a:latin typeface="Courier New" panose="02070309020205020404" pitchFamily="49" charset="0"/>
+                <a:cs typeface="Courier New" panose="02070309020205020404" pitchFamily="49" charset="0"/>
+              </a:rPr>
+              <a:t> += </a:t>
+            </a:r>
+            <a:r>
+              <a:rPr lang="en-US" sz="2400" dirty="0" err="1">
+                <a:latin typeface="Courier New" panose="02070309020205020404" pitchFamily="49" charset="0"/>
+                <a:cs typeface="Courier New" panose="02070309020205020404" pitchFamily="49" charset="0"/>
+              </a:rPr>
+              <a:t>hpUp</a:t>
+            </a:r>
+            <a:r>
+              <a:rPr lang="en-US" sz="2400" dirty="0">
+                <a:latin typeface="Courier New" panose="02070309020205020404" pitchFamily="49" charset="0"/>
+                <a:cs typeface="Courier New" panose="02070309020205020404" pitchFamily="49" charset="0"/>
+              </a:rPr>
+              <a:t>;</a:t>
+            </a:r>
+          </a:p>
+          <a:p>
+            <a:pPr marL="0" indent="0">
+              <a:buNone/>
+            </a:pPr>
+            <a:r>
+              <a:rPr lang="en-US" sz="2400" dirty="0">
+                <a:latin typeface="Courier New" panose="02070309020205020404" pitchFamily="49" charset="0"/>
+                <a:cs typeface="Courier New" panose="02070309020205020404" pitchFamily="49" charset="0"/>
+              </a:rPr>
+              <a:t>	attack += protein;</a:t>
+            </a:r>
+          </a:p>
+          <a:p>
+            <a:pPr marL="0" indent="0">
+              <a:buNone/>
+            </a:pPr>
+            <a:r>
+              <a:rPr lang="en-US" sz="2400" dirty="0">
+                <a:latin typeface="Courier New" panose="02070309020205020404" pitchFamily="49" charset="0"/>
+                <a:cs typeface="Courier New" panose="02070309020205020404" pitchFamily="49" charset="0"/>
+              </a:rPr>
+              <a:t>	…</a:t>
+            </a:r>
+          </a:p>
+          <a:p>
+            <a:pPr marL="0" indent="0">
+              <a:buNone/>
+            </a:pPr>
+            <a:r>
+              <a:rPr lang="en-US" sz="2400" dirty="0">
+                <a:latin typeface="Courier New" panose="02070309020205020404" pitchFamily="49" charset="0"/>
+                <a:cs typeface="Courier New" panose="02070309020205020404" pitchFamily="49" charset="0"/>
+              </a:rPr>
+              <a:t>}</a:t>
+            </a:r>
           </a:p>
         </p:txBody>
       </p:sp>
     </p:spTree>
     <p:extLst>
       <p:ext uri="{BB962C8B-B14F-4D97-AF65-F5344CB8AC3E}">
-        <p14:creationId xmlns:p14="http://schemas.microsoft.com/office/powerpoint/2010/main" val="77082624"/>
+        <p14:creationId xmlns:p14="http://schemas.microsoft.com/office/powerpoint/2010/main" val="2002235189"/>
       </p:ext>
     </p:extLst>
   </p:cSld>
@@ -9071,30 +9143,318 @@
             <a:spLocks noGrp="1"/>
           </p:cNvSpPr>
           <p:nvPr>
-            <p:ph type="ctrTitle"/>
-          </p:nvPr>
-        </p:nvSpPr>
-        <p:spPr>
-          <a:xfrm>
-            <a:off x="1524000" y="1459990"/>
-            <a:ext cx="9144000" cy="2387600"/>
-          </a:xfrm>
-        </p:spPr>
-        <p:txBody>
-          <a:bodyPr/>
-          <a:lstStyle/>
-          <a:p>
-            <a:r>
-              <a:rPr lang="en-US" dirty="0"/>
-              <a:t>Worksheet</a:t>
-            </a:r>
+            <p:ph type="title"/>
+          </p:nvPr>
+        </p:nvSpPr>
+        <p:spPr/>
+        <p:txBody>
+          <a:bodyPr/>
+          <a:lstStyle/>
+          <a:p>
+            <a:r>
+              <a:rPr lang="en-US" dirty="0"/>
+              <a:t>Constructors</a:t>
+            </a:r>
+          </a:p>
+        </p:txBody>
+      </p:sp>
+      <p:sp>
+        <p:nvSpPr>
+          <p:cNvPr id="3" name="Content Placeholder 2"/>
+          <p:cNvSpPr>
+            <a:spLocks noGrp="1"/>
+          </p:cNvSpPr>
+          <p:nvPr>
+            <p:ph idx="1"/>
+          </p:nvPr>
+        </p:nvSpPr>
+        <p:spPr/>
+        <p:txBody>
+          <a:bodyPr>
+            <a:normAutofit fontScale="77500" lnSpcReduction="20000"/>
+          </a:bodyPr>
+          <a:lstStyle/>
+          <a:p>
+            <a:pPr marL="0" indent="0">
+              <a:buNone/>
+            </a:pPr>
+            <a:r>
+              <a:rPr lang="en-US" dirty="0"/>
+              <a:t>We need to initialize our values of each instance of the Pokémon class.</a:t>
+            </a:r>
+          </a:p>
+          <a:p>
+            <a:pPr marL="0" indent="0">
+              <a:buNone/>
+            </a:pPr>
+            <a:r>
+              <a:rPr lang="en-US" dirty="0"/>
+              <a:t>This is done in the constructor:</a:t>
+            </a:r>
+          </a:p>
+          <a:p>
+            <a:pPr marL="0" indent="0">
+              <a:buNone/>
+            </a:pPr>
+            <a:endParaRPr lang="en-US" dirty="0"/>
+          </a:p>
+          <a:p>
+            <a:pPr marL="0" indent="0">
+              <a:buNone/>
+            </a:pPr>
+            <a:r>
+              <a:rPr lang="en-US" dirty="0">
+                <a:latin typeface="Courier New" panose="02070309020205020404" pitchFamily="49" charset="0"/>
+                <a:cs typeface="Courier New" panose="02070309020205020404" pitchFamily="49" charset="0"/>
+              </a:rPr>
+              <a:t>public class </a:t>
+            </a:r>
+            <a:r>
+              <a:rPr lang="en-US" dirty="0" err="1">
+                <a:latin typeface="Courier New" panose="02070309020205020404" pitchFamily="49" charset="0"/>
+                <a:cs typeface="Courier New" panose="02070309020205020404" pitchFamily="49" charset="0"/>
+              </a:rPr>
+              <a:t>Pokemon</a:t>
+            </a:r>
+            <a:r>
+              <a:rPr lang="en-US" dirty="0">
+                <a:latin typeface="Courier New" panose="02070309020205020404" pitchFamily="49" charset="0"/>
+                <a:cs typeface="Courier New" panose="02070309020205020404" pitchFamily="49" charset="0"/>
+              </a:rPr>
+              <a:t> {</a:t>
+            </a:r>
+          </a:p>
+          <a:p>
+            <a:pPr marL="0" indent="0">
+              <a:buNone/>
+            </a:pPr>
+            <a:r>
+              <a:rPr lang="en-US" dirty="0">
+                <a:latin typeface="Courier New" panose="02070309020205020404" pitchFamily="49" charset="0"/>
+                <a:cs typeface="Courier New" panose="02070309020205020404" pitchFamily="49" charset="0"/>
+              </a:rPr>
+              <a:t>	</a:t>
+            </a:r>
+            <a:r>
+              <a:rPr lang="en-US" dirty="0" err="1">
+                <a:latin typeface="Courier New" panose="02070309020205020404" pitchFamily="49" charset="0"/>
+                <a:cs typeface="Courier New" panose="02070309020205020404" pitchFamily="49" charset="0"/>
+              </a:rPr>
+              <a:t>int</a:t>
+            </a:r>
+            <a:r>
+              <a:rPr lang="en-US" dirty="0">
+                <a:latin typeface="Courier New" panose="02070309020205020404" pitchFamily="49" charset="0"/>
+                <a:cs typeface="Courier New" panose="02070309020205020404" pitchFamily="49" charset="0"/>
+              </a:rPr>
+              <a:t> </a:t>
+            </a:r>
+            <a:r>
+              <a:rPr lang="en-US" dirty="0" err="1">
+                <a:latin typeface="Courier New" panose="02070309020205020404" pitchFamily="49" charset="0"/>
+                <a:cs typeface="Courier New" panose="02070309020205020404" pitchFamily="49" charset="0"/>
+              </a:rPr>
+              <a:t>hp</a:t>
+            </a:r>
+            <a:r>
+              <a:rPr lang="en-US" dirty="0">
+                <a:latin typeface="Courier New" panose="02070309020205020404" pitchFamily="49" charset="0"/>
+                <a:cs typeface="Courier New" panose="02070309020205020404" pitchFamily="49" charset="0"/>
+              </a:rPr>
+              <a:t>;</a:t>
+            </a:r>
+          </a:p>
+          <a:p>
+            <a:pPr marL="0" indent="0">
+              <a:buNone/>
+            </a:pPr>
+            <a:r>
+              <a:rPr lang="en-US" dirty="0">
+                <a:latin typeface="Courier New" panose="02070309020205020404" pitchFamily="49" charset="0"/>
+                <a:cs typeface="Courier New" panose="02070309020205020404" pitchFamily="49" charset="0"/>
+              </a:rPr>
+              <a:t>	</a:t>
+            </a:r>
+            <a:r>
+              <a:rPr lang="en-US" dirty="0" err="1">
+                <a:latin typeface="Courier New" panose="02070309020205020404" pitchFamily="49" charset="0"/>
+                <a:cs typeface="Courier New" panose="02070309020205020404" pitchFamily="49" charset="0"/>
+              </a:rPr>
+              <a:t>int</a:t>
+            </a:r>
+            <a:r>
+              <a:rPr lang="en-US" dirty="0">
+                <a:latin typeface="Courier New" panose="02070309020205020404" pitchFamily="49" charset="0"/>
+                <a:cs typeface="Courier New" panose="02070309020205020404" pitchFamily="49" charset="0"/>
+              </a:rPr>
+              <a:t> attack;</a:t>
+            </a:r>
+          </a:p>
+          <a:p>
+            <a:pPr marL="0" indent="0">
+              <a:buNone/>
+            </a:pPr>
+            <a:endParaRPr lang="en-US" dirty="0">
+              <a:latin typeface="Courier New" panose="02070309020205020404" pitchFamily="49" charset="0"/>
+              <a:cs typeface="Courier New" panose="02070309020205020404" pitchFamily="49" charset="0"/>
+            </a:endParaRPr>
+          </a:p>
+          <a:p>
+            <a:pPr marL="0" indent="0">
+              <a:buNone/>
+            </a:pPr>
+            <a:r>
+              <a:rPr lang="en-US" dirty="0">
+                <a:latin typeface="Courier New" panose="02070309020205020404" pitchFamily="49" charset="0"/>
+                <a:cs typeface="Courier New" panose="02070309020205020404" pitchFamily="49" charset="0"/>
+              </a:rPr>
+              <a:t>	public </a:t>
+            </a:r>
+            <a:r>
+              <a:rPr lang="en-US" dirty="0" err="1">
+                <a:latin typeface="Courier New" panose="02070309020205020404" pitchFamily="49" charset="0"/>
+                <a:cs typeface="Courier New" panose="02070309020205020404" pitchFamily="49" charset="0"/>
+              </a:rPr>
+              <a:t>Pokemon</a:t>
+            </a:r>
+            <a:r>
+              <a:rPr lang="en-US" dirty="0">
+                <a:latin typeface="Courier New" panose="02070309020205020404" pitchFamily="49" charset="0"/>
+                <a:cs typeface="Courier New" panose="02070309020205020404" pitchFamily="49" charset="0"/>
+              </a:rPr>
+              <a:t>(</a:t>
+            </a:r>
+            <a:r>
+              <a:rPr lang="en-US" dirty="0" err="1">
+                <a:latin typeface="Courier New" panose="02070309020205020404" pitchFamily="49" charset="0"/>
+                <a:cs typeface="Courier New" panose="02070309020205020404" pitchFamily="49" charset="0"/>
+              </a:rPr>
+              <a:t>int</a:t>
+            </a:r>
+            <a:r>
+              <a:rPr lang="en-US" dirty="0">
+                <a:latin typeface="Courier New" panose="02070309020205020404" pitchFamily="49" charset="0"/>
+                <a:cs typeface="Courier New" panose="02070309020205020404" pitchFamily="49" charset="0"/>
+              </a:rPr>
+              <a:t> </a:t>
+            </a:r>
+            <a:r>
+              <a:rPr lang="en-US" dirty="0" err="1">
+                <a:latin typeface="Courier New" panose="02070309020205020404" pitchFamily="49" charset="0"/>
+                <a:cs typeface="Courier New" panose="02070309020205020404" pitchFamily="49" charset="0"/>
+              </a:rPr>
+              <a:t>hitpoints</a:t>
+            </a:r>
+            <a:r>
+              <a:rPr lang="en-US" dirty="0">
+                <a:latin typeface="Courier New" panose="02070309020205020404" pitchFamily="49" charset="0"/>
+                <a:cs typeface="Courier New" panose="02070309020205020404" pitchFamily="49" charset="0"/>
+              </a:rPr>
+              <a:t>, </a:t>
+            </a:r>
+            <a:r>
+              <a:rPr lang="en-US" dirty="0" err="1">
+                <a:latin typeface="Courier New" panose="02070309020205020404" pitchFamily="49" charset="0"/>
+                <a:cs typeface="Courier New" panose="02070309020205020404" pitchFamily="49" charset="0"/>
+              </a:rPr>
+              <a:t>int</a:t>
+            </a:r>
+            <a:r>
+              <a:rPr lang="en-US" dirty="0">
+                <a:latin typeface="Courier New" panose="02070309020205020404" pitchFamily="49" charset="0"/>
+                <a:cs typeface="Courier New" panose="02070309020205020404" pitchFamily="49" charset="0"/>
+              </a:rPr>
+              <a:t> a) { </a:t>
+            </a:r>
+          </a:p>
+          <a:p>
+            <a:pPr marL="0" indent="0">
+              <a:buNone/>
+            </a:pPr>
+            <a:r>
+              <a:rPr lang="en-US" dirty="0">
+                <a:latin typeface="Courier New" panose="02070309020205020404" pitchFamily="49" charset="0"/>
+                <a:cs typeface="Courier New" panose="02070309020205020404" pitchFamily="49" charset="0"/>
+              </a:rPr>
+              <a:t>		</a:t>
+            </a:r>
+            <a:r>
+              <a:rPr lang="en-US" dirty="0" err="1">
+                <a:latin typeface="Courier New" panose="02070309020205020404" pitchFamily="49" charset="0"/>
+                <a:cs typeface="Courier New" panose="02070309020205020404" pitchFamily="49" charset="0"/>
+              </a:rPr>
+              <a:t>hp</a:t>
+            </a:r>
+            <a:r>
+              <a:rPr lang="en-US" dirty="0">
+                <a:latin typeface="Courier New" panose="02070309020205020404" pitchFamily="49" charset="0"/>
+                <a:cs typeface="Courier New" panose="02070309020205020404" pitchFamily="49" charset="0"/>
+              </a:rPr>
+              <a:t> = </a:t>
+            </a:r>
+            <a:r>
+              <a:rPr lang="en-US" dirty="0" err="1">
+                <a:latin typeface="Courier New" panose="02070309020205020404" pitchFamily="49" charset="0"/>
+                <a:cs typeface="Courier New" panose="02070309020205020404" pitchFamily="49" charset="0"/>
+              </a:rPr>
+              <a:t>hitpoints</a:t>
+            </a:r>
+            <a:r>
+              <a:rPr lang="en-US" dirty="0">
+                <a:latin typeface="Courier New" panose="02070309020205020404" pitchFamily="49" charset="0"/>
+                <a:cs typeface="Courier New" panose="02070309020205020404" pitchFamily="49" charset="0"/>
+              </a:rPr>
+              <a:t>;</a:t>
+            </a:r>
+          </a:p>
+          <a:p>
+            <a:pPr marL="0" indent="0">
+              <a:buNone/>
+            </a:pPr>
+            <a:r>
+              <a:rPr lang="en-US" dirty="0">
+                <a:latin typeface="Courier New" panose="02070309020205020404" pitchFamily="49" charset="0"/>
+                <a:cs typeface="Courier New" panose="02070309020205020404" pitchFamily="49" charset="0"/>
+              </a:rPr>
+              <a:t>		attack = a;</a:t>
+            </a:r>
+          </a:p>
+          <a:p>
+            <a:pPr marL="0" indent="0">
+              <a:buNone/>
+            </a:pPr>
+            <a:r>
+              <a:rPr lang="en-US" dirty="0">
+                <a:latin typeface="Courier New" panose="02070309020205020404" pitchFamily="49" charset="0"/>
+                <a:cs typeface="Courier New" panose="02070309020205020404" pitchFamily="49" charset="0"/>
+              </a:rPr>
+              <a:t>	}</a:t>
+            </a:r>
+          </a:p>
+          <a:p>
+            <a:pPr marL="0" indent="0">
+              <a:buNone/>
+            </a:pPr>
+            <a:r>
+              <a:rPr lang="en-US" dirty="0">
+                <a:latin typeface="Courier New" panose="02070309020205020404" pitchFamily="49" charset="0"/>
+                <a:cs typeface="Courier New" panose="02070309020205020404" pitchFamily="49" charset="0"/>
+              </a:rPr>
+              <a:t>}</a:t>
+            </a:r>
+          </a:p>
+          <a:p>
+            <a:pPr marL="0" indent="0">
+              <a:buNone/>
+            </a:pPr>
+            <a:endParaRPr lang="en-US" dirty="0"/>
           </a:p>
         </p:txBody>
       </p:sp>
     </p:spTree>
     <p:extLst>
       <p:ext uri="{BB962C8B-B14F-4D97-AF65-F5344CB8AC3E}">
-        <p14:creationId xmlns:p14="http://schemas.microsoft.com/office/powerpoint/2010/main" val="436073697"/>
+        <p14:creationId xmlns:p14="http://schemas.microsoft.com/office/powerpoint/2010/main" val="949328187"/>
       </p:ext>
     </p:extLst>
   </p:cSld>
@@ -9133,54 +9493,131 @@
         </p:nvSpPr>
         <p:spPr/>
         <p:txBody>
+          <a:bodyPr/>
+          <a:lstStyle/>
+          <a:p>
+            <a:r>
+              <a:rPr lang="en-US" dirty="0"/>
+              <a:t>Constructors</a:t>
+            </a:r>
+          </a:p>
+        </p:txBody>
+      </p:sp>
+      <p:sp>
+        <p:nvSpPr>
+          <p:cNvPr id="3" name="Content Placeholder 2"/>
+          <p:cNvSpPr>
+            <a:spLocks noGrp="1"/>
+          </p:cNvSpPr>
+          <p:nvPr>
+            <p:ph idx="1"/>
+          </p:nvPr>
+        </p:nvSpPr>
+        <p:spPr/>
+        <p:txBody>
           <a:bodyPr>
             <a:normAutofit/>
           </a:bodyPr>
           <a:lstStyle/>
           <a:p>
-            <a:r>
-              <a:rPr lang="en-US" dirty="0"/>
-              <a:t>Homework</a:t>
-            </a:r>
-          </a:p>
-        </p:txBody>
-      </p:sp>
-      <p:sp>
-        <p:nvSpPr>
-          <p:cNvPr id="3" name="Content Placeholder 2"/>
-          <p:cNvSpPr>
-            <a:spLocks noGrp="1"/>
-          </p:cNvSpPr>
-          <p:nvPr>
-            <p:ph idx="1"/>
-          </p:nvPr>
-        </p:nvSpPr>
-        <p:spPr/>
-        <p:txBody>
-          <a:bodyPr/>
-          <a:lstStyle/>
-          <a:p>
-            <a:pPr marL="0" indent="0">
-              <a:buNone/>
-            </a:pPr>
-            <a:r>
-              <a:rPr lang="en-US" dirty="0"/>
-              <a:t>Read HW 8.3 up to “The Keyword this”</a:t>
-            </a:r>
-          </a:p>
-          <a:p>
-            <a:pPr marL="0" indent="0">
-              <a:buNone/>
-            </a:pPr>
-            <a:endParaRPr lang="en-US" dirty="0"/>
-          </a:p>
-          <a:p>
-            <a:pPr marL="0" indent="0">
-              <a:buNone/>
-            </a:pPr>
-            <a:r>
-              <a:rPr lang="en-US" dirty="0"/>
-              <a:t>Complete self-check questions #9 – 11, 13 – 16 </a:t>
+            <a:pPr marL="0" indent="0">
+              <a:buNone/>
+            </a:pPr>
+            <a:r>
+              <a:rPr lang="en-US" dirty="0"/>
+              <a:t>We can then call these constructors to create our instances:</a:t>
+            </a:r>
+          </a:p>
+          <a:p>
+            <a:pPr marL="0" indent="0">
+              <a:buNone/>
+            </a:pPr>
+            <a:endParaRPr lang="en-US" dirty="0">
+              <a:latin typeface="Courier New" panose="02070309020205020404" pitchFamily="49" charset="0"/>
+              <a:cs typeface="Courier New" panose="02070309020205020404" pitchFamily="49" charset="0"/>
+            </a:endParaRPr>
+          </a:p>
+          <a:p>
+            <a:pPr marL="0" indent="0">
+              <a:buNone/>
+            </a:pPr>
+            <a:r>
+              <a:rPr lang="en-US" dirty="0">
+                <a:latin typeface="Courier New" panose="02070309020205020404" pitchFamily="49" charset="0"/>
+                <a:cs typeface="Courier New" panose="02070309020205020404" pitchFamily="49" charset="0"/>
+              </a:rPr>
+              <a:t>Pokémon </a:t>
+            </a:r>
+            <a:r>
+              <a:rPr lang="en-US" dirty="0" err="1">
+                <a:latin typeface="Courier New" panose="02070309020205020404" pitchFamily="49" charset="0"/>
+                <a:cs typeface="Courier New" panose="02070309020205020404" pitchFamily="49" charset="0"/>
+              </a:rPr>
+              <a:t>pikachu</a:t>
+            </a:r>
+            <a:r>
+              <a:rPr lang="en-US" dirty="0">
+                <a:latin typeface="Courier New" panose="02070309020205020404" pitchFamily="49" charset="0"/>
+                <a:cs typeface="Courier New" panose="02070309020205020404" pitchFamily="49" charset="0"/>
+              </a:rPr>
+              <a:t> = new Pokémon(70, 120);</a:t>
+            </a:r>
+          </a:p>
+          <a:p>
+            <a:pPr marL="0" indent="0">
+              <a:buNone/>
+            </a:pPr>
+            <a:endParaRPr lang="en-US" dirty="0">
+              <a:latin typeface="Courier New" panose="02070309020205020404" pitchFamily="49" charset="0"/>
+              <a:cs typeface="Courier New" panose="02070309020205020404" pitchFamily="49" charset="0"/>
+            </a:endParaRPr>
+          </a:p>
+          <a:p>
+            <a:pPr marL="0" indent="0">
+              <a:buNone/>
+            </a:pPr>
+            <a:r>
+              <a:rPr lang="en-US" dirty="0">
+                <a:cs typeface="Courier New" panose="02070309020205020404" pitchFamily="49" charset="0"/>
+              </a:rPr>
+              <a:t>We can also call our methods on the object:</a:t>
+            </a:r>
+          </a:p>
+          <a:p>
+            <a:pPr marL="0" indent="0">
+              <a:buNone/>
+            </a:pPr>
+            <a:endParaRPr lang="en-US" dirty="0">
+              <a:cs typeface="Courier New" panose="02070309020205020404" pitchFamily="49" charset="0"/>
+            </a:endParaRPr>
+          </a:p>
+          <a:p>
+            <a:pPr marL="0" indent="0">
+              <a:buNone/>
+            </a:pPr>
+            <a:r>
+              <a:rPr lang="en-US" dirty="0" err="1">
+                <a:latin typeface="Courier New" panose="02070309020205020404" pitchFamily="49" charset="0"/>
+                <a:cs typeface="Courier New" panose="02070309020205020404" pitchFamily="49" charset="0"/>
+              </a:rPr>
+              <a:t>pikachu.sumStats</a:t>
+            </a:r>
+            <a:r>
+              <a:rPr lang="en-US" dirty="0">
+                <a:latin typeface="Courier New" panose="02070309020205020404" pitchFamily="49" charset="0"/>
+                <a:cs typeface="Courier New" panose="02070309020205020404" pitchFamily="49" charset="0"/>
+              </a:rPr>
+              <a:t>(); </a:t>
+            </a:r>
+            <a:r>
+              <a:rPr lang="en-US" dirty="0">
+                <a:solidFill>
+                  <a:schemeClr val="accent6"/>
+                </a:solidFill>
+                <a:latin typeface="Courier New" panose="02070309020205020404" pitchFamily="49" charset="0"/>
+                <a:cs typeface="Courier New" panose="02070309020205020404" pitchFamily="49" charset="0"/>
+              </a:rPr>
+              <a:t>//returns 190</a:t>
             </a:r>
           </a:p>
           <a:p>
@@ -9194,7 +9631,7 @@
     </p:spTree>
     <p:extLst>
       <p:ext uri="{BB962C8B-B14F-4D97-AF65-F5344CB8AC3E}">
-        <p14:creationId xmlns:p14="http://schemas.microsoft.com/office/powerpoint/2010/main" val="2861209685"/>
+        <p14:creationId xmlns:p14="http://schemas.microsoft.com/office/powerpoint/2010/main" val="77082624"/>
       </p:ext>
     </p:extLst>
   </p:cSld>
@@ -9293,8 +9730,8 @@
         </p:nvSpPr>
         <p:spPr>
           <a:xfrm>
-            <a:off x="1289538" y="1122363"/>
-            <a:ext cx="9612924" cy="2387600"/>
+            <a:off x="1524000" y="1459990"/>
+            <a:ext cx="9144000" cy="2387600"/>
           </a:xfrm>
         </p:spPr>
         <p:txBody>
@@ -9303,34 +9740,7 @@
           <a:p>
             <a:r>
               <a:rPr lang="en-US" dirty="0"/>
-              <a:t>Object Initialization</a:t>
-            </a:r>
-            <a:r>
-              <a:rPr lang="en-US"/>
-              <a:t>: Constructors</a:t>
-            </a:r>
-            <a:endParaRPr lang="en-US" dirty="0"/>
-          </a:p>
-        </p:txBody>
-      </p:sp>
-      <p:sp>
-        <p:nvSpPr>
-          <p:cNvPr id="3" name="Subtitle 2"/>
-          <p:cNvSpPr>
-            <a:spLocks noGrp="1"/>
-          </p:cNvSpPr>
-          <p:nvPr>
-            <p:ph type="subTitle" idx="1"/>
-          </p:nvPr>
-        </p:nvSpPr>
-        <p:spPr/>
-        <p:txBody>
-          <a:bodyPr/>
-          <a:lstStyle/>
-          <a:p>
-            <a:r>
-              <a:rPr lang="en-US" dirty="0"/>
-              <a:t>[ 5.03 ] [ Today’s Date ] [ Instructor Name ]</a:t>
+              <a:t>Worksheet</a:t>
             </a:r>
           </a:p>
         </p:txBody>
@@ -9338,7 +9748,7 @@
     </p:spTree>
     <p:extLst>
       <p:ext uri="{BB962C8B-B14F-4D97-AF65-F5344CB8AC3E}">
-        <p14:creationId xmlns:p14="http://schemas.microsoft.com/office/powerpoint/2010/main" val="993143345"/>
+        <p14:creationId xmlns:p14="http://schemas.microsoft.com/office/powerpoint/2010/main" val="436073697"/>
       </p:ext>
     </p:extLst>
   </p:cSld>
@@ -9377,12 +9787,14 @@
         </p:nvSpPr>
         <p:spPr/>
         <p:txBody>
-          <a:bodyPr/>
-          <a:lstStyle/>
-          <a:p>
-            <a:r>
-              <a:rPr lang="en-US" dirty="0"/>
-              <a:t>Student</a:t>
+          <a:bodyPr>
+            <a:normAutofit/>
+          </a:bodyPr>
+          <a:lstStyle/>
+          <a:p>
+            <a:r>
+              <a:rPr lang="en-US" dirty="0"/>
+              <a:t>Homework</a:t>
             </a:r>
           </a:p>
         </p:txBody>
@@ -9399,257 +9811,44 @@
         </p:nvSpPr>
         <p:spPr/>
         <p:txBody>
-          <a:bodyPr>
-            <a:noAutofit/>
-          </a:bodyPr>
-          <a:lstStyle/>
-          <a:p>
-            <a:pPr marL="0" indent="0">
-              <a:buNone/>
-            </a:pPr>
-            <a:r>
-              <a:rPr lang="en-US" sz="1800" dirty="0">
-                <a:latin typeface="Courier New" panose="02070309020205020404" pitchFamily="49" charset="0"/>
-                <a:cs typeface="Courier New" panose="02070309020205020404" pitchFamily="49" charset="0"/>
-              </a:rPr>
-              <a:t>public class Student {</a:t>
-            </a:r>
-          </a:p>
-          <a:p>
-            <a:pPr marL="0" indent="0">
-              <a:buNone/>
-            </a:pPr>
-            <a:r>
-              <a:rPr lang="en-US" sz="1800" dirty="0">
-                <a:latin typeface="Courier New" panose="02070309020205020404" pitchFamily="49" charset="0"/>
-                <a:cs typeface="Courier New" panose="02070309020205020404" pitchFamily="49" charset="0"/>
-              </a:rPr>
-              <a:t>	public String name;</a:t>
-            </a:r>
-          </a:p>
-          <a:p>
-            <a:pPr marL="0" indent="0">
-              <a:buNone/>
-            </a:pPr>
-            <a:r>
-              <a:rPr lang="en-US" sz="1800" dirty="0">
-                <a:latin typeface="Courier New" panose="02070309020205020404" pitchFamily="49" charset="0"/>
-                <a:cs typeface="Courier New" panose="02070309020205020404" pitchFamily="49" charset="0"/>
-              </a:rPr>
-              <a:t>	public </a:t>
-            </a:r>
-            <a:r>
-              <a:rPr lang="en-US" sz="1800" dirty="0" err="1">
-                <a:latin typeface="Courier New" panose="02070309020205020404" pitchFamily="49" charset="0"/>
-                <a:cs typeface="Courier New" panose="02070309020205020404" pitchFamily="49" charset="0"/>
-              </a:rPr>
-              <a:t>int</a:t>
-            </a:r>
-            <a:r>
-              <a:rPr lang="en-US" sz="1800" dirty="0">
-                <a:latin typeface="Courier New" panose="02070309020205020404" pitchFamily="49" charset="0"/>
-                <a:cs typeface="Courier New" panose="02070309020205020404" pitchFamily="49" charset="0"/>
-              </a:rPr>
-              <a:t> </a:t>
-            </a:r>
-            <a:r>
-              <a:rPr lang="en-US" sz="1800" dirty="0" err="1">
-                <a:latin typeface="Courier New" panose="02070309020205020404" pitchFamily="49" charset="0"/>
-                <a:cs typeface="Courier New" panose="02070309020205020404" pitchFamily="49" charset="0"/>
-              </a:rPr>
-              <a:t>gradeLevel</a:t>
-            </a:r>
-            <a:r>
-              <a:rPr lang="en-US" sz="1800" dirty="0">
-                <a:latin typeface="Courier New" panose="02070309020205020404" pitchFamily="49" charset="0"/>
-                <a:cs typeface="Courier New" panose="02070309020205020404" pitchFamily="49" charset="0"/>
-              </a:rPr>
-              <a:t>;</a:t>
-            </a:r>
-          </a:p>
-          <a:p>
-            <a:pPr marL="0" indent="0">
-              <a:buNone/>
-            </a:pPr>
-            <a:r>
-              <a:rPr lang="en-US" sz="1800" dirty="0">
-                <a:latin typeface="Courier New" panose="02070309020205020404" pitchFamily="49" charset="0"/>
-                <a:cs typeface="Courier New" panose="02070309020205020404" pitchFamily="49" charset="0"/>
-              </a:rPr>
-              <a:t>	public double </a:t>
-            </a:r>
-            <a:r>
-              <a:rPr lang="en-US" sz="1800" dirty="0" err="1">
-                <a:latin typeface="Courier New" panose="02070309020205020404" pitchFamily="49" charset="0"/>
-                <a:cs typeface="Courier New" panose="02070309020205020404" pitchFamily="49" charset="0"/>
-              </a:rPr>
-              <a:t>gpa</a:t>
-            </a:r>
-            <a:r>
-              <a:rPr lang="en-US" sz="1800" dirty="0">
-                <a:latin typeface="Courier New" panose="02070309020205020404" pitchFamily="49" charset="0"/>
-                <a:cs typeface="Courier New" panose="02070309020205020404" pitchFamily="49" charset="0"/>
-              </a:rPr>
-              <a:t>;</a:t>
-            </a:r>
-          </a:p>
-          <a:p>
-            <a:pPr marL="0" indent="0">
-              <a:buNone/>
-            </a:pPr>
-            <a:endParaRPr lang="en-US" sz="1800" dirty="0">
-              <a:latin typeface="Courier New" panose="02070309020205020404" pitchFamily="49" charset="0"/>
-              <a:cs typeface="Courier New" panose="02070309020205020404" pitchFamily="49" charset="0"/>
-            </a:endParaRPr>
-          </a:p>
-          <a:p>
-            <a:pPr marL="0" indent="0">
-              <a:buNone/>
-            </a:pPr>
-            <a:r>
-              <a:rPr lang="en-US" sz="1800" dirty="0">
-                <a:latin typeface="Courier New" panose="02070309020205020404" pitchFamily="49" charset="0"/>
-                <a:cs typeface="Courier New" panose="02070309020205020404" pitchFamily="49" charset="0"/>
-              </a:rPr>
-              <a:t>	public Student(String n, </a:t>
-            </a:r>
-            <a:r>
-              <a:rPr lang="en-US" sz="1800" dirty="0" err="1">
-                <a:latin typeface="Courier New" panose="02070309020205020404" pitchFamily="49" charset="0"/>
-                <a:cs typeface="Courier New" panose="02070309020205020404" pitchFamily="49" charset="0"/>
-              </a:rPr>
-              <a:t>int</a:t>
-            </a:r>
-            <a:r>
-              <a:rPr lang="en-US" sz="1800" dirty="0">
-                <a:latin typeface="Courier New" panose="02070309020205020404" pitchFamily="49" charset="0"/>
-                <a:cs typeface="Courier New" panose="02070309020205020404" pitchFamily="49" charset="0"/>
-              </a:rPr>
-              <a:t> </a:t>
-            </a:r>
-            <a:r>
-              <a:rPr lang="en-US" sz="1800" dirty="0" err="1">
-                <a:latin typeface="Courier New" panose="02070309020205020404" pitchFamily="49" charset="0"/>
-                <a:cs typeface="Courier New" panose="02070309020205020404" pitchFamily="49" charset="0"/>
-              </a:rPr>
-              <a:t>gl</a:t>
-            </a:r>
-            <a:r>
-              <a:rPr lang="en-US" sz="1800" dirty="0">
-                <a:latin typeface="Courier New" panose="02070309020205020404" pitchFamily="49" charset="0"/>
-                <a:cs typeface="Courier New" panose="02070309020205020404" pitchFamily="49" charset="0"/>
-              </a:rPr>
-              <a:t>, double g) {</a:t>
-            </a:r>
-          </a:p>
-          <a:p>
-            <a:pPr marL="0" indent="0">
-              <a:buNone/>
-            </a:pPr>
-            <a:r>
-              <a:rPr lang="en-US" sz="1800" dirty="0">
-                <a:latin typeface="Courier New" panose="02070309020205020404" pitchFamily="49" charset="0"/>
-                <a:cs typeface="Courier New" panose="02070309020205020404" pitchFamily="49" charset="0"/>
-              </a:rPr>
-              <a:t>		name = n;</a:t>
-            </a:r>
-          </a:p>
-          <a:p>
-            <a:pPr marL="0" indent="0">
-              <a:buNone/>
-            </a:pPr>
-            <a:r>
-              <a:rPr lang="en-US" sz="1800" dirty="0">
-                <a:latin typeface="Courier New" panose="02070309020205020404" pitchFamily="49" charset="0"/>
-                <a:cs typeface="Courier New" panose="02070309020205020404" pitchFamily="49" charset="0"/>
-              </a:rPr>
-              <a:t>		</a:t>
-            </a:r>
-            <a:r>
-              <a:rPr lang="en-US" sz="1800" dirty="0" err="1">
-                <a:latin typeface="Courier New" panose="02070309020205020404" pitchFamily="49" charset="0"/>
-                <a:cs typeface="Courier New" panose="02070309020205020404" pitchFamily="49" charset="0"/>
-              </a:rPr>
-              <a:t>gradelevel</a:t>
-            </a:r>
-            <a:r>
-              <a:rPr lang="en-US" sz="1800" dirty="0">
-                <a:latin typeface="Courier New" panose="02070309020205020404" pitchFamily="49" charset="0"/>
-                <a:cs typeface="Courier New" panose="02070309020205020404" pitchFamily="49" charset="0"/>
-              </a:rPr>
-              <a:t> = </a:t>
-            </a:r>
-            <a:r>
-              <a:rPr lang="en-US" sz="1800" dirty="0" err="1">
-                <a:latin typeface="Courier New" panose="02070309020205020404" pitchFamily="49" charset="0"/>
-                <a:cs typeface="Courier New" panose="02070309020205020404" pitchFamily="49" charset="0"/>
-              </a:rPr>
-              <a:t>gl</a:t>
-            </a:r>
-            <a:r>
-              <a:rPr lang="en-US" sz="1800" dirty="0">
-                <a:latin typeface="Courier New" panose="02070309020205020404" pitchFamily="49" charset="0"/>
-                <a:cs typeface="Courier New" panose="02070309020205020404" pitchFamily="49" charset="0"/>
-              </a:rPr>
-              <a:t>;</a:t>
-            </a:r>
-          </a:p>
-          <a:p>
-            <a:pPr marL="0" indent="0">
-              <a:buNone/>
-            </a:pPr>
-            <a:r>
-              <a:rPr lang="en-US" sz="1800" dirty="0">
-                <a:latin typeface="Courier New" panose="02070309020205020404" pitchFamily="49" charset="0"/>
-                <a:cs typeface="Courier New" panose="02070309020205020404" pitchFamily="49" charset="0"/>
-              </a:rPr>
-              <a:t>		</a:t>
-            </a:r>
-            <a:r>
-              <a:rPr lang="en-US" sz="1800" dirty="0" err="1">
-                <a:latin typeface="Courier New" panose="02070309020205020404" pitchFamily="49" charset="0"/>
-                <a:cs typeface="Courier New" panose="02070309020205020404" pitchFamily="49" charset="0"/>
-              </a:rPr>
-              <a:t>gpa</a:t>
-            </a:r>
-            <a:r>
-              <a:rPr lang="en-US" sz="1800" dirty="0">
-                <a:latin typeface="Courier New" panose="02070309020205020404" pitchFamily="49" charset="0"/>
-                <a:cs typeface="Courier New" panose="02070309020205020404" pitchFamily="49" charset="0"/>
-              </a:rPr>
-              <a:t> = g;</a:t>
-            </a:r>
-          </a:p>
-          <a:p>
-            <a:pPr marL="0" indent="0">
-              <a:buNone/>
-            </a:pPr>
-            <a:r>
-              <a:rPr lang="en-US" sz="1800" dirty="0">
-                <a:latin typeface="Courier New" panose="02070309020205020404" pitchFamily="49" charset="0"/>
-                <a:cs typeface="Courier New" panose="02070309020205020404" pitchFamily="49" charset="0"/>
-              </a:rPr>
-              <a:t>	}</a:t>
-            </a:r>
-          </a:p>
-          <a:p>
-            <a:pPr marL="0" indent="0">
-              <a:buNone/>
-            </a:pPr>
-            <a:r>
-              <a:rPr lang="en-US" sz="1800" dirty="0">
-                <a:latin typeface="Courier New" panose="02070309020205020404" pitchFamily="49" charset="0"/>
-                <a:cs typeface="Courier New" panose="02070309020205020404" pitchFamily="49" charset="0"/>
-              </a:rPr>
-              <a:t>}</a:t>
-            </a:r>
+          <a:bodyPr/>
+          <a:lstStyle/>
+          <a:p>
+            <a:pPr marL="0" indent="0">
+              <a:buNone/>
+            </a:pPr>
+            <a:r>
+              <a:rPr lang="en-US" dirty="0"/>
+              <a:t>Read HW 8.3 up to “The Keyword this”</a:t>
+            </a:r>
+          </a:p>
+          <a:p>
+            <a:pPr marL="0" indent="0">
+              <a:buNone/>
+            </a:pPr>
+            <a:endParaRPr lang="en-US" dirty="0"/>
+          </a:p>
+          <a:p>
+            <a:pPr marL="0" indent="0">
+              <a:buNone/>
+            </a:pPr>
+            <a:r>
+              <a:rPr lang="en-US" dirty="0"/>
+              <a:t>Complete self-check questions #9 – 11, 13 – 16 </a:t>
+            </a:r>
+          </a:p>
+          <a:p>
+            <a:pPr marL="0" indent="0">
+              <a:buNone/>
+            </a:pPr>
+            <a:endParaRPr lang="en-US" dirty="0"/>
           </a:p>
         </p:txBody>
       </p:sp>
     </p:spTree>
     <p:extLst>
       <p:ext uri="{BB962C8B-B14F-4D97-AF65-F5344CB8AC3E}">
-        <p14:creationId xmlns:p14="http://schemas.microsoft.com/office/powerpoint/2010/main" val="2786955950"/>
+        <p14:creationId xmlns:p14="http://schemas.microsoft.com/office/powerpoint/2010/main" val="2861209685"/>
       </p:ext>
     </p:extLst>
   </p:cSld>
@@ -9683,128 +9882,49 @@
             <a:spLocks noGrp="1"/>
           </p:cNvSpPr>
           <p:nvPr>
-            <p:ph type="title"/>
-          </p:nvPr>
-        </p:nvSpPr>
-        <p:spPr/>
-        <p:txBody>
-          <a:bodyPr/>
-          <a:lstStyle/>
-          <a:p>
-            <a:r>
-              <a:rPr lang="en-US" dirty="0"/>
-              <a:t>Dog</a:t>
-            </a:r>
-          </a:p>
-        </p:txBody>
-      </p:sp>
-      <p:sp>
-        <p:nvSpPr>
-          <p:cNvPr id="3" name="Content Placeholder 2"/>
-          <p:cNvSpPr>
-            <a:spLocks noGrp="1"/>
-          </p:cNvSpPr>
-          <p:nvPr>
-            <p:ph idx="1"/>
-          </p:nvPr>
-        </p:nvSpPr>
-        <p:spPr/>
-        <p:txBody>
-          <a:bodyPr>
-            <a:noAutofit/>
-          </a:bodyPr>
-          <a:lstStyle/>
-          <a:p>
-            <a:pPr marL="0" indent="0">
-              <a:buNone/>
-            </a:pPr>
-            <a:r>
-              <a:rPr lang="en-US" sz="1800" dirty="0">
-                <a:latin typeface="Courier New" panose="02070309020205020404" pitchFamily="49" charset="0"/>
-                <a:cs typeface="Courier New" panose="02070309020205020404" pitchFamily="49" charset="0"/>
-              </a:rPr>
-              <a:t>public class Student {</a:t>
-            </a:r>
-          </a:p>
-          <a:p>
-            <a:pPr marL="0" indent="0">
-              <a:buNone/>
-            </a:pPr>
-            <a:r>
-              <a:rPr lang="en-US" sz="1800" dirty="0">
-                <a:latin typeface="Courier New" panose="02070309020205020404" pitchFamily="49" charset="0"/>
-                <a:cs typeface="Courier New" panose="02070309020205020404" pitchFamily="49" charset="0"/>
-              </a:rPr>
-              <a:t>	public String breed;</a:t>
-            </a:r>
-          </a:p>
-          <a:p>
-            <a:pPr marL="0" indent="0">
-              <a:buNone/>
-            </a:pPr>
-            <a:r>
-              <a:rPr lang="en-US" sz="1800" dirty="0">
-                <a:latin typeface="Courier New" panose="02070309020205020404" pitchFamily="49" charset="0"/>
-                <a:cs typeface="Courier New" panose="02070309020205020404" pitchFamily="49" charset="0"/>
-              </a:rPr>
-              <a:t>	???;				//What else could be made fields?</a:t>
-            </a:r>
-          </a:p>
-          <a:p>
-            <a:pPr marL="0" indent="0">
-              <a:buNone/>
-            </a:pPr>
-            <a:endParaRPr lang="en-US" sz="1800" dirty="0">
-              <a:latin typeface="Courier New" panose="02070309020205020404" pitchFamily="49" charset="0"/>
-              <a:cs typeface="Courier New" panose="02070309020205020404" pitchFamily="49" charset="0"/>
-            </a:endParaRPr>
-          </a:p>
-          <a:p>
-            <a:pPr marL="0" indent="0">
-              <a:buNone/>
-            </a:pPr>
-            <a:r>
-              <a:rPr lang="en-US" sz="1800" dirty="0">
-                <a:latin typeface="Courier New" panose="02070309020205020404" pitchFamily="49" charset="0"/>
-                <a:cs typeface="Courier New" panose="02070309020205020404" pitchFamily="49" charset="0"/>
-              </a:rPr>
-              <a:t>	public Dog(???) {		//How do we add these as parameters?</a:t>
-            </a:r>
-          </a:p>
-          <a:p>
-            <a:pPr marL="0" indent="0">
-              <a:buNone/>
-            </a:pPr>
-            <a:r>
-              <a:rPr lang="en-US" sz="1800" dirty="0">
-                <a:latin typeface="Courier New" panose="02070309020205020404" pitchFamily="49" charset="0"/>
-                <a:cs typeface="Courier New" panose="02070309020205020404" pitchFamily="49" charset="0"/>
-              </a:rPr>
-              <a:t>		???;			//How do we assign values passed through?</a:t>
-            </a:r>
-          </a:p>
-          <a:p>
-            <a:pPr marL="0" indent="0">
-              <a:buNone/>
-            </a:pPr>
-            <a:r>
-              <a:rPr lang="en-US" sz="1800" dirty="0">
-                <a:latin typeface="Courier New" panose="02070309020205020404" pitchFamily="49" charset="0"/>
-                <a:cs typeface="Courier New" panose="02070309020205020404" pitchFamily="49" charset="0"/>
-              </a:rPr>
-              <a:t>	}</a:t>
-            </a:r>
-          </a:p>
-          <a:p>
-            <a:pPr marL="0" indent="0">
-              <a:buNone/>
-            </a:pPr>
-            <a:r>
-              <a:rPr lang="en-US" sz="1800" dirty="0">
-                <a:latin typeface="Courier New" panose="02070309020205020404" pitchFamily="49" charset="0"/>
-                <a:cs typeface="Courier New" panose="02070309020205020404" pitchFamily="49" charset="0"/>
-              </a:rPr>
-              <a:t>}</a:t>
+            <p:ph type="ctrTitle"/>
+          </p:nvPr>
+        </p:nvSpPr>
+        <p:spPr>
+          <a:xfrm>
+            <a:off x="1289538" y="1122363"/>
+            <a:ext cx="9612924" cy="2387600"/>
+          </a:xfrm>
+        </p:spPr>
+        <p:txBody>
+          <a:bodyPr/>
+          <a:lstStyle/>
+          <a:p>
+            <a:r>
+              <a:rPr lang="en-US" dirty="0"/>
+              <a:t>Object Initialization</a:t>
+            </a:r>
+            <a:r>
+              <a:rPr lang="en-US"/>
+              <a:t>: Constructors</a:t>
+            </a:r>
+            <a:endParaRPr lang="en-US" dirty="0"/>
+          </a:p>
+        </p:txBody>
+      </p:sp>
+      <p:sp>
+        <p:nvSpPr>
+          <p:cNvPr id="3" name="Subtitle 2"/>
+          <p:cNvSpPr>
+            <a:spLocks noGrp="1"/>
+          </p:cNvSpPr>
+          <p:nvPr>
+            <p:ph type="subTitle" idx="1"/>
+          </p:nvPr>
+        </p:nvSpPr>
+        <p:spPr/>
+        <p:txBody>
+          <a:bodyPr/>
+          <a:lstStyle/>
+          <a:p>
+            <a:r>
+              <a:rPr lang="en-US" dirty="0"/>
+              <a:t>[ 5.03 ] [ Today’s Date ] [ Instructor Name ]</a:t>
             </a:r>
           </a:p>
         </p:txBody>
@@ -9812,7 +9932,7 @@
     </p:spTree>
     <p:extLst>
       <p:ext uri="{BB962C8B-B14F-4D97-AF65-F5344CB8AC3E}">
-        <p14:creationId xmlns:p14="http://schemas.microsoft.com/office/powerpoint/2010/main" val="3883131265"/>
+        <p14:creationId xmlns:p14="http://schemas.microsoft.com/office/powerpoint/2010/main" val="993143345"/>
       </p:ext>
     </p:extLst>
   </p:cSld>
@@ -9856,7 +9976,7 @@
           <a:p>
             <a:r>
               <a:rPr lang="en-US" dirty="0"/>
-              <a:t>Forecast</a:t>
+              <a:t>Student</a:t>
             </a:r>
           </a:p>
         </p:txBody>
@@ -9886,7 +10006,7 @@
                 <a:latin typeface="Courier New" panose="02070309020205020404" pitchFamily="49" charset="0"/>
                 <a:cs typeface="Courier New" panose="02070309020205020404" pitchFamily="49" charset="0"/>
               </a:rPr>
-              <a:t>public class Forecast {</a:t>
+              <a:t>public class Student {</a:t>
             </a:r>
           </a:p>
           <a:p>
@@ -9898,6 +10018,18 @@
                 <a:latin typeface="Courier New" panose="02070309020205020404" pitchFamily="49" charset="0"/>
                 <a:cs typeface="Courier New" panose="02070309020205020404" pitchFamily="49" charset="0"/>
               </a:rPr>
+              <a:t>	public String name;</a:t>
+            </a:r>
+          </a:p>
+          <a:p>
+            <a:pPr marL="0" indent="0">
+              <a:buNone/>
+            </a:pPr>
+            <a:r>
+              <a:rPr lang="en-US" sz="1800" dirty="0">
+                <a:latin typeface="Courier New" panose="02070309020205020404" pitchFamily="49" charset="0"/>
+                <a:cs typeface="Courier New" panose="02070309020205020404" pitchFamily="49" charset="0"/>
+              </a:rPr>
               <a:t>	public </a:t>
             </a:r>
             <a:r>
@@ -9905,7 +10037,7 @@
                 <a:latin typeface="Courier New" panose="02070309020205020404" pitchFamily="49" charset="0"/>
                 <a:cs typeface="Courier New" panose="02070309020205020404" pitchFamily="49" charset="0"/>
               </a:rPr>
-              <a:t>boolean</a:t>
+              <a:t>int</a:t>
             </a:r>
             <a:r>
               <a:rPr lang="en-US" sz="1800" dirty="0">
@@ -9919,14 +10051,14 @@
                 <a:latin typeface="Courier New" panose="02070309020205020404" pitchFamily="49" charset="0"/>
                 <a:cs typeface="Courier New" panose="02070309020205020404" pitchFamily="49" charset="0"/>
               </a:rPr>
-              <a:t>tornadoWarning</a:t>
+              <a:t>gradeLevel</a:t>
             </a:r>
             <a:r>
               <a:rPr lang="en-US" sz="1800" dirty="0">
                 <a:latin typeface="Courier New" panose="02070309020205020404" pitchFamily="49" charset="0"/>
                 <a:cs typeface="Courier New" panose="02070309020205020404" pitchFamily="49" charset="0"/>
               </a:rPr>
-              <a:t>;		//Does it make sense to have</a:t>
+              <a:t>;</a:t>
             </a:r>
           </a:p>
           <a:p>
@@ -9938,20 +10070,31 @@
                 <a:latin typeface="Courier New" panose="02070309020205020404" pitchFamily="49" charset="0"/>
                 <a:cs typeface="Courier New" panose="02070309020205020404" pitchFamily="49" charset="0"/>
               </a:rPr>
-              <a:t>	???;						//a tornado warning? This is</a:t>
-            </a:r>
-          </a:p>
-          <a:p>
-            <a:pPr marL="0" indent="0">
-              <a:buNone/>
-            </a:pPr>
+              <a:t>	public double </a:t>
+            </a:r>
+            <a:r>
+              <a:rPr lang="en-US" sz="1800" dirty="0" err="1">
+                <a:latin typeface="Courier New" panose="02070309020205020404" pitchFamily="49" charset="0"/>
+                <a:cs typeface="Courier New" panose="02070309020205020404" pitchFamily="49" charset="0"/>
+              </a:rPr>
+              <a:t>gpa</a:t>
+            </a:r>
             <a:r>
               <a:rPr lang="en-US" sz="1800" dirty="0">
                 <a:latin typeface="Courier New" panose="02070309020205020404" pitchFamily="49" charset="0"/>
                 <a:cs typeface="Courier New" panose="02070309020205020404" pitchFamily="49" charset="0"/>
               </a:rPr>
-              <a:t>							//a design choice!!!</a:t>
-            </a:r>
+              <a:t>;</a:t>
+            </a:r>
+          </a:p>
+          <a:p>
+            <a:pPr marL="0" indent="0">
+              <a:buNone/>
+            </a:pPr>
+            <a:endParaRPr lang="en-US" sz="1800" dirty="0">
+              <a:latin typeface="Courier New" panose="02070309020205020404" pitchFamily="49" charset="0"/>
+              <a:cs typeface="Courier New" panose="02070309020205020404" pitchFamily="49" charset="0"/>
+            </a:endParaRPr>
           </a:p>
           <a:p>
             <a:pPr marL="0" indent="0">
@@ -9962,7 +10105,125 @@
                 <a:latin typeface="Courier New" panose="02070309020205020404" pitchFamily="49" charset="0"/>
                 <a:cs typeface="Courier New" panose="02070309020205020404" pitchFamily="49" charset="0"/>
               </a:rPr>
-              <a:t>	Constructor(???)</a:t>
+              <a:t>	public Student(String n, </a:t>
+            </a:r>
+            <a:r>
+              <a:rPr lang="en-US" sz="1800" dirty="0" err="1">
+                <a:latin typeface="Courier New" panose="02070309020205020404" pitchFamily="49" charset="0"/>
+                <a:cs typeface="Courier New" panose="02070309020205020404" pitchFamily="49" charset="0"/>
+              </a:rPr>
+              <a:t>int</a:t>
+            </a:r>
+            <a:r>
+              <a:rPr lang="en-US" sz="1800" dirty="0">
+                <a:latin typeface="Courier New" panose="02070309020205020404" pitchFamily="49" charset="0"/>
+                <a:cs typeface="Courier New" panose="02070309020205020404" pitchFamily="49" charset="0"/>
+              </a:rPr>
+              <a:t> </a:t>
+            </a:r>
+            <a:r>
+              <a:rPr lang="en-US" sz="1800" dirty="0" err="1">
+                <a:latin typeface="Courier New" panose="02070309020205020404" pitchFamily="49" charset="0"/>
+                <a:cs typeface="Courier New" panose="02070309020205020404" pitchFamily="49" charset="0"/>
+              </a:rPr>
+              <a:t>gl</a:t>
+            </a:r>
+            <a:r>
+              <a:rPr lang="en-US" sz="1800" dirty="0">
+                <a:latin typeface="Courier New" panose="02070309020205020404" pitchFamily="49" charset="0"/>
+                <a:cs typeface="Courier New" panose="02070309020205020404" pitchFamily="49" charset="0"/>
+              </a:rPr>
+              <a:t>, double g) {</a:t>
+            </a:r>
+          </a:p>
+          <a:p>
+            <a:pPr marL="0" indent="0">
+              <a:buNone/>
+            </a:pPr>
+            <a:r>
+              <a:rPr lang="en-US" sz="1800" dirty="0">
+                <a:latin typeface="Courier New" panose="02070309020205020404" pitchFamily="49" charset="0"/>
+                <a:cs typeface="Courier New" panose="02070309020205020404" pitchFamily="49" charset="0"/>
+              </a:rPr>
+              <a:t>		name = n;</a:t>
+            </a:r>
+          </a:p>
+          <a:p>
+            <a:pPr marL="0" indent="0">
+              <a:buNone/>
+            </a:pPr>
+            <a:r>
+              <a:rPr lang="en-US" sz="1800" dirty="0">
+                <a:latin typeface="Courier New" panose="02070309020205020404" pitchFamily="49" charset="0"/>
+                <a:cs typeface="Courier New" panose="02070309020205020404" pitchFamily="49" charset="0"/>
+              </a:rPr>
+              <a:t>		</a:t>
+            </a:r>
+            <a:r>
+              <a:rPr lang="en-US" sz="1800" dirty="0" err="1">
+                <a:latin typeface="Courier New" panose="02070309020205020404" pitchFamily="49" charset="0"/>
+                <a:cs typeface="Courier New" panose="02070309020205020404" pitchFamily="49" charset="0"/>
+              </a:rPr>
+              <a:t>gradelevel</a:t>
+            </a:r>
+            <a:r>
+              <a:rPr lang="en-US" sz="1800" dirty="0">
+                <a:latin typeface="Courier New" panose="02070309020205020404" pitchFamily="49" charset="0"/>
+                <a:cs typeface="Courier New" panose="02070309020205020404" pitchFamily="49" charset="0"/>
+              </a:rPr>
+              <a:t> = </a:t>
+            </a:r>
+            <a:r>
+              <a:rPr lang="en-US" sz="1800" dirty="0" err="1">
+                <a:latin typeface="Courier New" panose="02070309020205020404" pitchFamily="49" charset="0"/>
+                <a:cs typeface="Courier New" panose="02070309020205020404" pitchFamily="49" charset="0"/>
+              </a:rPr>
+              <a:t>gl</a:t>
+            </a:r>
+            <a:r>
+              <a:rPr lang="en-US" sz="1800" dirty="0">
+                <a:latin typeface="Courier New" panose="02070309020205020404" pitchFamily="49" charset="0"/>
+                <a:cs typeface="Courier New" panose="02070309020205020404" pitchFamily="49" charset="0"/>
+              </a:rPr>
+              <a:t>;</a:t>
+            </a:r>
+          </a:p>
+          <a:p>
+            <a:pPr marL="0" indent="0">
+              <a:buNone/>
+            </a:pPr>
+            <a:r>
+              <a:rPr lang="en-US" sz="1800" dirty="0">
+                <a:latin typeface="Courier New" panose="02070309020205020404" pitchFamily="49" charset="0"/>
+                <a:cs typeface="Courier New" panose="02070309020205020404" pitchFamily="49" charset="0"/>
+              </a:rPr>
+              <a:t>		</a:t>
+            </a:r>
+            <a:r>
+              <a:rPr lang="en-US" sz="1800" dirty="0" err="1">
+                <a:latin typeface="Courier New" panose="02070309020205020404" pitchFamily="49" charset="0"/>
+                <a:cs typeface="Courier New" panose="02070309020205020404" pitchFamily="49" charset="0"/>
+              </a:rPr>
+              <a:t>gpa</a:t>
+            </a:r>
+            <a:r>
+              <a:rPr lang="en-US" sz="1800" dirty="0">
+                <a:latin typeface="Courier New" panose="02070309020205020404" pitchFamily="49" charset="0"/>
+                <a:cs typeface="Courier New" panose="02070309020205020404" pitchFamily="49" charset="0"/>
+              </a:rPr>
+              <a:t> = g;</a:t>
+            </a:r>
+          </a:p>
+          <a:p>
+            <a:pPr marL="0" indent="0">
+              <a:buNone/>
+            </a:pPr>
+            <a:r>
+              <a:rPr lang="en-US" sz="1800" dirty="0">
+                <a:latin typeface="Courier New" panose="02070309020205020404" pitchFamily="49" charset="0"/>
+                <a:cs typeface="Courier New" panose="02070309020205020404" pitchFamily="49" charset="0"/>
+              </a:rPr>
+              <a:t>	}</a:t>
             </a:r>
           </a:p>
           <a:p>
@@ -9982,7 +10243,7 @@
     </p:spTree>
     <p:extLst>
       <p:ext uri="{BB962C8B-B14F-4D97-AF65-F5344CB8AC3E}">
-        <p14:creationId xmlns:p14="http://schemas.microsoft.com/office/powerpoint/2010/main" val="2369493087"/>
+        <p14:creationId xmlns:p14="http://schemas.microsoft.com/office/powerpoint/2010/main" val="2786955950"/>
       </p:ext>
     </p:extLst>
   </p:cSld>
@@ -10026,7 +10287,7 @@
           <a:p>
             <a:r>
               <a:rPr lang="en-US" dirty="0"/>
-              <a:t>Exit Ticket:</a:t>
+              <a:t>Dog</a:t>
             </a:r>
           </a:p>
         </p:txBody>
@@ -10043,30 +10304,101 @@
         </p:nvSpPr>
         <p:spPr/>
         <p:txBody>
-          <a:bodyPr/>
-          <a:lstStyle/>
-          <a:p>
-            <a:pPr marL="0" indent="0">
-              <a:buNone/>
-            </a:pPr>
-            <a:endParaRPr lang="en-US" dirty="0"/>
-          </a:p>
-          <a:p>
-            <a:pPr marL="0" indent="0">
-              <a:buNone/>
-            </a:pPr>
-            <a:r>
-              <a:rPr lang="en-US" dirty="0"/>
-              <a:t>Write your name and the name of another group’s class. </a:t>
-            </a:r>
-          </a:p>
-          <a:p>
-            <a:pPr marL="0" indent="0">
-              <a:buNone/>
-            </a:pPr>
-            <a:r>
-              <a:rPr lang="en-US" dirty="0"/>
-              <a:t>How would you declare an object according to that group’s constructor?</a:t>
+          <a:bodyPr>
+            <a:noAutofit/>
+          </a:bodyPr>
+          <a:lstStyle/>
+          <a:p>
+            <a:pPr marL="0" indent="0">
+              <a:buNone/>
+            </a:pPr>
+            <a:r>
+              <a:rPr lang="en-US" sz="1800" dirty="0">
+                <a:latin typeface="Courier New" panose="02070309020205020404" pitchFamily="49" charset="0"/>
+                <a:cs typeface="Courier New" panose="02070309020205020404" pitchFamily="49" charset="0"/>
+              </a:rPr>
+              <a:t>public class Student {</a:t>
+            </a:r>
+          </a:p>
+          <a:p>
+            <a:pPr marL="0" indent="0">
+              <a:buNone/>
+            </a:pPr>
+            <a:r>
+              <a:rPr lang="en-US" sz="1800" dirty="0">
+                <a:latin typeface="Courier New" panose="02070309020205020404" pitchFamily="49" charset="0"/>
+                <a:cs typeface="Courier New" panose="02070309020205020404" pitchFamily="49" charset="0"/>
+              </a:rPr>
+              <a:t>	public String breed;</a:t>
+            </a:r>
+          </a:p>
+          <a:p>
+            <a:pPr marL="0" indent="0">
+              <a:buNone/>
+            </a:pPr>
+            <a:r>
+              <a:rPr lang="en-US" sz="1800" dirty="0">
+                <a:latin typeface="Courier New" panose="02070309020205020404" pitchFamily="49" charset="0"/>
+                <a:cs typeface="Courier New" panose="02070309020205020404" pitchFamily="49" charset="0"/>
+              </a:rPr>
+              <a:t>	???;				//What else could be made fields?</a:t>
+            </a:r>
+          </a:p>
+          <a:p>
+            <a:pPr marL="0" indent="0">
+              <a:buNone/>
+            </a:pPr>
+            <a:endParaRPr lang="en-US" sz="1800" dirty="0">
+              <a:latin typeface="Courier New" panose="02070309020205020404" pitchFamily="49" charset="0"/>
+              <a:cs typeface="Courier New" panose="02070309020205020404" pitchFamily="49" charset="0"/>
+            </a:endParaRPr>
+          </a:p>
+          <a:p>
+            <a:pPr marL="0" indent="0">
+              <a:buNone/>
+            </a:pPr>
+            <a:r>
+              <a:rPr lang="en-US" sz="1800" dirty="0">
+                <a:latin typeface="Courier New" panose="02070309020205020404" pitchFamily="49" charset="0"/>
+                <a:cs typeface="Courier New" panose="02070309020205020404" pitchFamily="49" charset="0"/>
+              </a:rPr>
+              <a:t>	public Dog(???) {		//How do we add these as parameters?</a:t>
+            </a:r>
+          </a:p>
+          <a:p>
+            <a:pPr marL="0" indent="0">
+              <a:buNone/>
+            </a:pPr>
+            <a:r>
+              <a:rPr lang="en-US" sz="1800" dirty="0">
+                <a:latin typeface="Courier New" panose="02070309020205020404" pitchFamily="49" charset="0"/>
+                <a:cs typeface="Courier New" panose="02070309020205020404" pitchFamily="49" charset="0"/>
+              </a:rPr>
+              <a:t>		???;			//How do we assign values passed through?</a:t>
+            </a:r>
+          </a:p>
+          <a:p>
+            <a:pPr marL="0" indent="0">
+              <a:buNone/>
+            </a:pPr>
+            <a:r>
+              <a:rPr lang="en-US" sz="1800" dirty="0">
+                <a:latin typeface="Courier New" panose="02070309020205020404" pitchFamily="49" charset="0"/>
+                <a:cs typeface="Courier New" panose="02070309020205020404" pitchFamily="49" charset="0"/>
+              </a:rPr>
+              <a:t>	}</a:t>
+            </a:r>
+          </a:p>
+          <a:p>
+            <a:pPr marL="0" indent="0">
+              <a:buNone/>
+            </a:pPr>
+            <a:r>
+              <a:rPr lang="en-US" sz="1800" dirty="0">
+                <a:latin typeface="Courier New" panose="02070309020205020404" pitchFamily="49" charset="0"/>
+                <a:cs typeface="Courier New" panose="02070309020205020404" pitchFamily="49" charset="0"/>
+              </a:rPr>
+              <a:t>}</a:t>
             </a:r>
           </a:p>
         </p:txBody>
@@ -10074,7 +10406,7 @@
     </p:spTree>
     <p:extLst>
       <p:ext uri="{BB962C8B-B14F-4D97-AF65-F5344CB8AC3E}">
-        <p14:creationId xmlns:p14="http://schemas.microsoft.com/office/powerpoint/2010/main" val="4210590996"/>
+        <p14:creationId xmlns:p14="http://schemas.microsoft.com/office/powerpoint/2010/main" val="3883131265"/>
       </p:ext>
     </p:extLst>
   </p:cSld>
@@ -10113,68 +10445,138 @@
         </p:nvSpPr>
         <p:spPr/>
         <p:txBody>
+          <a:bodyPr/>
+          <a:lstStyle/>
+          <a:p>
+            <a:r>
+              <a:rPr lang="en-US" dirty="0"/>
+              <a:t>Forecast</a:t>
+            </a:r>
+          </a:p>
+        </p:txBody>
+      </p:sp>
+      <p:sp>
+        <p:nvSpPr>
+          <p:cNvPr id="3" name="Content Placeholder 2"/>
+          <p:cNvSpPr>
+            <a:spLocks noGrp="1"/>
+          </p:cNvSpPr>
+          <p:nvPr>
+            <p:ph idx="1"/>
+          </p:nvPr>
+        </p:nvSpPr>
+        <p:spPr/>
+        <p:txBody>
           <a:bodyPr>
-            <a:normAutofit/>
+            <a:noAutofit/>
           </a:bodyPr>
           <a:lstStyle/>
           <a:p>
-            <a:r>
-              <a:rPr lang="en-US" dirty="0"/>
-              <a:t>Homework</a:t>
-            </a:r>
-          </a:p>
-        </p:txBody>
-      </p:sp>
-      <p:sp>
-        <p:nvSpPr>
-          <p:cNvPr id="3" name="Content Placeholder 2"/>
-          <p:cNvSpPr>
-            <a:spLocks noGrp="1"/>
-          </p:cNvSpPr>
-          <p:nvPr>
-            <p:ph idx="1"/>
-          </p:nvPr>
-        </p:nvSpPr>
-        <p:spPr/>
-        <p:txBody>
-          <a:bodyPr/>
-          <a:lstStyle/>
-          <a:p>
-            <a:pPr marL="0" indent="0">
-              <a:buNone/>
-            </a:pPr>
-            <a:r>
-              <a:rPr lang="en-US" dirty="0"/>
-              <a:t>Read HW 8.4</a:t>
-            </a:r>
-          </a:p>
-          <a:p>
-            <a:pPr marL="0" indent="0">
-              <a:buNone/>
-            </a:pPr>
-            <a:endParaRPr lang="en-US" dirty="0"/>
-          </a:p>
-          <a:p>
-            <a:pPr marL="0" indent="0">
-              <a:buNone/>
-            </a:pPr>
-            <a:r>
-              <a:rPr lang="en-US" dirty="0"/>
-              <a:t>	Take notes, since you will have to teach a mini-lesson later.</a:t>
-            </a:r>
-          </a:p>
-          <a:p>
-            <a:pPr marL="0" indent="0">
-              <a:buNone/>
-            </a:pPr>
-            <a:endParaRPr lang="en-US" dirty="0"/>
+            <a:pPr marL="0" indent="0">
+              <a:buNone/>
+            </a:pPr>
+            <a:r>
+              <a:rPr lang="en-US" sz="1800" dirty="0">
+                <a:latin typeface="Courier New" panose="02070309020205020404" pitchFamily="49" charset="0"/>
+                <a:cs typeface="Courier New" panose="02070309020205020404" pitchFamily="49" charset="0"/>
+              </a:rPr>
+              <a:t>public class Forecast {</a:t>
+            </a:r>
+          </a:p>
+          <a:p>
+            <a:pPr marL="0" indent="0">
+              <a:buNone/>
+            </a:pPr>
+            <a:r>
+              <a:rPr lang="en-US" sz="1800" dirty="0">
+                <a:latin typeface="Courier New" panose="02070309020205020404" pitchFamily="49" charset="0"/>
+                <a:cs typeface="Courier New" panose="02070309020205020404" pitchFamily="49" charset="0"/>
+              </a:rPr>
+              <a:t>	public </a:t>
+            </a:r>
+            <a:r>
+              <a:rPr lang="en-US" sz="1800" dirty="0" err="1">
+                <a:latin typeface="Courier New" panose="02070309020205020404" pitchFamily="49" charset="0"/>
+                <a:cs typeface="Courier New" panose="02070309020205020404" pitchFamily="49" charset="0"/>
+              </a:rPr>
+              <a:t>boolean</a:t>
+            </a:r>
+            <a:r>
+              <a:rPr lang="en-US" sz="1800" dirty="0">
+                <a:latin typeface="Courier New" panose="02070309020205020404" pitchFamily="49" charset="0"/>
+                <a:cs typeface="Courier New" panose="02070309020205020404" pitchFamily="49" charset="0"/>
+              </a:rPr>
+              <a:t> </a:t>
+            </a:r>
+            <a:r>
+              <a:rPr lang="en-US" sz="1800" dirty="0" err="1">
+                <a:latin typeface="Courier New" panose="02070309020205020404" pitchFamily="49" charset="0"/>
+                <a:cs typeface="Courier New" panose="02070309020205020404" pitchFamily="49" charset="0"/>
+              </a:rPr>
+              <a:t>tornadoWarning</a:t>
+            </a:r>
+            <a:r>
+              <a:rPr lang="en-US" sz="1800" dirty="0">
+                <a:latin typeface="Courier New" panose="02070309020205020404" pitchFamily="49" charset="0"/>
+                <a:cs typeface="Courier New" panose="02070309020205020404" pitchFamily="49" charset="0"/>
+              </a:rPr>
+              <a:t>;		//Does it make sense to have</a:t>
+            </a:r>
+          </a:p>
+          <a:p>
+            <a:pPr marL="0" indent="0">
+              <a:buNone/>
+            </a:pPr>
+            <a:r>
+              <a:rPr lang="en-US" sz="1800" dirty="0">
+                <a:latin typeface="Courier New" panose="02070309020205020404" pitchFamily="49" charset="0"/>
+                <a:cs typeface="Courier New" panose="02070309020205020404" pitchFamily="49" charset="0"/>
+              </a:rPr>
+              <a:t>	???;						//a tornado warning? This is</a:t>
+            </a:r>
+          </a:p>
+          <a:p>
+            <a:pPr marL="0" indent="0">
+              <a:buNone/>
+            </a:pPr>
+            <a:r>
+              <a:rPr lang="en-US" sz="1800" dirty="0">
+                <a:latin typeface="Courier New" panose="02070309020205020404" pitchFamily="49" charset="0"/>
+                <a:cs typeface="Courier New" panose="02070309020205020404" pitchFamily="49" charset="0"/>
+              </a:rPr>
+              <a:t>							//a design choice!!!</a:t>
+            </a:r>
+          </a:p>
+          <a:p>
+            <a:pPr marL="0" indent="0">
+              <a:buNone/>
+            </a:pPr>
+            <a:r>
+              <a:rPr lang="en-US" sz="1800" dirty="0">
+                <a:latin typeface="Courier New" panose="02070309020205020404" pitchFamily="49" charset="0"/>
+                <a:cs typeface="Courier New" panose="02070309020205020404" pitchFamily="49" charset="0"/>
+              </a:rPr>
+              <a:t>	Constructor(???)</a:t>
+            </a:r>
+          </a:p>
+          <a:p>
+            <a:pPr marL="0" indent="0">
+              <a:buNone/>
+            </a:pPr>
+            <a:r>
+              <a:rPr lang="en-US" sz="1800" dirty="0">
+                <a:latin typeface="Courier New" panose="02070309020205020404" pitchFamily="49" charset="0"/>
+                <a:cs typeface="Courier New" panose="02070309020205020404" pitchFamily="49" charset="0"/>
+              </a:rPr>
+              <a:t>}</a:t>
+            </a:r>
           </a:p>
         </p:txBody>
       </p:sp>
     </p:spTree>
     <p:extLst>
       <p:ext uri="{BB962C8B-B14F-4D97-AF65-F5344CB8AC3E}">
-        <p14:creationId xmlns:p14="http://schemas.microsoft.com/office/powerpoint/2010/main" val="4016129065"/>
+        <p14:creationId xmlns:p14="http://schemas.microsoft.com/office/powerpoint/2010/main" val="2369493087"/>
       </p:ext>
     </p:extLst>
   </p:cSld>
@@ -10208,44 +10610,57 @@
             <a:spLocks noGrp="1"/>
           </p:cNvSpPr>
           <p:nvPr>
-            <p:ph type="ctrTitle"/>
-          </p:nvPr>
-        </p:nvSpPr>
-        <p:spPr>
-          <a:xfrm>
-            <a:off x="1289538" y="1122363"/>
-            <a:ext cx="9612924" cy="2387600"/>
-          </a:xfrm>
-        </p:spPr>
-        <p:txBody>
-          <a:bodyPr/>
-          <a:lstStyle/>
-          <a:p>
-            <a:r>
-              <a:rPr lang="en-US" dirty="0"/>
-              <a:t>Encapsulation</a:t>
-            </a:r>
-          </a:p>
-        </p:txBody>
-      </p:sp>
-      <p:sp>
-        <p:nvSpPr>
-          <p:cNvPr id="3" name="Subtitle 2"/>
-          <p:cNvSpPr>
-            <a:spLocks noGrp="1"/>
-          </p:cNvSpPr>
-          <p:nvPr>
-            <p:ph type="subTitle" idx="1"/>
-          </p:nvPr>
-        </p:nvSpPr>
-        <p:spPr/>
-        <p:txBody>
-          <a:bodyPr/>
-          <a:lstStyle/>
-          <a:p>
-            <a:r>
-              <a:rPr lang="en-US" dirty="0"/>
-              <a:t>[ 5.04 ] [ Today’s Date ] [ Instructor Name ]</a:t>
+            <p:ph type="title"/>
+          </p:nvPr>
+        </p:nvSpPr>
+        <p:spPr/>
+        <p:txBody>
+          <a:bodyPr/>
+          <a:lstStyle/>
+          <a:p>
+            <a:r>
+              <a:rPr lang="en-US" dirty="0"/>
+              <a:t>Exit Ticket:</a:t>
+            </a:r>
+          </a:p>
+        </p:txBody>
+      </p:sp>
+      <p:sp>
+        <p:nvSpPr>
+          <p:cNvPr id="3" name="Content Placeholder 2"/>
+          <p:cNvSpPr>
+            <a:spLocks noGrp="1"/>
+          </p:cNvSpPr>
+          <p:nvPr>
+            <p:ph idx="1"/>
+          </p:nvPr>
+        </p:nvSpPr>
+        <p:spPr/>
+        <p:txBody>
+          <a:bodyPr/>
+          <a:lstStyle/>
+          <a:p>
+            <a:pPr marL="0" indent="0">
+              <a:buNone/>
+            </a:pPr>
+            <a:endParaRPr lang="en-US" dirty="0"/>
+          </a:p>
+          <a:p>
+            <a:pPr marL="0" indent="0">
+              <a:buNone/>
+            </a:pPr>
+            <a:r>
+              <a:rPr lang="en-US" dirty="0"/>
+              <a:t>Write your name and the name of another group’s class. </a:t>
+            </a:r>
+          </a:p>
+          <a:p>
+            <a:pPr marL="0" indent="0">
+              <a:buNone/>
+            </a:pPr>
+            <a:r>
+              <a:rPr lang="en-US" dirty="0"/>
+              <a:t>How would you declare an object according to that group’s constructor?</a:t>
             </a:r>
           </a:p>
         </p:txBody>
@@ -10253,7 +10668,7 @@
     </p:spTree>
     <p:extLst>
       <p:ext uri="{BB962C8B-B14F-4D97-AF65-F5344CB8AC3E}">
-        <p14:creationId xmlns:p14="http://schemas.microsoft.com/office/powerpoint/2010/main" val="3189092506"/>
+        <p14:creationId xmlns:p14="http://schemas.microsoft.com/office/powerpoint/2010/main" val="4210590996"/>
       </p:ext>
     </p:extLst>
   </p:cSld>
@@ -10292,92 +10707,68 @@
         </p:nvSpPr>
         <p:spPr/>
         <p:txBody>
-          <a:bodyPr/>
-          <a:lstStyle/>
-          <a:p>
-            <a:pPr algn="ctr"/>
-            <a:r>
-              <a:rPr lang="en-US" dirty="0"/>
-              <a:t>Mini Lessons on chapter 8 section 4.</a:t>
-            </a:r>
-          </a:p>
-        </p:txBody>
-      </p:sp>
-      <p:sp>
-        <p:nvSpPr>
-          <p:cNvPr id="3" name="Content Placeholder 2"/>
-          <p:cNvSpPr>
-            <a:spLocks noGrp="1"/>
-          </p:cNvSpPr>
-          <p:nvPr>
-            <p:ph idx="1"/>
-          </p:nvPr>
-        </p:nvSpPr>
-        <p:spPr/>
-        <p:txBody>
           <a:bodyPr>
             <a:normAutofit/>
           </a:bodyPr>
           <a:lstStyle/>
           <a:p>
-            <a:pPr marL="0" indent="0" algn="ctr">
-              <a:buNone/>
-            </a:pPr>
-            <a:r>
-              <a:rPr lang="en-US" sz="3200" dirty="0"/>
-              <a:t>Encapsulation and Abstraction</a:t>
-            </a:r>
-          </a:p>
-          <a:p>
-            <a:pPr algn="ctr"/>
-            <a:endParaRPr lang="en-US" sz="3200" dirty="0"/>
-          </a:p>
-          <a:p>
-            <a:pPr marL="0" indent="0" algn="ctr">
-              <a:buNone/>
-            </a:pPr>
-            <a:r>
-              <a:rPr lang="en-US" sz="3200" dirty="0"/>
-              <a:t>Private Fields</a:t>
-            </a:r>
-          </a:p>
-          <a:p>
-            <a:pPr algn="ctr"/>
-            <a:endParaRPr lang="en-US" sz="3200" dirty="0"/>
-          </a:p>
-          <a:p>
-            <a:pPr marL="0" indent="0" algn="ctr">
-              <a:buNone/>
-            </a:pPr>
-            <a:r>
-              <a:rPr lang="en-US" sz="3200" dirty="0"/>
-              <a:t>Class </a:t>
-            </a:r>
-            <a:r>
-              <a:rPr lang="en-US" sz="3200" dirty="0" err="1"/>
-              <a:t>Invarients</a:t>
-            </a:r>
-            <a:endParaRPr lang="en-US" sz="3200" dirty="0"/>
-          </a:p>
-          <a:p>
-            <a:pPr algn="ctr"/>
-            <a:endParaRPr lang="en-US" sz="3200" dirty="0"/>
-          </a:p>
-          <a:p>
-            <a:pPr marL="0" indent="0" algn="ctr">
-              <a:buNone/>
-            </a:pPr>
-            <a:r>
-              <a:rPr lang="en-US" sz="3200" dirty="0"/>
-              <a:t>Changing Internal Implementations</a:t>
-            </a:r>
+            <a:r>
+              <a:rPr lang="en-US" dirty="0"/>
+              <a:t>Homework</a:t>
+            </a:r>
+          </a:p>
+        </p:txBody>
+      </p:sp>
+      <p:sp>
+        <p:nvSpPr>
+          <p:cNvPr id="3" name="Content Placeholder 2"/>
+          <p:cNvSpPr>
+            <a:spLocks noGrp="1"/>
+          </p:cNvSpPr>
+          <p:nvPr>
+            <p:ph idx="1"/>
+          </p:nvPr>
+        </p:nvSpPr>
+        <p:spPr/>
+        <p:txBody>
+          <a:bodyPr/>
+          <a:lstStyle/>
+          <a:p>
+            <a:pPr marL="0" indent="0">
+              <a:buNone/>
+            </a:pPr>
+            <a:r>
+              <a:rPr lang="en-US" dirty="0"/>
+              <a:t>Read HW 8.4</a:t>
+            </a:r>
+          </a:p>
+          <a:p>
+            <a:pPr marL="0" indent="0">
+              <a:buNone/>
+            </a:pPr>
+            <a:endParaRPr lang="en-US" dirty="0"/>
+          </a:p>
+          <a:p>
+            <a:pPr marL="0" indent="0">
+              <a:buNone/>
+            </a:pPr>
+            <a:r>
+              <a:rPr lang="en-US" dirty="0"/>
+              <a:t>	Take notes, since you will have to teach a mini-lesson later.</a:t>
+            </a:r>
+          </a:p>
+          <a:p>
+            <a:pPr marL="0" indent="0">
+              <a:buNone/>
+            </a:pPr>
+            <a:endParaRPr lang="en-US" dirty="0"/>
           </a:p>
         </p:txBody>
       </p:sp>
     </p:spTree>
     <p:extLst>
       <p:ext uri="{BB962C8B-B14F-4D97-AF65-F5344CB8AC3E}">
-        <p14:creationId xmlns:p14="http://schemas.microsoft.com/office/powerpoint/2010/main" val="3307385066"/>
+        <p14:creationId xmlns:p14="http://schemas.microsoft.com/office/powerpoint/2010/main" val="4016129065"/>
       </p:ext>
     </p:extLst>
   </p:cSld>
@@ -10411,72 +10802,44 @@
             <a:spLocks noGrp="1"/>
           </p:cNvSpPr>
           <p:nvPr>
-            <p:ph type="title"/>
-          </p:nvPr>
-        </p:nvSpPr>
-        <p:spPr/>
-        <p:txBody>
-          <a:bodyPr/>
-          <a:lstStyle/>
-          <a:p>
-            <a:r>
-              <a:rPr lang="en-US" dirty="0"/>
-              <a:t>Mini Lesson Guidelines</a:t>
-            </a:r>
-          </a:p>
-        </p:txBody>
-      </p:sp>
-      <p:sp>
-        <p:nvSpPr>
-          <p:cNvPr id="3" name="Content Placeholder 2"/>
-          <p:cNvSpPr>
-            <a:spLocks noGrp="1"/>
-          </p:cNvSpPr>
-          <p:nvPr>
-            <p:ph idx="1"/>
-          </p:nvPr>
-        </p:nvSpPr>
-        <p:spPr/>
-        <p:txBody>
-          <a:bodyPr/>
-          <a:lstStyle/>
-          <a:p>
-            <a:pPr marL="0" indent="0">
-              <a:buNone/>
-            </a:pPr>
-            <a:r>
-              <a:rPr lang="en-US" dirty="0"/>
-              <a:t>Each group has 7 minutes to present and 2 minutes for questions.</a:t>
-            </a:r>
-          </a:p>
-          <a:p>
-            <a:pPr marL="0" indent="0">
-              <a:buNone/>
-            </a:pPr>
-            <a:endParaRPr lang="en-US" dirty="0"/>
-          </a:p>
-          <a:p>
-            <a:pPr marL="0" indent="0">
-              <a:buNone/>
-            </a:pPr>
-            <a:r>
-              <a:rPr lang="en-US" dirty="0"/>
-              <a:t>Each group must submit 3 questions related to your topic for an in class quiz tomorrow.</a:t>
-            </a:r>
-          </a:p>
-          <a:p>
-            <a:pPr marL="0" indent="0">
-              <a:buNone/>
-            </a:pPr>
-            <a:endParaRPr lang="en-US" dirty="0"/>
-          </a:p>
-          <a:p>
-            <a:pPr marL="0" indent="0">
-              <a:buNone/>
-            </a:pPr>
-            <a:r>
-              <a:rPr lang="en-US" dirty="0"/>
-              <a:t>You have 15 minutes to prepare your presentations and questions.</a:t>
+            <p:ph type="ctrTitle"/>
+          </p:nvPr>
+        </p:nvSpPr>
+        <p:spPr>
+          <a:xfrm>
+            <a:off x="1289538" y="1122363"/>
+            <a:ext cx="9612924" cy="2387600"/>
+          </a:xfrm>
+        </p:spPr>
+        <p:txBody>
+          <a:bodyPr/>
+          <a:lstStyle/>
+          <a:p>
+            <a:r>
+              <a:rPr lang="en-US" dirty="0"/>
+              <a:t>Encapsulation</a:t>
+            </a:r>
+          </a:p>
+        </p:txBody>
+      </p:sp>
+      <p:sp>
+        <p:nvSpPr>
+          <p:cNvPr id="3" name="Subtitle 2"/>
+          <p:cNvSpPr>
+            <a:spLocks noGrp="1"/>
+          </p:cNvSpPr>
+          <p:nvPr>
+            <p:ph type="subTitle" idx="1"/>
+          </p:nvPr>
+        </p:nvSpPr>
+        <p:spPr/>
+        <p:txBody>
+          <a:bodyPr/>
+          <a:lstStyle/>
+          <a:p>
+            <a:r>
+              <a:rPr lang="en-US" dirty="0"/>
+              <a:t>[ 5.04 ] [ Today’s Date ] [ Instructor Name ]</a:t>
             </a:r>
           </a:p>
         </p:txBody>
@@ -10484,7 +10847,7 @@
     </p:spTree>
     <p:extLst>
       <p:ext uri="{BB962C8B-B14F-4D97-AF65-F5344CB8AC3E}">
-        <p14:creationId xmlns:p14="http://schemas.microsoft.com/office/powerpoint/2010/main" val="1453055125"/>
+        <p14:creationId xmlns:p14="http://schemas.microsoft.com/office/powerpoint/2010/main" val="3189092506"/>
       </p:ext>
     </p:extLst>
   </p:cSld>
@@ -10523,53 +10886,92 @@
         </p:nvSpPr>
         <p:spPr/>
         <p:txBody>
+          <a:bodyPr/>
+          <a:lstStyle/>
+          <a:p>
+            <a:pPr algn="ctr"/>
+            <a:r>
+              <a:rPr lang="en-US" dirty="0"/>
+              <a:t>Mini Lessons on chapter 8 section 4.</a:t>
+            </a:r>
+          </a:p>
+        </p:txBody>
+      </p:sp>
+      <p:sp>
+        <p:nvSpPr>
+          <p:cNvPr id="3" name="Content Placeholder 2"/>
+          <p:cNvSpPr>
+            <a:spLocks noGrp="1"/>
+          </p:cNvSpPr>
+          <p:nvPr>
+            <p:ph idx="1"/>
+          </p:nvPr>
+        </p:nvSpPr>
+        <p:spPr/>
+        <p:txBody>
           <a:bodyPr>
             <a:normAutofit/>
           </a:bodyPr>
           <a:lstStyle/>
           <a:p>
-            <a:r>
-              <a:rPr lang="en-US" dirty="0"/>
-              <a:t>Homework</a:t>
-            </a:r>
-          </a:p>
-        </p:txBody>
-      </p:sp>
-      <p:sp>
-        <p:nvSpPr>
-          <p:cNvPr id="3" name="Content Placeholder 2"/>
-          <p:cNvSpPr>
-            <a:spLocks noGrp="1"/>
-          </p:cNvSpPr>
-          <p:nvPr>
-            <p:ph idx="1"/>
-          </p:nvPr>
-        </p:nvSpPr>
-        <p:spPr/>
-        <p:txBody>
-          <a:bodyPr/>
-          <a:lstStyle/>
-          <a:p>
-            <a:pPr marL="0" indent="0">
-              <a:buNone/>
-            </a:pPr>
-            <a:r>
-              <a:rPr lang="en-US" dirty="0"/>
-              <a:t>Complete chapter 8 self-check questions #17 – 21.</a:t>
-            </a:r>
-          </a:p>
-          <a:p>
-            <a:pPr marL="0" indent="0">
-              <a:buNone/>
-            </a:pPr>
-            <a:endParaRPr lang="en-US" dirty="0"/>
+            <a:pPr marL="0" indent="0" algn="ctr">
+              <a:buNone/>
+            </a:pPr>
+            <a:r>
+              <a:rPr lang="en-US" sz="3200" dirty="0"/>
+              <a:t>Encapsulation and Abstraction</a:t>
+            </a:r>
+          </a:p>
+          <a:p>
+            <a:pPr algn="ctr"/>
+            <a:endParaRPr lang="en-US" sz="3200" dirty="0"/>
+          </a:p>
+          <a:p>
+            <a:pPr marL="0" indent="0" algn="ctr">
+              <a:buNone/>
+            </a:pPr>
+            <a:r>
+              <a:rPr lang="en-US" sz="3200" dirty="0"/>
+              <a:t>Private Fields</a:t>
+            </a:r>
+          </a:p>
+          <a:p>
+            <a:pPr algn="ctr"/>
+            <a:endParaRPr lang="en-US" sz="3200" dirty="0"/>
+          </a:p>
+          <a:p>
+            <a:pPr marL="0" indent="0" algn="ctr">
+              <a:buNone/>
+            </a:pPr>
+            <a:r>
+              <a:rPr lang="en-US" sz="3200" dirty="0"/>
+              <a:t>Class </a:t>
+            </a:r>
+            <a:r>
+              <a:rPr lang="en-US" sz="3200" dirty="0" err="1"/>
+              <a:t>Invarients</a:t>
+            </a:r>
+            <a:endParaRPr lang="en-US" sz="3200" dirty="0"/>
+          </a:p>
+          <a:p>
+            <a:pPr algn="ctr"/>
+            <a:endParaRPr lang="en-US" sz="3200" dirty="0"/>
+          </a:p>
+          <a:p>
+            <a:pPr marL="0" indent="0" algn="ctr">
+              <a:buNone/>
+            </a:pPr>
+            <a:r>
+              <a:rPr lang="en-US" sz="3200" dirty="0"/>
+              <a:t>Changing Internal Implementations</a:t>
+            </a:r>
           </a:p>
         </p:txBody>
       </p:sp>
     </p:spTree>
     <p:extLst>
       <p:ext uri="{BB962C8B-B14F-4D97-AF65-F5344CB8AC3E}">
-        <p14:creationId xmlns:p14="http://schemas.microsoft.com/office/powerpoint/2010/main" val="1533073046"/>
+        <p14:creationId xmlns:p14="http://schemas.microsoft.com/office/powerpoint/2010/main" val="3307385066"/>
       </p:ext>
     </p:extLst>
   </p:cSld>
@@ -10663,39 +11065,72 @@
             <a:spLocks noGrp="1"/>
           </p:cNvSpPr>
           <p:nvPr>
-            <p:ph type="ctrTitle"/>
-          </p:nvPr>
-        </p:nvSpPr>
-        <p:spPr/>
-        <p:txBody>
-          <a:bodyPr/>
-          <a:lstStyle/>
-          <a:p>
-            <a:r>
-              <a:rPr lang="en-US" dirty="0"/>
-              <a:t>Finding and Fixing Errors</a:t>
-            </a:r>
-          </a:p>
-        </p:txBody>
-      </p:sp>
-      <p:sp>
-        <p:nvSpPr>
-          <p:cNvPr id="3" name="Subtitle 2"/>
-          <p:cNvSpPr>
-            <a:spLocks noGrp="1"/>
-          </p:cNvSpPr>
-          <p:nvPr>
-            <p:ph type="subTitle" idx="1"/>
-          </p:nvPr>
-        </p:nvSpPr>
-        <p:spPr/>
-        <p:txBody>
-          <a:bodyPr/>
-          <a:lstStyle/>
-          <a:p>
-            <a:r>
-              <a:rPr lang="en-US" dirty="0"/>
-              <a:t>[ 5.05 ] [ Today’s Date ] [ Instructor Name ]</a:t>
+            <p:ph type="title"/>
+          </p:nvPr>
+        </p:nvSpPr>
+        <p:spPr/>
+        <p:txBody>
+          <a:bodyPr/>
+          <a:lstStyle/>
+          <a:p>
+            <a:r>
+              <a:rPr lang="en-US" dirty="0"/>
+              <a:t>Mini Lesson Guidelines</a:t>
+            </a:r>
+          </a:p>
+        </p:txBody>
+      </p:sp>
+      <p:sp>
+        <p:nvSpPr>
+          <p:cNvPr id="3" name="Content Placeholder 2"/>
+          <p:cNvSpPr>
+            <a:spLocks noGrp="1"/>
+          </p:cNvSpPr>
+          <p:nvPr>
+            <p:ph idx="1"/>
+          </p:nvPr>
+        </p:nvSpPr>
+        <p:spPr/>
+        <p:txBody>
+          <a:bodyPr/>
+          <a:lstStyle/>
+          <a:p>
+            <a:pPr marL="0" indent="0">
+              <a:buNone/>
+            </a:pPr>
+            <a:r>
+              <a:rPr lang="en-US" dirty="0"/>
+              <a:t>Each group has 7 minutes to present and 2 minutes for questions.</a:t>
+            </a:r>
+          </a:p>
+          <a:p>
+            <a:pPr marL="0" indent="0">
+              <a:buNone/>
+            </a:pPr>
+            <a:endParaRPr lang="en-US" dirty="0"/>
+          </a:p>
+          <a:p>
+            <a:pPr marL="0" indent="0">
+              <a:buNone/>
+            </a:pPr>
+            <a:r>
+              <a:rPr lang="en-US" dirty="0"/>
+              <a:t>Each group must submit 3 questions related to your topic for an in class quiz tomorrow.</a:t>
+            </a:r>
+          </a:p>
+          <a:p>
+            <a:pPr marL="0" indent="0">
+              <a:buNone/>
+            </a:pPr>
+            <a:endParaRPr lang="en-US" dirty="0"/>
+          </a:p>
+          <a:p>
+            <a:pPr marL="0" indent="0">
+              <a:buNone/>
+            </a:pPr>
+            <a:r>
+              <a:rPr lang="en-US" dirty="0"/>
+              <a:t>You have 15 minutes to prepare your presentations and questions.</a:t>
             </a:r>
           </a:p>
         </p:txBody>
@@ -10703,7 +11138,7 @@
     </p:spTree>
     <p:extLst>
       <p:ext uri="{BB962C8B-B14F-4D97-AF65-F5344CB8AC3E}">
-        <p14:creationId xmlns:p14="http://schemas.microsoft.com/office/powerpoint/2010/main" val="2341881380"/>
+        <p14:creationId xmlns:p14="http://schemas.microsoft.com/office/powerpoint/2010/main" val="1453055125"/>
       </p:ext>
     </p:extLst>
   </p:cSld>
@@ -10742,12 +11177,14 @@
         </p:nvSpPr>
         <p:spPr/>
         <p:txBody>
-          <a:bodyPr/>
-          <a:lstStyle/>
-          <a:p>
-            <a:r>
-              <a:rPr lang="en-US" dirty="0"/>
-              <a:t>Today’s plan:</a:t>
+          <a:bodyPr>
+            <a:normAutofit/>
+          </a:bodyPr>
+          <a:lstStyle/>
+          <a:p>
+            <a:r>
+              <a:rPr lang="en-US" dirty="0"/>
+              <a:t>Homework</a:t>
             </a:r>
           </a:p>
         </p:txBody>
@@ -10772,37 +11209,11 @@
             </a:pPr>
             <a:r>
               <a:rPr lang="en-US" dirty="0"/>
-              <a:t>Error check and resubmit all chapter 8 assignments.</a:t>
-            </a:r>
-          </a:p>
-          <a:p>
-            <a:endParaRPr lang="en-US" dirty="0"/>
-          </a:p>
-          <a:p>
-            <a:pPr marL="0" indent="0">
-              <a:buNone/>
-            </a:pPr>
-            <a:r>
-              <a:rPr lang="en-US" dirty="0"/>
-              <a:t>Study for the test by:</a:t>
-            </a:r>
-          </a:p>
-          <a:p>
-            <a:pPr lvl="1"/>
-            <a:r>
-              <a:rPr lang="en-US" dirty="0"/>
-              <a:t>Reviewing all of the blue, self-check pages at the end of Chapter 8.</a:t>
-            </a:r>
-          </a:p>
-          <a:p>
-            <a:pPr lvl="1"/>
-            <a:r>
-              <a:rPr lang="en-US" dirty="0"/>
-              <a:t>Re-reading sections as needed to complete the self-check problems.</a:t>
-            </a:r>
-          </a:p>
-          <a:p>
-            <a:pPr marL="457200" lvl="1" indent="0">
+              <a:t>Complete chapter 8 self-check questions #17 – 21.</a:t>
+            </a:r>
+          </a:p>
+          <a:p>
+            <a:pPr marL="0" indent="0">
               <a:buNone/>
             </a:pPr>
             <a:endParaRPr lang="en-US" dirty="0"/>
@@ -10812,7 +11223,7 @@
     </p:spTree>
     <p:extLst>
       <p:ext uri="{BB962C8B-B14F-4D97-AF65-F5344CB8AC3E}">
-        <p14:creationId xmlns:p14="http://schemas.microsoft.com/office/powerpoint/2010/main" val="2703046505"/>
+        <p14:creationId xmlns:p14="http://schemas.microsoft.com/office/powerpoint/2010/main" val="1533073046"/>
       </p:ext>
     </p:extLst>
   </p:cSld>
@@ -10846,68 +11257,47 @@
             <a:spLocks noGrp="1"/>
           </p:cNvSpPr>
           <p:nvPr>
-            <p:ph type="title"/>
-          </p:nvPr>
-        </p:nvSpPr>
-        <p:spPr/>
-        <p:txBody>
-          <a:bodyPr/>
-          <a:lstStyle/>
-          <a:p>
-            <a:r>
-              <a:rPr lang="en-US" dirty="0"/>
-              <a:t>Homework Regrade/Resubmit</a:t>
-            </a:r>
-          </a:p>
-        </p:txBody>
-      </p:sp>
-      <p:sp>
-        <p:nvSpPr>
-          <p:cNvPr id="3" name="Content Placeholder 2"/>
-          <p:cNvSpPr>
-            <a:spLocks noGrp="1"/>
-          </p:cNvSpPr>
-          <p:nvPr>
-            <p:ph idx="1"/>
-          </p:nvPr>
-        </p:nvSpPr>
-        <p:spPr/>
-        <p:txBody>
-          <a:bodyPr/>
-          <a:lstStyle/>
-          <a:p>
-            <a:pPr marL="0" indent="0">
-              <a:buNone/>
-            </a:pPr>
-            <a:r>
-              <a:rPr lang="en-US" dirty="0"/>
-              <a:t>You all have the opportunity to get full credit  on your homework grades by correcting them now, in class.</a:t>
-            </a:r>
-          </a:p>
-          <a:p>
-            <a:endParaRPr lang="en-US" dirty="0"/>
-          </a:p>
-          <a:p>
-            <a:pPr marL="0" indent="0">
-              <a:buNone/>
-            </a:pPr>
-            <a:r>
-              <a:rPr lang="en-US" dirty="0"/>
-              <a:t>Use your error checking algorithm, and if you need help just ask!</a:t>
-            </a:r>
-          </a:p>
-          <a:p>
-            <a:pPr marL="0" indent="0">
-              <a:buNone/>
-            </a:pPr>
-            <a:endParaRPr lang="en-US" dirty="0"/>
+            <p:ph type="ctrTitle"/>
+          </p:nvPr>
+        </p:nvSpPr>
+        <p:spPr/>
+        <p:txBody>
+          <a:bodyPr/>
+          <a:lstStyle/>
+          <a:p>
+            <a:r>
+              <a:rPr lang="en-US" dirty="0"/>
+              <a:t>Finding and Fixing Errors</a:t>
+            </a:r>
+          </a:p>
+        </p:txBody>
+      </p:sp>
+      <p:sp>
+        <p:nvSpPr>
+          <p:cNvPr id="3" name="Subtitle 2"/>
+          <p:cNvSpPr>
+            <a:spLocks noGrp="1"/>
+          </p:cNvSpPr>
+          <p:nvPr>
+            <p:ph type="subTitle" idx="1"/>
+          </p:nvPr>
+        </p:nvSpPr>
+        <p:spPr/>
+        <p:txBody>
+          <a:bodyPr/>
+          <a:lstStyle/>
+          <a:p>
+            <a:r>
+              <a:rPr lang="en-US" dirty="0"/>
+              <a:t>[ 5.05 ] [ Today’s Date ] [ Instructor Name ]</a:t>
+            </a:r>
           </a:p>
         </p:txBody>
       </p:sp>
     </p:spTree>
     <p:extLst>
       <p:ext uri="{BB962C8B-B14F-4D97-AF65-F5344CB8AC3E}">
-        <p14:creationId xmlns:p14="http://schemas.microsoft.com/office/powerpoint/2010/main" val="1205574922"/>
+        <p14:creationId xmlns:p14="http://schemas.microsoft.com/office/powerpoint/2010/main" val="2341881380"/>
       </p:ext>
     </p:extLst>
   </p:cSld>
@@ -10951,7 +11341,7 @@
           <a:p>
             <a:r>
               <a:rPr lang="en-US" dirty="0"/>
-              <a:t>Homework</a:t>
+              <a:t>Today’s plan:</a:t>
             </a:r>
           </a:p>
         </p:txBody>
@@ -10971,13 +11361,42 @@
           <a:bodyPr/>
           <a:lstStyle/>
           <a:p>
-            <a:r>
-              <a:rPr lang="en-US" dirty="0"/>
-              <a:t>Begin reviewing chapter 8 for the Unit Test.</a:t>
-            </a:r>
-          </a:p>
-          <a:p>
-            <a:pPr marL="0" indent="0">
+            <a:pPr marL="0" indent="0">
+              <a:buNone/>
+            </a:pPr>
+            <a:r>
+              <a:rPr lang="en-US" dirty="0"/>
+              <a:t>Error check and resubmit all chapter 8 assignments.</a:t>
+            </a:r>
+          </a:p>
+          <a:p>
+            <a:endParaRPr lang="en-US" dirty="0"/>
+          </a:p>
+          <a:p>
+            <a:pPr marL="0" indent="0">
+              <a:buNone/>
+            </a:pPr>
+            <a:r>
+              <a:rPr lang="en-US" dirty="0"/>
+              <a:t>Study for the test by:</a:t>
+            </a:r>
+          </a:p>
+          <a:p>
+            <a:pPr lvl="1"/>
+            <a:r>
+              <a:rPr lang="en-US" dirty="0"/>
+              <a:t>Reviewing all of the blue, self-check pages at the end of Chapter 8.</a:t>
+            </a:r>
+          </a:p>
+          <a:p>
+            <a:pPr lvl="1"/>
+            <a:r>
+              <a:rPr lang="en-US" dirty="0"/>
+              <a:t>Re-reading sections as needed to complete the self-check problems.</a:t>
+            </a:r>
+          </a:p>
+          <a:p>
+            <a:pPr marL="457200" lvl="1" indent="0">
               <a:buNone/>
             </a:pPr>
             <a:endParaRPr lang="en-US" dirty="0"/>
@@ -10987,7 +11406,7 @@
     </p:spTree>
     <p:extLst>
       <p:ext uri="{BB962C8B-B14F-4D97-AF65-F5344CB8AC3E}">
-        <p14:creationId xmlns:p14="http://schemas.microsoft.com/office/powerpoint/2010/main" val="3146932376"/>
+        <p14:creationId xmlns:p14="http://schemas.microsoft.com/office/powerpoint/2010/main" val="2703046505"/>
       </p:ext>
     </p:extLst>
   </p:cSld>
@@ -11021,47 +11440,68 @@
             <a:spLocks noGrp="1"/>
           </p:cNvSpPr>
           <p:nvPr>
-            <p:ph type="ctrTitle"/>
-          </p:nvPr>
-        </p:nvSpPr>
-        <p:spPr/>
-        <p:txBody>
-          <a:bodyPr/>
-          <a:lstStyle/>
-          <a:p>
-            <a:r>
-              <a:rPr lang="en-US" dirty="0"/>
-              <a:t>Picture Lab</a:t>
-            </a:r>
-          </a:p>
-        </p:txBody>
-      </p:sp>
-      <p:sp>
-        <p:nvSpPr>
-          <p:cNvPr id="3" name="Subtitle 2"/>
-          <p:cNvSpPr>
-            <a:spLocks noGrp="1"/>
-          </p:cNvSpPr>
-          <p:nvPr>
-            <p:ph type="subTitle" idx="1"/>
-          </p:nvPr>
-        </p:nvSpPr>
-        <p:spPr/>
-        <p:txBody>
-          <a:bodyPr/>
-          <a:lstStyle/>
-          <a:p>
-            <a:r>
-              <a:rPr lang="en-US" dirty="0"/>
-              <a:t>[ 5.06 ] [ Today’s Date ] [ Instructor Name ]</a:t>
-            </a:r>
+            <p:ph type="title"/>
+          </p:nvPr>
+        </p:nvSpPr>
+        <p:spPr/>
+        <p:txBody>
+          <a:bodyPr/>
+          <a:lstStyle/>
+          <a:p>
+            <a:r>
+              <a:rPr lang="en-US" dirty="0"/>
+              <a:t>Homework Regrade/Resubmit</a:t>
+            </a:r>
+          </a:p>
+        </p:txBody>
+      </p:sp>
+      <p:sp>
+        <p:nvSpPr>
+          <p:cNvPr id="3" name="Content Placeholder 2"/>
+          <p:cNvSpPr>
+            <a:spLocks noGrp="1"/>
+          </p:cNvSpPr>
+          <p:nvPr>
+            <p:ph idx="1"/>
+          </p:nvPr>
+        </p:nvSpPr>
+        <p:spPr/>
+        <p:txBody>
+          <a:bodyPr/>
+          <a:lstStyle/>
+          <a:p>
+            <a:pPr marL="0" indent="0">
+              <a:buNone/>
+            </a:pPr>
+            <a:r>
+              <a:rPr lang="en-US" dirty="0"/>
+              <a:t>You all have the opportunity to get full credit  on your homework grades by correcting them now, in class.</a:t>
+            </a:r>
+          </a:p>
+          <a:p>
+            <a:endParaRPr lang="en-US" dirty="0"/>
+          </a:p>
+          <a:p>
+            <a:pPr marL="0" indent="0">
+              <a:buNone/>
+            </a:pPr>
+            <a:r>
+              <a:rPr lang="en-US" dirty="0"/>
+              <a:t>Use your error checking algorithm, and if you need help just ask!</a:t>
+            </a:r>
+          </a:p>
+          <a:p>
+            <a:pPr marL="0" indent="0">
+              <a:buNone/>
+            </a:pPr>
+            <a:endParaRPr lang="en-US" dirty="0"/>
           </a:p>
         </p:txBody>
       </p:sp>
     </p:spTree>
     <p:extLst>
       <p:ext uri="{BB962C8B-B14F-4D97-AF65-F5344CB8AC3E}">
-        <p14:creationId xmlns:p14="http://schemas.microsoft.com/office/powerpoint/2010/main" val="2736099663"/>
+        <p14:creationId xmlns:p14="http://schemas.microsoft.com/office/powerpoint/2010/main" val="1205574922"/>
       </p:ext>
     </p:extLst>
   </p:cSld>
@@ -11105,7 +11545,7 @@
           <a:p>
             <a:r>
               <a:rPr lang="en-US" dirty="0"/>
-              <a:t>Picture Lab Placeholder</a:t>
+              <a:t>Homework</a:t>
             </a:r>
           </a:p>
         </p:txBody>
@@ -11125,12 +11565,9 @@
           <a:bodyPr/>
           <a:lstStyle/>
           <a:p>
-            <a:pPr marL="0" indent="0">
-              <a:buNone/>
-            </a:pPr>
-            <a:r>
-              <a:rPr lang="en-US" dirty="0"/>
-              <a:t>Edit and use this slide deck to go over questions your class has.</a:t>
+            <a:r>
+              <a:rPr lang="en-US" dirty="0"/>
+              <a:t>Begin reviewing chapter 8 for the Unit Test.</a:t>
             </a:r>
           </a:p>
           <a:p>
@@ -11138,49 +11575,13 @@
               <a:buNone/>
             </a:pPr>
             <a:endParaRPr lang="en-US" dirty="0"/>
-          </a:p>
-          <a:p>
-            <a:pPr marL="0" indent="0">
-              <a:buNone/>
-            </a:pPr>
-            <a:r>
-              <a:rPr lang="en-US" dirty="0"/>
-              <a:t>Follow the Teacher Guide for the Picture Lab found on </a:t>
-            </a:r>
-            <a:r>
-              <a:rPr lang="en-US" dirty="0" err="1"/>
-              <a:t>sharepoint</a:t>
-            </a:r>
-            <a:r>
-              <a:rPr lang="en-US" dirty="0"/>
-              <a:t>.</a:t>
-            </a:r>
-          </a:p>
-          <a:p>
-            <a:pPr marL="0" indent="0">
-              <a:buNone/>
-            </a:pPr>
-            <a:endParaRPr lang="en-US" dirty="0"/>
-          </a:p>
-          <a:p>
-            <a:pPr marL="0" indent="0">
-              <a:buNone/>
-            </a:pPr>
-            <a:r>
-              <a:rPr lang="en-US" dirty="0"/>
-              <a:t>Come prepared with the Student Guide for your students, and make sure that they download </a:t>
-            </a:r>
-            <a:r>
-              <a:rPr lang="en-US"/>
-              <a:t>the appropriate files.</a:t>
-            </a:r>
           </a:p>
         </p:txBody>
       </p:sp>
     </p:spTree>
     <p:extLst>
       <p:ext uri="{BB962C8B-B14F-4D97-AF65-F5344CB8AC3E}">
-        <p14:creationId xmlns:p14="http://schemas.microsoft.com/office/powerpoint/2010/main" val="107183982"/>
+        <p14:creationId xmlns:p14="http://schemas.microsoft.com/office/powerpoint/2010/main" val="3146932376"/>
       </p:ext>
     </p:extLst>
   </p:cSld>
@@ -11219,14 +11620,12 @@
         </p:nvSpPr>
         <p:spPr/>
         <p:txBody>
-          <a:bodyPr>
-            <a:normAutofit/>
-          </a:bodyPr>
-          <a:lstStyle/>
-          <a:p>
-            <a:r>
-              <a:rPr lang="en-US" sz="4800" dirty="0"/>
-              <a:t>Review</a:t>
+          <a:bodyPr/>
+          <a:lstStyle/>
+          <a:p>
+            <a:r>
+              <a:rPr lang="en-US" dirty="0"/>
+              <a:t>Picture Lab</a:t>
             </a:r>
           </a:p>
         </p:txBody>
@@ -11248,7 +11647,7 @@
           <a:p>
             <a:r>
               <a:rPr lang="en-US" dirty="0"/>
-              <a:t>[ 4.10 ] [ Today’s Date ] [ Instructor Name ]</a:t>
+              <a:t>[ 5.06 ] [ Today’s Date ] [ Instructor Name ]</a:t>
             </a:r>
           </a:p>
         </p:txBody>
@@ -11256,7 +11655,7 @@
     </p:spTree>
     <p:extLst>
       <p:ext uri="{BB962C8B-B14F-4D97-AF65-F5344CB8AC3E}">
-        <p14:creationId xmlns:p14="http://schemas.microsoft.com/office/powerpoint/2010/main" val="1454496771"/>
+        <p14:creationId xmlns:p14="http://schemas.microsoft.com/office/powerpoint/2010/main" val="2736099663"/>
       </p:ext>
     </p:extLst>
   </p:cSld>
@@ -11285,29 +11684,89 @@
       </p:grpSpPr>
       <p:sp>
         <p:nvSpPr>
-          <p:cNvPr id="4" name="Title 3"/>
-          <p:cNvSpPr>
-            <a:spLocks noGrp="1"/>
-          </p:cNvSpPr>
-          <p:nvPr>
-            <p:ph type="ctrTitle"/>
-          </p:nvPr>
-        </p:nvSpPr>
-        <p:spPr>
-          <a:xfrm>
-            <a:off x="1524000" y="1374151"/>
-            <a:ext cx="9144000" cy="2387600"/>
-          </a:xfrm>
-        </p:spPr>
-        <p:txBody>
-          <a:bodyPr>
-            <a:normAutofit/>
-          </a:bodyPr>
-          <a:lstStyle/>
-          <a:p>
-            <a:r>
-              <a:rPr lang="en-US" sz="5000" dirty="0"/>
-              <a:t>What’s on the test?</a:t>
+          <p:cNvPr id="2" name="Title 1"/>
+          <p:cNvSpPr>
+            <a:spLocks noGrp="1"/>
+          </p:cNvSpPr>
+          <p:nvPr>
+            <p:ph type="title"/>
+          </p:nvPr>
+        </p:nvSpPr>
+        <p:spPr/>
+        <p:txBody>
+          <a:bodyPr/>
+          <a:lstStyle/>
+          <a:p>
+            <a:r>
+              <a:rPr lang="en-US" dirty="0"/>
+              <a:t>Picture Lab Placeholder</a:t>
+            </a:r>
+          </a:p>
+        </p:txBody>
+      </p:sp>
+      <p:sp>
+        <p:nvSpPr>
+          <p:cNvPr id="3" name="Content Placeholder 2"/>
+          <p:cNvSpPr>
+            <a:spLocks noGrp="1"/>
+          </p:cNvSpPr>
+          <p:nvPr>
+            <p:ph idx="1"/>
+          </p:nvPr>
+        </p:nvSpPr>
+        <p:spPr/>
+        <p:txBody>
+          <a:bodyPr/>
+          <a:lstStyle/>
+          <a:p>
+            <a:pPr marL="0" indent="0">
+              <a:buNone/>
+            </a:pPr>
+            <a:r>
+              <a:rPr lang="en-US" dirty="0"/>
+              <a:t>Edit and use this slide deck to go over questions your class has.</a:t>
+            </a:r>
+          </a:p>
+          <a:p>
+            <a:pPr marL="0" indent="0">
+              <a:buNone/>
+            </a:pPr>
+            <a:endParaRPr lang="en-US" dirty="0"/>
+          </a:p>
+          <a:p>
+            <a:pPr marL="0" indent="0">
+              <a:buNone/>
+            </a:pPr>
+            <a:r>
+              <a:rPr lang="en-US" dirty="0"/>
+              <a:t>Follow the Teacher Guide for the Picture Lab found on </a:t>
+            </a:r>
+            <a:r>
+              <a:rPr lang="en-US" dirty="0" err="1"/>
+              <a:t>sharepoint</a:t>
+            </a:r>
+            <a:r>
+              <a:rPr lang="en-US" dirty="0"/>
+              <a:t>.</a:t>
+            </a:r>
+          </a:p>
+          <a:p>
+            <a:pPr marL="0" indent="0">
+              <a:buNone/>
+            </a:pPr>
+            <a:endParaRPr lang="en-US" dirty="0"/>
+          </a:p>
+          <a:p>
+            <a:pPr marL="0" indent="0">
+              <a:buNone/>
+            </a:pPr>
+            <a:r>
+              <a:rPr lang="en-US" dirty="0"/>
+              <a:t>Come prepared with the Student Guide for your students, and make sure that they download </a:t>
+            </a:r>
+            <a:r>
+              <a:rPr lang="en-US"/>
+              <a:t>the appropriate files.</a:t>
             </a:r>
           </a:p>
         </p:txBody>
@@ -11315,7 +11774,7 @@
     </p:spTree>
     <p:extLst>
       <p:ext uri="{BB962C8B-B14F-4D97-AF65-F5344CB8AC3E}">
-        <p14:creationId xmlns:p14="http://schemas.microsoft.com/office/powerpoint/2010/main" val="2588403587"/>
+        <p14:creationId xmlns:p14="http://schemas.microsoft.com/office/powerpoint/2010/main" val="107183982"/>
       </p:ext>
     </p:extLst>
   </p:cSld>
@@ -11352,12 +11811,7 @@
             <p:ph type="ctrTitle"/>
           </p:nvPr>
         </p:nvSpPr>
-        <p:spPr>
-          <a:xfrm>
-            <a:off x="1524000" y="1409083"/>
-            <a:ext cx="9144000" cy="2387600"/>
-          </a:xfrm>
-        </p:spPr>
+        <p:spPr/>
         <p:txBody>
           <a:bodyPr>
             <a:normAutofit/>
@@ -11365,8 +11819,30 @@
           <a:lstStyle/>
           <a:p>
             <a:r>
-              <a:rPr lang="en-US" sz="5400" dirty="0"/>
-              <a:t>Practice Test</a:t>
+              <a:rPr lang="en-US" sz="4800" dirty="0"/>
+              <a:t>Review</a:t>
+            </a:r>
+          </a:p>
+        </p:txBody>
+      </p:sp>
+      <p:sp>
+        <p:nvSpPr>
+          <p:cNvPr id="3" name="Subtitle 2"/>
+          <p:cNvSpPr>
+            <a:spLocks noGrp="1"/>
+          </p:cNvSpPr>
+          <p:nvPr>
+            <p:ph type="subTitle" idx="1"/>
+          </p:nvPr>
+        </p:nvSpPr>
+        <p:spPr/>
+        <p:txBody>
+          <a:bodyPr/>
+          <a:lstStyle/>
+          <a:p>
+            <a:r>
+              <a:rPr lang="en-US" dirty="0"/>
+              <a:t>[ 4.10 ] [ Today’s Date ] [ Instructor Name ]</a:t>
             </a:r>
           </a:p>
         </p:txBody>
@@ -11374,7 +11850,7 @@
     </p:spTree>
     <p:extLst>
       <p:ext uri="{BB962C8B-B14F-4D97-AF65-F5344CB8AC3E}">
-        <p14:creationId xmlns:p14="http://schemas.microsoft.com/office/powerpoint/2010/main" val="2405756044"/>
+        <p14:creationId xmlns:p14="http://schemas.microsoft.com/office/powerpoint/2010/main" val="1454496771"/>
       </p:ext>
     </p:extLst>
   </p:cSld>
@@ -11403,62 +11879,29 @@
       </p:grpSpPr>
       <p:sp>
         <p:nvSpPr>
-          <p:cNvPr id="2" name="Title 1"/>
-          <p:cNvSpPr>
-            <a:spLocks noGrp="1"/>
-          </p:cNvSpPr>
-          <p:nvPr>
-            <p:ph type="title"/>
-          </p:nvPr>
-        </p:nvSpPr>
-        <p:spPr/>
-        <p:txBody>
-          <a:bodyPr/>
-          <a:lstStyle/>
-          <a:p>
-            <a:r>
-              <a:rPr lang="en-US" dirty="0"/>
-              <a:t>Review Topics</a:t>
-            </a:r>
-          </a:p>
-        </p:txBody>
-      </p:sp>
-      <p:sp>
-        <p:nvSpPr>
-          <p:cNvPr id="3" name="Content Placeholder 2"/>
-          <p:cNvSpPr>
-            <a:spLocks noGrp="1"/>
-          </p:cNvSpPr>
-          <p:nvPr>
-            <p:ph idx="1"/>
-          </p:nvPr>
-        </p:nvSpPr>
-        <p:spPr/>
-        <p:txBody>
-          <a:bodyPr/>
-          <a:lstStyle/>
-          <a:p>
-            <a:pPr marL="0" indent="0">
-              <a:buNone/>
-            </a:pPr>
-            <a:r>
-              <a:rPr lang="en-US" dirty="0"/>
-              <a:t>Make a list of review topics that you feel you need to go over for the test tomorrow.</a:t>
-            </a:r>
-          </a:p>
-          <a:p>
-            <a:pPr marL="0" indent="0">
-              <a:buNone/>
-            </a:pPr>
-            <a:endParaRPr lang="en-US" dirty="0"/>
-          </a:p>
-          <a:p>
-            <a:pPr marL="0" indent="0">
-              <a:buNone/>
-            </a:pPr>
-            <a:r>
-              <a:rPr lang="en-US" dirty="0"/>
-              <a:t>For each topic, follow up by reviewing the textbook, self-check problems, and the appropriate Practice-It problems.</a:t>
+          <p:cNvPr id="4" name="Title 3"/>
+          <p:cNvSpPr>
+            <a:spLocks noGrp="1"/>
+          </p:cNvSpPr>
+          <p:nvPr>
+            <p:ph type="ctrTitle"/>
+          </p:nvPr>
+        </p:nvSpPr>
+        <p:spPr>
+          <a:xfrm>
+            <a:off x="1524000" y="1374151"/>
+            <a:ext cx="9144000" cy="2387600"/>
+          </a:xfrm>
+        </p:spPr>
+        <p:txBody>
+          <a:bodyPr>
+            <a:normAutofit/>
+          </a:bodyPr>
+          <a:lstStyle/>
+          <a:p>
+            <a:r>
+              <a:rPr lang="en-US" sz="5000" dirty="0"/>
+              <a:t>What’s on the test?</a:t>
             </a:r>
           </a:p>
         </p:txBody>
@@ -11466,7 +11909,7 @@
     </p:spTree>
     <p:extLst>
       <p:ext uri="{BB962C8B-B14F-4D97-AF65-F5344CB8AC3E}">
-        <p14:creationId xmlns:p14="http://schemas.microsoft.com/office/powerpoint/2010/main" val="1141421766"/>
+        <p14:creationId xmlns:p14="http://schemas.microsoft.com/office/powerpoint/2010/main" val="2588403587"/>
       </p:ext>
     </p:extLst>
   </p:cSld>
@@ -11537,6 +11980,157 @@
 </file>
 
 <file path=ppt/slides/slide70.xml><?xml version="1.0" encoding="utf-8"?>
+<p:sld xmlns:a="http://schemas.openxmlformats.org/drawingml/2006/main" xmlns:r="http://schemas.openxmlformats.org/officeDocument/2006/relationships" xmlns:p="http://schemas.openxmlformats.org/presentationml/2006/main">
+  <p:cSld>
+    <p:spTree>
+      <p:nvGrpSpPr>
+        <p:cNvPr id="1" name=""/>
+        <p:cNvGrpSpPr/>
+        <p:nvPr/>
+      </p:nvGrpSpPr>
+      <p:grpSpPr>
+        <a:xfrm>
+          <a:off x="0" y="0"/>
+          <a:ext cx="0" cy="0"/>
+          <a:chOff x="0" y="0"/>
+          <a:chExt cx="0" cy="0"/>
+        </a:xfrm>
+      </p:grpSpPr>
+      <p:sp>
+        <p:nvSpPr>
+          <p:cNvPr id="2" name="Title 1"/>
+          <p:cNvSpPr>
+            <a:spLocks noGrp="1"/>
+          </p:cNvSpPr>
+          <p:nvPr>
+            <p:ph type="ctrTitle"/>
+          </p:nvPr>
+        </p:nvSpPr>
+        <p:spPr>
+          <a:xfrm>
+            <a:off x="1524000" y="1409083"/>
+            <a:ext cx="9144000" cy="2387600"/>
+          </a:xfrm>
+        </p:spPr>
+        <p:txBody>
+          <a:bodyPr>
+            <a:normAutofit/>
+          </a:bodyPr>
+          <a:lstStyle/>
+          <a:p>
+            <a:r>
+              <a:rPr lang="en-US" sz="5400" dirty="0"/>
+              <a:t>Practice Test</a:t>
+            </a:r>
+          </a:p>
+        </p:txBody>
+      </p:sp>
+    </p:spTree>
+    <p:extLst>
+      <p:ext uri="{BB962C8B-B14F-4D97-AF65-F5344CB8AC3E}">
+        <p14:creationId xmlns:p14="http://schemas.microsoft.com/office/powerpoint/2010/main" val="2405756044"/>
+      </p:ext>
+    </p:extLst>
+  </p:cSld>
+  <p:clrMapOvr>
+    <a:masterClrMapping/>
+  </p:clrMapOvr>
+</p:sld>
+</file>
+
+<file path=ppt/slides/slide71.xml><?xml version="1.0" encoding="utf-8"?>
+<p:sld xmlns:a="http://schemas.openxmlformats.org/drawingml/2006/main" xmlns:r="http://schemas.openxmlformats.org/officeDocument/2006/relationships" xmlns:p="http://schemas.openxmlformats.org/presentationml/2006/main">
+  <p:cSld>
+    <p:spTree>
+      <p:nvGrpSpPr>
+        <p:cNvPr id="1" name=""/>
+        <p:cNvGrpSpPr/>
+        <p:nvPr/>
+      </p:nvGrpSpPr>
+      <p:grpSpPr>
+        <a:xfrm>
+          <a:off x="0" y="0"/>
+          <a:ext cx="0" cy="0"/>
+          <a:chOff x="0" y="0"/>
+          <a:chExt cx="0" cy="0"/>
+        </a:xfrm>
+      </p:grpSpPr>
+      <p:sp>
+        <p:nvSpPr>
+          <p:cNvPr id="2" name="Title 1"/>
+          <p:cNvSpPr>
+            <a:spLocks noGrp="1"/>
+          </p:cNvSpPr>
+          <p:nvPr>
+            <p:ph type="title"/>
+          </p:nvPr>
+        </p:nvSpPr>
+        <p:spPr/>
+        <p:txBody>
+          <a:bodyPr/>
+          <a:lstStyle/>
+          <a:p>
+            <a:r>
+              <a:rPr lang="en-US" dirty="0"/>
+              <a:t>Review Topics</a:t>
+            </a:r>
+          </a:p>
+        </p:txBody>
+      </p:sp>
+      <p:sp>
+        <p:nvSpPr>
+          <p:cNvPr id="3" name="Content Placeholder 2"/>
+          <p:cNvSpPr>
+            <a:spLocks noGrp="1"/>
+          </p:cNvSpPr>
+          <p:nvPr>
+            <p:ph idx="1"/>
+          </p:nvPr>
+        </p:nvSpPr>
+        <p:spPr/>
+        <p:txBody>
+          <a:bodyPr/>
+          <a:lstStyle/>
+          <a:p>
+            <a:pPr marL="0" indent="0">
+              <a:buNone/>
+            </a:pPr>
+            <a:r>
+              <a:rPr lang="en-US" dirty="0"/>
+              <a:t>Make a list of review topics that you feel you need to go over for the test tomorrow.</a:t>
+            </a:r>
+          </a:p>
+          <a:p>
+            <a:pPr marL="0" indent="0">
+              <a:buNone/>
+            </a:pPr>
+            <a:endParaRPr lang="en-US" dirty="0"/>
+          </a:p>
+          <a:p>
+            <a:pPr marL="0" indent="0">
+              <a:buNone/>
+            </a:pPr>
+            <a:r>
+              <a:rPr lang="en-US" dirty="0"/>
+              <a:t>For each topic, follow up by reviewing the textbook, self-check problems, and the appropriate Practice-It problems.</a:t>
+            </a:r>
+          </a:p>
+        </p:txBody>
+      </p:sp>
+    </p:spTree>
+    <p:extLst>
+      <p:ext uri="{BB962C8B-B14F-4D97-AF65-F5344CB8AC3E}">
+        <p14:creationId xmlns:p14="http://schemas.microsoft.com/office/powerpoint/2010/main" val="1141421766"/>
+      </p:ext>
+    </p:extLst>
+  </p:cSld>
+  <p:clrMapOvr>
+    <a:masterClrMapping/>
+  </p:clrMapOvr>
+</p:sld>
+</file>
+
+<file path=ppt/slides/slide72.xml><?xml version="1.0" encoding="utf-8"?>
 <p:sld xmlns:a="http://schemas.openxmlformats.org/drawingml/2006/main" xmlns:r="http://schemas.openxmlformats.org/officeDocument/2006/relationships" xmlns:p="http://schemas.openxmlformats.org/presentationml/2006/main">
   <p:cSld>
     <p:spTree>
@@ -12306,15 +12900,6 @@
 </file>
 
 <file path=customXml/item1.xml><?xml version="1.0" encoding="utf-8"?>
-<?mso-contentType ?>
-<FormTemplates xmlns="http://schemas.microsoft.com/sharepoint/v3/contenttype/forms">
-  <Display>DocumentLibraryForm</Display>
-  <Edit>DocumentLibraryForm</Edit>
-  <New>DocumentLibraryForm</New>
-</FormTemplates>
-</file>
-
-<file path=customXml/item2.xml><?xml version="1.0" encoding="utf-8"?>
 <ct:contentTypeSchema xmlns:ct="http://schemas.microsoft.com/office/2006/metadata/contentType" xmlns:ma="http://schemas.microsoft.com/office/2006/metadata/properties/metaAttributes" ct:_="" ma:_="" ma:contentTypeName="Document" ma:contentTypeID="0x010100BABADD3A0624AA4E97287821B8F4D7D6" ma:contentTypeVersion="3" ma:contentTypeDescription="Create a new document." ma:contentTypeScope="" ma:versionID="d1f55a70bd1930e0ae5c5588ea58d234">
   <xsd:schema xmlns:xsd="http://www.w3.org/2001/XMLSchema" xmlns:xs="http://www.w3.org/2001/XMLSchema" xmlns:p="http://schemas.microsoft.com/office/2006/metadata/properties" xmlns:ns2="5edd459b-714d-42ed-b78f-512da7d1c14e" targetNamespace="http://schemas.microsoft.com/office/2006/metadata/properties" ma:root="true" ma:fieldsID="5a6a6e2895642296b7d1775ae73bc200" ns2:_="">
     <xsd:import namespace="5edd459b-714d-42ed-b78f-512da7d1c14e"/>
@@ -12468,21 +13053,22 @@
 </ct:contentTypeSchema>
 </file>
 
-<file path=customXml/item3.xml><?xml version="1.0" encoding="utf-8"?>
+<file path=customXml/item2.xml><?xml version="1.0" encoding="utf-8"?>
 <p:properties xmlns:p="http://schemas.microsoft.com/office/2006/metadata/properties" xmlns:xsi="http://www.w3.org/2001/XMLSchema-instance" xmlns:pc="http://schemas.microsoft.com/office/infopath/2007/PartnerControls">
   <documentManagement/>
 </p:properties>
 </file>
 
-<file path=customXml/itemProps1.xml><?xml version="1.0" encoding="utf-8"?>
-<ds:datastoreItem xmlns:ds="http://schemas.openxmlformats.org/officeDocument/2006/customXml" ds:itemID="{255BA734-2CC6-4800-A89D-08A8272A3EA7}">
-  <ds:schemaRefs>
-    <ds:schemaRef ds:uri="http://schemas.microsoft.com/sharepoint/v3/contenttype/forms"/>
-  </ds:schemaRefs>
-</ds:datastoreItem>
+<file path=customXml/item3.xml><?xml version="1.0" encoding="utf-8"?>
+<?mso-contentType ?>
+<FormTemplates xmlns="http://schemas.microsoft.com/sharepoint/v3/contenttype/forms">
+  <Display>DocumentLibraryForm</Display>
+  <Edit>DocumentLibraryForm</Edit>
+  <New>DocumentLibraryForm</New>
+</FormTemplates>
 </file>
 
-<file path=customXml/itemProps2.xml><?xml version="1.0" encoding="utf-8"?>
+<file path=customXml/itemProps1.xml><?xml version="1.0" encoding="utf-8"?>
 <ds:datastoreItem xmlns:ds="http://schemas.openxmlformats.org/officeDocument/2006/customXml" ds:itemID="{AE61820C-677F-4878-B100-4DB8877FB679}">
   <ds:schemaRefs>
     <ds:schemaRef ds:uri="http://schemas.microsoft.com/office/2006/metadata/contentType"/>
@@ -12500,7 +13086,7 @@
 </ds:datastoreItem>
 </file>
 
-<file path=customXml/itemProps3.xml><?xml version="1.0" encoding="utf-8"?>
+<file path=customXml/itemProps2.xml><?xml version="1.0" encoding="utf-8"?>
 <ds:datastoreItem xmlns:ds="http://schemas.openxmlformats.org/officeDocument/2006/customXml" ds:itemID="{4779FEB4-472A-4FE3-A477-18A5832860A4}">
   <ds:schemaRefs>
     <ds:schemaRef ds:uri="http://schemas.microsoft.com/office/2006/documentManagement/types"/>
@@ -12514,4 +13100,12 @@
     <ds:schemaRef ds:uri="http://www.w3.org/XML/1998/namespace"/>
   </ds:schemaRefs>
 </ds:datastoreItem>
+</file>
+
+<file path=customXml/itemProps3.xml><?xml version="1.0" encoding="utf-8"?>
+<ds:datastoreItem xmlns:ds="http://schemas.openxmlformats.org/officeDocument/2006/customXml" ds:itemID="{255BA734-2CC6-4800-A89D-08A8272A3EA7}">
+  <ds:schemaRefs>
+    <ds:schemaRef ds:uri="http://schemas.microsoft.com/sharepoint/v3/contenttype/forms"/>
+  </ds:schemaRefs>
+</ds:datastoreItem>
 </file>
--- a/curriculum/Unit5/Unit5.pptx
+++ b/curriculum/Unit5/Unit5.pptx
@@ -279,7 +279,7 @@
           <a:p>
             <a:fld id="{DFD2D4D3-AF7F-407D-A91C-28A05E3AAF0B}" type="datetimeFigureOut">
               <a:rPr lang="en-US" smtClean="0"/>
-              <a:t>1/8/2020</a:t>
+              <a:t>1/17/2020</a:t>
             </a:fld>
             <a:endParaRPr lang="en-US"/>
           </a:p>
@@ -1458,7 +1458,7 @@
           <a:p>
             <a:fld id="{1F2FBFEA-012E-42C0-88EC-181B3441BE0C}" type="datetimeFigureOut">
               <a:rPr lang="en-US" smtClean="0"/>
-              <a:t>1/8/2020</a:t>
+              <a:t>1/17/2020</a:t>
             </a:fld>
             <a:endParaRPr lang="en-US"/>
           </a:p>
@@ -1626,7 +1626,7 @@
           <a:p>
             <a:fld id="{1F2FBFEA-012E-42C0-88EC-181B3441BE0C}" type="datetimeFigureOut">
               <a:rPr lang="en-US" smtClean="0"/>
-              <a:t>1/8/2020</a:t>
+              <a:t>1/17/2020</a:t>
             </a:fld>
             <a:endParaRPr lang="en-US"/>
           </a:p>
@@ -1804,7 +1804,7 @@
           <a:p>
             <a:fld id="{1F2FBFEA-012E-42C0-88EC-181B3441BE0C}" type="datetimeFigureOut">
               <a:rPr lang="en-US" smtClean="0"/>
-              <a:t>1/8/2020</a:t>
+              <a:t>1/17/2020</a:t>
             </a:fld>
             <a:endParaRPr lang="en-US"/>
           </a:p>
@@ -1972,7 +1972,7 @@
           <a:p>
             <a:fld id="{1F2FBFEA-012E-42C0-88EC-181B3441BE0C}" type="datetimeFigureOut">
               <a:rPr lang="en-US" smtClean="0"/>
-              <a:t>1/8/2020</a:t>
+              <a:t>1/17/2020</a:t>
             </a:fld>
             <a:endParaRPr lang="en-US"/>
           </a:p>
@@ -2217,7 +2217,7 @@
           <a:p>
             <a:fld id="{1F2FBFEA-012E-42C0-88EC-181B3441BE0C}" type="datetimeFigureOut">
               <a:rPr lang="en-US" smtClean="0"/>
-              <a:t>1/8/2020</a:t>
+              <a:t>1/17/2020</a:t>
             </a:fld>
             <a:endParaRPr lang="en-US"/>
           </a:p>
@@ -2446,7 +2446,7 @@
           <a:p>
             <a:fld id="{1F2FBFEA-012E-42C0-88EC-181B3441BE0C}" type="datetimeFigureOut">
               <a:rPr lang="en-US" smtClean="0"/>
-              <a:t>1/8/2020</a:t>
+              <a:t>1/17/2020</a:t>
             </a:fld>
             <a:endParaRPr lang="en-US"/>
           </a:p>
@@ -2810,7 +2810,7 @@
           <a:p>
             <a:fld id="{1F2FBFEA-012E-42C0-88EC-181B3441BE0C}" type="datetimeFigureOut">
               <a:rPr lang="en-US" smtClean="0"/>
-              <a:t>1/8/2020</a:t>
+              <a:t>1/17/2020</a:t>
             </a:fld>
             <a:endParaRPr lang="en-US"/>
           </a:p>
@@ -2927,7 +2927,7 @@
           <a:p>
             <a:fld id="{1F2FBFEA-012E-42C0-88EC-181B3441BE0C}" type="datetimeFigureOut">
               <a:rPr lang="en-US" smtClean="0"/>
-              <a:t>1/8/2020</a:t>
+              <a:t>1/17/2020</a:t>
             </a:fld>
             <a:endParaRPr lang="en-US"/>
           </a:p>
@@ -3022,7 +3022,7 @@
           <a:p>
             <a:fld id="{1F2FBFEA-012E-42C0-88EC-181B3441BE0C}" type="datetimeFigureOut">
               <a:rPr lang="en-US" smtClean="0"/>
-              <a:t>1/8/2020</a:t>
+              <a:t>1/17/2020</a:t>
             </a:fld>
             <a:endParaRPr lang="en-US"/>
           </a:p>
@@ -3297,7 +3297,7 @@
           <a:p>
             <a:fld id="{1F2FBFEA-012E-42C0-88EC-181B3441BE0C}" type="datetimeFigureOut">
               <a:rPr lang="en-US" smtClean="0"/>
-              <a:t>1/8/2020</a:t>
+              <a:t>1/17/2020</a:t>
             </a:fld>
             <a:endParaRPr lang="en-US"/>
           </a:p>
@@ -3549,7 +3549,7 @@
           <a:p>
             <a:fld id="{1F2FBFEA-012E-42C0-88EC-181B3441BE0C}" type="datetimeFigureOut">
               <a:rPr lang="en-US" smtClean="0"/>
-              <a:t>1/8/2020</a:t>
+              <a:t>1/17/2020</a:t>
             </a:fld>
             <a:endParaRPr lang="en-US"/>
           </a:p>
@@ -3760,7 +3760,7 @@
           <a:p>
             <a:fld id="{1F2FBFEA-012E-42C0-88EC-181B3441BE0C}" type="datetimeFigureOut">
               <a:rPr lang="en-US" smtClean="0"/>
-              <a:t>1/8/2020</a:t>
+              <a:t>1/17/2020</a:t>
             </a:fld>
             <a:endParaRPr lang="en-US"/>
           </a:p>
@@ -8436,17 +8436,23 @@
               <a:t>groupLeader.getName</a:t>
             </a:r>
             <a:r>
+              <a:rPr lang="en-US" sz="1600">
+                <a:latin typeface="Courier New" panose="02070309020205020404" pitchFamily="49" charset="0"/>
+                <a:cs typeface="Courier New" panose="02070309020205020404" pitchFamily="49" charset="0"/>
+              </a:rPr>
+              <a:t>()</a:t>
+            </a:r>
+            <a:r>
+              <a:rPr lang="en-US" sz="1600">
+                <a:cs typeface="Courier New" panose="02070309020205020404" pitchFamily="49" charset="0"/>
+              </a:rPr>
+              <a:t> is a </a:t>
+            </a:r>
+            <a:r>
               <a:rPr lang="en-US" sz="1600" dirty="0">
-                <a:latin typeface="Courier New" panose="02070309020205020404" pitchFamily="49" charset="0"/>
-                <a:cs typeface="Courier New" panose="02070309020205020404" pitchFamily="49" charset="0"/>
-              </a:rPr>
-              <a:t>()</a:t>
-            </a:r>
-            <a:r>
-              <a:rPr lang="en-US" sz="1600" dirty="0">
-                <a:cs typeface="Courier New" panose="02070309020205020404" pitchFamily="49" charset="0"/>
-              </a:rPr>
-              <a:t> a reference to an object.</a:t>
+                <a:cs typeface="Courier New" panose="02070309020205020404" pitchFamily="49" charset="0"/>
+              </a:rPr>
+              <a:t>reference to an object.</a:t>
             </a:r>
           </a:p>
           <a:p>
@@ -12900,6 +12906,15 @@
 </file>
 
 <file path=customXml/item1.xml><?xml version="1.0" encoding="utf-8"?>
+<?mso-contentType ?>
+<FormTemplates xmlns="http://schemas.microsoft.com/sharepoint/v3/contenttype/forms">
+  <Display>DocumentLibraryForm</Display>
+  <Edit>DocumentLibraryForm</Edit>
+  <New>DocumentLibraryForm</New>
+</FormTemplates>
+</file>
+
+<file path=customXml/item2.xml><?xml version="1.0" encoding="utf-8"?>
 <ct:contentTypeSchema xmlns:ct="http://schemas.microsoft.com/office/2006/metadata/contentType" xmlns:ma="http://schemas.microsoft.com/office/2006/metadata/properties/metaAttributes" ct:_="" ma:_="" ma:contentTypeName="Document" ma:contentTypeID="0x010100BABADD3A0624AA4E97287821B8F4D7D6" ma:contentTypeVersion="3" ma:contentTypeDescription="Create a new document." ma:contentTypeScope="" ma:versionID="d1f55a70bd1930e0ae5c5588ea58d234">
   <xsd:schema xmlns:xsd="http://www.w3.org/2001/XMLSchema" xmlns:xs="http://www.w3.org/2001/XMLSchema" xmlns:p="http://schemas.microsoft.com/office/2006/metadata/properties" xmlns:ns2="5edd459b-714d-42ed-b78f-512da7d1c14e" targetNamespace="http://schemas.microsoft.com/office/2006/metadata/properties" ma:root="true" ma:fieldsID="5a6a6e2895642296b7d1775ae73bc200" ns2:_="">
     <xsd:import namespace="5edd459b-714d-42ed-b78f-512da7d1c14e"/>
@@ -13053,22 +13068,21 @@
 </ct:contentTypeSchema>
 </file>
 
-<file path=customXml/item2.xml><?xml version="1.0" encoding="utf-8"?>
+<file path=customXml/item3.xml><?xml version="1.0" encoding="utf-8"?>
 <p:properties xmlns:p="http://schemas.microsoft.com/office/2006/metadata/properties" xmlns:xsi="http://www.w3.org/2001/XMLSchema-instance" xmlns:pc="http://schemas.microsoft.com/office/infopath/2007/PartnerControls">
   <documentManagement/>
 </p:properties>
 </file>
 
-<file path=customXml/item3.xml><?xml version="1.0" encoding="utf-8"?>
-<?mso-contentType ?>
-<FormTemplates xmlns="http://schemas.microsoft.com/sharepoint/v3/contenttype/forms">
-  <Display>DocumentLibraryForm</Display>
-  <Edit>DocumentLibraryForm</Edit>
-  <New>DocumentLibraryForm</New>
-</FormTemplates>
+<file path=customXml/itemProps1.xml><?xml version="1.0" encoding="utf-8"?>
+<ds:datastoreItem xmlns:ds="http://schemas.openxmlformats.org/officeDocument/2006/customXml" ds:itemID="{255BA734-2CC6-4800-A89D-08A8272A3EA7}">
+  <ds:schemaRefs>
+    <ds:schemaRef ds:uri="http://schemas.microsoft.com/sharepoint/v3/contenttype/forms"/>
+  </ds:schemaRefs>
+</ds:datastoreItem>
 </file>
 
-<file path=customXml/itemProps1.xml><?xml version="1.0" encoding="utf-8"?>
+<file path=customXml/itemProps2.xml><?xml version="1.0" encoding="utf-8"?>
 <ds:datastoreItem xmlns:ds="http://schemas.openxmlformats.org/officeDocument/2006/customXml" ds:itemID="{AE61820C-677F-4878-B100-4DB8877FB679}">
   <ds:schemaRefs>
     <ds:schemaRef ds:uri="http://schemas.microsoft.com/office/2006/metadata/contentType"/>
@@ -13086,7 +13100,7 @@
 </ds:datastoreItem>
 </file>
 
-<file path=customXml/itemProps2.xml><?xml version="1.0" encoding="utf-8"?>
+<file path=customXml/itemProps3.xml><?xml version="1.0" encoding="utf-8"?>
 <ds:datastoreItem xmlns:ds="http://schemas.openxmlformats.org/officeDocument/2006/customXml" ds:itemID="{4779FEB4-472A-4FE3-A477-18A5832860A4}">
   <ds:schemaRefs>
     <ds:schemaRef ds:uri="http://schemas.microsoft.com/office/2006/documentManagement/types"/>
@@ -13100,12 +13114,4 @@
     <ds:schemaRef ds:uri="http://www.w3.org/XML/1998/namespace"/>
   </ds:schemaRefs>
 </ds:datastoreItem>
-</file>
-
-<file path=customXml/itemProps3.xml><?xml version="1.0" encoding="utf-8"?>
-<ds:datastoreItem xmlns:ds="http://schemas.openxmlformats.org/officeDocument/2006/customXml" ds:itemID="{255BA734-2CC6-4800-A89D-08A8272A3EA7}">
-  <ds:schemaRefs>
-    <ds:schemaRef ds:uri="http://schemas.microsoft.com/sharepoint/v3/contenttype/forms"/>
-  </ds:schemaRefs>
-</ds:datastoreItem>
 </file>
--- a/curriculum/Unit5/Unit5.pptx
+++ b/curriculum/Unit5/Unit5.pptx
@@ -5,7 +5,7 @@
     <p:sldMasterId id="2147483648" r:id="rId4"/>
   </p:sldMasterIdLst>
   <p:notesMasterIdLst>
-    <p:notesMasterId r:id="rId77"/>
+    <p:notesMasterId r:id="rId76"/>
   </p:notesMasterIdLst>
   <p:sldIdLst>
     <p:sldId id="302" r:id="rId5"/>
@@ -43,43 +43,42 @@
     <p:sldId id="296" r:id="rId37"/>
     <p:sldId id="297" r:id="rId38"/>
     <p:sldId id="298" r:id="rId39"/>
-    <p:sldId id="299" r:id="rId40"/>
-    <p:sldId id="300" r:id="rId41"/>
-    <p:sldId id="301" r:id="rId42"/>
-    <p:sldId id="277" r:id="rId43"/>
-    <p:sldId id="278" r:id="rId44"/>
-    <p:sldId id="279" r:id="rId45"/>
-    <p:sldId id="326" r:id="rId46"/>
-    <p:sldId id="327" r:id="rId47"/>
-    <p:sldId id="280" r:id="rId48"/>
-    <p:sldId id="281" r:id="rId49"/>
-    <p:sldId id="282" r:id="rId50"/>
-    <p:sldId id="283" r:id="rId51"/>
-    <p:sldId id="284" r:id="rId52"/>
-    <p:sldId id="285" r:id="rId53"/>
-    <p:sldId id="286" r:id="rId54"/>
-    <p:sldId id="287" r:id="rId55"/>
-    <p:sldId id="271" r:id="rId56"/>
-    <p:sldId id="272" r:id="rId57"/>
-    <p:sldId id="273" r:id="rId58"/>
-    <p:sldId id="274" r:id="rId59"/>
-    <p:sldId id="275" r:id="rId60"/>
-    <p:sldId id="276" r:id="rId61"/>
-    <p:sldId id="267" r:id="rId62"/>
-    <p:sldId id="268" r:id="rId63"/>
-    <p:sldId id="269" r:id="rId64"/>
-    <p:sldId id="270" r:id="rId65"/>
-    <p:sldId id="263" r:id="rId66"/>
-    <p:sldId id="264" r:id="rId67"/>
-    <p:sldId id="265" r:id="rId68"/>
-    <p:sldId id="266" r:id="rId69"/>
-    <p:sldId id="261" r:id="rId70"/>
-    <p:sldId id="262" r:id="rId71"/>
-    <p:sldId id="256" r:id="rId72"/>
-    <p:sldId id="257" r:id="rId73"/>
-    <p:sldId id="258" r:id="rId74"/>
-    <p:sldId id="259" r:id="rId75"/>
-    <p:sldId id="260" r:id="rId76"/>
+    <p:sldId id="300" r:id="rId40"/>
+    <p:sldId id="301" r:id="rId41"/>
+    <p:sldId id="277" r:id="rId42"/>
+    <p:sldId id="278" r:id="rId43"/>
+    <p:sldId id="279" r:id="rId44"/>
+    <p:sldId id="326" r:id="rId45"/>
+    <p:sldId id="327" r:id="rId46"/>
+    <p:sldId id="280" r:id="rId47"/>
+    <p:sldId id="281" r:id="rId48"/>
+    <p:sldId id="282" r:id="rId49"/>
+    <p:sldId id="283" r:id="rId50"/>
+    <p:sldId id="284" r:id="rId51"/>
+    <p:sldId id="285" r:id="rId52"/>
+    <p:sldId id="286" r:id="rId53"/>
+    <p:sldId id="287" r:id="rId54"/>
+    <p:sldId id="271" r:id="rId55"/>
+    <p:sldId id="272" r:id="rId56"/>
+    <p:sldId id="273" r:id="rId57"/>
+    <p:sldId id="274" r:id="rId58"/>
+    <p:sldId id="275" r:id="rId59"/>
+    <p:sldId id="276" r:id="rId60"/>
+    <p:sldId id="267" r:id="rId61"/>
+    <p:sldId id="268" r:id="rId62"/>
+    <p:sldId id="269" r:id="rId63"/>
+    <p:sldId id="270" r:id="rId64"/>
+    <p:sldId id="263" r:id="rId65"/>
+    <p:sldId id="264" r:id="rId66"/>
+    <p:sldId id="265" r:id="rId67"/>
+    <p:sldId id="266" r:id="rId68"/>
+    <p:sldId id="261" r:id="rId69"/>
+    <p:sldId id="262" r:id="rId70"/>
+    <p:sldId id="256" r:id="rId71"/>
+    <p:sldId id="257" r:id="rId72"/>
+    <p:sldId id="258" r:id="rId73"/>
+    <p:sldId id="259" r:id="rId74"/>
+    <p:sldId id="260" r:id="rId75"/>
   </p:sldIdLst>
   <p:sldSz cx="12192000" cy="6858000"/>
   <p:notesSz cx="6858000" cy="9144000"/>
@@ -279,7 +278,7 @@
           <a:p>
             <a:fld id="{DFD2D4D3-AF7F-407D-A91C-28A05E3AAF0B}" type="datetimeFigureOut">
               <a:rPr lang="en-US" smtClean="0"/>
-              <a:t>1/17/2020</a:t>
+              <a:t>2/18/2020</a:t>
             </a:fld>
             <a:endParaRPr lang="en-US"/>
           </a:p>
@@ -779,7 +778,7 @@
           <a:p>
             <a:fld id="{C56969A0-B3EA-45A4-A390-44554200A62E}" type="slidenum">
               <a:rPr lang="en-US" smtClean="0"/>
-              <a:t>39</a:t>
+              <a:t>38</a:t>
             </a:fld>
             <a:endParaRPr lang="en-US"/>
           </a:p>
@@ -863,7 +862,7 @@
           <a:p>
             <a:fld id="{C56969A0-B3EA-45A4-A390-44554200A62E}" type="slidenum">
               <a:rPr lang="en-US" smtClean="0"/>
-              <a:t>52</a:t>
+              <a:t>51</a:t>
             </a:fld>
             <a:endParaRPr lang="en-US"/>
           </a:p>
@@ -947,7 +946,7 @@
           <a:p>
             <a:fld id="{C56969A0-B3EA-45A4-A390-44554200A62E}" type="slidenum">
               <a:rPr lang="en-US" smtClean="0"/>
-              <a:t>58</a:t>
+              <a:t>57</a:t>
             </a:fld>
             <a:endParaRPr lang="en-US"/>
           </a:p>
@@ -1034,7 +1033,7 @@
           <a:p>
             <a:fld id="{C56969A0-B3EA-45A4-A390-44554200A62E}" type="slidenum">
               <a:rPr lang="en-US" smtClean="0"/>
-              <a:t>59</a:t>
+              <a:t>58</a:t>
             </a:fld>
             <a:endParaRPr lang="en-US"/>
           </a:p>
@@ -1130,7 +1129,7 @@
           <a:p>
             <a:fld id="{C56969A0-B3EA-45A4-A390-44554200A62E}" type="slidenum">
               <a:rPr lang="en-US" smtClean="0"/>
-              <a:t>62</a:t>
+              <a:t>61</a:t>
             </a:fld>
             <a:endParaRPr lang="en-US"/>
           </a:p>
@@ -1226,7 +1225,7 @@
           <a:p>
             <a:fld id="{C56969A0-B3EA-45A4-A390-44554200A62E}" type="slidenum">
               <a:rPr lang="en-US" smtClean="0"/>
-              <a:t>66</a:t>
+              <a:t>65</a:t>
             </a:fld>
             <a:endParaRPr lang="en-US"/>
           </a:p>
@@ -1310,7 +1309,7 @@
           <a:p>
             <a:fld id="{C56969A0-B3EA-45A4-A390-44554200A62E}" type="slidenum">
               <a:rPr lang="en-US" smtClean="0"/>
-              <a:t>68</a:t>
+              <a:t>67</a:t>
             </a:fld>
             <a:endParaRPr lang="en-US"/>
           </a:p>
@@ -1458,7 +1457,7 @@
           <a:p>
             <a:fld id="{1F2FBFEA-012E-42C0-88EC-181B3441BE0C}" type="datetimeFigureOut">
               <a:rPr lang="en-US" smtClean="0"/>
-              <a:t>1/17/2020</a:t>
+              <a:t>2/18/2020</a:t>
             </a:fld>
             <a:endParaRPr lang="en-US"/>
           </a:p>
@@ -1626,7 +1625,7 @@
           <a:p>
             <a:fld id="{1F2FBFEA-012E-42C0-88EC-181B3441BE0C}" type="datetimeFigureOut">
               <a:rPr lang="en-US" smtClean="0"/>
-              <a:t>1/17/2020</a:t>
+              <a:t>2/18/2020</a:t>
             </a:fld>
             <a:endParaRPr lang="en-US"/>
           </a:p>
@@ -1804,7 +1803,7 @@
           <a:p>
             <a:fld id="{1F2FBFEA-012E-42C0-88EC-181B3441BE0C}" type="datetimeFigureOut">
               <a:rPr lang="en-US" smtClean="0"/>
-              <a:t>1/17/2020</a:t>
+              <a:t>2/18/2020</a:t>
             </a:fld>
             <a:endParaRPr lang="en-US"/>
           </a:p>
@@ -1972,7 +1971,7 @@
           <a:p>
             <a:fld id="{1F2FBFEA-012E-42C0-88EC-181B3441BE0C}" type="datetimeFigureOut">
               <a:rPr lang="en-US" smtClean="0"/>
-              <a:t>1/17/2020</a:t>
+              <a:t>2/18/2020</a:t>
             </a:fld>
             <a:endParaRPr lang="en-US"/>
           </a:p>
@@ -2217,7 +2216,7 @@
           <a:p>
             <a:fld id="{1F2FBFEA-012E-42C0-88EC-181B3441BE0C}" type="datetimeFigureOut">
               <a:rPr lang="en-US" smtClean="0"/>
-              <a:t>1/17/2020</a:t>
+              <a:t>2/18/2020</a:t>
             </a:fld>
             <a:endParaRPr lang="en-US"/>
           </a:p>
@@ -2446,7 +2445,7 @@
           <a:p>
             <a:fld id="{1F2FBFEA-012E-42C0-88EC-181B3441BE0C}" type="datetimeFigureOut">
               <a:rPr lang="en-US" smtClean="0"/>
-              <a:t>1/17/2020</a:t>
+              <a:t>2/18/2020</a:t>
             </a:fld>
             <a:endParaRPr lang="en-US"/>
           </a:p>
@@ -2810,7 +2809,7 @@
           <a:p>
             <a:fld id="{1F2FBFEA-012E-42C0-88EC-181B3441BE0C}" type="datetimeFigureOut">
               <a:rPr lang="en-US" smtClean="0"/>
-              <a:t>1/17/2020</a:t>
+              <a:t>2/18/2020</a:t>
             </a:fld>
             <a:endParaRPr lang="en-US"/>
           </a:p>
@@ -2927,7 +2926,7 @@
           <a:p>
             <a:fld id="{1F2FBFEA-012E-42C0-88EC-181B3441BE0C}" type="datetimeFigureOut">
               <a:rPr lang="en-US" smtClean="0"/>
-              <a:t>1/17/2020</a:t>
+              <a:t>2/18/2020</a:t>
             </a:fld>
             <a:endParaRPr lang="en-US"/>
           </a:p>
@@ -3022,7 +3021,7 @@
           <a:p>
             <a:fld id="{1F2FBFEA-012E-42C0-88EC-181B3441BE0C}" type="datetimeFigureOut">
               <a:rPr lang="en-US" smtClean="0"/>
-              <a:t>1/17/2020</a:t>
+              <a:t>2/18/2020</a:t>
             </a:fld>
             <a:endParaRPr lang="en-US"/>
           </a:p>
@@ -3297,7 +3296,7 @@
           <a:p>
             <a:fld id="{1F2FBFEA-012E-42C0-88EC-181B3441BE0C}" type="datetimeFigureOut">
               <a:rPr lang="en-US" smtClean="0"/>
-              <a:t>1/17/2020</a:t>
+              <a:t>2/18/2020</a:t>
             </a:fld>
             <a:endParaRPr lang="en-US"/>
           </a:p>
@@ -3549,7 +3548,7 @@
           <a:p>
             <a:fld id="{1F2FBFEA-012E-42C0-88EC-181B3441BE0C}" type="datetimeFigureOut">
               <a:rPr lang="en-US" smtClean="0"/>
-              <a:t>1/17/2020</a:t>
+              <a:t>2/18/2020</a:t>
             </a:fld>
             <a:endParaRPr lang="en-US"/>
           </a:p>
@@ -3760,7 +3759,7 @@
           <a:p>
             <a:fld id="{1F2FBFEA-012E-42C0-88EC-181B3441BE0C}" type="datetimeFigureOut">
               <a:rPr lang="en-US" smtClean="0"/>
-              <a:t>1/17/2020</a:t>
+              <a:t>2/18/2020</a:t>
             </a:fld>
             <a:endParaRPr lang="en-US"/>
           </a:p>
@@ -6988,14 +6987,20 @@
         </p:nvSpPr>
         <p:spPr/>
         <p:txBody>
-          <a:bodyPr>
-            <a:normAutofit/>
-          </a:bodyPr>
-          <a:lstStyle/>
-          <a:p>
-            <a:r>
-              <a:rPr lang="en-US" dirty="0"/>
-              <a:t>Read through the Point Class and complete the following Practice-It problems:</a:t>
+          <a:bodyPr/>
+          <a:lstStyle/>
+          <a:p>
+            <a:r>
+              <a:rPr lang="en-US" dirty="0"/>
+              <a:t>Research a Custom </a:t>
+            </a:r>
+            <a:r>
+              <a:rPr lang="en-US" dirty="0" err="1"/>
+              <a:t>Pokemon</a:t>
+            </a:r>
+            <a:r>
+              <a:rPr lang="en-US" dirty="0"/>
+              <a:t> Class:</a:t>
             </a:r>
           </a:p>
         </p:txBody>
@@ -7015,58 +7020,139 @@
           <a:bodyPr/>
           <a:lstStyle/>
           <a:p>
-            <a:pPr marL="514350" indent="-514350">
-              <a:buAutoNum type="alphaLcPeriod"/>
-            </a:pPr>
-            <a:endParaRPr lang="en-US" dirty="0"/>
-          </a:p>
-          <a:p>
-            <a:pPr marL="514350" indent="-514350">
-              <a:buAutoNum type="alphaLcPeriod"/>
-            </a:pPr>
             <a:r>
               <a:rPr lang="en-US" dirty="0" err="1"/>
-              <a:t>whatIsOOP</a:t>
-            </a:r>
-            <a:endParaRPr lang="en-US" dirty="0"/>
-          </a:p>
-          <a:p>
-            <a:pPr marL="514350" indent="-514350">
-              <a:buAutoNum type="alphaLcPeriod"/>
-            </a:pPr>
+              <a:t>i</a:t>
+            </a:r>
+            <a:r>
+              <a:rPr lang="en-US" dirty="0"/>
+              <a:t>. </a:t>
+            </a:r>
+            <a:r>
+              <a:rPr lang="en-US" dirty="0">
+                <a:hlinkClick r:id="rId2"/>
+              </a:rPr>
+              <a:t>http://www.pokemon.com/us/parents-guide/</a:t>
+            </a:r>
+            <a:r>
+              <a:rPr lang="en-US" dirty="0"/>
+              <a:t> </a:t>
+            </a:r>
+          </a:p>
+          <a:p>
+            <a:pPr marL="0" indent="0">
+              <a:buNone/>
+            </a:pPr>
+            <a:r>
+              <a:rPr lang="en-US" dirty="0"/>
+              <a:t>	(Basic overview of the game) </a:t>
+            </a:r>
+          </a:p>
+          <a:p>
+            <a:r>
+              <a:rPr lang="en-US" dirty="0"/>
+              <a:t>ii. </a:t>
+            </a:r>
+            <a:r>
+              <a:rPr lang="en-US" dirty="0">
+                <a:hlinkClick r:id="rId3"/>
+              </a:rPr>
+              <a:t>https://youtu.be/DlEbXH8eUTk?t=1m26s</a:t>
+            </a:r>
+            <a:r>
+              <a:rPr lang="en-US" dirty="0"/>
+              <a:t> </a:t>
+            </a:r>
+          </a:p>
+          <a:p>
+            <a:pPr marL="0" indent="0">
+              <a:buNone/>
+            </a:pPr>
+            <a:r>
+              <a:rPr lang="en-US" dirty="0"/>
+              <a:t>	(this is a 30 minute YouTube video of gameplay)</a:t>
+            </a:r>
+          </a:p>
+          <a:p>
+            <a:r>
+              <a:rPr lang="en-US" dirty="0"/>
+              <a:t>iii. </a:t>
+            </a:r>
+            <a:r>
+              <a:rPr lang="en-US" dirty="0">
+                <a:hlinkClick r:id="rId4"/>
+              </a:rPr>
+              <a:t>http://www.pokemon.com/us/pokedex/</a:t>
+            </a:r>
+            <a:r>
+              <a:rPr lang="en-US" dirty="0"/>
+              <a:t> (types of </a:t>
+            </a:r>
             <a:r>
               <a:rPr lang="en-US" dirty="0" err="1"/>
-              <a:t>whatIsAnObject</a:t>
-            </a:r>
-            <a:endParaRPr lang="en-US" dirty="0"/>
-          </a:p>
-          <a:p>
-            <a:pPr marL="514350" indent="-514350">
-              <a:buAutoNum type="alphaLcPeriod"/>
-            </a:pPr>
+              <a:t>Pokemon</a:t>
+            </a:r>
+            <a:r>
+              <a:rPr lang="en-US" dirty="0"/>
+              <a:t>) </a:t>
+            </a:r>
+          </a:p>
+          <a:p>
+            <a:r>
+              <a:rPr lang="en-US" dirty="0"/>
+              <a:t>iv. </a:t>
+            </a:r>
+            <a:r>
+              <a:rPr lang="en-US" dirty="0">
+                <a:hlinkClick r:id="rId5"/>
+              </a:rPr>
+              <a:t>http://tinyurl.com/no4mzic</a:t>
+            </a:r>
+            <a:r>
+              <a:rPr lang="en-US" dirty="0"/>
+              <a:t> (</a:t>
+            </a:r>
             <a:r>
               <a:rPr lang="en-US" dirty="0" err="1"/>
-              <a:t>StringObject</a:t>
-            </a:r>
-            <a:endParaRPr lang="en-US" dirty="0"/>
-          </a:p>
-          <a:p>
-            <a:pPr marL="514350" indent="-514350">
-              <a:buAutoNum type="alphaLcPeriod"/>
-            </a:pPr>
-            <a:r>
-              <a:rPr lang="en-US" dirty="0"/>
-              <a:t>ReferenceMystery3</a:t>
-            </a:r>
-          </a:p>
-          <a:p>
-            <a:pPr marL="514350" indent="-514350">
-              <a:buAutoNum type="alphaLcPeriod"/>
-            </a:pPr>
-            <a:r>
-              <a:rPr lang="en-US" dirty="0" err="1"/>
-              <a:t>CalculatorObject</a:t>
-            </a:r>
+              <a:t>Pokemon</a:t>
+            </a:r>
+            <a:r>
+              <a:rPr lang="en-US" dirty="0"/>
+              <a:t> with stats) </a:t>
+            </a:r>
+          </a:p>
+          <a:p>
+            <a:r>
+              <a:rPr lang="en-US" dirty="0"/>
+              <a:t>v. </a:t>
+            </a:r>
+            <a:r>
+              <a:rPr lang="en-US" dirty="0">
+                <a:hlinkClick r:id="rId6"/>
+              </a:rPr>
+              <a:t>http://en.wikipedia.org/wiki/</a:t>
+            </a:r>
+            <a:r>
+              <a:rPr lang="en-US" dirty="0" err="1">
+                <a:hlinkClick r:id="rId6"/>
+              </a:rPr>
+              <a:t>Gameplay_of_Pokémon</a:t>
+            </a:r>
+            <a:r>
+              <a:rPr lang="en-US" dirty="0"/>
+              <a:t> </a:t>
+            </a:r>
+          </a:p>
+          <a:p>
+            <a:pPr marL="0" indent="0">
+              <a:buNone/>
+            </a:pPr>
+            <a:r>
+              <a:rPr lang="en-US" dirty="0"/>
+              <a:t>	(Wikipedia entry)</a:t>
+            </a:r>
+          </a:p>
+          <a:p>
             <a:endParaRPr lang="en-US" dirty="0"/>
           </a:p>
         </p:txBody>
@@ -7074,7 +7160,7 @@
     </p:spTree>
     <p:extLst>
       <p:ext uri="{BB962C8B-B14F-4D97-AF65-F5344CB8AC3E}">
-        <p14:creationId xmlns:p14="http://schemas.microsoft.com/office/powerpoint/2010/main" val="2074065062"/>
+        <p14:creationId xmlns:p14="http://schemas.microsoft.com/office/powerpoint/2010/main" val="4068846739"/>
       </p:ext>
     </p:extLst>
   </p:cSld>
@@ -7113,172 +7199,53 @@
         </p:nvSpPr>
         <p:spPr/>
         <p:txBody>
-          <a:bodyPr/>
-          <a:lstStyle/>
-          <a:p>
-            <a:r>
-              <a:rPr lang="en-US" dirty="0"/>
-              <a:t>Research a Custom </a:t>
+          <a:bodyPr>
+            <a:normAutofit/>
+          </a:bodyPr>
+          <a:lstStyle/>
+          <a:p>
+            <a:r>
+              <a:rPr lang="en-US" dirty="0"/>
+              <a:t>Homework</a:t>
+            </a:r>
+          </a:p>
+        </p:txBody>
+      </p:sp>
+      <p:sp>
+        <p:nvSpPr>
+          <p:cNvPr id="3" name="Content Placeholder 2"/>
+          <p:cNvSpPr>
+            <a:spLocks noGrp="1"/>
+          </p:cNvSpPr>
+          <p:nvPr>
+            <p:ph idx="1"/>
+          </p:nvPr>
+        </p:nvSpPr>
+        <p:spPr/>
+        <p:txBody>
+          <a:bodyPr/>
+          <a:lstStyle/>
+          <a:p>
+            <a:pPr marL="0" indent="0">
+              <a:buNone/>
+            </a:pPr>
+            <a:r>
+              <a:rPr lang="en-US" dirty="0"/>
+              <a:t>Read HW 8.2 up to “</a:t>
             </a:r>
             <a:r>
               <a:rPr lang="en-US" dirty="0" err="1"/>
-              <a:t>Pokemon</a:t>
-            </a:r>
-            <a:r>
-              <a:rPr lang="en-US" dirty="0"/>
-              <a:t> Class:</a:t>
-            </a:r>
-          </a:p>
-        </p:txBody>
-      </p:sp>
-      <p:sp>
-        <p:nvSpPr>
-          <p:cNvPr id="3" name="Content Placeholder 2"/>
-          <p:cNvSpPr>
-            <a:spLocks noGrp="1"/>
-          </p:cNvSpPr>
-          <p:nvPr>
-            <p:ph idx="1"/>
-          </p:nvPr>
-        </p:nvSpPr>
-        <p:spPr/>
-        <p:txBody>
-          <a:bodyPr/>
-          <a:lstStyle/>
-          <a:p>
-            <a:r>
-              <a:rPr lang="en-US" dirty="0" err="1"/>
-              <a:t>i</a:t>
-            </a:r>
-            <a:r>
-              <a:rPr lang="en-US" dirty="0"/>
-              <a:t>. </a:t>
-            </a:r>
-            <a:r>
-              <a:rPr lang="en-US" dirty="0">
-                <a:hlinkClick r:id="rId2"/>
-              </a:rPr>
-              <a:t>http://www.pokemon.com/us/parents-guide/</a:t>
-            </a:r>
-            <a:r>
-              <a:rPr lang="en-US" dirty="0"/>
-              <a:t> </a:t>
-            </a:r>
-          </a:p>
-          <a:p>
-            <a:pPr marL="0" indent="0">
-              <a:buNone/>
-            </a:pPr>
-            <a:r>
-              <a:rPr lang="en-US" dirty="0"/>
-              <a:t>	(Basic overview of the game) </a:t>
-            </a:r>
-          </a:p>
-          <a:p>
-            <a:r>
-              <a:rPr lang="en-US" dirty="0"/>
-              <a:t>ii. </a:t>
-            </a:r>
-            <a:r>
-              <a:rPr lang="en-US" dirty="0">
-                <a:hlinkClick r:id="rId3"/>
-              </a:rPr>
-              <a:t>https://youtu.be/DlEbXH8eUTk?t=1m26s</a:t>
-            </a:r>
-            <a:r>
-              <a:rPr lang="en-US" dirty="0"/>
-              <a:t> </a:t>
-            </a:r>
-          </a:p>
-          <a:p>
-            <a:pPr marL="0" indent="0">
-              <a:buNone/>
-            </a:pPr>
-            <a:r>
-              <a:rPr lang="en-US" dirty="0"/>
-              <a:t>	(this is a 30 minute YouTube video of gameplay)</a:t>
-            </a:r>
-          </a:p>
-          <a:p>
-            <a:r>
-              <a:rPr lang="en-US" dirty="0"/>
-              <a:t>iii. </a:t>
-            </a:r>
-            <a:r>
-              <a:rPr lang="en-US" dirty="0">
-                <a:hlinkClick r:id="rId4"/>
-              </a:rPr>
-              <a:t>http://www.pokemon.com/us/pokedex/</a:t>
-            </a:r>
-            <a:r>
-              <a:rPr lang="en-US" dirty="0"/>
-              <a:t> (types of </a:t>
-            </a:r>
-            <a:r>
-              <a:rPr lang="en-US" dirty="0" err="1"/>
-              <a:t>Pokemon</a:t>
-            </a:r>
-            <a:r>
-              <a:rPr lang="en-US" dirty="0"/>
-              <a:t>) </a:t>
-            </a:r>
-          </a:p>
-          <a:p>
-            <a:r>
-              <a:rPr lang="en-US" dirty="0"/>
-              <a:t>iv. </a:t>
-            </a:r>
-            <a:r>
-              <a:rPr lang="en-US" dirty="0">
-                <a:hlinkClick r:id="rId5"/>
-              </a:rPr>
-              <a:t>http://tinyurl.com/no4mzic</a:t>
-            </a:r>
-            <a:r>
-              <a:rPr lang="en-US" dirty="0"/>
-              <a:t> (</a:t>
-            </a:r>
-            <a:r>
-              <a:rPr lang="en-US" dirty="0" err="1"/>
-              <a:t>Pokemon</a:t>
-            </a:r>
-            <a:r>
-              <a:rPr lang="en-US" dirty="0"/>
-              <a:t> with stats) </a:t>
-            </a:r>
-          </a:p>
-          <a:p>
-            <a:r>
-              <a:rPr lang="en-US" dirty="0"/>
-              <a:t>v. </a:t>
-            </a:r>
-            <a:r>
-              <a:rPr lang="en-US" dirty="0">
-                <a:hlinkClick r:id="rId6"/>
-              </a:rPr>
-              <a:t>http://en.wikipedia.org/wiki/</a:t>
-            </a:r>
-            <a:r>
-              <a:rPr lang="en-US" dirty="0" err="1">
-                <a:hlinkClick r:id="rId6"/>
-              </a:rPr>
-              <a:t>Gameplay_of_Pokémon</a:t>
-            </a:r>
-            <a:r>
-              <a:rPr lang="en-US" dirty="0"/>
-              <a:t> </a:t>
-            </a:r>
-          </a:p>
-          <a:p>
-            <a:pPr marL="0" indent="0">
-              <a:buNone/>
-            </a:pPr>
-            <a:r>
-              <a:rPr lang="en-US" dirty="0"/>
-              <a:t>	(Wikipedia entry)</a:t>
-            </a:r>
-          </a:p>
-          <a:p>
+              <a:t>Mutators</a:t>
+            </a:r>
+            <a:r>
+              <a:rPr lang="en-US" dirty="0"/>
+              <a:t> and Accessors”</a:t>
+            </a:r>
+          </a:p>
+          <a:p>
+            <a:pPr marL="0" indent="0">
+              <a:buNone/>
+            </a:pPr>
             <a:endParaRPr lang="en-US" dirty="0"/>
           </a:p>
         </p:txBody>
@@ -7286,7 +7253,7 @@
     </p:spTree>
     <p:extLst>
       <p:ext uri="{BB962C8B-B14F-4D97-AF65-F5344CB8AC3E}">
-        <p14:creationId xmlns:p14="http://schemas.microsoft.com/office/powerpoint/2010/main" val="4068846739"/>
+        <p14:creationId xmlns:p14="http://schemas.microsoft.com/office/powerpoint/2010/main" val="3454502009"/>
       </p:ext>
     </p:extLst>
   </p:cSld>
@@ -7320,66 +7287,56 @@
             <a:spLocks noGrp="1"/>
           </p:cNvSpPr>
           <p:nvPr>
-            <p:ph type="title"/>
-          </p:nvPr>
-        </p:nvSpPr>
-        <p:spPr/>
-        <p:txBody>
-          <a:bodyPr>
-            <a:normAutofit/>
-          </a:bodyPr>
-          <a:lstStyle/>
-          <a:p>
-            <a:r>
-              <a:rPr lang="en-US" dirty="0"/>
-              <a:t>Homework</a:t>
-            </a:r>
-          </a:p>
-        </p:txBody>
-      </p:sp>
-      <p:sp>
-        <p:nvSpPr>
-          <p:cNvPr id="3" name="Content Placeholder 2"/>
-          <p:cNvSpPr>
-            <a:spLocks noGrp="1"/>
-          </p:cNvSpPr>
-          <p:nvPr>
-            <p:ph idx="1"/>
-          </p:nvPr>
-        </p:nvSpPr>
-        <p:spPr/>
-        <p:txBody>
-          <a:bodyPr/>
-          <a:lstStyle/>
-          <a:p>
-            <a:pPr marL="0" indent="0">
-              <a:buNone/>
-            </a:pPr>
-            <a:r>
-              <a:rPr lang="en-US" dirty="0"/>
-              <a:t>Read HW 8.2 up to “</a:t>
-            </a:r>
-            <a:r>
-              <a:rPr lang="en-US" dirty="0" err="1"/>
-              <a:t>Mutators</a:t>
-            </a:r>
-            <a:r>
-              <a:rPr lang="en-US" dirty="0"/>
-              <a:t> and Accessors”</a:t>
-            </a:r>
-          </a:p>
-          <a:p>
-            <a:pPr marL="0" indent="0">
-              <a:buNone/>
-            </a:pPr>
-            <a:endParaRPr lang="en-US" dirty="0"/>
+            <p:ph type="ctrTitle"/>
+          </p:nvPr>
+        </p:nvSpPr>
+        <p:spPr>
+          <a:xfrm>
+            <a:off x="1289538" y="1122363"/>
+            <a:ext cx="9612924" cy="2387600"/>
+          </a:xfrm>
+        </p:spPr>
+        <p:txBody>
+          <a:bodyPr/>
+          <a:lstStyle/>
+          <a:p>
+            <a:r>
+              <a:rPr lang="en-US" dirty="0"/>
+              <a:t>Object State &amp; Behavior</a:t>
+            </a:r>
+          </a:p>
+        </p:txBody>
+      </p:sp>
+      <p:sp>
+        <p:nvSpPr>
+          <p:cNvPr id="3" name="Subtitle 2"/>
+          <p:cNvSpPr>
+            <a:spLocks noGrp="1"/>
+          </p:cNvSpPr>
+          <p:nvPr>
+            <p:ph type="subTitle" idx="1"/>
+          </p:nvPr>
+        </p:nvSpPr>
+        <p:spPr/>
+        <p:txBody>
+          <a:bodyPr/>
+          <a:lstStyle/>
+          <a:p>
+            <a:r>
+              <a:rPr lang="en-US"/>
+              <a:t>[ 5.02 </a:t>
+            </a:r>
+            <a:r>
+              <a:rPr lang="en-US" dirty="0"/>
+              <a:t>] [ Today’s Date ] [ Instructor Name ]</a:t>
+            </a:r>
           </a:p>
         </p:txBody>
       </p:sp>
     </p:spTree>
     <p:extLst>
       <p:ext uri="{BB962C8B-B14F-4D97-AF65-F5344CB8AC3E}">
-        <p14:creationId xmlns:p14="http://schemas.microsoft.com/office/powerpoint/2010/main" val="3454502009"/>
+        <p14:creationId xmlns:p14="http://schemas.microsoft.com/office/powerpoint/2010/main" val="3311494245"/>
       </p:ext>
     </p:extLst>
   </p:cSld>
@@ -7413,56 +7370,208 @@
             <a:spLocks noGrp="1"/>
           </p:cNvSpPr>
           <p:nvPr>
-            <p:ph type="ctrTitle"/>
-          </p:nvPr>
-        </p:nvSpPr>
+            <p:ph type="title"/>
+          </p:nvPr>
+        </p:nvSpPr>
+        <p:spPr/>
+        <p:txBody>
+          <a:bodyPr/>
+          <a:lstStyle/>
+          <a:p>
+            <a:r>
+              <a:rPr lang="en-US" dirty="0"/>
+              <a:t>Fields</a:t>
+            </a:r>
+          </a:p>
+        </p:txBody>
+      </p:sp>
+      <p:sp>
+        <p:nvSpPr>
+          <p:cNvPr id="3" name="Content Placeholder 2"/>
+          <p:cNvSpPr>
+            <a:spLocks noGrp="1"/>
+          </p:cNvSpPr>
+          <p:nvPr>
+            <p:ph idx="1"/>
+          </p:nvPr>
+        </p:nvSpPr>
+        <p:spPr/>
+        <p:txBody>
+          <a:bodyPr>
+            <a:normAutofit/>
+          </a:bodyPr>
+          <a:lstStyle/>
+          <a:p>
+            <a:pPr marL="0" indent="0">
+              <a:buNone/>
+            </a:pPr>
+            <a:r>
+              <a:rPr lang="en-US" dirty="0">
+                <a:latin typeface="Courier New" panose="02070309020205020404" pitchFamily="49" charset="0"/>
+                <a:cs typeface="Courier New" panose="02070309020205020404" pitchFamily="49" charset="0"/>
+              </a:rPr>
+              <a:t>public class </a:t>
+            </a:r>
+            <a:r>
+              <a:rPr lang="en-US" dirty="0" err="1">
+                <a:latin typeface="Courier New" panose="02070309020205020404" pitchFamily="49" charset="0"/>
+                <a:cs typeface="Courier New" panose="02070309020205020404" pitchFamily="49" charset="0"/>
+              </a:rPr>
+              <a:t>Pokemon</a:t>
+            </a:r>
+            <a:r>
+              <a:rPr lang="en-US" dirty="0">
+                <a:latin typeface="Courier New" panose="02070309020205020404" pitchFamily="49" charset="0"/>
+                <a:cs typeface="Courier New" panose="02070309020205020404" pitchFamily="49" charset="0"/>
+              </a:rPr>
+              <a:t> {</a:t>
+            </a:r>
+          </a:p>
+          <a:p>
+            <a:pPr marL="0" indent="0">
+              <a:buNone/>
+            </a:pPr>
+            <a:endParaRPr lang="en-US" dirty="0">
+              <a:latin typeface="Courier New" panose="02070309020205020404" pitchFamily="49" charset="0"/>
+              <a:cs typeface="Courier New" panose="02070309020205020404" pitchFamily="49" charset="0"/>
+            </a:endParaRPr>
+          </a:p>
+          <a:p>
+            <a:pPr marL="0" indent="0">
+              <a:buNone/>
+            </a:pPr>
+            <a:r>
+              <a:rPr lang="en-US" dirty="0">
+                <a:latin typeface="Courier New" panose="02070309020205020404" pitchFamily="49" charset="0"/>
+                <a:cs typeface="Courier New" panose="02070309020205020404" pitchFamily="49" charset="0"/>
+              </a:rPr>
+              <a:t>				</a:t>
+            </a:r>
+            <a:r>
+              <a:rPr lang="en-US" sz="2400" dirty="0">
+                <a:solidFill>
+                  <a:schemeClr val="accent6"/>
+                </a:solidFill>
+                <a:latin typeface="Courier New" panose="02070309020205020404" pitchFamily="49" charset="0"/>
+                <a:cs typeface="Courier New" panose="02070309020205020404" pitchFamily="49" charset="0"/>
+              </a:rPr>
+              <a:t>//What are some examples of fields</a:t>
+            </a:r>
+          </a:p>
+          <a:p>
+            <a:pPr marL="0" indent="0">
+              <a:buNone/>
+            </a:pPr>
+            <a:endParaRPr lang="en-US" sz="2400" dirty="0">
+              <a:latin typeface="Courier New" panose="02070309020205020404" pitchFamily="49" charset="0"/>
+              <a:cs typeface="Courier New" panose="02070309020205020404" pitchFamily="49" charset="0"/>
+            </a:endParaRPr>
+          </a:p>
+          <a:p>
+            <a:pPr marL="0" indent="0">
+              <a:buNone/>
+            </a:pPr>
+            <a:r>
+              <a:rPr lang="en-US" sz="2400" dirty="0">
+                <a:latin typeface="Courier New" panose="02070309020205020404" pitchFamily="49" charset="0"/>
+                <a:cs typeface="Courier New" panose="02070309020205020404" pitchFamily="49" charset="0"/>
+              </a:rPr>
+              <a:t>				</a:t>
+            </a:r>
+            <a:r>
+              <a:rPr lang="en-US" sz="2400" dirty="0">
+                <a:solidFill>
+                  <a:schemeClr val="accent6"/>
+                </a:solidFill>
+                <a:latin typeface="Courier New" panose="02070309020205020404" pitchFamily="49" charset="0"/>
+                <a:cs typeface="Courier New" panose="02070309020205020404" pitchFamily="49" charset="0"/>
+              </a:rPr>
+              <a:t>//What would fields look like for</a:t>
+            </a:r>
+          </a:p>
+          <a:p>
+            <a:pPr marL="0" indent="0">
+              <a:buNone/>
+            </a:pPr>
+            <a:r>
+              <a:rPr lang="en-US" sz="2400" dirty="0">
+                <a:latin typeface="Courier New" panose="02070309020205020404" pitchFamily="49" charset="0"/>
+                <a:cs typeface="Courier New" panose="02070309020205020404" pitchFamily="49" charset="0"/>
+              </a:rPr>
+              <a:t>			\	</a:t>
+            </a:r>
+            <a:r>
+              <a:rPr lang="en-US" sz="2400" dirty="0">
+                <a:solidFill>
+                  <a:schemeClr val="accent6"/>
+                </a:solidFill>
+                <a:latin typeface="Courier New" panose="02070309020205020404" pitchFamily="49" charset="0"/>
+                <a:cs typeface="Courier New" panose="02070309020205020404" pitchFamily="49" charset="0"/>
+              </a:rPr>
+              <a:t>//a student, dog, or forecast?</a:t>
+            </a:r>
+            <a:endParaRPr lang="en-US" sz="2400" dirty="0">
+              <a:latin typeface="Courier New" panose="02070309020205020404" pitchFamily="49" charset="0"/>
+              <a:cs typeface="Courier New" panose="02070309020205020404" pitchFamily="49" charset="0"/>
+            </a:endParaRPr>
+          </a:p>
+          <a:p>
+            <a:pPr marL="0" indent="0">
+              <a:buNone/>
+            </a:pPr>
+            <a:endParaRPr lang="en-US" dirty="0">
+              <a:latin typeface="Courier New" panose="02070309020205020404" pitchFamily="49" charset="0"/>
+              <a:cs typeface="Courier New" panose="02070309020205020404" pitchFamily="49" charset="0"/>
+            </a:endParaRPr>
+          </a:p>
+          <a:p>
+            <a:pPr marL="0" indent="0">
+              <a:buNone/>
+            </a:pPr>
+            <a:r>
+              <a:rPr lang="en-US" dirty="0">
+                <a:latin typeface="Courier New" panose="02070309020205020404" pitchFamily="49" charset="0"/>
+                <a:cs typeface="Courier New" panose="02070309020205020404" pitchFamily="49" charset="0"/>
+              </a:rPr>
+              <a:t>}</a:t>
+            </a:r>
+          </a:p>
+        </p:txBody>
+      </p:sp>
+      <p:pic>
+        <p:nvPicPr>
+          <p:cNvPr id="6" name="Picture 5" descr="DP status screen.png"/>
+          <p:cNvPicPr>
+            <a:picLocks noChangeAspect="1"/>
+          </p:cNvPicPr>
+          <p:nvPr/>
+        </p:nvPicPr>
+        <p:blipFill>
+          <a:blip r:embed="rId2">
+            <a:extLst>
+              <a:ext uri="{28A0092B-C50C-407E-A947-70E740481C1C}">
+                <a14:useLocalDpi xmlns:a14="http://schemas.microsoft.com/office/drawing/2010/main" val="0"/>
+              </a:ext>
+            </a:extLst>
+          </a:blip>
+          <a:stretch>
+            <a:fillRect/>
+          </a:stretch>
+        </p:blipFill>
         <p:spPr>
           <a:xfrm>
-            <a:off x="1289538" y="1122363"/>
-            <a:ext cx="9612924" cy="2387600"/>
+            <a:off x="950744" y="2804523"/>
+            <a:ext cx="3125280" cy="2343959"/>
           </a:xfrm>
+          <a:prstGeom prst="rect">
+            <a:avLst/>
+          </a:prstGeom>
         </p:spPr>
-        <p:txBody>
-          <a:bodyPr/>
-          <a:lstStyle/>
-          <a:p>
-            <a:r>
-              <a:rPr lang="en-US" dirty="0"/>
-              <a:t>Object State &amp; Behavior</a:t>
-            </a:r>
-          </a:p>
-        </p:txBody>
-      </p:sp>
-      <p:sp>
-        <p:nvSpPr>
-          <p:cNvPr id="3" name="Subtitle 2"/>
-          <p:cNvSpPr>
-            <a:spLocks noGrp="1"/>
-          </p:cNvSpPr>
-          <p:nvPr>
-            <p:ph type="subTitle" idx="1"/>
-          </p:nvPr>
-        </p:nvSpPr>
-        <p:spPr/>
-        <p:txBody>
-          <a:bodyPr/>
-          <a:lstStyle/>
-          <a:p>
-            <a:r>
-              <a:rPr lang="en-US"/>
-              <a:t>[ 5.02 </a:t>
-            </a:r>
-            <a:r>
-              <a:rPr lang="en-US" dirty="0"/>
-              <a:t>] [ Today’s Date ] [ Instructor Name ]</a:t>
-            </a:r>
-          </a:p>
-        </p:txBody>
-      </p:sp>
+      </p:pic>
     </p:spTree>
     <p:extLst>
       <p:ext uri="{BB962C8B-B14F-4D97-AF65-F5344CB8AC3E}">
-        <p14:creationId xmlns:p14="http://schemas.microsoft.com/office/powerpoint/2010/main" val="3311494245"/>
+        <p14:creationId xmlns:p14="http://schemas.microsoft.com/office/powerpoint/2010/main" val="4201759214"/>
       </p:ext>
     </p:extLst>
   </p:cSld>
@@ -7566,7 +7675,7 @@
           <a:p>
             <a:r>
               <a:rPr lang="en-US" dirty="0"/>
-              <a:t>Fields</a:t>
+              <a:t>Methods</a:t>
             </a:r>
           </a:p>
         </p:txBody>
@@ -7583,181 +7692,59 @@
         </p:nvSpPr>
         <p:spPr/>
         <p:txBody>
-          <a:bodyPr>
-            <a:normAutofit/>
-          </a:bodyPr>
-          <a:lstStyle/>
-          <a:p>
-            <a:pPr marL="0" indent="0">
-              <a:buNone/>
-            </a:pPr>
-            <a:r>
-              <a:rPr lang="en-US" dirty="0">
-                <a:latin typeface="Courier New" panose="02070309020205020404" pitchFamily="49" charset="0"/>
-                <a:cs typeface="Courier New" panose="02070309020205020404" pitchFamily="49" charset="0"/>
-              </a:rPr>
-              <a:t>public class </a:t>
-            </a:r>
-            <a:r>
-              <a:rPr lang="en-US" dirty="0" err="1">
-                <a:latin typeface="Courier New" panose="02070309020205020404" pitchFamily="49" charset="0"/>
-                <a:cs typeface="Courier New" panose="02070309020205020404" pitchFamily="49" charset="0"/>
-              </a:rPr>
-              <a:t>Pokemon</a:t>
-            </a:r>
-            <a:r>
-              <a:rPr lang="en-US" dirty="0">
-                <a:latin typeface="Courier New" panose="02070309020205020404" pitchFamily="49" charset="0"/>
-                <a:cs typeface="Courier New" panose="02070309020205020404" pitchFamily="49" charset="0"/>
-              </a:rPr>
-              <a:t> {</a:t>
-            </a:r>
-          </a:p>
-          <a:p>
-            <a:pPr marL="0" indent="0">
-              <a:buNone/>
-            </a:pPr>
-            <a:endParaRPr lang="en-US" dirty="0">
-              <a:latin typeface="Courier New" panose="02070309020205020404" pitchFamily="49" charset="0"/>
-              <a:cs typeface="Courier New" panose="02070309020205020404" pitchFamily="49" charset="0"/>
-            </a:endParaRPr>
-          </a:p>
-          <a:p>
-            <a:pPr marL="0" indent="0">
-              <a:buNone/>
-            </a:pPr>
-            <a:r>
-              <a:rPr lang="en-US" dirty="0">
-                <a:latin typeface="Courier New" panose="02070309020205020404" pitchFamily="49" charset="0"/>
-                <a:cs typeface="Courier New" panose="02070309020205020404" pitchFamily="49" charset="0"/>
-              </a:rPr>
-              <a:t>				</a:t>
-            </a:r>
-            <a:r>
-              <a:rPr lang="en-US" sz="2400" dirty="0">
-                <a:solidFill>
-                  <a:schemeClr val="accent6"/>
-                </a:solidFill>
-                <a:latin typeface="Courier New" panose="02070309020205020404" pitchFamily="49" charset="0"/>
-                <a:cs typeface="Courier New" panose="02070309020205020404" pitchFamily="49" charset="0"/>
-              </a:rPr>
-              <a:t>//What are some examples of fields</a:t>
-            </a:r>
-          </a:p>
-          <a:p>
-            <a:pPr marL="0" indent="0">
-              <a:buNone/>
-            </a:pPr>
-            <a:endParaRPr lang="en-US" sz="2400" dirty="0">
-              <a:latin typeface="Courier New" panose="02070309020205020404" pitchFamily="49" charset="0"/>
-              <a:cs typeface="Courier New" panose="02070309020205020404" pitchFamily="49" charset="0"/>
-            </a:endParaRPr>
-          </a:p>
-          <a:p>
-            <a:pPr marL="0" indent="0">
-              <a:buNone/>
-            </a:pPr>
-            <a:r>
-              <a:rPr lang="en-US" sz="2400" dirty="0">
-                <a:latin typeface="Courier New" panose="02070309020205020404" pitchFamily="49" charset="0"/>
-                <a:cs typeface="Courier New" panose="02070309020205020404" pitchFamily="49" charset="0"/>
-              </a:rPr>
-              <a:t>				</a:t>
-            </a:r>
-            <a:r>
-              <a:rPr lang="en-US" sz="2400" dirty="0">
-                <a:solidFill>
-                  <a:schemeClr val="accent6"/>
-                </a:solidFill>
-                <a:latin typeface="Courier New" panose="02070309020205020404" pitchFamily="49" charset="0"/>
-                <a:cs typeface="Courier New" panose="02070309020205020404" pitchFamily="49" charset="0"/>
-              </a:rPr>
-              <a:t>//What would fields look like for</a:t>
-            </a:r>
-          </a:p>
-          <a:p>
-            <a:pPr marL="0" indent="0">
-              <a:buNone/>
-            </a:pPr>
-            <a:r>
-              <a:rPr lang="en-US" sz="2400" dirty="0">
-                <a:latin typeface="Courier New" panose="02070309020205020404" pitchFamily="49" charset="0"/>
-                <a:cs typeface="Courier New" panose="02070309020205020404" pitchFamily="49" charset="0"/>
-              </a:rPr>
-              <a:t>			\	</a:t>
-            </a:r>
-            <a:r>
-              <a:rPr lang="en-US" sz="2400" dirty="0">
-                <a:solidFill>
-                  <a:schemeClr val="accent6"/>
-                </a:solidFill>
-                <a:latin typeface="Courier New" panose="02070309020205020404" pitchFamily="49" charset="0"/>
-                <a:cs typeface="Courier New" panose="02070309020205020404" pitchFamily="49" charset="0"/>
-              </a:rPr>
-              <a:t>//a student, dog, or forecast?</a:t>
-            </a:r>
-            <a:endParaRPr lang="en-US" sz="2400" dirty="0">
-              <a:latin typeface="Courier New" panose="02070309020205020404" pitchFamily="49" charset="0"/>
-              <a:cs typeface="Courier New" panose="02070309020205020404" pitchFamily="49" charset="0"/>
-            </a:endParaRPr>
-          </a:p>
-          <a:p>
-            <a:pPr marL="0" indent="0">
-              <a:buNone/>
-            </a:pPr>
-            <a:endParaRPr lang="en-US" dirty="0">
-              <a:latin typeface="Courier New" panose="02070309020205020404" pitchFamily="49" charset="0"/>
-              <a:cs typeface="Courier New" panose="02070309020205020404" pitchFamily="49" charset="0"/>
-            </a:endParaRPr>
-          </a:p>
-          <a:p>
-            <a:pPr marL="0" indent="0">
-              <a:buNone/>
-            </a:pPr>
-            <a:r>
-              <a:rPr lang="en-US" dirty="0">
-                <a:latin typeface="Courier New" panose="02070309020205020404" pitchFamily="49" charset="0"/>
-                <a:cs typeface="Courier New" panose="02070309020205020404" pitchFamily="49" charset="0"/>
-              </a:rPr>
-              <a:t>}</a:t>
-            </a:r>
-          </a:p>
-        </p:txBody>
-      </p:sp>
-      <p:pic>
-        <p:nvPicPr>
-          <p:cNvPr id="6" name="Picture 5" descr="DP status screen.png"/>
-          <p:cNvPicPr>
-            <a:picLocks noChangeAspect="1"/>
-          </p:cNvPicPr>
-          <p:nvPr/>
-        </p:nvPicPr>
-        <p:blipFill>
-          <a:blip r:embed="rId2">
-            <a:extLst>
-              <a:ext uri="{28A0092B-C50C-407E-A947-70E740481C1C}">
-                <a14:useLocalDpi xmlns:a14="http://schemas.microsoft.com/office/drawing/2010/main" val="0"/>
-              </a:ext>
-            </a:extLst>
-          </a:blip>
-          <a:stretch>
-            <a:fillRect/>
-          </a:stretch>
-        </p:blipFill>
-        <p:spPr>
-          <a:xfrm>
-            <a:off x="950744" y="2804523"/>
-            <a:ext cx="3125280" cy="2343959"/>
-          </a:xfrm>
-          <a:prstGeom prst="rect">
-            <a:avLst/>
-          </a:prstGeom>
-        </p:spPr>
-      </p:pic>
+          <a:bodyPr/>
+          <a:lstStyle/>
+          <a:p>
+            <a:pPr marL="0" indent="0">
+              <a:buNone/>
+            </a:pPr>
+            <a:endParaRPr lang="en-US" dirty="0"/>
+          </a:p>
+          <a:p>
+            <a:pPr marL="0" indent="0">
+              <a:buNone/>
+            </a:pPr>
+            <a:r>
+              <a:rPr lang="en-US" dirty="0"/>
+              <a:t>What would be a good method to include in all instances of Students?</a:t>
+            </a:r>
+          </a:p>
+          <a:p>
+            <a:pPr marL="0" indent="0">
+              <a:buNone/>
+            </a:pPr>
+            <a:endParaRPr lang="en-US" dirty="0"/>
+          </a:p>
+          <a:p>
+            <a:pPr marL="0" indent="0">
+              <a:buNone/>
+            </a:pPr>
+            <a:r>
+              <a:rPr lang="en-US" dirty="0"/>
+              <a:t>What would be a good method for all instances of the Dog class?</a:t>
+            </a:r>
+          </a:p>
+          <a:p>
+            <a:pPr marL="0" indent="0">
+              <a:buNone/>
+            </a:pPr>
+            <a:endParaRPr lang="en-US" dirty="0"/>
+          </a:p>
+          <a:p>
+            <a:pPr marL="0" indent="0">
+              <a:buNone/>
+            </a:pPr>
+            <a:r>
+              <a:rPr lang="en-US" dirty="0"/>
+              <a:t>What method should all forecasts have, no matter what forecast?</a:t>
+            </a:r>
+          </a:p>
+        </p:txBody>
+      </p:sp>
     </p:spTree>
     <p:extLst>
       <p:ext uri="{BB962C8B-B14F-4D97-AF65-F5344CB8AC3E}">
-        <p14:creationId xmlns:p14="http://schemas.microsoft.com/office/powerpoint/2010/main" val="4201759214"/>
+        <p14:creationId xmlns:p14="http://schemas.microsoft.com/office/powerpoint/2010/main" val="1990963924"/>
       </p:ext>
     </p:extLst>
   </p:cSld>
@@ -7786,7 +7773,13 @@
       </p:grpSpPr>
       <p:sp>
         <p:nvSpPr>
-          <p:cNvPr id="2" name="Title 1"/>
+          <p:cNvPr id="2" name="Title 1">
+            <a:extLst>
+              <a:ext uri="{FF2B5EF4-FFF2-40B4-BE49-F238E27FC236}">
+                <a16:creationId xmlns:a16="http://schemas.microsoft.com/office/drawing/2014/main" id="{C523C934-E7DB-4FCA-AD40-36B282B512E8}"/>
+              </a:ext>
+            </a:extLst>
+          </p:cNvPr>
           <p:cNvSpPr>
             <a:spLocks noGrp="1"/>
           </p:cNvSpPr>
@@ -7801,14 +7794,20 @@
           <a:p>
             <a:r>
               <a:rPr lang="en-US" dirty="0"/>
-              <a:t>Methods</a:t>
-            </a:r>
-          </a:p>
-        </p:txBody>
-      </p:sp>
-      <p:sp>
-        <p:nvSpPr>
-          <p:cNvPr id="3" name="Content Placeholder 2"/>
+              <a:t>Accessor Methods</a:t>
+            </a:r>
+          </a:p>
+        </p:txBody>
+      </p:sp>
+      <p:sp>
+        <p:nvSpPr>
+          <p:cNvPr id="3" name="Content Placeholder 2">
+            <a:extLst>
+              <a:ext uri="{FF2B5EF4-FFF2-40B4-BE49-F238E27FC236}">
+                <a16:creationId xmlns:a16="http://schemas.microsoft.com/office/drawing/2014/main" id="{296A1DFF-D282-4F79-8A8B-C5598B31D56D}"/>
+              </a:ext>
+            </a:extLst>
+          </p:cNvPr>
           <p:cNvSpPr>
             <a:spLocks noGrp="1"/>
           </p:cNvSpPr>
@@ -7818,59 +7817,193 @@
         </p:nvSpPr>
         <p:spPr/>
         <p:txBody>
-          <a:bodyPr/>
-          <a:lstStyle/>
-          <a:p>
-            <a:pPr marL="0" indent="0">
-              <a:buNone/>
-            </a:pPr>
-            <a:endParaRPr lang="en-US" dirty="0"/>
-          </a:p>
-          <a:p>
-            <a:pPr marL="0" indent="0">
-              <a:buNone/>
-            </a:pPr>
-            <a:r>
-              <a:rPr lang="en-US" dirty="0"/>
-              <a:t>What would be a good method to include in all instances of Students?</a:t>
-            </a:r>
-          </a:p>
-          <a:p>
-            <a:pPr marL="0" indent="0">
-              <a:buNone/>
-            </a:pPr>
-            <a:endParaRPr lang="en-US" dirty="0"/>
-          </a:p>
-          <a:p>
-            <a:pPr marL="0" indent="0">
-              <a:buNone/>
-            </a:pPr>
-            <a:r>
-              <a:rPr lang="en-US" dirty="0"/>
-              <a:t>What would be a good method for all instances of the Dog class?</a:t>
-            </a:r>
-          </a:p>
-          <a:p>
-            <a:pPr marL="0" indent="0">
-              <a:buNone/>
-            </a:pPr>
-            <a:endParaRPr lang="en-US" dirty="0"/>
-          </a:p>
-          <a:p>
-            <a:pPr marL="0" indent="0">
-              <a:buNone/>
-            </a:pPr>
-            <a:r>
-              <a:rPr lang="en-US" dirty="0"/>
-              <a:t>What method should all forecasts have, no matter what forecast?</a:t>
-            </a:r>
+          <a:bodyPr>
+            <a:normAutofit/>
+          </a:bodyPr>
+          <a:lstStyle/>
+          <a:p>
+            <a:pPr marL="0" indent="0">
+              <a:buNone/>
+            </a:pPr>
+            <a:r>
+              <a:rPr lang="en-US" sz="1600" dirty="0">
+                <a:latin typeface="Courier New" panose="02070309020205020404" pitchFamily="49" charset="0"/>
+                <a:cs typeface="Courier New" panose="02070309020205020404" pitchFamily="49" charset="0"/>
+              </a:rPr>
+              <a:t>public class Student {</a:t>
+            </a:r>
+          </a:p>
+          <a:p>
+            <a:pPr marL="457200" lvl="1" indent="0">
+              <a:buNone/>
+            </a:pPr>
+            <a:r>
+              <a:rPr lang="en-US" sz="1600" dirty="0">
+                <a:latin typeface="Courier New" panose="02070309020205020404" pitchFamily="49" charset="0"/>
+                <a:cs typeface="Courier New" panose="02070309020205020404" pitchFamily="49" charset="0"/>
+              </a:rPr>
+              <a:t>private String name;</a:t>
+            </a:r>
+          </a:p>
+          <a:p>
+            <a:pPr marL="457200" lvl="1" indent="0">
+              <a:buNone/>
+            </a:pPr>
+            <a:endParaRPr lang="en-US" sz="1600" dirty="0">
+              <a:latin typeface="Courier New" panose="02070309020205020404" pitchFamily="49" charset="0"/>
+              <a:cs typeface="Courier New" panose="02070309020205020404" pitchFamily="49" charset="0"/>
+            </a:endParaRPr>
+          </a:p>
+          <a:p>
+            <a:pPr marL="457200" lvl="1" indent="0">
+              <a:buNone/>
+            </a:pPr>
+            <a:r>
+              <a:rPr lang="en-US" sz="1600" dirty="0">
+                <a:latin typeface="Courier New" panose="02070309020205020404" pitchFamily="49" charset="0"/>
+                <a:cs typeface="Courier New" panose="02070309020205020404" pitchFamily="49" charset="0"/>
+              </a:rPr>
+              <a:t>public String </a:t>
+            </a:r>
+            <a:r>
+              <a:rPr lang="en-US" sz="1600" dirty="0" err="1">
+                <a:latin typeface="Courier New" panose="02070309020205020404" pitchFamily="49" charset="0"/>
+                <a:cs typeface="Courier New" panose="02070309020205020404" pitchFamily="49" charset="0"/>
+              </a:rPr>
+              <a:t>getName</a:t>
+            </a:r>
+            <a:r>
+              <a:rPr lang="en-US" sz="1600" dirty="0">
+                <a:latin typeface="Courier New" panose="02070309020205020404" pitchFamily="49" charset="0"/>
+                <a:cs typeface="Courier New" panose="02070309020205020404" pitchFamily="49" charset="0"/>
+              </a:rPr>
+              <a:t> () {			// getter accessor method</a:t>
+            </a:r>
+          </a:p>
+          <a:p>
+            <a:pPr marL="914400" lvl="2" indent="0">
+              <a:buNone/>
+            </a:pPr>
+            <a:r>
+              <a:rPr lang="en-US" sz="1600" dirty="0">
+                <a:latin typeface="Courier New" panose="02070309020205020404" pitchFamily="49" charset="0"/>
+                <a:cs typeface="Courier New" panose="02070309020205020404" pitchFamily="49" charset="0"/>
+              </a:rPr>
+              <a:t>return name;</a:t>
+            </a:r>
+          </a:p>
+          <a:p>
+            <a:pPr marL="457200" lvl="1" indent="0">
+              <a:buNone/>
+            </a:pPr>
+            <a:r>
+              <a:rPr lang="en-US" sz="1600" dirty="0">
+                <a:latin typeface="Courier New" panose="02070309020205020404" pitchFamily="49" charset="0"/>
+                <a:cs typeface="Courier New" panose="02070309020205020404" pitchFamily="49" charset="0"/>
+              </a:rPr>
+              <a:t>}</a:t>
+            </a:r>
+          </a:p>
+          <a:p>
+            <a:pPr marL="914400" lvl="2" indent="0">
+              <a:buNone/>
+            </a:pPr>
+            <a:endParaRPr lang="en-US" sz="1600" dirty="0">
+              <a:latin typeface="Courier New" panose="02070309020205020404" pitchFamily="49" charset="0"/>
+              <a:cs typeface="Courier New" panose="02070309020205020404" pitchFamily="49" charset="0"/>
+            </a:endParaRPr>
+          </a:p>
+          <a:p>
+            <a:pPr marL="457200" lvl="1" indent="0">
+              <a:buNone/>
+            </a:pPr>
+            <a:r>
+              <a:rPr lang="en-US" sz="1600" dirty="0">
+                <a:latin typeface="Courier New" panose="02070309020205020404" pitchFamily="49" charset="0"/>
+                <a:cs typeface="Courier New" panose="02070309020205020404" pitchFamily="49" charset="0"/>
+              </a:rPr>
+              <a:t>public void </a:t>
+            </a:r>
+            <a:r>
+              <a:rPr lang="en-US" sz="1600" dirty="0" err="1">
+                <a:latin typeface="Courier New" panose="02070309020205020404" pitchFamily="49" charset="0"/>
+                <a:cs typeface="Courier New" panose="02070309020205020404" pitchFamily="49" charset="0"/>
+              </a:rPr>
+              <a:t>setName</a:t>
+            </a:r>
+            <a:r>
+              <a:rPr lang="en-US" sz="1600" dirty="0">
+                <a:latin typeface="Courier New" panose="02070309020205020404" pitchFamily="49" charset="0"/>
+                <a:cs typeface="Courier New" panose="02070309020205020404" pitchFamily="49" charset="0"/>
+              </a:rPr>
+              <a:t>(String newname) {	// setter accessor method</a:t>
+            </a:r>
+          </a:p>
+          <a:p>
+            <a:pPr marL="914400" lvl="2" indent="0">
+              <a:buNone/>
+            </a:pPr>
+            <a:r>
+              <a:rPr lang="en-US" sz="1600" dirty="0">
+                <a:latin typeface="Courier New" panose="02070309020205020404" pitchFamily="49" charset="0"/>
+                <a:cs typeface="Courier New" panose="02070309020205020404" pitchFamily="49" charset="0"/>
+              </a:rPr>
+              <a:t>n</a:t>
+            </a:r>
+            <a:r>
+              <a:rPr lang="en-US" sz="1600">
+                <a:latin typeface="Courier New" panose="02070309020205020404" pitchFamily="49" charset="0"/>
+                <a:cs typeface="Courier New" panose="02070309020205020404" pitchFamily="49" charset="0"/>
+              </a:rPr>
+              <a:t>ame </a:t>
+            </a:r>
+            <a:r>
+              <a:rPr lang="en-US" sz="1600" dirty="0">
+                <a:latin typeface="Courier New" panose="02070309020205020404" pitchFamily="49" charset="0"/>
+                <a:cs typeface="Courier New" panose="02070309020205020404" pitchFamily="49" charset="0"/>
+              </a:rPr>
+              <a:t>= newname;</a:t>
+            </a:r>
+          </a:p>
+          <a:p>
+            <a:pPr marL="457200" lvl="1" indent="0">
+              <a:buNone/>
+            </a:pPr>
+            <a:r>
+              <a:rPr lang="en-US" sz="1600" dirty="0">
+                <a:latin typeface="Courier New" panose="02070309020205020404" pitchFamily="49" charset="0"/>
+                <a:cs typeface="Courier New" panose="02070309020205020404" pitchFamily="49" charset="0"/>
+              </a:rPr>
+              <a:t>}</a:t>
+            </a:r>
+          </a:p>
+          <a:p>
+            <a:pPr marL="0" indent="0">
+              <a:buNone/>
+            </a:pPr>
+            <a:r>
+              <a:rPr lang="en-US" sz="1600" dirty="0">
+                <a:latin typeface="Courier New" panose="02070309020205020404" pitchFamily="49" charset="0"/>
+                <a:cs typeface="Courier New" panose="02070309020205020404" pitchFamily="49" charset="0"/>
+              </a:rPr>
+              <a:t>}</a:t>
+            </a:r>
+          </a:p>
+          <a:p>
+            <a:pPr marL="0" indent="0">
+              <a:buNone/>
+            </a:pPr>
+            <a:endParaRPr lang="en-US" sz="1600" dirty="0">
+              <a:latin typeface="Courier New" panose="02070309020205020404" pitchFamily="49" charset="0"/>
+              <a:cs typeface="Courier New" panose="02070309020205020404" pitchFamily="49" charset="0"/>
+            </a:endParaRPr>
           </a:p>
         </p:txBody>
       </p:sp>
     </p:spTree>
     <p:extLst>
       <p:ext uri="{BB962C8B-B14F-4D97-AF65-F5344CB8AC3E}">
-        <p14:creationId xmlns:p14="http://schemas.microsoft.com/office/powerpoint/2010/main" val="1990963924"/>
+        <p14:creationId xmlns:p14="http://schemas.microsoft.com/office/powerpoint/2010/main" val="1459667153"/>
       </p:ext>
     </p:extLst>
   </p:cSld>
@@ -7902,7 +8035,7 @@
           <p:cNvPr id="2" name="Title 1">
             <a:extLst>
               <a:ext uri="{FF2B5EF4-FFF2-40B4-BE49-F238E27FC236}">
-                <a16:creationId xmlns:a16="http://schemas.microsoft.com/office/drawing/2014/main" id="{C523C934-E7DB-4FCA-AD40-36B282B512E8}"/>
+                <a16:creationId xmlns:a16="http://schemas.microsoft.com/office/drawing/2014/main" id="{F174439D-8810-466D-8FAD-EDAF6AD339AC}"/>
               </a:ext>
             </a:extLst>
           </p:cNvPr>
@@ -7920,7 +8053,7 @@
           <a:p>
             <a:r>
               <a:rPr lang="en-US" dirty="0"/>
-              <a:t>Accessor Methods</a:t>
+              <a:t>Accessor Example</a:t>
             </a:r>
           </a:p>
         </p:txBody>
@@ -7930,7 +8063,7 @@
           <p:cNvPr id="3" name="Content Placeholder 2">
             <a:extLst>
               <a:ext uri="{FF2B5EF4-FFF2-40B4-BE49-F238E27FC236}">
-                <a16:creationId xmlns:a16="http://schemas.microsoft.com/office/drawing/2014/main" id="{296A1DFF-D282-4F79-8A8B-C5598B31D56D}"/>
+                <a16:creationId xmlns:a16="http://schemas.microsoft.com/office/drawing/2014/main" id="{505E8D4C-3D5C-4ECC-9470-F07BF0B5BAD3}"/>
               </a:ext>
             </a:extLst>
           </p:cNvPr>
@@ -7944,7 +8077,7 @@
         <p:spPr/>
         <p:txBody>
           <a:bodyPr>
-            <a:normAutofit/>
+            <a:normAutofit lnSpcReduction="10000"/>
           </a:bodyPr>
           <a:lstStyle/>
           <a:p>
@@ -7956,19 +8089,21 @@
                 <a:latin typeface="Courier New" panose="02070309020205020404" pitchFamily="49" charset="0"/>
                 <a:cs typeface="Courier New" panose="02070309020205020404" pitchFamily="49" charset="0"/>
               </a:rPr>
-              <a:t>public class Student {</a:t>
-            </a:r>
-          </a:p>
-          <a:p>
-            <a:pPr marL="457200" lvl="1" indent="0">
-              <a:buNone/>
-            </a:pPr>
+              <a:t>public class </a:t>
+            </a:r>
+            <a:r>
+              <a:rPr lang="en-US" sz="1600" dirty="0" err="1">
+                <a:latin typeface="Courier New" panose="02070309020205020404" pitchFamily="49" charset="0"/>
+                <a:cs typeface="Courier New" panose="02070309020205020404" pitchFamily="49" charset="0"/>
+              </a:rPr>
+              <a:t>FormGroups</a:t>
+            </a:r>
             <a:r>
               <a:rPr lang="en-US" sz="1600" dirty="0">
                 <a:latin typeface="Courier New" panose="02070309020205020404" pitchFamily="49" charset="0"/>
                 <a:cs typeface="Courier New" panose="02070309020205020404" pitchFamily="49" charset="0"/>
               </a:rPr>
-              <a:t>private String name;</a:t>
+              <a:t> {</a:t>
             </a:r>
           </a:p>
           <a:p>
@@ -7989,25 +8124,25 @@
                 <a:latin typeface="Courier New" panose="02070309020205020404" pitchFamily="49" charset="0"/>
                 <a:cs typeface="Courier New" panose="02070309020205020404" pitchFamily="49" charset="0"/>
               </a:rPr>
-              <a:t>public String </a:t>
+              <a:t>public static void main (String </a:t>
             </a:r>
             <a:r>
               <a:rPr lang="en-US" sz="1600" dirty="0" err="1">
                 <a:latin typeface="Courier New" panose="02070309020205020404" pitchFamily="49" charset="0"/>
                 <a:cs typeface="Courier New" panose="02070309020205020404" pitchFamily="49" charset="0"/>
               </a:rPr>
-              <a:t>getName</a:t>
+              <a:t>args</a:t>
             </a:r>
             <a:r>
               <a:rPr lang="en-US" sz="1600" dirty="0">
                 <a:latin typeface="Courier New" panose="02070309020205020404" pitchFamily="49" charset="0"/>
                 <a:cs typeface="Courier New" panose="02070309020205020404" pitchFamily="49" charset="0"/>
               </a:rPr>
-              <a:t> () {			// getter accessor method</a:t>
-            </a:r>
-          </a:p>
-          <a:p>
-            <a:pPr marL="914400" lvl="2" indent="0">
+              <a:t>[]){</a:t>
+            </a:r>
+          </a:p>
+          <a:p>
+            <a:pPr marL="457200" lvl="1" indent="0">
               <a:buNone/>
             </a:pPr>
             <a:r>
@@ -8015,23 +8150,25 @@
                 <a:latin typeface="Courier New" panose="02070309020205020404" pitchFamily="49" charset="0"/>
                 <a:cs typeface="Courier New" panose="02070309020205020404" pitchFamily="49" charset="0"/>
               </a:rPr>
-              <a:t>return name;</a:t>
+              <a:t>	Student </a:t>
+            </a:r>
+            <a:r>
+              <a:rPr lang="en-US" sz="1600" dirty="0" err="1">
+                <a:latin typeface="Courier New" panose="02070309020205020404" pitchFamily="49" charset="0"/>
+                <a:cs typeface="Courier New" panose="02070309020205020404" pitchFamily="49" charset="0"/>
+              </a:rPr>
+              <a:t>groupLeader</a:t>
+            </a:r>
+            <a:r>
+              <a:rPr lang="en-US" sz="1600" dirty="0">
+                <a:latin typeface="Courier New" panose="02070309020205020404" pitchFamily="49" charset="0"/>
+                <a:cs typeface="Courier New" panose="02070309020205020404" pitchFamily="49" charset="0"/>
+              </a:rPr>
+              <a:t> = new Student();</a:t>
             </a:r>
           </a:p>
           <a:p>
             <a:pPr marL="457200" lvl="1" indent="0">
-              <a:buNone/>
-            </a:pPr>
-            <a:r>
-              <a:rPr lang="en-US" sz="1600" dirty="0">
-                <a:latin typeface="Courier New" panose="02070309020205020404" pitchFamily="49" charset="0"/>
-                <a:cs typeface="Courier New" panose="02070309020205020404" pitchFamily="49" charset="0"/>
-              </a:rPr>
-              <a:t>}</a:t>
-            </a:r>
-          </a:p>
-          <a:p>
-            <a:pPr marL="914400" lvl="2" indent="0">
               <a:buNone/>
             </a:pPr>
             <a:endParaRPr lang="en-US" sz="1600" dirty="0">
@@ -8048,75 +8185,25 @@
                 <a:latin typeface="Courier New" panose="02070309020205020404" pitchFamily="49" charset="0"/>
                 <a:cs typeface="Courier New" panose="02070309020205020404" pitchFamily="49" charset="0"/>
               </a:rPr>
-              <a:t>public void </a:t>
+              <a:t>	</a:t>
             </a:r>
             <a:r>
               <a:rPr lang="en-US" sz="1600" dirty="0" err="1">
                 <a:latin typeface="Courier New" panose="02070309020205020404" pitchFamily="49" charset="0"/>
                 <a:cs typeface="Courier New" panose="02070309020205020404" pitchFamily="49" charset="0"/>
               </a:rPr>
-              <a:t>setName</a:t>
+              <a:t>groupLeader.setName</a:t>
             </a:r>
             <a:r>
               <a:rPr lang="en-US" sz="1600" dirty="0">
                 <a:latin typeface="Courier New" panose="02070309020205020404" pitchFamily="49" charset="0"/>
                 <a:cs typeface="Courier New" panose="02070309020205020404" pitchFamily="49" charset="0"/>
               </a:rPr>
-              <a:t>(String newname) {	// setter accessor method</a:t>
-            </a:r>
-          </a:p>
-          <a:p>
-            <a:pPr marL="914400" lvl="2" indent="0">
-              <a:buNone/>
-            </a:pPr>
-            <a:r>
-              <a:rPr lang="en-US" sz="1600" dirty="0">
-                <a:latin typeface="Courier New" panose="02070309020205020404" pitchFamily="49" charset="0"/>
-                <a:cs typeface="Courier New" panose="02070309020205020404" pitchFamily="49" charset="0"/>
-              </a:rPr>
-              <a:t>n</a:t>
-            </a:r>
-            <a:r>
-              <a:rPr lang="en-US" sz="1600">
-                <a:latin typeface="Courier New" panose="02070309020205020404" pitchFamily="49" charset="0"/>
-                <a:cs typeface="Courier New" panose="02070309020205020404" pitchFamily="49" charset="0"/>
-              </a:rPr>
-              <a:t>ame </a:t>
-            </a:r>
-            <a:r>
-              <a:rPr lang="en-US" sz="1600" dirty="0">
-                <a:latin typeface="Courier New" panose="02070309020205020404" pitchFamily="49" charset="0"/>
-                <a:cs typeface="Courier New" panose="02070309020205020404" pitchFamily="49" charset="0"/>
-              </a:rPr>
-              <a:t>= newname;</a:t>
+              <a:t>(“Pat”);</a:t>
             </a:r>
           </a:p>
           <a:p>
             <a:pPr marL="457200" lvl="1" indent="0">
-              <a:buNone/>
-            </a:pPr>
-            <a:r>
-              <a:rPr lang="en-US" sz="1600" dirty="0">
-                <a:latin typeface="Courier New" panose="02070309020205020404" pitchFamily="49" charset="0"/>
-                <a:cs typeface="Courier New" panose="02070309020205020404" pitchFamily="49" charset="0"/>
-              </a:rPr>
-              <a:t>}</a:t>
-            </a:r>
-          </a:p>
-          <a:p>
-            <a:pPr marL="0" indent="0">
-              <a:buNone/>
-            </a:pPr>
-            <a:r>
-              <a:rPr lang="en-US" sz="1600" dirty="0">
-                <a:latin typeface="Courier New" panose="02070309020205020404" pitchFamily="49" charset="0"/>
-                <a:cs typeface="Courier New" panose="02070309020205020404" pitchFamily="49" charset="0"/>
-              </a:rPr>
-              <a:t>}</a:t>
-            </a:r>
-          </a:p>
-          <a:p>
-            <a:pPr marL="0" indent="0">
               <a:buNone/>
             </a:pPr>
             <a:endParaRPr lang="en-US" sz="1600" dirty="0">
@@ -8124,12 +8211,138 @@
               <a:cs typeface="Courier New" panose="02070309020205020404" pitchFamily="49" charset="0"/>
             </a:endParaRPr>
           </a:p>
+          <a:p>
+            <a:pPr marL="457200" lvl="1" indent="0">
+              <a:buNone/>
+            </a:pPr>
+            <a:r>
+              <a:rPr lang="en-US" sz="1600" dirty="0">
+                <a:latin typeface="Courier New" panose="02070309020205020404" pitchFamily="49" charset="0"/>
+                <a:cs typeface="Courier New" panose="02070309020205020404" pitchFamily="49" charset="0"/>
+              </a:rPr>
+              <a:t>	</a:t>
+            </a:r>
+            <a:r>
+              <a:rPr lang="en-US" sz="1600" dirty="0" err="1">
+                <a:latin typeface="Courier New" panose="02070309020205020404" pitchFamily="49" charset="0"/>
+                <a:cs typeface="Courier New" panose="02070309020205020404" pitchFamily="49" charset="0"/>
+              </a:rPr>
+              <a:t>System.out.println</a:t>
+            </a:r>
+            <a:r>
+              <a:rPr lang="en-US" sz="1600" dirty="0">
+                <a:latin typeface="Courier New" panose="02070309020205020404" pitchFamily="49" charset="0"/>
+                <a:cs typeface="Courier New" panose="02070309020205020404" pitchFamily="49" charset="0"/>
+              </a:rPr>
+              <a:t> (“The group leader is “ + </a:t>
+            </a:r>
+            <a:r>
+              <a:rPr lang="en-US" sz="1600" dirty="0" err="1">
+                <a:latin typeface="Courier New" panose="02070309020205020404" pitchFamily="49" charset="0"/>
+                <a:cs typeface="Courier New" panose="02070309020205020404" pitchFamily="49" charset="0"/>
+              </a:rPr>
+              <a:t>groupLeader.getName</a:t>
+            </a:r>
+            <a:r>
+              <a:rPr lang="en-US" sz="1600" dirty="0">
+                <a:latin typeface="Courier New" panose="02070309020205020404" pitchFamily="49" charset="0"/>
+                <a:cs typeface="Courier New" panose="02070309020205020404" pitchFamily="49" charset="0"/>
+              </a:rPr>
+              <a:t>()); 		</a:t>
+            </a:r>
+          </a:p>
+          <a:p>
+            <a:pPr marL="457200" lvl="1" indent="0">
+              <a:buNone/>
+            </a:pPr>
+            <a:r>
+              <a:rPr lang="en-US" sz="1600" dirty="0">
+                <a:latin typeface="Courier New" panose="02070309020205020404" pitchFamily="49" charset="0"/>
+                <a:cs typeface="Courier New" panose="02070309020205020404" pitchFamily="49" charset="0"/>
+              </a:rPr>
+              <a:t>}</a:t>
+            </a:r>
+          </a:p>
+          <a:p>
+            <a:pPr marL="0" indent="0">
+              <a:buNone/>
+            </a:pPr>
+            <a:r>
+              <a:rPr lang="en-US" sz="1600" dirty="0">
+                <a:latin typeface="Courier New" panose="02070309020205020404" pitchFamily="49" charset="0"/>
+                <a:cs typeface="Courier New" panose="02070309020205020404" pitchFamily="49" charset="0"/>
+              </a:rPr>
+              <a:t>}</a:t>
+            </a:r>
+          </a:p>
+          <a:p>
+            <a:pPr marL="0" indent="0">
+              <a:buNone/>
+            </a:pPr>
+            <a:endParaRPr lang="en-US" sz="1600" dirty="0">
+              <a:latin typeface="Courier New" panose="02070309020205020404" pitchFamily="49" charset="0"/>
+              <a:cs typeface="Courier New" panose="02070309020205020404" pitchFamily="49" charset="0"/>
+            </a:endParaRPr>
+          </a:p>
+          <a:p>
+            <a:pPr marL="0" indent="0">
+              <a:buNone/>
+            </a:pPr>
+            <a:r>
+              <a:rPr lang="en-US" sz="1600" dirty="0">
+                <a:cs typeface="Courier New" panose="02070309020205020404" pitchFamily="49" charset="0"/>
+              </a:rPr>
+              <a:t>Note: </a:t>
+            </a:r>
+          </a:p>
+          <a:p>
+            <a:r>
+              <a:rPr lang="en-US" sz="1600" dirty="0">
+                <a:cs typeface="Courier New" panose="02070309020205020404" pitchFamily="49" charset="0"/>
+              </a:rPr>
+              <a:t>The return expression from </a:t>
+            </a:r>
+            <a:r>
+              <a:rPr lang="en-US" sz="1600" dirty="0" err="1">
+                <a:latin typeface="Courier New" panose="02070309020205020404" pitchFamily="49" charset="0"/>
+                <a:cs typeface="Courier New" panose="02070309020205020404" pitchFamily="49" charset="0"/>
+              </a:rPr>
+              <a:t>groupLeader.getName</a:t>
+            </a:r>
+            <a:r>
+              <a:rPr lang="en-US" sz="1600">
+                <a:latin typeface="Courier New" panose="02070309020205020404" pitchFamily="49" charset="0"/>
+                <a:cs typeface="Courier New" panose="02070309020205020404" pitchFamily="49" charset="0"/>
+              </a:rPr>
+              <a:t>()</a:t>
+            </a:r>
+            <a:r>
+              <a:rPr lang="en-US" sz="1600">
+                <a:cs typeface="Courier New" panose="02070309020205020404" pitchFamily="49" charset="0"/>
+              </a:rPr>
+              <a:t> is a </a:t>
+            </a:r>
+            <a:r>
+              <a:rPr lang="en-US" sz="1600" dirty="0">
+                <a:cs typeface="Courier New" panose="02070309020205020404" pitchFamily="49" charset="0"/>
+              </a:rPr>
+              <a:t>reference to an object.</a:t>
+            </a:r>
+          </a:p>
+          <a:p>
+            <a:r>
+              <a:rPr lang="en-US" sz="1600" dirty="0">
+                <a:cs typeface="Courier New" panose="02070309020205020404" pitchFamily="49" charset="0"/>
+              </a:rPr>
+              <a:t>A copy of that reference is returned, not a copy of the object.</a:t>
+            </a:r>
+          </a:p>
         </p:txBody>
       </p:sp>
     </p:spTree>
     <p:extLst>
       <p:ext uri="{BB962C8B-B14F-4D97-AF65-F5344CB8AC3E}">
-        <p14:creationId xmlns:p14="http://schemas.microsoft.com/office/powerpoint/2010/main" val="1459667153"/>
+        <p14:creationId xmlns:p14="http://schemas.microsoft.com/office/powerpoint/2010/main" val="1177665373"/>
       </p:ext>
     </p:extLst>
   </p:cSld>
@@ -8158,13 +8371,7 @@
       </p:grpSpPr>
       <p:sp>
         <p:nvSpPr>
-          <p:cNvPr id="2" name="Title 1">
-            <a:extLst>
-              <a:ext uri="{FF2B5EF4-FFF2-40B4-BE49-F238E27FC236}">
-                <a16:creationId xmlns:a16="http://schemas.microsoft.com/office/drawing/2014/main" id="{F174439D-8810-466D-8FAD-EDAF6AD339AC}"/>
-              </a:ext>
-            </a:extLst>
-          </p:cNvPr>
+          <p:cNvPr id="2" name="Title 1"/>
           <p:cNvSpPr>
             <a:spLocks noGrp="1"/>
           </p:cNvSpPr>
@@ -8179,20 +8386,14 @@
           <a:p>
             <a:r>
               <a:rPr lang="en-US" dirty="0"/>
-              <a:t>Accessor Example</a:t>
-            </a:r>
-          </a:p>
-        </p:txBody>
-      </p:sp>
-      <p:sp>
-        <p:nvSpPr>
-          <p:cNvPr id="3" name="Content Placeholder 2">
-            <a:extLst>
-              <a:ext uri="{FF2B5EF4-FFF2-40B4-BE49-F238E27FC236}">
-                <a16:creationId xmlns:a16="http://schemas.microsoft.com/office/drawing/2014/main" id="{505E8D4C-3D5C-4ECC-9470-F07BF0B5BAD3}"/>
-              </a:ext>
-            </a:extLst>
-          </p:cNvPr>
+              <a:t>Methods: Pokémon</a:t>
+            </a:r>
+          </a:p>
+        </p:txBody>
+      </p:sp>
+      <p:sp>
+        <p:nvSpPr>
+          <p:cNvPr id="3" name="Content Placeholder 2"/>
           <p:cNvSpPr>
             <a:spLocks noGrp="1"/>
           </p:cNvSpPr>
@@ -8202,265 +8403,47 @@
         </p:nvSpPr>
         <p:spPr/>
         <p:txBody>
-          <a:bodyPr>
-            <a:normAutofit lnSpcReduction="10000"/>
-          </a:bodyPr>
-          <a:lstStyle/>
-          <a:p>
-            <a:pPr marL="0" indent="0">
-              <a:buNone/>
-            </a:pPr>
-            <a:r>
-              <a:rPr lang="en-US" sz="1600" dirty="0">
-                <a:latin typeface="Courier New" panose="02070309020205020404" pitchFamily="49" charset="0"/>
-                <a:cs typeface="Courier New" panose="02070309020205020404" pitchFamily="49" charset="0"/>
-              </a:rPr>
-              <a:t>public class </a:t>
-            </a:r>
-            <a:r>
-              <a:rPr lang="en-US" sz="1600" dirty="0" err="1">
-                <a:latin typeface="Courier New" panose="02070309020205020404" pitchFamily="49" charset="0"/>
-                <a:cs typeface="Courier New" panose="02070309020205020404" pitchFamily="49" charset="0"/>
-              </a:rPr>
-              <a:t>FormGroups</a:t>
-            </a:r>
-            <a:r>
-              <a:rPr lang="en-US" sz="1600" dirty="0">
-                <a:latin typeface="Courier New" panose="02070309020205020404" pitchFamily="49" charset="0"/>
-                <a:cs typeface="Courier New" panose="02070309020205020404" pitchFamily="49" charset="0"/>
-              </a:rPr>
-              <a:t> {</a:t>
-            </a:r>
-          </a:p>
-          <a:p>
-            <a:pPr marL="457200" lvl="1" indent="0">
-              <a:buNone/>
-            </a:pPr>
-            <a:endParaRPr lang="en-US" sz="1600" dirty="0">
-              <a:latin typeface="Courier New" panose="02070309020205020404" pitchFamily="49" charset="0"/>
-              <a:cs typeface="Courier New" panose="02070309020205020404" pitchFamily="49" charset="0"/>
-            </a:endParaRPr>
-          </a:p>
-          <a:p>
-            <a:pPr marL="457200" lvl="1" indent="0">
-              <a:buNone/>
-            </a:pPr>
-            <a:r>
-              <a:rPr lang="en-US" sz="1600" dirty="0">
-                <a:latin typeface="Courier New" panose="02070309020205020404" pitchFamily="49" charset="0"/>
-                <a:cs typeface="Courier New" panose="02070309020205020404" pitchFamily="49" charset="0"/>
-              </a:rPr>
-              <a:t>public static void main (String </a:t>
-            </a:r>
-            <a:r>
-              <a:rPr lang="en-US" sz="1600" dirty="0" err="1">
-                <a:latin typeface="Courier New" panose="02070309020205020404" pitchFamily="49" charset="0"/>
-                <a:cs typeface="Courier New" panose="02070309020205020404" pitchFamily="49" charset="0"/>
-              </a:rPr>
-              <a:t>args</a:t>
-            </a:r>
-            <a:r>
-              <a:rPr lang="en-US" sz="1600" dirty="0">
-                <a:latin typeface="Courier New" panose="02070309020205020404" pitchFamily="49" charset="0"/>
-                <a:cs typeface="Courier New" panose="02070309020205020404" pitchFamily="49" charset="0"/>
-              </a:rPr>
-              <a:t>[]){</a:t>
-            </a:r>
-          </a:p>
-          <a:p>
-            <a:pPr marL="457200" lvl="1" indent="0">
-              <a:buNone/>
-            </a:pPr>
-            <a:r>
-              <a:rPr lang="en-US" sz="1600" dirty="0">
-                <a:latin typeface="Courier New" panose="02070309020205020404" pitchFamily="49" charset="0"/>
-                <a:cs typeface="Courier New" panose="02070309020205020404" pitchFamily="49" charset="0"/>
-              </a:rPr>
-              <a:t>	Student </a:t>
-            </a:r>
-            <a:r>
-              <a:rPr lang="en-US" sz="1600" dirty="0" err="1">
-                <a:latin typeface="Courier New" panose="02070309020205020404" pitchFamily="49" charset="0"/>
-                <a:cs typeface="Courier New" panose="02070309020205020404" pitchFamily="49" charset="0"/>
-              </a:rPr>
-              <a:t>groupLeader</a:t>
-            </a:r>
-            <a:r>
-              <a:rPr lang="en-US" sz="1600" dirty="0">
-                <a:latin typeface="Courier New" panose="02070309020205020404" pitchFamily="49" charset="0"/>
-                <a:cs typeface="Courier New" panose="02070309020205020404" pitchFamily="49" charset="0"/>
-              </a:rPr>
-              <a:t> = new Student();</a:t>
-            </a:r>
-          </a:p>
-          <a:p>
-            <a:pPr marL="457200" lvl="1" indent="0">
-              <a:buNone/>
-            </a:pPr>
-            <a:endParaRPr lang="en-US" sz="1600" dirty="0">
-              <a:latin typeface="Courier New" panose="02070309020205020404" pitchFamily="49" charset="0"/>
-              <a:cs typeface="Courier New" panose="02070309020205020404" pitchFamily="49" charset="0"/>
-            </a:endParaRPr>
-          </a:p>
-          <a:p>
-            <a:pPr marL="457200" lvl="1" indent="0">
-              <a:buNone/>
-            </a:pPr>
-            <a:r>
-              <a:rPr lang="en-US" sz="1600" dirty="0">
-                <a:latin typeface="Courier New" panose="02070309020205020404" pitchFamily="49" charset="0"/>
-                <a:cs typeface="Courier New" panose="02070309020205020404" pitchFamily="49" charset="0"/>
-              </a:rPr>
+          <a:bodyPr/>
+          <a:lstStyle/>
+          <a:p>
+            <a:pPr marL="0" indent="0">
+              <a:buNone/>
+            </a:pPr>
+            <a:r>
+              <a:rPr lang="en-US" dirty="0"/>
+              <a:t>Pokémon get an effort ribbon if their combined stats exceed a certain value – what’s a good way to get all of a Pokémon's stats?</a:t>
+            </a:r>
+          </a:p>
+          <a:p>
+            <a:pPr marL="0" indent="0">
+              <a:buNone/>
+            </a:pPr>
+            <a:endParaRPr lang="en-US" dirty="0"/>
+          </a:p>
+          <a:p>
+            <a:pPr marL="0" indent="0">
+              <a:buNone/>
+            </a:pPr>
+            <a:r>
+              <a:rPr lang="en-US" dirty="0"/>
               <a:t>	</a:t>
             </a:r>
-            <a:r>
-              <a:rPr lang="en-US" sz="1600" dirty="0" err="1">
-                <a:latin typeface="Courier New" panose="02070309020205020404" pitchFamily="49" charset="0"/>
-                <a:cs typeface="Courier New" panose="02070309020205020404" pitchFamily="49" charset="0"/>
-              </a:rPr>
-              <a:t>groupLeader.setName</a:t>
-            </a:r>
-            <a:r>
-              <a:rPr lang="en-US" sz="1600" dirty="0">
-                <a:latin typeface="Courier New" panose="02070309020205020404" pitchFamily="49" charset="0"/>
-                <a:cs typeface="Courier New" panose="02070309020205020404" pitchFamily="49" charset="0"/>
-              </a:rPr>
-              <a:t>(“Pat”);</a:t>
-            </a:r>
-          </a:p>
-          <a:p>
-            <a:pPr marL="457200" lvl="1" indent="0">
-              <a:buNone/>
-            </a:pPr>
-            <a:endParaRPr lang="en-US" sz="1600" dirty="0">
-              <a:latin typeface="Courier New" panose="02070309020205020404" pitchFamily="49" charset="0"/>
-              <a:cs typeface="Courier New" panose="02070309020205020404" pitchFamily="49" charset="0"/>
-            </a:endParaRPr>
-          </a:p>
-          <a:p>
-            <a:pPr marL="457200" lvl="1" indent="0">
-              <a:buNone/>
-            </a:pPr>
-            <a:r>
-              <a:rPr lang="en-US" sz="1600" dirty="0">
-                <a:latin typeface="Courier New" panose="02070309020205020404" pitchFamily="49" charset="0"/>
-                <a:cs typeface="Courier New" panose="02070309020205020404" pitchFamily="49" charset="0"/>
-              </a:rPr>
-              <a:t>	</a:t>
-            </a:r>
-            <a:r>
-              <a:rPr lang="en-US" sz="1600" dirty="0" err="1">
-                <a:latin typeface="Courier New" panose="02070309020205020404" pitchFamily="49" charset="0"/>
-                <a:cs typeface="Courier New" panose="02070309020205020404" pitchFamily="49" charset="0"/>
-              </a:rPr>
-              <a:t>System.out.println</a:t>
-            </a:r>
-            <a:r>
-              <a:rPr lang="en-US" sz="1600" dirty="0">
-                <a:latin typeface="Courier New" panose="02070309020205020404" pitchFamily="49" charset="0"/>
-                <a:cs typeface="Courier New" panose="02070309020205020404" pitchFamily="49" charset="0"/>
-              </a:rPr>
-              <a:t> (“The group leader is “ + </a:t>
-            </a:r>
-            <a:r>
-              <a:rPr lang="en-US" sz="1600" dirty="0" err="1">
-                <a:latin typeface="Courier New" panose="02070309020205020404" pitchFamily="49" charset="0"/>
-                <a:cs typeface="Courier New" panose="02070309020205020404" pitchFamily="49" charset="0"/>
-              </a:rPr>
-              <a:t>groupLeader.getName</a:t>
-            </a:r>
-            <a:r>
-              <a:rPr lang="en-US" sz="1600" dirty="0">
-                <a:latin typeface="Courier New" panose="02070309020205020404" pitchFamily="49" charset="0"/>
-                <a:cs typeface="Courier New" panose="02070309020205020404" pitchFamily="49" charset="0"/>
-              </a:rPr>
-              <a:t>()); 		</a:t>
-            </a:r>
-          </a:p>
-          <a:p>
-            <a:pPr marL="457200" lvl="1" indent="0">
-              <a:buNone/>
-            </a:pPr>
-            <a:r>
-              <a:rPr lang="en-US" sz="1600" dirty="0">
-                <a:latin typeface="Courier New" panose="02070309020205020404" pitchFamily="49" charset="0"/>
-                <a:cs typeface="Courier New" panose="02070309020205020404" pitchFamily="49" charset="0"/>
-              </a:rPr>
-              <a:t>}</a:t>
-            </a:r>
-          </a:p>
-          <a:p>
-            <a:pPr marL="0" indent="0">
-              <a:buNone/>
-            </a:pPr>
-            <a:r>
-              <a:rPr lang="en-US" sz="1600" dirty="0">
-                <a:latin typeface="Courier New" panose="02070309020205020404" pitchFamily="49" charset="0"/>
-                <a:cs typeface="Courier New" panose="02070309020205020404" pitchFamily="49" charset="0"/>
-              </a:rPr>
-              <a:t>}</a:t>
-            </a:r>
-          </a:p>
-          <a:p>
-            <a:pPr marL="0" indent="0">
-              <a:buNone/>
-            </a:pPr>
-            <a:endParaRPr lang="en-US" sz="1600" dirty="0">
-              <a:latin typeface="Courier New" panose="02070309020205020404" pitchFamily="49" charset="0"/>
-              <a:cs typeface="Courier New" panose="02070309020205020404" pitchFamily="49" charset="0"/>
-            </a:endParaRPr>
-          </a:p>
-          <a:p>
-            <a:pPr marL="0" indent="0">
-              <a:buNone/>
-            </a:pPr>
-            <a:r>
-              <a:rPr lang="en-US" sz="1600" dirty="0">
-                <a:cs typeface="Courier New" panose="02070309020205020404" pitchFamily="49" charset="0"/>
-              </a:rPr>
-              <a:t>Note: </a:t>
-            </a:r>
-          </a:p>
-          <a:p>
-            <a:r>
-              <a:rPr lang="en-US" sz="1600" dirty="0">
-                <a:cs typeface="Courier New" panose="02070309020205020404" pitchFamily="49" charset="0"/>
-              </a:rPr>
-              <a:t>The return expression from </a:t>
-            </a:r>
-            <a:r>
-              <a:rPr lang="en-US" sz="1600" dirty="0" err="1">
-                <a:latin typeface="Courier New" panose="02070309020205020404" pitchFamily="49" charset="0"/>
-                <a:cs typeface="Courier New" panose="02070309020205020404" pitchFamily="49" charset="0"/>
-              </a:rPr>
-              <a:t>groupLeader.getName</a:t>
-            </a:r>
-            <a:r>
-              <a:rPr lang="en-US" sz="1600">
-                <a:latin typeface="Courier New" panose="02070309020205020404" pitchFamily="49" charset="0"/>
-                <a:cs typeface="Courier New" panose="02070309020205020404" pitchFamily="49" charset="0"/>
-              </a:rPr>
-              <a:t>()</a:t>
-            </a:r>
-            <a:r>
-              <a:rPr lang="en-US" sz="1600">
-                <a:cs typeface="Courier New" panose="02070309020205020404" pitchFamily="49" charset="0"/>
-              </a:rPr>
-              <a:t> is a </a:t>
-            </a:r>
-            <a:r>
-              <a:rPr lang="en-US" sz="1600" dirty="0">
-                <a:cs typeface="Courier New" panose="02070309020205020404" pitchFamily="49" charset="0"/>
-              </a:rPr>
-              <a:t>reference to an object.</a:t>
-            </a:r>
-          </a:p>
-          <a:p>
-            <a:r>
-              <a:rPr lang="en-US" sz="1600" dirty="0">
-                <a:cs typeface="Courier New" panose="02070309020205020404" pitchFamily="49" charset="0"/>
-              </a:rPr>
-              <a:t>A copy of that reference is returned, not a copy of the object.</a:t>
+          </a:p>
+          <a:p>
+            <a:pPr marL="0" indent="0">
+              <a:buNone/>
+            </a:pPr>
+            <a:r>
+              <a:rPr lang="en-US" dirty="0"/>
+              <a:t>	What would the method </a:t>
+            </a:r>
+            <a:r>
+              <a:rPr lang="en-US" dirty="0" err="1"/>
+              <a:t>sumStats</a:t>
+            </a:r>
+            <a:r>
+              <a:rPr lang="en-US" dirty="0"/>
+              <a:t> look like?</a:t>
             </a:r>
           </a:p>
         </p:txBody>
@@ -8468,7 +8451,7 @@
     </p:spTree>
     <p:extLst>
       <p:ext uri="{BB962C8B-B14F-4D97-AF65-F5344CB8AC3E}">
-        <p14:creationId xmlns:p14="http://schemas.microsoft.com/office/powerpoint/2010/main" val="1177665373"/>
+        <p14:creationId xmlns:p14="http://schemas.microsoft.com/office/powerpoint/2010/main" val="660450313"/>
       </p:ext>
     </p:extLst>
   </p:cSld>
@@ -8511,65 +8494,120 @@
           <a:lstStyle/>
           <a:p>
             <a:r>
-              <a:rPr lang="en-US" dirty="0"/>
-              <a:t>Methods: Pokémon</a:t>
-            </a:r>
-          </a:p>
-        </p:txBody>
-      </p:sp>
-      <p:sp>
-        <p:nvSpPr>
-          <p:cNvPr id="3" name="Content Placeholder 2"/>
-          <p:cNvSpPr>
-            <a:spLocks noGrp="1"/>
-          </p:cNvSpPr>
-          <p:nvPr>
-            <p:ph idx="1"/>
-          </p:nvPr>
-        </p:nvSpPr>
-        <p:spPr/>
-        <p:txBody>
-          <a:bodyPr/>
-          <a:lstStyle/>
-          <a:p>
-            <a:pPr marL="0" indent="0">
-              <a:buNone/>
-            </a:pPr>
-            <a:r>
-              <a:rPr lang="en-US" dirty="0"/>
-              <a:t>Pokémon get an effort ribbon if their combined stats exceed a certain value – what’s a good way to get all of a Pokémon's stats?</a:t>
-            </a:r>
-          </a:p>
-          <a:p>
-            <a:pPr marL="0" indent="0">
-              <a:buNone/>
-            </a:pPr>
-            <a:endParaRPr lang="en-US" dirty="0"/>
-          </a:p>
-          <a:p>
-            <a:pPr marL="0" indent="0">
-              <a:buNone/>
-            </a:pPr>
-            <a:r>
-              <a:rPr lang="en-US" dirty="0"/>
-              <a:t>	</a:t>
-            </a:r>
-          </a:p>
-          <a:p>
-            <a:pPr marL="0" indent="0">
-              <a:buNone/>
-            </a:pPr>
-            <a:r>
-              <a:rPr lang="en-US" dirty="0"/>
-              <a:t>	What would the method </a:t>
-            </a:r>
-            <a:r>
               <a:rPr lang="en-US" dirty="0" err="1"/>
               <a:t>sumStats</a:t>
             </a:r>
             <a:r>
               <a:rPr lang="en-US" dirty="0"/>
-              <a:t> look like?</a:t>
+              <a:t>:</a:t>
+            </a:r>
+          </a:p>
+        </p:txBody>
+      </p:sp>
+      <p:sp>
+        <p:nvSpPr>
+          <p:cNvPr id="3" name="Content Placeholder 2"/>
+          <p:cNvSpPr>
+            <a:spLocks noGrp="1"/>
+          </p:cNvSpPr>
+          <p:nvPr>
+            <p:ph idx="1"/>
+          </p:nvPr>
+        </p:nvSpPr>
+        <p:spPr/>
+        <p:txBody>
+          <a:bodyPr/>
+          <a:lstStyle/>
+          <a:p>
+            <a:pPr marL="0" indent="0">
+              <a:buNone/>
+            </a:pPr>
+            <a:r>
+              <a:rPr lang="en-US" dirty="0">
+                <a:latin typeface="Courier New" panose="02070309020205020404" pitchFamily="49" charset="0"/>
+                <a:cs typeface="Courier New" panose="02070309020205020404" pitchFamily="49" charset="0"/>
+              </a:rPr>
+              <a:t>public </a:t>
+            </a:r>
+            <a:r>
+              <a:rPr lang="en-US" dirty="0" err="1">
+                <a:latin typeface="Courier New" panose="02070309020205020404" pitchFamily="49" charset="0"/>
+                <a:cs typeface="Courier New" panose="02070309020205020404" pitchFamily="49" charset="0"/>
+              </a:rPr>
+              <a:t>int</a:t>
+            </a:r>
+            <a:r>
+              <a:rPr lang="en-US" dirty="0">
+                <a:latin typeface="Courier New" panose="02070309020205020404" pitchFamily="49" charset="0"/>
+                <a:cs typeface="Courier New" panose="02070309020205020404" pitchFamily="49" charset="0"/>
+              </a:rPr>
+              <a:t> </a:t>
+            </a:r>
+            <a:r>
+              <a:rPr lang="en-US" dirty="0" err="1">
+                <a:latin typeface="Courier New" panose="02070309020205020404" pitchFamily="49" charset="0"/>
+                <a:cs typeface="Courier New" panose="02070309020205020404" pitchFamily="49" charset="0"/>
+              </a:rPr>
+              <a:t>sumStats</a:t>
+            </a:r>
+            <a:r>
+              <a:rPr lang="en-US" dirty="0">
+                <a:latin typeface="Courier New" panose="02070309020205020404" pitchFamily="49" charset="0"/>
+                <a:cs typeface="Courier New" panose="02070309020205020404" pitchFamily="49" charset="0"/>
+              </a:rPr>
+              <a:t>() {</a:t>
+            </a:r>
+          </a:p>
+          <a:p>
+            <a:pPr marL="0" indent="0">
+              <a:buNone/>
+            </a:pPr>
+            <a:r>
+              <a:rPr lang="en-US" dirty="0">
+                <a:latin typeface="Courier New" panose="02070309020205020404" pitchFamily="49" charset="0"/>
+                <a:cs typeface="Courier New" panose="02070309020205020404" pitchFamily="49" charset="0"/>
+              </a:rPr>
+              <a:t>	return(HP + attack + defense + </a:t>
+            </a:r>
+            <a:r>
+              <a:rPr lang="en-US" dirty="0" err="1">
+                <a:latin typeface="Courier New" panose="02070309020205020404" pitchFamily="49" charset="0"/>
+                <a:cs typeface="Courier New" panose="02070309020205020404" pitchFamily="49" charset="0"/>
+              </a:rPr>
+              <a:t>specialAttack</a:t>
+            </a:r>
+            <a:r>
+              <a:rPr lang="en-US" dirty="0">
+                <a:latin typeface="Courier New" panose="02070309020205020404" pitchFamily="49" charset="0"/>
+                <a:cs typeface="Courier New" panose="02070309020205020404" pitchFamily="49" charset="0"/>
+              </a:rPr>
+              <a:t> 		+ </a:t>
+            </a:r>
+            <a:r>
+              <a:rPr lang="en-US" dirty="0" err="1">
+                <a:latin typeface="Courier New" panose="02070309020205020404" pitchFamily="49" charset="0"/>
+                <a:cs typeface="Courier New" panose="02070309020205020404" pitchFamily="49" charset="0"/>
+              </a:rPr>
+              <a:t>specialDefense</a:t>
+            </a:r>
+            <a:r>
+              <a:rPr lang="en-US" dirty="0">
+                <a:latin typeface="Courier New" panose="02070309020205020404" pitchFamily="49" charset="0"/>
+                <a:cs typeface="Courier New" panose="02070309020205020404" pitchFamily="49" charset="0"/>
+              </a:rPr>
+              <a:t> + speed);</a:t>
+            </a:r>
+          </a:p>
+          <a:p>
+            <a:pPr marL="0" indent="0">
+              <a:buNone/>
+            </a:pPr>
+            <a:r>
+              <a:rPr lang="en-US" dirty="0">
+                <a:latin typeface="Courier New" panose="02070309020205020404" pitchFamily="49" charset="0"/>
+                <a:cs typeface="Courier New" panose="02070309020205020404" pitchFamily="49" charset="0"/>
+              </a:rPr>
+              <a:t>}</a:t>
             </a:r>
           </a:p>
         </p:txBody>
@@ -8577,7 +8615,7 @@
     </p:spTree>
     <p:extLst>
       <p:ext uri="{BB962C8B-B14F-4D97-AF65-F5344CB8AC3E}">
-        <p14:creationId xmlns:p14="http://schemas.microsoft.com/office/powerpoint/2010/main" val="660450313"/>
+        <p14:creationId xmlns:p14="http://schemas.microsoft.com/office/powerpoint/2010/main" val="2988899252"/>
       </p:ext>
     </p:extLst>
   </p:cSld>
@@ -8620,13 +8658,14 @@
           <a:lstStyle/>
           <a:p>
             <a:r>
+              <a:rPr lang="en-US" dirty="0"/>
+              <a:t>Methods: </a:t>
+            </a:r>
+            <a:r>
               <a:rPr lang="en-US" dirty="0" err="1"/>
-              <a:t>sumStats</a:t>
-            </a:r>
-            <a:r>
-              <a:rPr lang="en-US" dirty="0"/>
-              <a:t>:</a:t>
-            </a:r>
+              <a:t>Pokemon</a:t>
+            </a:r>
+            <a:endParaRPr lang="en-US" dirty="0"/>
           </a:p>
         </p:txBody>
       </p:sp>
@@ -8649,99 +8688,93 @@
               <a:buNone/>
             </a:pPr>
             <a:r>
-              <a:rPr lang="en-US" dirty="0">
-                <a:latin typeface="Courier New" panose="02070309020205020404" pitchFamily="49" charset="0"/>
-                <a:cs typeface="Courier New" panose="02070309020205020404" pitchFamily="49" charset="0"/>
-              </a:rPr>
-              <a:t>public </a:t>
-            </a:r>
-            <a:r>
-              <a:rPr lang="en-US" dirty="0" err="1">
-                <a:latin typeface="Courier New" panose="02070309020205020404" pitchFamily="49" charset="0"/>
-                <a:cs typeface="Courier New" panose="02070309020205020404" pitchFamily="49" charset="0"/>
-              </a:rPr>
-              <a:t>int</a:t>
-            </a:r>
-            <a:r>
-              <a:rPr lang="en-US" dirty="0">
-                <a:latin typeface="Courier New" panose="02070309020205020404" pitchFamily="49" charset="0"/>
-                <a:cs typeface="Courier New" panose="02070309020205020404" pitchFamily="49" charset="0"/>
-              </a:rPr>
-              <a:t> </a:t>
-            </a:r>
-            <a:r>
-              <a:rPr lang="en-US" dirty="0" err="1">
-                <a:latin typeface="Courier New" panose="02070309020205020404" pitchFamily="49" charset="0"/>
-                <a:cs typeface="Courier New" panose="02070309020205020404" pitchFamily="49" charset="0"/>
-              </a:rPr>
-              <a:t>sumStats</a:t>
-            </a:r>
-            <a:r>
-              <a:rPr lang="en-US" dirty="0">
-                <a:latin typeface="Courier New" panose="02070309020205020404" pitchFamily="49" charset="0"/>
-                <a:cs typeface="Courier New" panose="02070309020205020404" pitchFamily="49" charset="0"/>
-              </a:rPr>
-              <a:t>() {</a:t>
-            </a:r>
-          </a:p>
-          <a:p>
-            <a:pPr marL="0" indent="0">
-              <a:buNone/>
-            </a:pPr>
-            <a:r>
-              <a:rPr lang="en-US" dirty="0">
-                <a:latin typeface="Courier New" panose="02070309020205020404" pitchFamily="49" charset="0"/>
-                <a:cs typeface="Courier New" panose="02070309020205020404" pitchFamily="49" charset="0"/>
-              </a:rPr>
-              <a:t>	return(HP + attack + defense + </a:t>
-            </a:r>
-            <a:r>
-              <a:rPr lang="en-US" dirty="0" err="1">
-                <a:latin typeface="Courier New" panose="02070309020205020404" pitchFamily="49" charset="0"/>
-                <a:cs typeface="Courier New" panose="02070309020205020404" pitchFamily="49" charset="0"/>
-              </a:rPr>
-              <a:t>specialAttack</a:t>
-            </a:r>
-            <a:r>
-              <a:rPr lang="en-US" dirty="0">
-                <a:latin typeface="Courier New" panose="02070309020205020404" pitchFamily="49" charset="0"/>
-                <a:cs typeface="Courier New" panose="02070309020205020404" pitchFamily="49" charset="0"/>
-              </a:rPr>
-              <a:t> 		+ </a:t>
-            </a:r>
-            <a:r>
-              <a:rPr lang="en-US" dirty="0" err="1">
-                <a:latin typeface="Courier New" panose="02070309020205020404" pitchFamily="49" charset="0"/>
-                <a:cs typeface="Courier New" panose="02070309020205020404" pitchFamily="49" charset="0"/>
-              </a:rPr>
-              <a:t>specialDefense</a:t>
-            </a:r>
-            <a:r>
-              <a:rPr lang="en-US" dirty="0">
-                <a:latin typeface="Courier New" panose="02070309020205020404" pitchFamily="49" charset="0"/>
-                <a:cs typeface="Courier New" panose="02070309020205020404" pitchFamily="49" charset="0"/>
-              </a:rPr>
-              <a:t> + speed);</a:t>
-            </a:r>
-          </a:p>
-          <a:p>
-            <a:pPr marL="0" indent="0">
-              <a:buNone/>
-            </a:pPr>
-            <a:r>
-              <a:rPr lang="en-US" dirty="0">
-                <a:latin typeface="Courier New" panose="02070309020205020404" pitchFamily="49" charset="0"/>
-                <a:cs typeface="Courier New" panose="02070309020205020404" pitchFamily="49" charset="0"/>
-              </a:rPr>
-              <a:t>}</a:t>
-            </a:r>
+              <a:rPr lang="en-US" dirty="0" err="1"/>
+              <a:t>Pokemon</a:t>
+            </a:r>
+            <a:r>
+              <a:rPr lang="en-US" dirty="0"/>
+              <a:t> use vitamins to boost their stats. Here are some examples:</a:t>
+            </a:r>
+          </a:p>
+          <a:p>
+            <a:pPr marL="0" indent="0">
+              <a:buNone/>
+            </a:pPr>
+            <a:endParaRPr lang="en-US" dirty="0"/>
+          </a:p>
+          <a:p>
+            <a:pPr marL="0" indent="0">
+              <a:buNone/>
+            </a:pPr>
+            <a:r>
+              <a:rPr lang="en-US" dirty="0"/>
+              <a:t>Vitamin		Function</a:t>
+            </a:r>
+          </a:p>
+          <a:p>
+            <a:pPr marL="0" indent="0">
+              <a:buNone/>
+            </a:pPr>
+            <a:r>
+              <a:rPr lang="en-US" dirty="0" err="1"/>
+              <a:t>hpUp</a:t>
+            </a:r>
+            <a:r>
+              <a:rPr lang="en-US" dirty="0"/>
+              <a:t> 			+ points to HP</a:t>
+            </a:r>
+          </a:p>
+          <a:p>
+            <a:pPr marL="0" indent="0">
+              <a:buNone/>
+            </a:pPr>
+            <a:r>
+              <a:rPr lang="en-US" dirty="0"/>
+              <a:t>protein		+ points to attack</a:t>
+            </a:r>
+          </a:p>
+          <a:p>
+            <a:pPr marL="0" indent="0">
+              <a:buNone/>
+            </a:pPr>
+            <a:r>
+              <a:rPr lang="en-US" dirty="0"/>
+              <a:t>iron			+ points to defense</a:t>
+            </a:r>
+            <a:br>
+              <a:rPr lang="en-US" dirty="0"/>
+            </a:br>
+            <a:endParaRPr lang="en-US" dirty="0"/>
+          </a:p>
+          <a:p>
+            <a:pPr marL="0" indent="0">
+              <a:buNone/>
+            </a:pPr>
+            <a:r>
+              <a:rPr lang="en-US" dirty="0"/>
+              <a:t>Now write a method, </a:t>
+            </a:r>
+            <a:r>
+              <a:rPr lang="en-US" dirty="0" err="1"/>
+              <a:t>consumeVitamin</a:t>
+            </a:r>
+            <a:r>
+              <a:rPr lang="en-US" dirty="0"/>
+              <a:t>, that actually changes the state.</a:t>
+            </a:r>
+          </a:p>
+          <a:p>
+            <a:pPr marL="0" indent="0">
+              <a:buNone/>
+            </a:pPr>
+            <a:endParaRPr lang="en-US" dirty="0"/>
           </a:p>
         </p:txBody>
       </p:sp>
     </p:spTree>
     <p:extLst>
       <p:ext uri="{BB962C8B-B14F-4D97-AF65-F5344CB8AC3E}">
-        <p14:creationId xmlns:p14="http://schemas.microsoft.com/office/powerpoint/2010/main" val="2988899252"/>
+        <p14:creationId xmlns:p14="http://schemas.microsoft.com/office/powerpoint/2010/main" val="3888733780"/>
       </p:ext>
     </p:extLst>
   </p:cSld>
@@ -8784,123 +8817,179 @@
           <a:lstStyle/>
           <a:p>
             <a:r>
-              <a:rPr lang="en-US" dirty="0"/>
-              <a:t>Methods: </a:t>
-            </a:r>
-            <a:r>
-              <a:rPr lang="en-US" dirty="0" err="1"/>
-              <a:t>Pokemon</a:t>
-            </a:r>
-            <a:endParaRPr lang="en-US" dirty="0"/>
-          </a:p>
-        </p:txBody>
-      </p:sp>
-      <p:sp>
-        <p:nvSpPr>
-          <p:cNvPr id="3" name="Content Placeholder 2"/>
-          <p:cNvSpPr>
-            <a:spLocks noGrp="1"/>
-          </p:cNvSpPr>
-          <p:nvPr>
-            <p:ph idx="1"/>
-          </p:nvPr>
-        </p:nvSpPr>
-        <p:spPr/>
-        <p:txBody>
-          <a:bodyPr/>
-          <a:lstStyle/>
-          <a:p>
-            <a:pPr marL="0" indent="0">
-              <a:buNone/>
-            </a:pPr>
-            <a:r>
-              <a:rPr lang="en-US" dirty="0" err="1"/>
-              <a:t>Pokemon</a:t>
-            </a:r>
-            <a:r>
-              <a:rPr lang="en-US" dirty="0"/>
-              <a:t> use vitamins to boost their stats. Here are some examples:</a:t>
-            </a:r>
-          </a:p>
-          <a:p>
-            <a:pPr marL="0" indent="0">
-              <a:buNone/>
-            </a:pPr>
-            <a:endParaRPr lang="en-US" dirty="0"/>
-          </a:p>
-          <a:p>
-            <a:pPr marL="0" indent="0">
-              <a:buNone/>
-            </a:pPr>
-            <a:r>
-              <a:rPr lang="en-US" dirty="0"/>
-              <a:t>Vitamin		Function</a:t>
-            </a:r>
-          </a:p>
-          <a:p>
-            <a:pPr marL="0" indent="0">
-              <a:buNone/>
-            </a:pPr>
-            <a:r>
-              <a:rPr lang="en-US" dirty="0" err="1"/>
-              <a:t>hpUp</a:t>
-            </a:r>
-            <a:r>
-              <a:rPr lang="en-US" dirty="0"/>
-              <a:t> 			+ points to HP</a:t>
-            </a:r>
-          </a:p>
-          <a:p>
-            <a:pPr marL="0" indent="0">
-              <a:buNone/>
-            </a:pPr>
-            <a:r>
-              <a:rPr lang="en-US" dirty="0"/>
-              <a:t>protein		+ points to attack</a:t>
-            </a:r>
-          </a:p>
-          <a:p>
-            <a:pPr marL="0" indent="0">
-              <a:buNone/>
-            </a:pPr>
-            <a:r>
-              <a:rPr lang="en-US" dirty="0"/>
-              <a:t>iron			+ points to defense</a:t>
-            </a:r>
-            <a:br>
-              <a:rPr lang="en-US" dirty="0"/>
-            </a:br>
-            <a:endParaRPr lang="en-US" dirty="0"/>
-          </a:p>
-          <a:p>
-            <a:pPr marL="0" indent="0">
-              <a:buNone/>
-            </a:pPr>
-            <a:r>
-              <a:rPr lang="en-US" dirty="0"/>
-              <a:t>Now write a method, </a:t>
-            </a:r>
-            <a:r>
               <a:rPr lang="en-US" dirty="0" err="1"/>
               <a:t>consumeVitamin</a:t>
             </a:r>
-            <a:r>
-              <a:rPr lang="en-US" dirty="0"/>
-              <a:t>, that actually changes the state.</a:t>
-            </a:r>
-          </a:p>
-          <a:p>
-            <a:pPr marL="0" indent="0">
-              <a:buNone/>
-            </a:pPr>
             <a:endParaRPr lang="en-US" dirty="0"/>
+          </a:p>
+        </p:txBody>
+      </p:sp>
+      <p:sp>
+        <p:nvSpPr>
+          <p:cNvPr id="3" name="Content Placeholder 2"/>
+          <p:cNvSpPr>
+            <a:spLocks noGrp="1"/>
+          </p:cNvSpPr>
+          <p:nvPr>
+            <p:ph idx="1"/>
+          </p:nvPr>
+        </p:nvSpPr>
+        <p:spPr/>
+        <p:txBody>
+          <a:bodyPr>
+            <a:normAutofit/>
+          </a:bodyPr>
+          <a:lstStyle/>
+          <a:p>
+            <a:pPr marL="0" indent="0">
+              <a:buNone/>
+            </a:pPr>
+            <a:r>
+              <a:rPr lang="en-US" sz="2400" dirty="0">
+                <a:latin typeface="Courier New" panose="02070309020205020404" pitchFamily="49" charset="0"/>
+                <a:cs typeface="Courier New" panose="02070309020205020404" pitchFamily="49" charset="0"/>
+              </a:rPr>
+              <a:t>public void </a:t>
+            </a:r>
+            <a:r>
+              <a:rPr lang="en-US" sz="2400" dirty="0" err="1">
+                <a:latin typeface="Courier New" panose="02070309020205020404" pitchFamily="49" charset="0"/>
+                <a:cs typeface="Courier New" panose="02070309020205020404" pitchFamily="49" charset="0"/>
+              </a:rPr>
+              <a:t>consumeVitamin</a:t>
+            </a:r>
+            <a:r>
+              <a:rPr lang="en-US" sz="2400" dirty="0">
+                <a:latin typeface="Courier New" panose="02070309020205020404" pitchFamily="49" charset="0"/>
+                <a:cs typeface="Courier New" panose="02070309020205020404" pitchFamily="49" charset="0"/>
+              </a:rPr>
+              <a:t>( </a:t>
+            </a:r>
+            <a:r>
+              <a:rPr lang="en-US" sz="2400" dirty="0" err="1">
+                <a:latin typeface="Courier New" panose="02070309020205020404" pitchFamily="49" charset="0"/>
+                <a:cs typeface="Courier New" panose="02070309020205020404" pitchFamily="49" charset="0"/>
+              </a:rPr>
+              <a:t>int</a:t>
+            </a:r>
+            <a:r>
+              <a:rPr lang="en-US" sz="2400" dirty="0">
+                <a:latin typeface="Courier New" panose="02070309020205020404" pitchFamily="49" charset="0"/>
+                <a:cs typeface="Courier New" panose="02070309020205020404" pitchFamily="49" charset="0"/>
+              </a:rPr>
+              <a:t> </a:t>
+            </a:r>
+            <a:r>
+              <a:rPr lang="en-US" sz="2400" dirty="0" err="1">
+                <a:latin typeface="Courier New" panose="02070309020205020404" pitchFamily="49" charset="0"/>
+                <a:cs typeface="Courier New" panose="02070309020205020404" pitchFamily="49" charset="0"/>
+              </a:rPr>
+              <a:t>hpUp</a:t>
+            </a:r>
+            <a:r>
+              <a:rPr lang="en-US" sz="2400" dirty="0">
+                <a:latin typeface="Courier New" panose="02070309020205020404" pitchFamily="49" charset="0"/>
+                <a:cs typeface="Courier New" panose="02070309020205020404" pitchFamily="49" charset="0"/>
+              </a:rPr>
+              <a:t>, </a:t>
+            </a:r>
+            <a:r>
+              <a:rPr lang="en-US" sz="2400" dirty="0" err="1">
+                <a:latin typeface="Courier New" panose="02070309020205020404" pitchFamily="49" charset="0"/>
+                <a:cs typeface="Courier New" panose="02070309020205020404" pitchFamily="49" charset="0"/>
+              </a:rPr>
+              <a:t>int</a:t>
+            </a:r>
+            <a:r>
+              <a:rPr lang="en-US" sz="2400" dirty="0">
+                <a:latin typeface="Courier New" panose="02070309020205020404" pitchFamily="49" charset="0"/>
+                <a:cs typeface="Courier New" panose="02070309020205020404" pitchFamily="49" charset="0"/>
+              </a:rPr>
+              <a:t> protein …) {</a:t>
+            </a:r>
+          </a:p>
+          <a:p>
+            <a:pPr marL="0" indent="0">
+              <a:buNone/>
+            </a:pPr>
+            <a:r>
+              <a:rPr lang="en-US" sz="2400" dirty="0">
+                <a:latin typeface="Courier New" panose="02070309020205020404" pitchFamily="49" charset="0"/>
+                <a:cs typeface="Courier New" panose="02070309020205020404" pitchFamily="49" charset="0"/>
+              </a:rPr>
+              <a:t>	</a:t>
+            </a:r>
+            <a:r>
+              <a:rPr lang="en-US" sz="2400" dirty="0" err="1">
+                <a:latin typeface="Courier New" panose="02070309020205020404" pitchFamily="49" charset="0"/>
+                <a:cs typeface="Courier New" panose="02070309020205020404" pitchFamily="49" charset="0"/>
+              </a:rPr>
+              <a:t>hp</a:t>
+            </a:r>
+            <a:r>
+              <a:rPr lang="en-US" sz="2400" dirty="0">
+                <a:latin typeface="Courier New" panose="02070309020205020404" pitchFamily="49" charset="0"/>
+                <a:cs typeface="Courier New" panose="02070309020205020404" pitchFamily="49" charset="0"/>
+              </a:rPr>
+              <a:t> += </a:t>
+            </a:r>
+            <a:r>
+              <a:rPr lang="en-US" sz="2400" dirty="0" err="1">
+                <a:latin typeface="Courier New" panose="02070309020205020404" pitchFamily="49" charset="0"/>
+                <a:cs typeface="Courier New" panose="02070309020205020404" pitchFamily="49" charset="0"/>
+              </a:rPr>
+              <a:t>hpUp</a:t>
+            </a:r>
+            <a:r>
+              <a:rPr lang="en-US" sz="2400" dirty="0">
+                <a:latin typeface="Courier New" panose="02070309020205020404" pitchFamily="49" charset="0"/>
+                <a:cs typeface="Courier New" panose="02070309020205020404" pitchFamily="49" charset="0"/>
+              </a:rPr>
+              <a:t>;</a:t>
+            </a:r>
+          </a:p>
+          <a:p>
+            <a:pPr marL="0" indent="0">
+              <a:buNone/>
+            </a:pPr>
+            <a:r>
+              <a:rPr lang="en-US" sz="2400" dirty="0">
+                <a:latin typeface="Courier New" panose="02070309020205020404" pitchFamily="49" charset="0"/>
+                <a:cs typeface="Courier New" panose="02070309020205020404" pitchFamily="49" charset="0"/>
+              </a:rPr>
+              <a:t>	attack += protein;</a:t>
+            </a:r>
+          </a:p>
+          <a:p>
+            <a:pPr marL="0" indent="0">
+              <a:buNone/>
+            </a:pPr>
+            <a:r>
+              <a:rPr lang="en-US" sz="2400" dirty="0">
+                <a:latin typeface="Courier New" panose="02070309020205020404" pitchFamily="49" charset="0"/>
+                <a:cs typeface="Courier New" panose="02070309020205020404" pitchFamily="49" charset="0"/>
+              </a:rPr>
+              <a:t>	…</a:t>
+            </a:r>
+          </a:p>
+          <a:p>
+            <a:pPr marL="0" indent="0">
+              <a:buNone/>
+            </a:pPr>
+            <a:r>
+              <a:rPr lang="en-US" sz="2400" dirty="0">
+                <a:latin typeface="Courier New" panose="02070309020205020404" pitchFamily="49" charset="0"/>
+                <a:cs typeface="Courier New" panose="02070309020205020404" pitchFamily="49" charset="0"/>
+              </a:rPr>
+              <a:t>}</a:t>
+            </a:r>
           </a:p>
         </p:txBody>
       </p:sp>
     </p:spTree>
     <p:extLst>
       <p:ext uri="{BB962C8B-B14F-4D97-AF65-F5344CB8AC3E}">
-        <p14:creationId xmlns:p14="http://schemas.microsoft.com/office/powerpoint/2010/main" val="3888733780"/>
+        <p14:creationId xmlns:p14="http://schemas.microsoft.com/office/powerpoint/2010/main" val="2002235189"/>
       </p:ext>
     </p:extLst>
   </p:cSld>
@@ -8943,131 +9032,255 @@
           <a:lstStyle/>
           <a:p>
             <a:r>
-              <a:rPr lang="en-US" dirty="0" err="1"/>
-              <a:t>consumeVitamin</a:t>
-            </a:r>
+              <a:rPr lang="en-US" dirty="0"/>
+              <a:t>Constructors</a:t>
+            </a:r>
+          </a:p>
+        </p:txBody>
+      </p:sp>
+      <p:sp>
+        <p:nvSpPr>
+          <p:cNvPr id="3" name="Content Placeholder 2"/>
+          <p:cNvSpPr>
+            <a:spLocks noGrp="1"/>
+          </p:cNvSpPr>
+          <p:nvPr>
+            <p:ph idx="1"/>
+          </p:nvPr>
+        </p:nvSpPr>
+        <p:spPr/>
+        <p:txBody>
+          <a:bodyPr>
+            <a:normAutofit fontScale="77500" lnSpcReduction="20000"/>
+          </a:bodyPr>
+          <a:lstStyle/>
+          <a:p>
+            <a:pPr marL="0" indent="0">
+              <a:buNone/>
+            </a:pPr>
+            <a:r>
+              <a:rPr lang="en-US" dirty="0"/>
+              <a:t>We need to initialize our values of each instance of the Pokémon class.</a:t>
+            </a:r>
+          </a:p>
+          <a:p>
+            <a:pPr marL="0" indent="0">
+              <a:buNone/>
+            </a:pPr>
+            <a:r>
+              <a:rPr lang="en-US" dirty="0"/>
+              <a:t>This is done in the constructor:</a:t>
+            </a:r>
+          </a:p>
+          <a:p>
+            <a:pPr marL="0" indent="0">
+              <a:buNone/>
+            </a:pPr>
             <a:endParaRPr lang="en-US" dirty="0"/>
           </a:p>
-        </p:txBody>
-      </p:sp>
-      <p:sp>
-        <p:nvSpPr>
-          <p:cNvPr id="3" name="Content Placeholder 2"/>
-          <p:cNvSpPr>
-            <a:spLocks noGrp="1"/>
-          </p:cNvSpPr>
-          <p:nvPr>
-            <p:ph idx="1"/>
-          </p:nvPr>
-        </p:nvSpPr>
-        <p:spPr/>
-        <p:txBody>
-          <a:bodyPr>
-            <a:normAutofit/>
-          </a:bodyPr>
-          <a:lstStyle/>
-          <a:p>
-            <a:pPr marL="0" indent="0">
-              <a:buNone/>
-            </a:pPr>
-            <a:r>
-              <a:rPr lang="en-US" sz="2400" dirty="0">
-                <a:latin typeface="Courier New" panose="02070309020205020404" pitchFamily="49" charset="0"/>
-                <a:cs typeface="Courier New" panose="02070309020205020404" pitchFamily="49" charset="0"/>
-              </a:rPr>
-              <a:t>public void </a:t>
-            </a:r>
-            <a:r>
-              <a:rPr lang="en-US" sz="2400" dirty="0" err="1">
-                <a:latin typeface="Courier New" panose="02070309020205020404" pitchFamily="49" charset="0"/>
-                <a:cs typeface="Courier New" panose="02070309020205020404" pitchFamily="49" charset="0"/>
-              </a:rPr>
-              <a:t>consumeVitamin</a:t>
-            </a:r>
-            <a:r>
-              <a:rPr lang="en-US" sz="2400" dirty="0">
-                <a:latin typeface="Courier New" panose="02070309020205020404" pitchFamily="49" charset="0"/>
-                <a:cs typeface="Courier New" panose="02070309020205020404" pitchFamily="49" charset="0"/>
-              </a:rPr>
-              <a:t>( </a:t>
-            </a:r>
-            <a:r>
-              <a:rPr lang="en-US" sz="2400" dirty="0" err="1">
+          <a:p>
+            <a:pPr marL="0" indent="0">
+              <a:buNone/>
+            </a:pPr>
+            <a:r>
+              <a:rPr lang="en-US" dirty="0">
+                <a:latin typeface="Courier New" panose="02070309020205020404" pitchFamily="49" charset="0"/>
+                <a:cs typeface="Courier New" panose="02070309020205020404" pitchFamily="49" charset="0"/>
+              </a:rPr>
+              <a:t>public class </a:t>
+            </a:r>
+            <a:r>
+              <a:rPr lang="en-US" dirty="0" err="1">
+                <a:latin typeface="Courier New" panose="02070309020205020404" pitchFamily="49" charset="0"/>
+                <a:cs typeface="Courier New" panose="02070309020205020404" pitchFamily="49" charset="0"/>
+              </a:rPr>
+              <a:t>Pokemon</a:t>
+            </a:r>
+            <a:r>
+              <a:rPr lang="en-US" dirty="0">
+                <a:latin typeface="Courier New" panose="02070309020205020404" pitchFamily="49" charset="0"/>
+                <a:cs typeface="Courier New" panose="02070309020205020404" pitchFamily="49" charset="0"/>
+              </a:rPr>
+              <a:t> {</a:t>
+            </a:r>
+          </a:p>
+          <a:p>
+            <a:pPr marL="0" indent="0">
+              <a:buNone/>
+            </a:pPr>
+            <a:r>
+              <a:rPr lang="en-US" dirty="0">
+                <a:latin typeface="Courier New" panose="02070309020205020404" pitchFamily="49" charset="0"/>
+                <a:cs typeface="Courier New" panose="02070309020205020404" pitchFamily="49" charset="0"/>
+              </a:rPr>
+              <a:t>	</a:t>
+            </a:r>
+            <a:r>
+              <a:rPr lang="en-US" dirty="0" err="1">
                 <a:latin typeface="Courier New" panose="02070309020205020404" pitchFamily="49" charset="0"/>
                 <a:cs typeface="Courier New" panose="02070309020205020404" pitchFamily="49" charset="0"/>
               </a:rPr>
               <a:t>int</a:t>
             </a:r>
             <a:r>
-              <a:rPr lang="en-US" sz="2400" dirty="0">
+              <a:rPr lang="en-US" dirty="0">
                 <a:latin typeface="Courier New" panose="02070309020205020404" pitchFamily="49" charset="0"/>
                 <a:cs typeface="Courier New" panose="02070309020205020404" pitchFamily="49" charset="0"/>
               </a:rPr>
               <a:t> </a:t>
             </a:r>
             <a:r>
-              <a:rPr lang="en-US" sz="2400" dirty="0" err="1">
-                <a:latin typeface="Courier New" panose="02070309020205020404" pitchFamily="49" charset="0"/>
-                <a:cs typeface="Courier New" panose="02070309020205020404" pitchFamily="49" charset="0"/>
-              </a:rPr>
-              <a:t>hpUp</a:t>
-            </a:r>
-            <a:r>
-              <a:rPr lang="en-US" sz="2400" dirty="0">
+              <a:rPr lang="en-US" dirty="0" err="1">
+                <a:latin typeface="Courier New" panose="02070309020205020404" pitchFamily="49" charset="0"/>
+                <a:cs typeface="Courier New" panose="02070309020205020404" pitchFamily="49" charset="0"/>
+              </a:rPr>
+              <a:t>hp</a:t>
+            </a:r>
+            <a:r>
+              <a:rPr lang="en-US" dirty="0">
+                <a:latin typeface="Courier New" panose="02070309020205020404" pitchFamily="49" charset="0"/>
+                <a:cs typeface="Courier New" panose="02070309020205020404" pitchFamily="49" charset="0"/>
+              </a:rPr>
+              <a:t>;</a:t>
+            </a:r>
+          </a:p>
+          <a:p>
+            <a:pPr marL="0" indent="0">
+              <a:buNone/>
+            </a:pPr>
+            <a:r>
+              <a:rPr lang="en-US" dirty="0">
+                <a:latin typeface="Courier New" panose="02070309020205020404" pitchFamily="49" charset="0"/>
+                <a:cs typeface="Courier New" panose="02070309020205020404" pitchFamily="49" charset="0"/>
+              </a:rPr>
+              <a:t>	</a:t>
+            </a:r>
+            <a:r>
+              <a:rPr lang="en-US" dirty="0" err="1">
+                <a:latin typeface="Courier New" panose="02070309020205020404" pitchFamily="49" charset="0"/>
+                <a:cs typeface="Courier New" panose="02070309020205020404" pitchFamily="49" charset="0"/>
+              </a:rPr>
+              <a:t>int</a:t>
+            </a:r>
+            <a:r>
+              <a:rPr lang="en-US" dirty="0">
+                <a:latin typeface="Courier New" panose="02070309020205020404" pitchFamily="49" charset="0"/>
+                <a:cs typeface="Courier New" panose="02070309020205020404" pitchFamily="49" charset="0"/>
+              </a:rPr>
+              <a:t> attack;</a:t>
+            </a:r>
+          </a:p>
+          <a:p>
+            <a:pPr marL="0" indent="0">
+              <a:buNone/>
+            </a:pPr>
+            <a:endParaRPr lang="en-US" dirty="0">
+              <a:latin typeface="Courier New" panose="02070309020205020404" pitchFamily="49" charset="0"/>
+              <a:cs typeface="Courier New" panose="02070309020205020404" pitchFamily="49" charset="0"/>
+            </a:endParaRPr>
+          </a:p>
+          <a:p>
+            <a:pPr marL="0" indent="0">
+              <a:buNone/>
+            </a:pPr>
+            <a:r>
+              <a:rPr lang="en-US" dirty="0">
+                <a:latin typeface="Courier New" panose="02070309020205020404" pitchFamily="49" charset="0"/>
+                <a:cs typeface="Courier New" panose="02070309020205020404" pitchFamily="49" charset="0"/>
+              </a:rPr>
+              <a:t>	public </a:t>
+            </a:r>
+            <a:r>
+              <a:rPr lang="en-US" dirty="0" err="1">
+                <a:latin typeface="Courier New" panose="02070309020205020404" pitchFamily="49" charset="0"/>
+                <a:cs typeface="Courier New" panose="02070309020205020404" pitchFamily="49" charset="0"/>
+              </a:rPr>
+              <a:t>Pokemon</a:t>
+            </a:r>
+            <a:r>
+              <a:rPr lang="en-US" dirty="0">
+                <a:latin typeface="Courier New" panose="02070309020205020404" pitchFamily="49" charset="0"/>
+                <a:cs typeface="Courier New" panose="02070309020205020404" pitchFamily="49" charset="0"/>
+              </a:rPr>
+              <a:t>(</a:t>
+            </a:r>
+            <a:r>
+              <a:rPr lang="en-US" dirty="0" err="1">
+                <a:latin typeface="Courier New" panose="02070309020205020404" pitchFamily="49" charset="0"/>
+                <a:cs typeface="Courier New" panose="02070309020205020404" pitchFamily="49" charset="0"/>
+              </a:rPr>
+              <a:t>int</a:t>
+            </a:r>
+            <a:r>
+              <a:rPr lang="en-US" dirty="0">
+                <a:latin typeface="Courier New" panose="02070309020205020404" pitchFamily="49" charset="0"/>
+                <a:cs typeface="Courier New" panose="02070309020205020404" pitchFamily="49" charset="0"/>
+              </a:rPr>
+              <a:t> </a:t>
+            </a:r>
+            <a:r>
+              <a:rPr lang="en-US" dirty="0" err="1">
+                <a:latin typeface="Courier New" panose="02070309020205020404" pitchFamily="49" charset="0"/>
+                <a:cs typeface="Courier New" panose="02070309020205020404" pitchFamily="49" charset="0"/>
+              </a:rPr>
+              <a:t>hitpoints</a:t>
+            </a:r>
+            <a:r>
+              <a:rPr lang="en-US" dirty="0">
                 <a:latin typeface="Courier New" panose="02070309020205020404" pitchFamily="49" charset="0"/>
                 <a:cs typeface="Courier New" panose="02070309020205020404" pitchFamily="49" charset="0"/>
               </a:rPr>
               <a:t>, </a:t>
             </a:r>
             <a:r>
-              <a:rPr lang="en-US" sz="2400" dirty="0" err="1">
+              <a:rPr lang="en-US" dirty="0" err="1">
                 <a:latin typeface="Courier New" panose="02070309020205020404" pitchFamily="49" charset="0"/>
                 <a:cs typeface="Courier New" panose="02070309020205020404" pitchFamily="49" charset="0"/>
               </a:rPr>
               <a:t>int</a:t>
             </a:r>
             <a:r>
-              <a:rPr lang="en-US" sz="2400" dirty="0">
-                <a:latin typeface="Courier New" panose="02070309020205020404" pitchFamily="49" charset="0"/>
-                <a:cs typeface="Courier New" panose="02070309020205020404" pitchFamily="49" charset="0"/>
-              </a:rPr>
-              <a:t> protein …) {</a:t>
-            </a:r>
-          </a:p>
-          <a:p>
-            <a:pPr marL="0" indent="0">
-              <a:buNone/>
-            </a:pPr>
-            <a:r>
-              <a:rPr lang="en-US" sz="2400" dirty="0">
-                <a:latin typeface="Courier New" panose="02070309020205020404" pitchFamily="49" charset="0"/>
-                <a:cs typeface="Courier New" panose="02070309020205020404" pitchFamily="49" charset="0"/>
-              </a:rPr>
-              <a:t>	</a:t>
-            </a:r>
-            <a:r>
-              <a:rPr lang="en-US" sz="2400" dirty="0" err="1">
+              <a:rPr lang="en-US" dirty="0">
+                <a:latin typeface="Courier New" panose="02070309020205020404" pitchFamily="49" charset="0"/>
+                <a:cs typeface="Courier New" panose="02070309020205020404" pitchFamily="49" charset="0"/>
+              </a:rPr>
+              <a:t> a) { </a:t>
+            </a:r>
+          </a:p>
+          <a:p>
+            <a:pPr marL="0" indent="0">
+              <a:buNone/>
+            </a:pPr>
+            <a:r>
+              <a:rPr lang="en-US" dirty="0">
+                <a:latin typeface="Courier New" panose="02070309020205020404" pitchFamily="49" charset="0"/>
+                <a:cs typeface="Courier New" panose="02070309020205020404" pitchFamily="49" charset="0"/>
+              </a:rPr>
+              <a:t>		</a:t>
+            </a:r>
+            <a:r>
+              <a:rPr lang="en-US" dirty="0" err="1">
                 <a:latin typeface="Courier New" panose="02070309020205020404" pitchFamily="49" charset="0"/>
                 <a:cs typeface="Courier New" panose="02070309020205020404" pitchFamily="49" charset="0"/>
               </a:rPr>
               <a:t>hp</a:t>
             </a:r>
             <a:r>
-              <a:rPr lang="en-US" sz="2400" dirty="0">
-                <a:latin typeface="Courier New" panose="02070309020205020404" pitchFamily="49" charset="0"/>
-                <a:cs typeface="Courier New" panose="02070309020205020404" pitchFamily="49" charset="0"/>
-              </a:rPr>
-              <a:t> += </a:t>
-            </a:r>
-            <a:r>
-              <a:rPr lang="en-US" sz="2400" dirty="0" err="1">
-                <a:latin typeface="Courier New" panose="02070309020205020404" pitchFamily="49" charset="0"/>
-                <a:cs typeface="Courier New" panose="02070309020205020404" pitchFamily="49" charset="0"/>
-              </a:rPr>
-              <a:t>hpUp</a:t>
-            </a:r>
-            <a:r>
-              <a:rPr lang="en-US" sz="2400" dirty="0">
+              <a:rPr lang="en-US" dirty="0">
+                <a:latin typeface="Courier New" panose="02070309020205020404" pitchFamily="49" charset="0"/>
+                <a:cs typeface="Courier New" panose="02070309020205020404" pitchFamily="49" charset="0"/>
+              </a:rPr>
+              <a:t> = </a:t>
+            </a:r>
+            <a:r>
+              <a:rPr lang="en-US" dirty="0" err="1">
+                <a:latin typeface="Courier New" panose="02070309020205020404" pitchFamily="49" charset="0"/>
+                <a:cs typeface="Courier New" panose="02070309020205020404" pitchFamily="49" charset="0"/>
+              </a:rPr>
+              <a:t>hitpoints</a:t>
+            </a:r>
+            <a:r>
+              <a:rPr lang="en-US" dirty="0">
                 <a:latin typeface="Courier New" panose="02070309020205020404" pitchFamily="49" charset="0"/>
                 <a:cs typeface="Courier New" panose="02070309020205020404" pitchFamily="49" charset="0"/>
               </a:rPr>
@@ -9079,43 +9292,49 @@
               <a:buNone/>
             </a:pPr>
             <a:r>
-              <a:rPr lang="en-US" sz="2400" dirty="0">
-                <a:latin typeface="Courier New" panose="02070309020205020404" pitchFamily="49" charset="0"/>
-                <a:cs typeface="Courier New" panose="02070309020205020404" pitchFamily="49" charset="0"/>
-              </a:rPr>
-              <a:t>	attack += protein;</a:t>
-            </a:r>
-          </a:p>
-          <a:p>
-            <a:pPr marL="0" indent="0">
-              <a:buNone/>
-            </a:pPr>
-            <a:r>
-              <a:rPr lang="en-US" sz="2400" dirty="0">
-                <a:latin typeface="Courier New" panose="02070309020205020404" pitchFamily="49" charset="0"/>
-                <a:cs typeface="Courier New" panose="02070309020205020404" pitchFamily="49" charset="0"/>
-              </a:rPr>
-              <a:t>	…</a:t>
-            </a:r>
-          </a:p>
-          <a:p>
-            <a:pPr marL="0" indent="0">
-              <a:buNone/>
-            </a:pPr>
-            <a:r>
-              <a:rPr lang="en-US" sz="2400" dirty="0">
+              <a:rPr lang="en-US" dirty="0">
+                <a:latin typeface="Courier New" panose="02070309020205020404" pitchFamily="49" charset="0"/>
+                <a:cs typeface="Courier New" panose="02070309020205020404" pitchFamily="49" charset="0"/>
+              </a:rPr>
+              <a:t>		attack = a;</a:t>
+            </a:r>
+          </a:p>
+          <a:p>
+            <a:pPr marL="0" indent="0">
+              <a:buNone/>
+            </a:pPr>
+            <a:r>
+              <a:rPr lang="en-US" dirty="0">
+                <a:latin typeface="Courier New" panose="02070309020205020404" pitchFamily="49" charset="0"/>
+                <a:cs typeface="Courier New" panose="02070309020205020404" pitchFamily="49" charset="0"/>
+              </a:rPr>
+              <a:t>	}</a:t>
+            </a:r>
+          </a:p>
+          <a:p>
+            <a:pPr marL="0" indent="0">
+              <a:buNone/>
+            </a:pPr>
+            <a:r>
+              <a:rPr lang="en-US" dirty="0">
                 <a:latin typeface="Courier New" panose="02070309020205020404" pitchFamily="49" charset="0"/>
                 <a:cs typeface="Courier New" panose="02070309020205020404" pitchFamily="49" charset="0"/>
               </a:rPr>
               <a:t>}</a:t>
             </a:r>
+          </a:p>
+          <a:p>
+            <a:pPr marL="0" indent="0">
+              <a:buNone/>
+            </a:pPr>
+            <a:endParaRPr lang="en-US" dirty="0"/>
           </a:p>
         </p:txBody>
       </p:sp>
     </p:spTree>
     <p:extLst>
       <p:ext uri="{BB962C8B-B14F-4D97-AF65-F5344CB8AC3E}">
-        <p14:creationId xmlns:p14="http://schemas.microsoft.com/office/powerpoint/2010/main" val="2002235189"/>
+        <p14:creationId xmlns:p14="http://schemas.microsoft.com/office/powerpoint/2010/main" val="949328187"/>
       </p:ext>
     </p:extLst>
   </p:cSld>
@@ -9177,7 +9396,7 @@
         <p:spPr/>
         <p:txBody>
           <a:bodyPr>
-            <a:normAutofit fontScale="77500" lnSpcReduction="20000"/>
+            <a:normAutofit/>
           </a:bodyPr>
           <a:lstStyle/>
           <a:p>
@@ -9186,114 +9405,7 @@
             </a:pPr>
             <a:r>
               <a:rPr lang="en-US" dirty="0"/>
-              <a:t>We need to initialize our values of each instance of the Pokémon class.</a:t>
-            </a:r>
-          </a:p>
-          <a:p>
-            <a:pPr marL="0" indent="0">
-              <a:buNone/>
-            </a:pPr>
-            <a:r>
-              <a:rPr lang="en-US" dirty="0"/>
-              <a:t>This is done in the constructor:</a:t>
-            </a:r>
-          </a:p>
-          <a:p>
-            <a:pPr marL="0" indent="0">
-              <a:buNone/>
-            </a:pPr>
-            <a:endParaRPr lang="en-US" dirty="0"/>
-          </a:p>
-          <a:p>
-            <a:pPr marL="0" indent="0">
-              <a:buNone/>
-            </a:pPr>
-            <a:r>
-              <a:rPr lang="en-US" dirty="0">
-                <a:latin typeface="Courier New" panose="02070309020205020404" pitchFamily="49" charset="0"/>
-                <a:cs typeface="Courier New" panose="02070309020205020404" pitchFamily="49" charset="0"/>
-              </a:rPr>
-              <a:t>public class </a:t>
-            </a:r>
-            <a:r>
-              <a:rPr lang="en-US" dirty="0" err="1">
-                <a:latin typeface="Courier New" panose="02070309020205020404" pitchFamily="49" charset="0"/>
-                <a:cs typeface="Courier New" panose="02070309020205020404" pitchFamily="49" charset="0"/>
-              </a:rPr>
-              <a:t>Pokemon</a:t>
-            </a:r>
-            <a:r>
-              <a:rPr lang="en-US" dirty="0">
-                <a:latin typeface="Courier New" panose="02070309020205020404" pitchFamily="49" charset="0"/>
-                <a:cs typeface="Courier New" panose="02070309020205020404" pitchFamily="49" charset="0"/>
-              </a:rPr>
-              <a:t> {</a:t>
-            </a:r>
-          </a:p>
-          <a:p>
-            <a:pPr marL="0" indent="0">
-              <a:buNone/>
-            </a:pPr>
-            <a:r>
-              <a:rPr lang="en-US" dirty="0">
-                <a:latin typeface="Courier New" panose="02070309020205020404" pitchFamily="49" charset="0"/>
-                <a:cs typeface="Courier New" panose="02070309020205020404" pitchFamily="49" charset="0"/>
-              </a:rPr>
-              <a:t>	</a:t>
-            </a:r>
-            <a:r>
-              <a:rPr lang="en-US" dirty="0" err="1">
-                <a:latin typeface="Courier New" panose="02070309020205020404" pitchFamily="49" charset="0"/>
-                <a:cs typeface="Courier New" panose="02070309020205020404" pitchFamily="49" charset="0"/>
-              </a:rPr>
-              <a:t>int</a:t>
-            </a:r>
-            <a:r>
-              <a:rPr lang="en-US" dirty="0">
-                <a:latin typeface="Courier New" panose="02070309020205020404" pitchFamily="49" charset="0"/>
-                <a:cs typeface="Courier New" panose="02070309020205020404" pitchFamily="49" charset="0"/>
-              </a:rPr>
-              <a:t> </a:t>
-            </a:r>
-            <a:r>
-              <a:rPr lang="en-US" dirty="0" err="1">
-                <a:latin typeface="Courier New" panose="02070309020205020404" pitchFamily="49" charset="0"/>
-                <a:cs typeface="Courier New" panose="02070309020205020404" pitchFamily="49" charset="0"/>
-              </a:rPr>
-              <a:t>hp</a:t>
-            </a:r>
-            <a:r>
-              <a:rPr lang="en-US" dirty="0">
-                <a:latin typeface="Courier New" panose="02070309020205020404" pitchFamily="49" charset="0"/>
-                <a:cs typeface="Courier New" panose="02070309020205020404" pitchFamily="49" charset="0"/>
-              </a:rPr>
-              <a:t>;</a:t>
-            </a:r>
-          </a:p>
-          <a:p>
-            <a:pPr marL="0" indent="0">
-              <a:buNone/>
-            </a:pPr>
-            <a:r>
-              <a:rPr lang="en-US" dirty="0">
-                <a:latin typeface="Courier New" panose="02070309020205020404" pitchFamily="49" charset="0"/>
-                <a:cs typeface="Courier New" panose="02070309020205020404" pitchFamily="49" charset="0"/>
-              </a:rPr>
-              <a:t>	</a:t>
-            </a:r>
-            <a:r>
-              <a:rPr lang="en-US" dirty="0" err="1">
-                <a:latin typeface="Courier New" panose="02070309020205020404" pitchFamily="49" charset="0"/>
-                <a:cs typeface="Courier New" panose="02070309020205020404" pitchFamily="49" charset="0"/>
-              </a:rPr>
-              <a:t>int</a:t>
-            </a:r>
-            <a:r>
-              <a:rPr lang="en-US" dirty="0">
-                <a:latin typeface="Courier New" panose="02070309020205020404" pitchFamily="49" charset="0"/>
-                <a:cs typeface="Courier New" panose="02070309020205020404" pitchFamily="49" charset="0"/>
-              </a:rPr>
-              <a:t> attack;</a:t>
+              <a:t>We can then call these constructors to create our instances:</a:t>
             </a:r>
           </a:p>
           <a:p>
@@ -9314,139 +9426,78 @@
                 <a:latin typeface="Courier New" panose="02070309020205020404" pitchFamily="49" charset="0"/>
                 <a:cs typeface="Courier New" panose="02070309020205020404" pitchFamily="49" charset="0"/>
               </a:rPr>
-              <a:t>	public </a:t>
+              <a:t>Pokémon </a:t>
             </a:r>
             <a:r>
               <a:rPr lang="en-US" dirty="0" err="1">
                 <a:latin typeface="Courier New" panose="02070309020205020404" pitchFamily="49" charset="0"/>
                 <a:cs typeface="Courier New" panose="02070309020205020404" pitchFamily="49" charset="0"/>
               </a:rPr>
-              <a:t>Pokemon</a:t>
+              <a:t>pikachu</a:t>
             </a:r>
             <a:r>
               <a:rPr lang="en-US" dirty="0">
                 <a:latin typeface="Courier New" panose="02070309020205020404" pitchFamily="49" charset="0"/>
                 <a:cs typeface="Courier New" panose="02070309020205020404" pitchFamily="49" charset="0"/>
               </a:rPr>
-              <a:t>(</a:t>
-            </a:r>
+              <a:t> = new Pokémon(70, 120);</a:t>
+            </a:r>
+          </a:p>
+          <a:p>
+            <a:pPr marL="0" indent="0">
+              <a:buNone/>
+            </a:pPr>
+            <a:endParaRPr lang="en-US" dirty="0">
+              <a:latin typeface="Courier New" panose="02070309020205020404" pitchFamily="49" charset="0"/>
+              <a:cs typeface="Courier New" panose="02070309020205020404" pitchFamily="49" charset="0"/>
+            </a:endParaRPr>
+          </a:p>
+          <a:p>
+            <a:pPr marL="0" indent="0">
+              <a:buNone/>
+            </a:pPr>
+            <a:r>
+              <a:rPr lang="en-US" dirty="0">
+                <a:cs typeface="Courier New" panose="02070309020205020404" pitchFamily="49" charset="0"/>
+              </a:rPr>
+              <a:t>We can also call our methods on the object:</a:t>
+            </a:r>
+          </a:p>
+          <a:p>
+            <a:pPr marL="0" indent="0">
+              <a:buNone/>
+            </a:pPr>
+            <a:endParaRPr lang="en-US" dirty="0">
+              <a:cs typeface="Courier New" panose="02070309020205020404" pitchFamily="49" charset="0"/>
+            </a:endParaRPr>
+          </a:p>
+          <a:p>
+            <a:pPr marL="0" indent="0">
+              <a:buNone/>
+            </a:pPr>
             <a:r>
               <a:rPr lang="en-US" dirty="0" err="1">
                 <a:latin typeface="Courier New" panose="02070309020205020404" pitchFamily="49" charset="0"/>
                 <a:cs typeface="Courier New" panose="02070309020205020404" pitchFamily="49" charset="0"/>
               </a:rPr>
-              <a:t>int</a:t>
+              <a:t>pikachu.sumStats</a:t>
             </a:r>
             <a:r>
               <a:rPr lang="en-US" dirty="0">
                 <a:latin typeface="Courier New" panose="02070309020205020404" pitchFamily="49" charset="0"/>
                 <a:cs typeface="Courier New" panose="02070309020205020404" pitchFamily="49" charset="0"/>
               </a:rPr>
-              <a:t> </a:t>
-            </a:r>
-            <a:r>
-              <a:rPr lang="en-US" dirty="0" err="1">
-                <a:latin typeface="Courier New" panose="02070309020205020404" pitchFamily="49" charset="0"/>
-                <a:cs typeface="Courier New" panose="02070309020205020404" pitchFamily="49" charset="0"/>
-              </a:rPr>
-              <a:t>hitpoints</a:t>
+              <a:t>(); </a:t>
             </a:r>
             <a:r>
               <a:rPr lang="en-US" dirty="0">
-                <a:latin typeface="Courier New" panose="02070309020205020404" pitchFamily="49" charset="0"/>
-                <a:cs typeface="Courier New" panose="02070309020205020404" pitchFamily="49" charset="0"/>
-              </a:rPr>
-              <a:t>, </a:t>
-            </a:r>
-            <a:r>
-              <a:rPr lang="en-US" dirty="0" err="1">
-                <a:latin typeface="Courier New" panose="02070309020205020404" pitchFamily="49" charset="0"/>
-                <a:cs typeface="Courier New" panose="02070309020205020404" pitchFamily="49" charset="0"/>
-              </a:rPr>
-              <a:t>int</a:t>
-            </a:r>
-            <a:r>
-              <a:rPr lang="en-US" dirty="0">
-                <a:latin typeface="Courier New" panose="02070309020205020404" pitchFamily="49" charset="0"/>
-                <a:cs typeface="Courier New" panose="02070309020205020404" pitchFamily="49" charset="0"/>
-              </a:rPr>
-              <a:t> a) { </a:t>
-            </a:r>
-          </a:p>
-          <a:p>
-            <a:pPr marL="0" indent="0">
-              <a:buNone/>
-            </a:pPr>
-            <a:r>
-              <a:rPr lang="en-US" dirty="0">
-                <a:latin typeface="Courier New" panose="02070309020205020404" pitchFamily="49" charset="0"/>
-                <a:cs typeface="Courier New" panose="02070309020205020404" pitchFamily="49" charset="0"/>
-              </a:rPr>
-              <a:t>		</a:t>
-            </a:r>
-            <a:r>
-              <a:rPr lang="en-US" dirty="0" err="1">
-                <a:latin typeface="Courier New" panose="02070309020205020404" pitchFamily="49" charset="0"/>
-                <a:cs typeface="Courier New" panose="02070309020205020404" pitchFamily="49" charset="0"/>
-              </a:rPr>
-              <a:t>hp</a:t>
-            </a:r>
-            <a:r>
-              <a:rPr lang="en-US" dirty="0">
-                <a:latin typeface="Courier New" panose="02070309020205020404" pitchFamily="49" charset="0"/>
-                <a:cs typeface="Courier New" panose="02070309020205020404" pitchFamily="49" charset="0"/>
-              </a:rPr>
-              <a:t> = </a:t>
-            </a:r>
-            <a:r>
-              <a:rPr lang="en-US" dirty="0" err="1">
-                <a:latin typeface="Courier New" panose="02070309020205020404" pitchFamily="49" charset="0"/>
-                <a:cs typeface="Courier New" panose="02070309020205020404" pitchFamily="49" charset="0"/>
-              </a:rPr>
-              <a:t>hitpoints</a:t>
-            </a:r>
-            <a:r>
-              <a:rPr lang="en-US" dirty="0">
-                <a:latin typeface="Courier New" panose="02070309020205020404" pitchFamily="49" charset="0"/>
-                <a:cs typeface="Courier New" panose="02070309020205020404" pitchFamily="49" charset="0"/>
-              </a:rPr>
-              <a:t>;</a:t>
-            </a:r>
-          </a:p>
-          <a:p>
-            <a:pPr marL="0" indent="0">
-              <a:buNone/>
-            </a:pPr>
-            <a:r>
-              <a:rPr lang="en-US" dirty="0">
-                <a:latin typeface="Courier New" panose="02070309020205020404" pitchFamily="49" charset="0"/>
-                <a:cs typeface="Courier New" panose="02070309020205020404" pitchFamily="49" charset="0"/>
-              </a:rPr>
-              <a:t>		attack = a;</a:t>
-            </a:r>
-          </a:p>
-          <a:p>
-            <a:pPr marL="0" indent="0">
-              <a:buNone/>
-            </a:pPr>
-            <a:r>
-              <a:rPr lang="en-US" dirty="0">
-                <a:latin typeface="Courier New" panose="02070309020205020404" pitchFamily="49" charset="0"/>
-                <a:cs typeface="Courier New" panose="02070309020205020404" pitchFamily="49" charset="0"/>
-              </a:rPr>
-              <a:t>	}</a:t>
-            </a:r>
-          </a:p>
-          <a:p>
-            <a:pPr marL="0" indent="0">
-              <a:buNone/>
-            </a:pPr>
-            <a:r>
-              <a:rPr lang="en-US" dirty="0">
-                <a:latin typeface="Courier New" panose="02070309020205020404" pitchFamily="49" charset="0"/>
-                <a:cs typeface="Courier New" panose="02070309020205020404" pitchFamily="49" charset="0"/>
-              </a:rPr>
-              <a:t>}</a:t>
+                <a:solidFill>
+                  <a:schemeClr val="accent6"/>
+                </a:solidFill>
+                <a:latin typeface="Courier New" panose="02070309020205020404" pitchFamily="49" charset="0"/>
+                <a:cs typeface="Courier New" panose="02070309020205020404" pitchFamily="49" charset="0"/>
+              </a:rPr>
+              <a:t>//returns 190</a:t>
             </a:r>
           </a:p>
           <a:p>
@@ -9460,7 +9511,7 @@
     </p:spTree>
     <p:extLst>
       <p:ext uri="{BB962C8B-B14F-4D97-AF65-F5344CB8AC3E}">
-        <p14:creationId xmlns:p14="http://schemas.microsoft.com/office/powerpoint/2010/main" val="949328187"/>
+        <p14:creationId xmlns:p14="http://schemas.microsoft.com/office/powerpoint/2010/main" val="77082624"/>
       </p:ext>
     </p:extLst>
   </p:cSld>
@@ -9494,150 +9545,30 @@
             <a:spLocks noGrp="1"/>
           </p:cNvSpPr>
           <p:nvPr>
-            <p:ph type="title"/>
-          </p:nvPr>
-        </p:nvSpPr>
-        <p:spPr/>
-        <p:txBody>
-          <a:bodyPr/>
-          <a:lstStyle/>
-          <a:p>
-            <a:r>
-              <a:rPr lang="en-US" dirty="0"/>
-              <a:t>Constructors</a:t>
-            </a:r>
-          </a:p>
-        </p:txBody>
-      </p:sp>
-      <p:sp>
-        <p:nvSpPr>
-          <p:cNvPr id="3" name="Content Placeholder 2"/>
-          <p:cNvSpPr>
-            <a:spLocks noGrp="1"/>
-          </p:cNvSpPr>
-          <p:nvPr>
-            <p:ph idx="1"/>
-          </p:nvPr>
-        </p:nvSpPr>
-        <p:spPr/>
-        <p:txBody>
-          <a:bodyPr>
-            <a:normAutofit/>
-          </a:bodyPr>
-          <a:lstStyle/>
-          <a:p>
-            <a:pPr marL="0" indent="0">
-              <a:buNone/>
-            </a:pPr>
-            <a:r>
-              <a:rPr lang="en-US" dirty="0"/>
-              <a:t>We can then call these constructors to create our instances:</a:t>
-            </a:r>
-          </a:p>
-          <a:p>
-            <a:pPr marL="0" indent="0">
-              <a:buNone/>
-            </a:pPr>
-            <a:endParaRPr lang="en-US" dirty="0">
-              <a:latin typeface="Courier New" panose="02070309020205020404" pitchFamily="49" charset="0"/>
-              <a:cs typeface="Courier New" panose="02070309020205020404" pitchFamily="49" charset="0"/>
-            </a:endParaRPr>
-          </a:p>
-          <a:p>
-            <a:pPr marL="0" indent="0">
-              <a:buNone/>
-            </a:pPr>
-            <a:r>
-              <a:rPr lang="en-US" dirty="0">
-                <a:latin typeface="Courier New" panose="02070309020205020404" pitchFamily="49" charset="0"/>
-                <a:cs typeface="Courier New" panose="02070309020205020404" pitchFamily="49" charset="0"/>
-              </a:rPr>
-              <a:t>Pokémon </a:t>
-            </a:r>
-            <a:r>
-              <a:rPr lang="en-US" dirty="0" err="1">
-                <a:latin typeface="Courier New" panose="02070309020205020404" pitchFamily="49" charset="0"/>
-                <a:cs typeface="Courier New" panose="02070309020205020404" pitchFamily="49" charset="0"/>
-              </a:rPr>
-              <a:t>pikachu</a:t>
-            </a:r>
-            <a:r>
-              <a:rPr lang="en-US" dirty="0">
-                <a:latin typeface="Courier New" panose="02070309020205020404" pitchFamily="49" charset="0"/>
-                <a:cs typeface="Courier New" panose="02070309020205020404" pitchFamily="49" charset="0"/>
-              </a:rPr>
-              <a:t> = new Pokémon(70, 120);</a:t>
-            </a:r>
-          </a:p>
-          <a:p>
-            <a:pPr marL="0" indent="0">
-              <a:buNone/>
-            </a:pPr>
-            <a:endParaRPr lang="en-US" dirty="0">
-              <a:latin typeface="Courier New" panose="02070309020205020404" pitchFamily="49" charset="0"/>
-              <a:cs typeface="Courier New" panose="02070309020205020404" pitchFamily="49" charset="0"/>
-            </a:endParaRPr>
-          </a:p>
-          <a:p>
-            <a:pPr marL="0" indent="0">
-              <a:buNone/>
-            </a:pPr>
-            <a:r>
-              <a:rPr lang="en-US" dirty="0">
-                <a:cs typeface="Courier New" panose="02070309020205020404" pitchFamily="49" charset="0"/>
-              </a:rPr>
-              <a:t>We can also call our methods on the object:</a:t>
-            </a:r>
-          </a:p>
-          <a:p>
-            <a:pPr marL="0" indent="0">
-              <a:buNone/>
-            </a:pPr>
-            <a:endParaRPr lang="en-US" dirty="0">
-              <a:cs typeface="Courier New" panose="02070309020205020404" pitchFamily="49" charset="0"/>
-            </a:endParaRPr>
-          </a:p>
-          <a:p>
-            <a:pPr marL="0" indent="0">
-              <a:buNone/>
-            </a:pPr>
-            <a:r>
-              <a:rPr lang="en-US" dirty="0" err="1">
-                <a:latin typeface="Courier New" panose="02070309020205020404" pitchFamily="49" charset="0"/>
-                <a:cs typeface="Courier New" panose="02070309020205020404" pitchFamily="49" charset="0"/>
-              </a:rPr>
-              <a:t>pikachu.sumStats</a:t>
-            </a:r>
-            <a:r>
-              <a:rPr lang="en-US" dirty="0">
-                <a:latin typeface="Courier New" panose="02070309020205020404" pitchFamily="49" charset="0"/>
-                <a:cs typeface="Courier New" panose="02070309020205020404" pitchFamily="49" charset="0"/>
-              </a:rPr>
-              <a:t>(); </a:t>
-            </a:r>
-            <a:r>
-              <a:rPr lang="en-US" dirty="0">
-                <a:solidFill>
-                  <a:schemeClr val="accent6"/>
-                </a:solidFill>
-                <a:latin typeface="Courier New" panose="02070309020205020404" pitchFamily="49" charset="0"/>
-                <a:cs typeface="Courier New" panose="02070309020205020404" pitchFamily="49" charset="0"/>
-              </a:rPr>
-              <a:t>//returns 190</a:t>
-            </a:r>
-          </a:p>
-          <a:p>
-            <a:pPr marL="0" indent="0">
-              <a:buNone/>
-            </a:pPr>
-            <a:endParaRPr lang="en-US" dirty="0"/>
+            <p:ph type="ctrTitle"/>
+          </p:nvPr>
+        </p:nvSpPr>
+        <p:spPr>
+          <a:xfrm>
+            <a:off x="1524000" y="1459990"/>
+            <a:ext cx="9144000" cy="2387600"/>
+          </a:xfrm>
+        </p:spPr>
+        <p:txBody>
+          <a:bodyPr/>
+          <a:lstStyle/>
+          <a:p>
+            <a:r>
+              <a:rPr lang="en-US" dirty="0"/>
+              <a:t>Worksheet</a:t>
+            </a:r>
           </a:p>
         </p:txBody>
       </p:sp>
     </p:spTree>
     <p:extLst>
       <p:ext uri="{BB962C8B-B14F-4D97-AF65-F5344CB8AC3E}">
-        <p14:creationId xmlns:p14="http://schemas.microsoft.com/office/powerpoint/2010/main" val="77082624"/>
+        <p14:creationId xmlns:p14="http://schemas.microsoft.com/office/powerpoint/2010/main" val="436073697"/>
       </p:ext>
     </p:extLst>
   </p:cSld>
@@ -9731,30 +9662,73 @@
             <a:spLocks noGrp="1"/>
           </p:cNvSpPr>
           <p:nvPr>
-            <p:ph type="ctrTitle"/>
-          </p:nvPr>
-        </p:nvSpPr>
-        <p:spPr>
-          <a:xfrm>
-            <a:off x="1524000" y="1459990"/>
-            <a:ext cx="9144000" cy="2387600"/>
-          </a:xfrm>
-        </p:spPr>
-        <p:txBody>
-          <a:bodyPr/>
-          <a:lstStyle/>
-          <a:p>
-            <a:r>
-              <a:rPr lang="en-US" dirty="0"/>
-              <a:t>Worksheet</a:t>
-            </a:r>
+            <p:ph type="title"/>
+          </p:nvPr>
+        </p:nvSpPr>
+        <p:spPr/>
+        <p:txBody>
+          <a:bodyPr>
+            <a:normAutofit/>
+          </a:bodyPr>
+          <a:lstStyle/>
+          <a:p>
+            <a:r>
+              <a:rPr lang="en-US" dirty="0"/>
+              <a:t>Homework</a:t>
+            </a:r>
+          </a:p>
+        </p:txBody>
+      </p:sp>
+      <p:sp>
+        <p:nvSpPr>
+          <p:cNvPr id="3" name="Content Placeholder 2"/>
+          <p:cNvSpPr>
+            <a:spLocks noGrp="1"/>
+          </p:cNvSpPr>
+          <p:nvPr>
+            <p:ph idx="1"/>
+          </p:nvPr>
+        </p:nvSpPr>
+        <p:spPr/>
+        <p:txBody>
+          <a:bodyPr/>
+          <a:lstStyle/>
+          <a:p>
+            <a:pPr marL="0" indent="0">
+              <a:buNone/>
+            </a:pPr>
+            <a:r>
+              <a:rPr lang="en-US" dirty="0"/>
+              <a:t>Read HW 8.3 up to “The Keyword this”</a:t>
+            </a:r>
+          </a:p>
+          <a:p>
+            <a:pPr marL="0" indent="0">
+              <a:buNone/>
+            </a:pPr>
+            <a:endParaRPr lang="en-US" dirty="0"/>
+          </a:p>
+          <a:p>
+            <a:pPr marL="0" indent="0">
+              <a:buNone/>
+            </a:pPr>
+            <a:r>
+              <a:rPr lang="en-US" dirty="0"/>
+              <a:t>Complete self-check questions #9 – 11, 13 – 16 </a:t>
+            </a:r>
+          </a:p>
+          <a:p>
+            <a:pPr marL="0" indent="0">
+              <a:buNone/>
+            </a:pPr>
+            <a:endParaRPr lang="en-US" dirty="0"/>
           </a:p>
         </p:txBody>
       </p:sp>
     </p:spTree>
     <p:extLst>
       <p:ext uri="{BB962C8B-B14F-4D97-AF65-F5344CB8AC3E}">
-        <p14:creationId xmlns:p14="http://schemas.microsoft.com/office/powerpoint/2010/main" val="436073697"/>
+        <p14:creationId xmlns:p14="http://schemas.microsoft.com/office/powerpoint/2010/main" val="2861209685"/>
       </p:ext>
     </p:extLst>
   </p:cSld>
@@ -9788,73 +9762,57 @@
             <a:spLocks noGrp="1"/>
           </p:cNvSpPr>
           <p:nvPr>
-            <p:ph type="title"/>
-          </p:nvPr>
-        </p:nvSpPr>
-        <p:spPr/>
-        <p:txBody>
-          <a:bodyPr>
-            <a:normAutofit/>
-          </a:bodyPr>
-          <a:lstStyle/>
-          <a:p>
-            <a:r>
-              <a:rPr lang="en-US" dirty="0"/>
-              <a:t>Homework</a:t>
-            </a:r>
-          </a:p>
-        </p:txBody>
-      </p:sp>
-      <p:sp>
-        <p:nvSpPr>
-          <p:cNvPr id="3" name="Content Placeholder 2"/>
-          <p:cNvSpPr>
-            <a:spLocks noGrp="1"/>
-          </p:cNvSpPr>
-          <p:nvPr>
-            <p:ph idx="1"/>
-          </p:nvPr>
-        </p:nvSpPr>
-        <p:spPr/>
-        <p:txBody>
-          <a:bodyPr/>
-          <a:lstStyle/>
-          <a:p>
-            <a:pPr marL="0" indent="0">
-              <a:buNone/>
-            </a:pPr>
-            <a:r>
-              <a:rPr lang="en-US" dirty="0"/>
-              <a:t>Read HW 8.3 up to “The Keyword this”</a:t>
-            </a:r>
-          </a:p>
-          <a:p>
-            <a:pPr marL="0" indent="0">
-              <a:buNone/>
-            </a:pPr>
+            <p:ph type="ctrTitle"/>
+          </p:nvPr>
+        </p:nvSpPr>
+        <p:spPr>
+          <a:xfrm>
+            <a:off x="1289538" y="1122363"/>
+            <a:ext cx="9612924" cy="2387600"/>
+          </a:xfrm>
+        </p:spPr>
+        <p:txBody>
+          <a:bodyPr/>
+          <a:lstStyle/>
+          <a:p>
+            <a:r>
+              <a:rPr lang="en-US" dirty="0"/>
+              <a:t>Object Initialization</a:t>
+            </a:r>
+            <a:r>
+              <a:rPr lang="en-US"/>
+              <a:t>: Constructors</a:t>
+            </a:r>
             <a:endParaRPr lang="en-US" dirty="0"/>
           </a:p>
-          <a:p>
-            <a:pPr marL="0" indent="0">
-              <a:buNone/>
-            </a:pPr>
-            <a:r>
-              <a:rPr lang="en-US" dirty="0"/>
-              <a:t>Complete self-check questions #9 – 11, 13 – 16 </a:t>
-            </a:r>
-          </a:p>
-          <a:p>
-            <a:pPr marL="0" indent="0">
-              <a:buNone/>
-            </a:pPr>
-            <a:endParaRPr lang="en-US" dirty="0"/>
+        </p:txBody>
+      </p:sp>
+      <p:sp>
+        <p:nvSpPr>
+          <p:cNvPr id="3" name="Subtitle 2"/>
+          <p:cNvSpPr>
+            <a:spLocks noGrp="1"/>
+          </p:cNvSpPr>
+          <p:nvPr>
+            <p:ph type="subTitle" idx="1"/>
+          </p:nvPr>
+        </p:nvSpPr>
+        <p:spPr/>
+        <p:txBody>
+          <a:bodyPr/>
+          <a:lstStyle/>
+          <a:p>
+            <a:r>
+              <a:rPr lang="en-US" dirty="0"/>
+              <a:t>[ 5.03 ] [ Today’s Date ] [ Instructor Name ]</a:t>
+            </a:r>
           </a:p>
         </p:txBody>
       </p:sp>
     </p:spTree>
     <p:extLst>
       <p:ext uri="{BB962C8B-B14F-4D97-AF65-F5344CB8AC3E}">
-        <p14:creationId xmlns:p14="http://schemas.microsoft.com/office/powerpoint/2010/main" val="2861209685"/>
+        <p14:creationId xmlns:p14="http://schemas.microsoft.com/office/powerpoint/2010/main" val="993143345"/>
       </p:ext>
     </p:extLst>
   </p:cSld>
@@ -9888,49 +9846,276 @@
             <a:spLocks noGrp="1"/>
           </p:cNvSpPr>
           <p:nvPr>
-            <p:ph type="ctrTitle"/>
-          </p:nvPr>
-        </p:nvSpPr>
-        <p:spPr>
-          <a:xfrm>
-            <a:off x="1289538" y="1122363"/>
-            <a:ext cx="9612924" cy="2387600"/>
-          </a:xfrm>
-        </p:spPr>
-        <p:txBody>
-          <a:bodyPr/>
-          <a:lstStyle/>
-          <a:p>
-            <a:r>
-              <a:rPr lang="en-US" dirty="0"/>
-              <a:t>Object Initialization</a:t>
-            </a:r>
-            <a:r>
-              <a:rPr lang="en-US"/>
-              <a:t>: Constructors</a:t>
-            </a:r>
-            <a:endParaRPr lang="en-US" dirty="0"/>
-          </a:p>
-        </p:txBody>
-      </p:sp>
-      <p:sp>
-        <p:nvSpPr>
-          <p:cNvPr id="3" name="Subtitle 2"/>
-          <p:cNvSpPr>
-            <a:spLocks noGrp="1"/>
-          </p:cNvSpPr>
-          <p:nvPr>
-            <p:ph type="subTitle" idx="1"/>
-          </p:nvPr>
-        </p:nvSpPr>
-        <p:spPr/>
-        <p:txBody>
-          <a:bodyPr/>
-          <a:lstStyle/>
-          <a:p>
-            <a:r>
-              <a:rPr lang="en-US" dirty="0"/>
-              <a:t>[ 5.03 ] [ Today’s Date ] [ Instructor Name ]</a:t>
+            <p:ph type="title"/>
+          </p:nvPr>
+        </p:nvSpPr>
+        <p:spPr/>
+        <p:txBody>
+          <a:bodyPr/>
+          <a:lstStyle/>
+          <a:p>
+            <a:r>
+              <a:rPr lang="en-US" dirty="0"/>
+              <a:t>Student</a:t>
+            </a:r>
+          </a:p>
+        </p:txBody>
+      </p:sp>
+      <p:sp>
+        <p:nvSpPr>
+          <p:cNvPr id="3" name="Content Placeholder 2"/>
+          <p:cNvSpPr>
+            <a:spLocks noGrp="1"/>
+          </p:cNvSpPr>
+          <p:nvPr>
+            <p:ph idx="1"/>
+          </p:nvPr>
+        </p:nvSpPr>
+        <p:spPr/>
+        <p:txBody>
+          <a:bodyPr>
+            <a:noAutofit/>
+          </a:bodyPr>
+          <a:lstStyle/>
+          <a:p>
+            <a:pPr marL="0" indent="0">
+              <a:buNone/>
+            </a:pPr>
+            <a:r>
+              <a:rPr lang="en-US" sz="1800" dirty="0">
+                <a:latin typeface="Courier New" panose="02070309020205020404" pitchFamily="49" charset="0"/>
+                <a:cs typeface="Courier New" panose="02070309020205020404" pitchFamily="49" charset="0"/>
+              </a:rPr>
+              <a:t>public class Student {</a:t>
+            </a:r>
+          </a:p>
+          <a:p>
+            <a:pPr marL="0" indent="0">
+              <a:buNone/>
+            </a:pPr>
+            <a:r>
+              <a:rPr lang="en-US" sz="1800" dirty="0">
+                <a:latin typeface="Courier New" panose="02070309020205020404" pitchFamily="49" charset="0"/>
+                <a:cs typeface="Courier New" panose="02070309020205020404" pitchFamily="49" charset="0"/>
+              </a:rPr>
+              <a:t>	public String name;</a:t>
+            </a:r>
+          </a:p>
+          <a:p>
+            <a:pPr marL="0" indent="0">
+              <a:buNone/>
+            </a:pPr>
+            <a:r>
+              <a:rPr lang="en-US" sz="1800" dirty="0">
+                <a:latin typeface="Courier New" panose="02070309020205020404" pitchFamily="49" charset="0"/>
+                <a:cs typeface="Courier New" panose="02070309020205020404" pitchFamily="49" charset="0"/>
+              </a:rPr>
+              <a:t>	public </a:t>
+            </a:r>
+            <a:r>
+              <a:rPr lang="en-US" sz="1800" dirty="0" err="1">
+                <a:latin typeface="Courier New" panose="02070309020205020404" pitchFamily="49" charset="0"/>
+                <a:cs typeface="Courier New" panose="02070309020205020404" pitchFamily="49" charset="0"/>
+              </a:rPr>
+              <a:t>int</a:t>
+            </a:r>
+            <a:r>
+              <a:rPr lang="en-US" sz="1800" dirty="0">
+                <a:latin typeface="Courier New" panose="02070309020205020404" pitchFamily="49" charset="0"/>
+                <a:cs typeface="Courier New" panose="02070309020205020404" pitchFamily="49" charset="0"/>
+              </a:rPr>
+              <a:t> </a:t>
+            </a:r>
+            <a:r>
+              <a:rPr lang="en-US" sz="1800" dirty="0" err="1">
+                <a:latin typeface="Courier New" panose="02070309020205020404" pitchFamily="49" charset="0"/>
+                <a:cs typeface="Courier New" panose="02070309020205020404" pitchFamily="49" charset="0"/>
+              </a:rPr>
+              <a:t>gradeLevel</a:t>
+            </a:r>
+            <a:r>
+              <a:rPr lang="en-US" sz="1800" dirty="0">
+                <a:latin typeface="Courier New" panose="02070309020205020404" pitchFamily="49" charset="0"/>
+                <a:cs typeface="Courier New" panose="02070309020205020404" pitchFamily="49" charset="0"/>
+              </a:rPr>
+              <a:t>;</a:t>
+            </a:r>
+          </a:p>
+          <a:p>
+            <a:pPr marL="0" indent="0">
+              <a:buNone/>
+            </a:pPr>
+            <a:r>
+              <a:rPr lang="en-US" sz="1800" dirty="0">
+                <a:latin typeface="Courier New" panose="02070309020205020404" pitchFamily="49" charset="0"/>
+                <a:cs typeface="Courier New" panose="02070309020205020404" pitchFamily="49" charset="0"/>
+              </a:rPr>
+              <a:t>	public double </a:t>
+            </a:r>
+            <a:r>
+              <a:rPr lang="en-US" sz="1800" dirty="0" err="1">
+                <a:latin typeface="Courier New" panose="02070309020205020404" pitchFamily="49" charset="0"/>
+                <a:cs typeface="Courier New" panose="02070309020205020404" pitchFamily="49" charset="0"/>
+              </a:rPr>
+              <a:t>gpa</a:t>
+            </a:r>
+            <a:r>
+              <a:rPr lang="en-US" sz="1800" dirty="0">
+                <a:latin typeface="Courier New" panose="02070309020205020404" pitchFamily="49" charset="0"/>
+                <a:cs typeface="Courier New" panose="02070309020205020404" pitchFamily="49" charset="0"/>
+              </a:rPr>
+              <a:t>;</a:t>
+            </a:r>
+          </a:p>
+          <a:p>
+            <a:pPr marL="0" indent="0">
+              <a:buNone/>
+            </a:pPr>
+            <a:endParaRPr lang="en-US" sz="1800" dirty="0">
+              <a:latin typeface="Courier New" panose="02070309020205020404" pitchFamily="49" charset="0"/>
+              <a:cs typeface="Courier New" panose="02070309020205020404" pitchFamily="49" charset="0"/>
+            </a:endParaRPr>
+          </a:p>
+          <a:p>
+            <a:pPr marL="0" indent="0">
+              <a:buNone/>
+            </a:pPr>
+            <a:r>
+              <a:rPr lang="en-US" sz="1800" dirty="0">
+                <a:latin typeface="Courier New" panose="02070309020205020404" pitchFamily="49" charset="0"/>
+                <a:cs typeface="Courier New" panose="02070309020205020404" pitchFamily="49" charset="0"/>
+              </a:rPr>
+              <a:t>	public Student(String n, </a:t>
+            </a:r>
+            <a:r>
+              <a:rPr lang="en-US" sz="1800" dirty="0" err="1">
+                <a:latin typeface="Courier New" panose="02070309020205020404" pitchFamily="49" charset="0"/>
+                <a:cs typeface="Courier New" panose="02070309020205020404" pitchFamily="49" charset="0"/>
+              </a:rPr>
+              <a:t>int</a:t>
+            </a:r>
+            <a:r>
+              <a:rPr lang="en-US" sz="1800" dirty="0">
+                <a:latin typeface="Courier New" panose="02070309020205020404" pitchFamily="49" charset="0"/>
+                <a:cs typeface="Courier New" panose="02070309020205020404" pitchFamily="49" charset="0"/>
+              </a:rPr>
+              <a:t> </a:t>
+            </a:r>
+            <a:r>
+              <a:rPr lang="en-US" sz="1800" dirty="0" err="1">
+                <a:latin typeface="Courier New" panose="02070309020205020404" pitchFamily="49" charset="0"/>
+                <a:cs typeface="Courier New" panose="02070309020205020404" pitchFamily="49" charset="0"/>
+              </a:rPr>
+              <a:t>gl</a:t>
+            </a:r>
+            <a:r>
+              <a:rPr lang="en-US" sz="1800" dirty="0">
+                <a:latin typeface="Courier New" panose="02070309020205020404" pitchFamily="49" charset="0"/>
+                <a:cs typeface="Courier New" panose="02070309020205020404" pitchFamily="49" charset="0"/>
+              </a:rPr>
+              <a:t>, double g) {</a:t>
+            </a:r>
+          </a:p>
+          <a:p>
+            <a:pPr marL="0" indent="0">
+              <a:buNone/>
+            </a:pPr>
+            <a:r>
+              <a:rPr lang="en-US" sz="1800" dirty="0">
+                <a:latin typeface="Courier New" panose="02070309020205020404" pitchFamily="49" charset="0"/>
+                <a:cs typeface="Courier New" panose="02070309020205020404" pitchFamily="49" charset="0"/>
+              </a:rPr>
+              <a:t>		name = n;</a:t>
+            </a:r>
+          </a:p>
+          <a:p>
+            <a:pPr marL="0" indent="0">
+              <a:buNone/>
+            </a:pPr>
+            <a:r>
+              <a:rPr lang="en-US" sz="1800" dirty="0">
+                <a:latin typeface="Courier New" panose="02070309020205020404" pitchFamily="49" charset="0"/>
+                <a:cs typeface="Courier New" panose="02070309020205020404" pitchFamily="49" charset="0"/>
+              </a:rPr>
+              <a:t>		</a:t>
+            </a:r>
+            <a:r>
+              <a:rPr lang="en-US" sz="1800" dirty="0" err="1">
+                <a:latin typeface="Courier New" panose="02070309020205020404" pitchFamily="49" charset="0"/>
+                <a:cs typeface="Courier New" panose="02070309020205020404" pitchFamily="49" charset="0"/>
+              </a:rPr>
+              <a:t>gradelevel</a:t>
+            </a:r>
+            <a:r>
+              <a:rPr lang="en-US" sz="1800" dirty="0">
+                <a:latin typeface="Courier New" panose="02070309020205020404" pitchFamily="49" charset="0"/>
+                <a:cs typeface="Courier New" panose="02070309020205020404" pitchFamily="49" charset="0"/>
+              </a:rPr>
+              <a:t> = </a:t>
+            </a:r>
+            <a:r>
+              <a:rPr lang="en-US" sz="1800" dirty="0" err="1">
+                <a:latin typeface="Courier New" panose="02070309020205020404" pitchFamily="49" charset="0"/>
+                <a:cs typeface="Courier New" panose="02070309020205020404" pitchFamily="49" charset="0"/>
+              </a:rPr>
+              <a:t>gl</a:t>
+            </a:r>
+            <a:r>
+              <a:rPr lang="en-US" sz="1800" dirty="0">
+                <a:latin typeface="Courier New" panose="02070309020205020404" pitchFamily="49" charset="0"/>
+                <a:cs typeface="Courier New" panose="02070309020205020404" pitchFamily="49" charset="0"/>
+              </a:rPr>
+              <a:t>;</a:t>
+            </a:r>
+          </a:p>
+          <a:p>
+            <a:pPr marL="0" indent="0">
+              <a:buNone/>
+            </a:pPr>
+            <a:r>
+              <a:rPr lang="en-US" sz="1800" dirty="0">
+                <a:latin typeface="Courier New" panose="02070309020205020404" pitchFamily="49" charset="0"/>
+                <a:cs typeface="Courier New" panose="02070309020205020404" pitchFamily="49" charset="0"/>
+              </a:rPr>
+              <a:t>		</a:t>
+            </a:r>
+            <a:r>
+              <a:rPr lang="en-US" sz="1800" dirty="0" err="1">
+                <a:latin typeface="Courier New" panose="02070309020205020404" pitchFamily="49" charset="0"/>
+                <a:cs typeface="Courier New" panose="02070309020205020404" pitchFamily="49" charset="0"/>
+              </a:rPr>
+              <a:t>gpa</a:t>
+            </a:r>
+            <a:r>
+              <a:rPr lang="en-US" sz="1800" dirty="0">
+                <a:latin typeface="Courier New" panose="02070309020205020404" pitchFamily="49" charset="0"/>
+                <a:cs typeface="Courier New" panose="02070309020205020404" pitchFamily="49" charset="0"/>
+              </a:rPr>
+              <a:t> = g;</a:t>
+            </a:r>
+          </a:p>
+          <a:p>
+            <a:pPr marL="0" indent="0">
+              <a:buNone/>
+            </a:pPr>
+            <a:r>
+              <a:rPr lang="en-US" sz="1800" dirty="0">
+                <a:latin typeface="Courier New" panose="02070309020205020404" pitchFamily="49" charset="0"/>
+                <a:cs typeface="Courier New" panose="02070309020205020404" pitchFamily="49" charset="0"/>
+              </a:rPr>
+              <a:t>	}</a:t>
+            </a:r>
+          </a:p>
+          <a:p>
+            <a:pPr marL="0" indent="0">
+              <a:buNone/>
+            </a:pPr>
+            <a:r>
+              <a:rPr lang="en-US" sz="1800" dirty="0">
+                <a:latin typeface="Courier New" panose="02070309020205020404" pitchFamily="49" charset="0"/>
+                <a:cs typeface="Courier New" panose="02070309020205020404" pitchFamily="49" charset="0"/>
+              </a:rPr>
+              <a:t>}</a:t>
             </a:r>
           </a:p>
         </p:txBody>
@@ -9938,7 +10123,7 @@
     </p:spTree>
     <p:extLst>
       <p:ext uri="{BB962C8B-B14F-4D97-AF65-F5344CB8AC3E}">
-        <p14:creationId xmlns:p14="http://schemas.microsoft.com/office/powerpoint/2010/main" val="993143345"/>
+        <p14:creationId xmlns:p14="http://schemas.microsoft.com/office/powerpoint/2010/main" val="2786955950"/>
       </p:ext>
     </p:extLst>
   </p:cSld>
@@ -9982,7 +10167,7 @@
           <a:p>
             <a:r>
               <a:rPr lang="en-US" dirty="0"/>
-              <a:t>Student</a:t>
+              <a:t>Dog</a:t>
             </a:r>
           </a:p>
         </p:txBody>
@@ -10024,7 +10209,7 @@
                 <a:latin typeface="Courier New" panose="02070309020205020404" pitchFamily="49" charset="0"/>
                 <a:cs typeface="Courier New" panose="02070309020205020404" pitchFamily="49" charset="0"/>
               </a:rPr>
-              <a:t>	public String name;</a:t>
+              <a:t>	public String breed;</a:t>
             </a:r>
           </a:p>
           <a:p>
@@ -10036,61 +10221,7 @@
                 <a:latin typeface="Courier New" panose="02070309020205020404" pitchFamily="49" charset="0"/>
                 <a:cs typeface="Courier New" panose="02070309020205020404" pitchFamily="49" charset="0"/>
               </a:rPr>
-              <a:t>	public </a:t>
-            </a:r>
-            <a:r>
-              <a:rPr lang="en-US" sz="1800" dirty="0" err="1">
-                <a:latin typeface="Courier New" panose="02070309020205020404" pitchFamily="49" charset="0"/>
-                <a:cs typeface="Courier New" panose="02070309020205020404" pitchFamily="49" charset="0"/>
-              </a:rPr>
-              <a:t>int</a:t>
-            </a:r>
-            <a:r>
-              <a:rPr lang="en-US" sz="1800" dirty="0">
-                <a:latin typeface="Courier New" panose="02070309020205020404" pitchFamily="49" charset="0"/>
-                <a:cs typeface="Courier New" panose="02070309020205020404" pitchFamily="49" charset="0"/>
-              </a:rPr>
-              <a:t> </a:t>
-            </a:r>
-            <a:r>
-              <a:rPr lang="en-US" sz="1800" dirty="0" err="1">
-                <a:latin typeface="Courier New" panose="02070309020205020404" pitchFamily="49" charset="0"/>
-                <a:cs typeface="Courier New" panose="02070309020205020404" pitchFamily="49" charset="0"/>
-              </a:rPr>
-              <a:t>gradeLevel</a:t>
-            </a:r>
-            <a:r>
-              <a:rPr lang="en-US" sz="1800" dirty="0">
-                <a:latin typeface="Courier New" panose="02070309020205020404" pitchFamily="49" charset="0"/>
-                <a:cs typeface="Courier New" panose="02070309020205020404" pitchFamily="49" charset="0"/>
-              </a:rPr>
-              <a:t>;</a:t>
-            </a:r>
-          </a:p>
-          <a:p>
-            <a:pPr marL="0" indent="0">
-              <a:buNone/>
-            </a:pPr>
-            <a:r>
-              <a:rPr lang="en-US" sz="1800" dirty="0">
-                <a:latin typeface="Courier New" panose="02070309020205020404" pitchFamily="49" charset="0"/>
-                <a:cs typeface="Courier New" panose="02070309020205020404" pitchFamily="49" charset="0"/>
-              </a:rPr>
-              <a:t>	public double </a:t>
-            </a:r>
-            <a:r>
-              <a:rPr lang="en-US" sz="1800" dirty="0" err="1">
-                <a:latin typeface="Courier New" panose="02070309020205020404" pitchFamily="49" charset="0"/>
-                <a:cs typeface="Courier New" panose="02070309020205020404" pitchFamily="49" charset="0"/>
-              </a:rPr>
-              <a:t>gpa</a:t>
-            </a:r>
-            <a:r>
-              <a:rPr lang="en-US" sz="1800" dirty="0">
-                <a:latin typeface="Courier New" panose="02070309020205020404" pitchFamily="49" charset="0"/>
-                <a:cs typeface="Courier New" panose="02070309020205020404" pitchFamily="49" charset="0"/>
-              </a:rPr>
-              <a:t>;</a:t>
+              <a:t>	???;				//What else could be made fields?</a:t>
             </a:r>
           </a:p>
           <a:p>
@@ -10111,113 +10242,19 @@
                 <a:latin typeface="Courier New" panose="02070309020205020404" pitchFamily="49" charset="0"/>
                 <a:cs typeface="Courier New" panose="02070309020205020404" pitchFamily="49" charset="0"/>
               </a:rPr>
-              <a:t>	public Student(String n, </a:t>
-            </a:r>
-            <a:r>
-              <a:rPr lang="en-US" sz="1800" dirty="0" err="1">
-                <a:latin typeface="Courier New" panose="02070309020205020404" pitchFamily="49" charset="0"/>
-                <a:cs typeface="Courier New" panose="02070309020205020404" pitchFamily="49" charset="0"/>
-              </a:rPr>
-              <a:t>int</a:t>
-            </a:r>
+              <a:t>	public Dog(???) {		//How do we add these as parameters?</a:t>
+            </a:r>
+          </a:p>
+          <a:p>
+            <a:pPr marL="0" indent="0">
+              <a:buNone/>
+            </a:pPr>
             <a:r>
               <a:rPr lang="en-US" sz="1800" dirty="0">
                 <a:latin typeface="Courier New" panose="02070309020205020404" pitchFamily="49" charset="0"/>
                 <a:cs typeface="Courier New" panose="02070309020205020404" pitchFamily="49" charset="0"/>
               </a:rPr>
-              <a:t> </a:t>
-            </a:r>
-            <a:r>
-              <a:rPr lang="en-US" sz="1800" dirty="0" err="1">
-                <a:latin typeface="Courier New" panose="02070309020205020404" pitchFamily="49" charset="0"/>
-                <a:cs typeface="Courier New" panose="02070309020205020404" pitchFamily="49" charset="0"/>
-              </a:rPr>
-              <a:t>gl</a:t>
-            </a:r>
-            <a:r>
-              <a:rPr lang="en-US" sz="1800" dirty="0">
-                <a:latin typeface="Courier New" panose="02070309020205020404" pitchFamily="49" charset="0"/>
-                <a:cs typeface="Courier New" panose="02070309020205020404" pitchFamily="49" charset="0"/>
-              </a:rPr>
-              <a:t>, double g) {</a:t>
-            </a:r>
-          </a:p>
-          <a:p>
-            <a:pPr marL="0" indent="0">
-              <a:buNone/>
-            </a:pPr>
-            <a:r>
-              <a:rPr lang="en-US" sz="1800" dirty="0">
-                <a:latin typeface="Courier New" panose="02070309020205020404" pitchFamily="49" charset="0"/>
-                <a:cs typeface="Courier New" panose="02070309020205020404" pitchFamily="49" charset="0"/>
-              </a:rPr>
-              <a:t>		name = n;</a:t>
-            </a:r>
-          </a:p>
-          <a:p>
-            <a:pPr marL="0" indent="0">
-              <a:buNone/>
-            </a:pPr>
-            <a:r>
-              <a:rPr lang="en-US" sz="1800" dirty="0">
-                <a:latin typeface="Courier New" panose="02070309020205020404" pitchFamily="49" charset="0"/>
-                <a:cs typeface="Courier New" panose="02070309020205020404" pitchFamily="49" charset="0"/>
-              </a:rPr>
-              <a:t>		</a:t>
-            </a:r>
-            <a:r>
-              <a:rPr lang="en-US" sz="1800" dirty="0" err="1">
-                <a:latin typeface="Courier New" panose="02070309020205020404" pitchFamily="49" charset="0"/>
-                <a:cs typeface="Courier New" panose="02070309020205020404" pitchFamily="49" charset="0"/>
-              </a:rPr>
-              <a:t>gradelevel</a:t>
-            </a:r>
-            <a:r>
-              <a:rPr lang="en-US" sz="1800" dirty="0">
-                <a:latin typeface="Courier New" panose="02070309020205020404" pitchFamily="49" charset="0"/>
-                <a:cs typeface="Courier New" panose="02070309020205020404" pitchFamily="49" charset="0"/>
-              </a:rPr>
-              <a:t> = </a:t>
-            </a:r>
-            <a:r>
-              <a:rPr lang="en-US" sz="1800" dirty="0" err="1">
-                <a:latin typeface="Courier New" panose="02070309020205020404" pitchFamily="49" charset="0"/>
-                <a:cs typeface="Courier New" panose="02070309020205020404" pitchFamily="49" charset="0"/>
-              </a:rPr>
-              <a:t>gl</a:t>
-            </a:r>
-            <a:r>
-              <a:rPr lang="en-US" sz="1800" dirty="0">
-                <a:latin typeface="Courier New" panose="02070309020205020404" pitchFamily="49" charset="0"/>
-                <a:cs typeface="Courier New" panose="02070309020205020404" pitchFamily="49" charset="0"/>
-              </a:rPr>
-              <a:t>;</a:t>
-            </a:r>
-          </a:p>
-          <a:p>
-            <a:pPr marL="0" indent="0">
-              <a:buNone/>
-            </a:pPr>
-            <a:r>
-              <a:rPr lang="en-US" sz="1800" dirty="0">
-                <a:latin typeface="Courier New" panose="02070309020205020404" pitchFamily="49" charset="0"/>
-                <a:cs typeface="Courier New" panose="02070309020205020404" pitchFamily="49" charset="0"/>
-              </a:rPr>
-              <a:t>		</a:t>
-            </a:r>
-            <a:r>
-              <a:rPr lang="en-US" sz="1800" dirty="0" err="1">
-                <a:latin typeface="Courier New" panose="02070309020205020404" pitchFamily="49" charset="0"/>
-                <a:cs typeface="Courier New" panose="02070309020205020404" pitchFamily="49" charset="0"/>
-              </a:rPr>
-              <a:t>gpa</a:t>
-            </a:r>
-            <a:r>
-              <a:rPr lang="en-US" sz="1800" dirty="0">
-                <a:latin typeface="Courier New" panose="02070309020205020404" pitchFamily="49" charset="0"/>
-                <a:cs typeface="Courier New" panose="02070309020205020404" pitchFamily="49" charset="0"/>
-              </a:rPr>
-              <a:t> = g;</a:t>
+              <a:t>		???;			//How do we assign values passed through?</a:t>
             </a:r>
           </a:p>
           <a:p>
@@ -10249,7 +10286,7 @@
     </p:spTree>
     <p:extLst>
       <p:ext uri="{BB962C8B-B14F-4D97-AF65-F5344CB8AC3E}">
-        <p14:creationId xmlns:p14="http://schemas.microsoft.com/office/powerpoint/2010/main" val="2786955950"/>
+        <p14:creationId xmlns:p14="http://schemas.microsoft.com/office/powerpoint/2010/main" val="3883131265"/>
       </p:ext>
     </p:extLst>
   </p:cSld>
@@ -10293,7 +10330,7 @@
           <a:p>
             <a:r>
               <a:rPr lang="en-US" dirty="0"/>
-              <a:t>Dog</a:t>
+              <a:t>Forecast</a:t>
             </a:r>
           </a:p>
         </p:txBody>
@@ -10323,7 +10360,7 @@
                 <a:latin typeface="Courier New" panose="02070309020205020404" pitchFamily="49" charset="0"/>
                 <a:cs typeface="Courier New" panose="02070309020205020404" pitchFamily="49" charset="0"/>
               </a:rPr>
-              <a:t>public class Student {</a:t>
+              <a:t>public class Forecast {</a:t>
             </a:r>
           </a:p>
           <a:p>
@@ -10335,40 +10372,35 @@
                 <a:latin typeface="Courier New" panose="02070309020205020404" pitchFamily="49" charset="0"/>
                 <a:cs typeface="Courier New" panose="02070309020205020404" pitchFamily="49" charset="0"/>
               </a:rPr>
-              <a:t>	public String breed;</a:t>
-            </a:r>
-          </a:p>
-          <a:p>
-            <a:pPr marL="0" indent="0">
-              <a:buNone/>
-            </a:pPr>
+              <a:t>	public </a:t>
+            </a:r>
+            <a:r>
+              <a:rPr lang="en-US" sz="1800" dirty="0" err="1">
+                <a:latin typeface="Courier New" panose="02070309020205020404" pitchFamily="49" charset="0"/>
+                <a:cs typeface="Courier New" panose="02070309020205020404" pitchFamily="49" charset="0"/>
+              </a:rPr>
+              <a:t>boolean</a:t>
+            </a:r>
             <a:r>
               <a:rPr lang="en-US" sz="1800" dirty="0">
                 <a:latin typeface="Courier New" panose="02070309020205020404" pitchFamily="49" charset="0"/>
                 <a:cs typeface="Courier New" panose="02070309020205020404" pitchFamily="49" charset="0"/>
               </a:rPr>
-              <a:t>	???;				//What else could be made fields?</a:t>
-            </a:r>
-          </a:p>
-          <a:p>
-            <a:pPr marL="0" indent="0">
-              <a:buNone/>
-            </a:pPr>
-            <a:endParaRPr lang="en-US" sz="1800" dirty="0">
-              <a:latin typeface="Courier New" panose="02070309020205020404" pitchFamily="49" charset="0"/>
-              <a:cs typeface="Courier New" panose="02070309020205020404" pitchFamily="49" charset="0"/>
-            </a:endParaRPr>
-          </a:p>
-          <a:p>
-            <a:pPr marL="0" indent="0">
-              <a:buNone/>
-            </a:pPr>
+              <a:t> </a:t>
+            </a:r>
+            <a:r>
+              <a:rPr lang="en-US" sz="1800" dirty="0" err="1">
+                <a:latin typeface="Courier New" panose="02070309020205020404" pitchFamily="49" charset="0"/>
+                <a:cs typeface="Courier New" panose="02070309020205020404" pitchFamily="49" charset="0"/>
+              </a:rPr>
+              <a:t>tornadoWarning</a:t>
+            </a:r>
             <a:r>
               <a:rPr lang="en-US" sz="1800" dirty="0">
                 <a:latin typeface="Courier New" panose="02070309020205020404" pitchFamily="49" charset="0"/>
                 <a:cs typeface="Courier New" panose="02070309020205020404" pitchFamily="49" charset="0"/>
               </a:rPr>
-              <a:t>	public Dog(???) {		//How do we add these as parameters?</a:t>
+              <a:t>;		//Does it make sense to have</a:t>
             </a:r>
           </a:p>
           <a:p>
@@ -10380,7 +10412,7 @@
                 <a:latin typeface="Courier New" panose="02070309020205020404" pitchFamily="49" charset="0"/>
                 <a:cs typeface="Courier New" panose="02070309020205020404" pitchFamily="49" charset="0"/>
               </a:rPr>
-              <a:t>		???;			//How do we assign values passed through?</a:t>
+              <a:t>	???;						//a tornado warning? This is</a:t>
             </a:r>
           </a:p>
           <a:p>
@@ -10392,7 +10424,19 @@
                 <a:latin typeface="Courier New" panose="02070309020205020404" pitchFamily="49" charset="0"/>
                 <a:cs typeface="Courier New" panose="02070309020205020404" pitchFamily="49" charset="0"/>
               </a:rPr>
-              <a:t>	}</a:t>
+              <a:t>							//a design choice!!!</a:t>
+            </a:r>
+          </a:p>
+          <a:p>
+            <a:pPr marL="0" indent="0">
+              <a:buNone/>
+            </a:pPr>
+            <a:r>
+              <a:rPr lang="en-US" sz="1800" dirty="0">
+                <a:latin typeface="Courier New" panose="02070309020205020404" pitchFamily="49" charset="0"/>
+                <a:cs typeface="Courier New" panose="02070309020205020404" pitchFamily="49" charset="0"/>
+              </a:rPr>
+              <a:t>	Constructor(???)</a:t>
             </a:r>
           </a:p>
           <a:p>
@@ -10412,7 +10456,7 @@
     </p:spTree>
     <p:extLst>
       <p:ext uri="{BB962C8B-B14F-4D97-AF65-F5344CB8AC3E}">
-        <p14:creationId xmlns:p14="http://schemas.microsoft.com/office/powerpoint/2010/main" val="3883131265"/>
+        <p14:creationId xmlns:p14="http://schemas.microsoft.com/office/powerpoint/2010/main" val="2369493087"/>
       </p:ext>
     </p:extLst>
   </p:cSld>
@@ -10456,7 +10500,7 @@
           <a:p>
             <a:r>
               <a:rPr lang="en-US" dirty="0"/>
-              <a:t>Forecast</a:t>
+              <a:t>Exit Ticket:</a:t>
             </a:r>
           </a:p>
         </p:txBody>
@@ -10473,108 +10517,30 @@
         </p:nvSpPr>
         <p:spPr/>
         <p:txBody>
-          <a:bodyPr>
-            <a:noAutofit/>
-          </a:bodyPr>
-          <a:lstStyle/>
-          <a:p>
-            <a:pPr marL="0" indent="0">
-              <a:buNone/>
-            </a:pPr>
-            <a:r>
-              <a:rPr lang="en-US" sz="1800" dirty="0">
-                <a:latin typeface="Courier New" panose="02070309020205020404" pitchFamily="49" charset="0"/>
-                <a:cs typeface="Courier New" panose="02070309020205020404" pitchFamily="49" charset="0"/>
-              </a:rPr>
-              <a:t>public class Forecast {</a:t>
-            </a:r>
-          </a:p>
-          <a:p>
-            <a:pPr marL="0" indent="0">
-              <a:buNone/>
-            </a:pPr>
-            <a:r>
-              <a:rPr lang="en-US" sz="1800" dirty="0">
-                <a:latin typeface="Courier New" panose="02070309020205020404" pitchFamily="49" charset="0"/>
-                <a:cs typeface="Courier New" panose="02070309020205020404" pitchFamily="49" charset="0"/>
-              </a:rPr>
-              <a:t>	public </a:t>
-            </a:r>
-            <a:r>
-              <a:rPr lang="en-US" sz="1800" dirty="0" err="1">
-                <a:latin typeface="Courier New" panose="02070309020205020404" pitchFamily="49" charset="0"/>
-                <a:cs typeface="Courier New" panose="02070309020205020404" pitchFamily="49" charset="0"/>
-              </a:rPr>
-              <a:t>boolean</a:t>
-            </a:r>
-            <a:r>
-              <a:rPr lang="en-US" sz="1800" dirty="0">
-                <a:latin typeface="Courier New" panose="02070309020205020404" pitchFamily="49" charset="0"/>
-                <a:cs typeface="Courier New" panose="02070309020205020404" pitchFamily="49" charset="0"/>
-              </a:rPr>
-              <a:t> </a:t>
-            </a:r>
-            <a:r>
-              <a:rPr lang="en-US" sz="1800" dirty="0" err="1">
-                <a:latin typeface="Courier New" panose="02070309020205020404" pitchFamily="49" charset="0"/>
-                <a:cs typeface="Courier New" panose="02070309020205020404" pitchFamily="49" charset="0"/>
-              </a:rPr>
-              <a:t>tornadoWarning</a:t>
-            </a:r>
-            <a:r>
-              <a:rPr lang="en-US" sz="1800" dirty="0">
-                <a:latin typeface="Courier New" panose="02070309020205020404" pitchFamily="49" charset="0"/>
-                <a:cs typeface="Courier New" panose="02070309020205020404" pitchFamily="49" charset="0"/>
-              </a:rPr>
-              <a:t>;		//Does it make sense to have</a:t>
-            </a:r>
-          </a:p>
-          <a:p>
-            <a:pPr marL="0" indent="0">
-              <a:buNone/>
-            </a:pPr>
-            <a:r>
-              <a:rPr lang="en-US" sz="1800" dirty="0">
-                <a:latin typeface="Courier New" panose="02070309020205020404" pitchFamily="49" charset="0"/>
-                <a:cs typeface="Courier New" panose="02070309020205020404" pitchFamily="49" charset="0"/>
-              </a:rPr>
-              <a:t>	???;						//a tornado warning? This is</a:t>
-            </a:r>
-          </a:p>
-          <a:p>
-            <a:pPr marL="0" indent="0">
-              <a:buNone/>
-            </a:pPr>
-            <a:r>
-              <a:rPr lang="en-US" sz="1800" dirty="0">
-                <a:latin typeface="Courier New" panose="02070309020205020404" pitchFamily="49" charset="0"/>
-                <a:cs typeface="Courier New" panose="02070309020205020404" pitchFamily="49" charset="0"/>
-              </a:rPr>
-              <a:t>							//a design choice!!!</a:t>
-            </a:r>
-          </a:p>
-          <a:p>
-            <a:pPr marL="0" indent="0">
-              <a:buNone/>
-            </a:pPr>
-            <a:r>
-              <a:rPr lang="en-US" sz="1800" dirty="0">
-                <a:latin typeface="Courier New" panose="02070309020205020404" pitchFamily="49" charset="0"/>
-                <a:cs typeface="Courier New" panose="02070309020205020404" pitchFamily="49" charset="0"/>
-              </a:rPr>
-              <a:t>	Constructor(???)</a:t>
-            </a:r>
-          </a:p>
-          <a:p>
-            <a:pPr marL="0" indent="0">
-              <a:buNone/>
-            </a:pPr>
-            <a:r>
-              <a:rPr lang="en-US" sz="1800" dirty="0">
-                <a:latin typeface="Courier New" panose="02070309020205020404" pitchFamily="49" charset="0"/>
-                <a:cs typeface="Courier New" panose="02070309020205020404" pitchFamily="49" charset="0"/>
-              </a:rPr>
-              <a:t>}</a:t>
+          <a:bodyPr/>
+          <a:lstStyle/>
+          <a:p>
+            <a:pPr marL="0" indent="0">
+              <a:buNone/>
+            </a:pPr>
+            <a:endParaRPr lang="en-US" dirty="0"/>
+          </a:p>
+          <a:p>
+            <a:pPr marL="0" indent="0">
+              <a:buNone/>
+            </a:pPr>
+            <a:r>
+              <a:rPr lang="en-US" dirty="0"/>
+              <a:t>Write your name and the name of another group’s class. </a:t>
+            </a:r>
+          </a:p>
+          <a:p>
+            <a:pPr marL="0" indent="0">
+              <a:buNone/>
+            </a:pPr>
+            <a:r>
+              <a:rPr lang="en-US" dirty="0"/>
+              <a:t>How would you declare an object according to that group’s constructor?</a:t>
             </a:r>
           </a:p>
         </p:txBody>
@@ -10582,7 +10548,7 @@
     </p:spTree>
     <p:extLst>
       <p:ext uri="{BB962C8B-B14F-4D97-AF65-F5344CB8AC3E}">
-        <p14:creationId xmlns:p14="http://schemas.microsoft.com/office/powerpoint/2010/main" val="2369493087"/>
+        <p14:creationId xmlns:p14="http://schemas.microsoft.com/office/powerpoint/2010/main" val="4210590996"/>
       </p:ext>
     </p:extLst>
   </p:cSld>
@@ -10621,12 +10587,14 @@
         </p:nvSpPr>
         <p:spPr/>
         <p:txBody>
-          <a:bodyPr/>
-          <a:lstStyle/>
-          <a:p>
-            <a:r>
-              <a:rPr lang="en-US" dirty="0"/>
-              <a:t>Exit Ticket:</a:t>
+          <a:bodyPr>
+            <a:normAutofit/>
+          </a:bodyPr>
+          <a:lstStyle/>
+          <a:p>
+            <a:r>
+              <a:rPr lang="en-US" dirty="0"/>
+              <a:t>Homework</a:t>
             </a:r>
           </a:p>
         </p:txBody>
@@ -10649,6 +10617,15 @@
             <a:pPr marL="0" indent="0">
               <a:buNone/>
             </a:pPr>
+            <a:r>
+              <a:rPr lang="en-US" dirty="0"/>
+              <a:t>Read HW 8.4</a:t>
+            </a:r>
+          </a:p>
+          <a:p>
+            <a:pPr marL="0" indent="0">
+              <a:buNone/>
+            </a:pPr>
             <a:endParaRPr lang="en-US" dirty="0"/>
           </a:p>
           <a:p>
@@ -10657,24 +10634,21 @@
             </a:pPr>
             <a:r>
               <a:rPr lang="en-US" dirty="0"/>
-              <a:t>Write your name and the name of another group’s class. </a:t>
-            </a:r>
-          </a:p>
-          <a:p>
-            <a:pPr marL="0" indent="0">
-              <a:buNone/>
-            </a:pPr>
-            <a:r>
-              <a:rPr lang="en-US" dirty="0"/>
-              <a:t>How would you declare an object according to that group’s constructor?</a:t>
-            </a:r>
+              <a:t>	Take notes, since you will have to teach a mini-lesson later.</a:t>
+            </a:r>
+          </a:p>
+          <a:p>
+            <a:pPr marL="0" indent="0">
+              <a:buNone/>
+            </a:pPr>
+            <a:endParaRPr lang="en-US" dirty="0"/>
           </a:p>
         </p:txBody>
       </p:sp>
     </p:spTree>
     <p:extLst>
       <p:ext uri="{BB962C8B-B14F-4D97-AF65-F5344CB8AC3E}">
-        <p14:creationId xmlns:p14="http://schemas.microsoft.com/office/powerpoint/2010/main" val="4210590996"/>
+        <p14:creationId xmlns:p14="http://schemas.microsoft.com/office/powerpoint/2010/main" val="4016129065"/>
       </p:ext>
     </p:extLst>
   </p:cSld>
@@ -10708,73 +10682,52 @@
             <a:spLocks noGrp="1"/>
           </p:cNvSpPr>
           <p:nvPr>
-            <p:ph type="title"/>
-          </p:nvPr>
-        </p:nvSpPr>
-        <p:spPr/>
-        <p:txBody>
-          <a:bodyPr>
-            <a:normAutofit/>
-          </a:bodyPr>
-          <a:lstStyle/>
-          <a:p>
-            <a:r>
-              <a:rPr lang="en-US" dirty="0"/>
-              <a:t>Homework</a:t>
-            </a:r>
-          </a:p>
-        </p:txBody>
-      </p:sp>
-      <p:sp>
-        <p:nvSpPr>
-          <p:cNvPr id="3" name="Content Placeholder 2"/>
-          <p:cNvSpPr>
-            <a:spLocks noGrp="1"/>
-          </p:cNvSpPr>
-          <p:nvPr>
-            <p:ph idx="1"/>
-          </p:nvPr>
-        </p:nvSpPr>
-        <p:spPr/>
-        <p:txBody>
-          <a:bodyPr/>
-          <a:lstStyle/>
-          <a:p>
-            <a:pPr marL="0" indent="0">
-              <a:buNone/>
-            </a:pPr>
-            <a:r>
-              <a:rPr lang="en-US" dirty="0"/>
-              <a:t>Read HW 8.4</a:t>
-            </a:r>
-          </a:p>
-          <a:p>
-            <a:pPr marL="0" indent="0">
-              <a:buNone/>
-            </a:pPr>
-            <a:endParaRPr lang="en-US" dirty="0"/>
-          </a:p>
-          <a:p>
-            <a:pPr marL="0" indent="0">
-              <a:buNone/>
-            </a:pPr>
-            <a:r>
-              <a:rPr lang="en-US" dirty="0"/>
-              <a:t>	Take notes, since you will have to teach a mini-lesson later.</a:t>
-            </a:r>
-          </a:p>
-          <a:p>
-            <a:pPr marL="0" indent="0">
-              <a:buNone/>
-            </a:pPr>
-            <a:endParaRPr lang="en-US" dirty="0"/>
+            <p:ph type="ctrTitle"/>
+          </p:nvPr>
+        </p:nvSpPr>
+        <p:spPr>
+          <a:xfrm>
+            <a:off x="1289538" y="1122363"/>
+            <a:ext cx="9612924" cy="2387600"/>
+          </a:xfrm>
+        </p:spPr>
+        <p:txBody>
+          <a:bodyPr/>
+          <a:lstStyle/>
+          <a:p>
+            <a:r>
+              <a:rPr lang="en-US" dirty="0"/>
+              <a:t>Encapsulation</a:t>
+            </a:r>
+          </a:p>
+        </p:txBody>
+      </p:sp>
+      <p:sp>
+        <p:nvSpPr>
+          <p:cNvPr id="3" name="Subtitle 2"/>
+          <p:cNvSpPr>
+            <a:spLocks noGrp="1"/>
+          </p:cNvSpPr>
+          <p:nvPr>
+            <p:ph type="subTitle" idx="1"/>
+          </p:nvPr>
+        </p:nvSpPr>
+        <p:spPr/>
+        <p:txBody>
+          <a:bodyPr/>
+          <a:lstStyle/>
+          <a:p>
+            <a:r>
+              <a:rPr lang="en-US" dirty="0"/>
+              <a:t>[ 5.04 ] [ Today’s Date ] [ Instructor Name ]</a:t>
+            </a:r>
           </a:p>
         </p:txBody>
       </p:sp>
     </p:spTree>
     <p:extLst>
       <p:ext uri="{BB962C8B-B14F-4D97-AF65-F5344CB8AC3E}">
-        <p14:creationId xmlns:p14="http://schemas.microsoft.com/office/powerpoint/2010/main" val="4016129065"/>
+        <p14:creationId xmlns:p14="http://schemas.microsoft.com/office/powerpoint/2010/main" val="3189092506"/>
       </p:ext>
     </p:extLst>
   </p:cSld>
@@ -10808,44 +10761,89 @@
             <a:spLocks noGrp="1"/>
           </p:cNvSpPr>
           <p:nvPr>
-            <p:ph type="ctrTitle"/>
-          </p:nvPr>
-        </p:nvSpPr>
-        <p:spPr>
-          <a:xfrm>
-            <a:off x="1289538" y="1122363"/>
-            <a:ext cx="9612924" cy="2387600"/>
-          </a:xfrm>
-        </p:spPr>
-        <p:txBody>
-          <a:bodyPr/>
-          <a:lstStyle/>
-          <a:p>
-            <a:r>
-              <a:rPr lang="en-US" dirty="0"/>
-              <a:t>Encapsulation</a:t>
-            </a:r>
-          </a:p>
-        </p:txBody>
-      </p:sp>
-      <p:sp>
-        <p:nvSpPr>
-          <p:cNvPr id="3" name="Subtitle 2"/>
-          <p:cNvSpPr>
-            <a:spLocks noGrp="1"/>
-          </p:cNvSpPr>
-          <p:nvPr>
-            <p:ph type="subTitle" idx="1"/>
-          </p:nvPr>
-        </p:nvSpPr>
-        <p:spPr/>
-        <p:txBody>
-          <a:bodyPr/>
-          <a:lstStyle/>
-          <a:p>
-            <a:r>
-              <a:rPr lang="en-US" dirty="0"/>
-              <a:t>[ 5.04 ] [ Today’s Date ] [ Instructor Name ]</a:t>
+            <p:ph type="title"/>
+          </p:nvPr>
+        </p:nvSpPr>
+        <p:spPr/>
+        <p:txBody>
+          <a:bodyPr/>
+          <a:lstStyle/>
+          <a:p>
+            <a:pPr algn="ctr"/>
+            <a:r>
+              <a:rPr lang="en-US" dirty="0"/>
+              <a:t>Mini Lessons on chapter 8 section 4.</a:t>
+            </a:r>
+          </a:p>
+        </p:txBody>
+      </p:sp>
+      <p:sp>
+        <p:nvSpPr>
+          <p:cNvPr id="3" name="Content Placeholder 2"/>
+          <p:cNvSpPr>
+            <a:spLocks noGrp="1"/>
+          </p:cNvSpPr>
+          <p:nvPr>
+            <p:ph idx="1"/>
+          </p:nvPr>
+        </p:nvSpPr>
+        <p:spPr/>
+        <p:txBody>
+          <a:bodyPr>
+            <a:normAutofit/>
+          </a:bodyPr>
+          <a:lstStyle/>
+          <a:p>
+            <a:pPr marL="0" indent="0" algn="ctr">
+              <a:buNone/>
+            </a:pPr>
+            <a:r>
+              <a:rPr lang="en-US" sz="3200" dirty="0"/>
+              <a:t>Encapsulation and Abstraction</a:t>
+            </a:r>
+          </a:p>
+          <a:p>
+            <a:pPr algn="ctr"/>
+            <a:endParaRPr lang="en-US" sz="3200" dirty="0"/>
+          </a:p>
+          <a:p>
+            <a:pPr marL="0" indent="0" algn="ctr">
+              <a:buNone/>
+            </a:pPr>
+            <a:r>
+              <a:rPr lang="en-US" sz="3200" dirty="0"/>
+              <a:t>Private Fields</a:t>
+            </a:r>
+          </a:p>
+          <a:p>
+            <a:pPr algn="ctr"/>
+            <a:endParaRPr lang="en-US" sz="3200" dirty="0"/>
+          </a:p>
+          <a:p>
+            <a:pPr marL="0" indent="0" algn="ctr">
+              <a:buNone/>
+            </a:pPr>
+            <a:r>
+              <a:rPr lang="en-US" sz="3200" dirty="0"/>
+              <a:t>Class </a:t>
+            </a:r>
+            <a:r>
+              <a:rPr lang="en-US" sz="3200" dirty="0" err="1"/>
+              <a:t>Invarients</a:t>
+            </a:r>
+            <a:endParaRPr lang="en-US" sz="3200" dirty="0"/>
+          </a:p>
+          <a:p>
+            <a:pPr algn="ctr"/>
+            <a:endParaRPr lang="en-US" sz="3200" dirty="0"/>
+          </a:p>
+          <a:p>
+            <a:pPr marL="0" indent="0" algn="ctr">
+              <a:buNone/>
+            </a:pPr>
+            <a:r>
+              <a:rPr lang="en-US" sz="3200" dirty="0"/>
+              <a:t>Changing Internal Implementations</a:t>
             </a:r>
           </a:p>
         </p:txBody>
@@ -10853,7 +10851,7 @@
     </p:spTree>
     <p:extLst>
       <p:ext uri="{BB962C8B-B14F-4D97-AF65-F5344CB8AC3E}">
-        <p14:creationId xmlns:p14="http://schemas.microsoft.com/office/powerpoint/2010/main" val="3189092506"/>
+        <p14:creationId xmlns:p14="http://schemas.microsoft.com/office/powerpoint/2010/main" val="3307385066"/>
       </p:ext>
     </p:extLst>
   </p:cSld>
@@ -10895,10 +10893,9 @@
           <a:bodyPr/>
           <a:lstStyle/>
           <a:p>
-            <a:pPr algn="ctr"/>
-            <a:r>
-              <a:rPr lang="en-US" dirty="0"/>
-              <a:t>Mini Lessons on chapter 8 section 4.</a:t>
+            <a:r>
+              <a:rPr lang="en-US" dirty="0"/>
+              <a:t>Mini Lesson Guidelines</a:t>
             </a:r>
           </a:p>
         </p:txBody>
@@ -10915,61 +10912,45 @@
         </p:nvSpPr>
         <p:spPr/>
         <p:txBody>
-          <a:bodyPr>
-            <a:normAutofit/>
-          </a:bodyPr>
-          <a:lstStyle/>
-          <a:p>
-            <a:pPr marL="0" indent="0" algn="ctr">
-              <a:buNone/>
-            </a:pPr>
-            <a:r>
-              <a:rPr lang="en-US" sz="3200" dirty="0"/>
-              <a:t>Encapsulation and Abstraction</a:t>
-            </a:r>
-          </a:p>
-          <a:p>
-            <a:pPr algn="ctr"/>
-            <a:endParaRPr lang="en-US" sz="3200" dirty="0"/>
-          </a:p>
-          <a:p>
-            <a:pPr marL="0" indent="0" algn="ctr">
-              <a:buNone/>
-            </a:pPr>
-            <a:r>
-              <a:rPr lang="en-US" sz="3200" dirty="0"/>
-              <a:t>Private Fields</a:t>
-            </a:r>
-          </a:p>
-          <a:p>
-            <a:pPr algn="ctr"/>
-            <a:endParaRPr lang="en-US" sz="3200" dirty="0"/>
-          </a:p>
-          <a:p>
-            <a:pPr marL="0" indent="0" algn="ctr">
-              <a:buNone/>
-            </a:pPr>
-            <a:r>
-              <a:rPr lang="en-US" sz="3200" dirty="0"/>
-              <a:t>Class </a:t>
-            </a:r>
-            <a:r>
-              <a:rPr lang="en-US" sz="3200" dirty="0" err="1"/>
-              <a:t>Invarients</a:t>
-            </a:r>
-            <a:endParaRPr lang="en-US" sz="3200" dirty="0"/>
-          </a:p>
-          <a:p>
-            <a:pPr algn="ctr"/>
-            <a:endParaRPr lang="en-US" sz="3200" dirty="0"/>
-          </a:p>
-          <a:p>
-            <a:pPr marL="0" indent="0" algn="ctr">
-              <a:buNone/>
-            </a:pPr>
-            <a:r>
-              <a:rPr lang="en-US" sz="3200" dirty="0"/>
-              <a:t>Changing Internal Implementations</a:t>
+          <a:bodyPr/>
+          <a:lstStyle/>
+          <a:p>
+            <a:pPr marL="0" indent="0">
+              <a:buNone/>
+            </a:pPr>
+            <a:r>
+              <a:rPr lang="en-US" dirty="0"/>
+              <a:t>Each group has 7 minutes to present and 2 minutes for questions.</a:t>
+            </a:r>
+          </a:p>
+          <a:p>
+            <a:pPr marL="0" indent="0">
+              <a:buNone/>
+            </a:pPr>
+            <a:endParaRPr lang="en-US" dirty="0"/>
+          </a:p>
+          <a:p>
+            <a:pPr marL="0" indent="0">
+              <a:buNone/>
+            </a:pPr>
+            <a:r>
+              <a:rPr lang="en-US" dirty="0"/>
+              <a:t>Each group must submit 3 questions related to your topic for an in class quiz tomorrow.</a:t>
+            </a:r>
+          </a:p>
+          <a:p>
+            <a:pPr marL="0" indent="0">
+              <a:buNone/>
+            </a:pPr>
+            <a:endParaRPr lang="en-US" dirty="0"/>
+          </a:p>
+          <a:p>
+            <a:pPr marL="0" indent="0">
+              <a:buNone/>
+            </a:pPr>
+            <a:r>
+              <a:rPr lang="en-US" dirty="0"/>
+              <a:t>You have 15 minutes to prepare your presentations and questions.</a:t>
             </a:r>
           </a:p>
         </p:txBody>
@@ -10977,7 +10958,7 @@
     </p:spTree>
     <p:extLst>
       <p:ext uri="{BB962C8B-B14F-4D97-AF65-F5344CB8AC3E}">
-        <p14:creationId xmlns:p14="http://schemas.microsoft.com/office/powerpoint/2010/main" val="3307385066"/>
+        <p14:creationId xmlns:p14="http://schemas.microsoft.com/office/powerpoint/2010/main" val="1453055125"/>
       </p:ext>
     </p:extLst>
   </p:cSld>
@@ -11076,12 +11057,14 @@
         </p:nvSpPr>
         <p:spPr/>
         <p:txBody>
-          <a:bodyPr/>
-          <a:lstStyle/>
-          <a:p>
-            <a:r>
-              <a:rPr lang="en-US" dirty="0"/>
-              <a:t>Mini Lesson Guidelines</a:t>
+          <a:bodyPr>
+            <a:normAutofit/>
+          </a:bodyPr>
+          <a:lstStyle/>
+          <a:p>
+            <a:r>
+              <a:rPr lang="en-US" dirty="0"/>
+              <a:t>Homework</a:t>
             </a:r>
           </a:p>
         </p:txBody>
@@ -11106,7 +11089,7 @@
             </a:pPr>
             <a:r>
               <a:rPr lang="en-US" dirty="0"/>
-              <a:t>Each group has 7 minutes to present and 2 minutes for questions.</a:t>
+              <a:t>Complete chapter 8 self-check questions #17 – 21.</a:t>
             </a:r>
           </a:p>
           <a:p>
@@ -11114,37 +11097,13 @@
               <a:buNone/>
             </a:pPr>
             <a:endParaRPr lang="en-US" dirty="0"/>
-          </a:p>
-          <a:p>
-            <a:pPr marL="0" indent="0">
-              <a:buNone/>
-            </a:pPr>
-            <a:r>
-              <a:rPr lang="en-US" dirty="0"/>
-              <a:t>Each group must submit 3 questions related to your topic for an in class quiz tomorrow.</a:t>
-            </a:r>
-          </a:p>
-          <a:p>
-            <a:pPr marL="0" indent="0">
-              <a:buNone/>
-            </a:pPr>
-            <a:endParaRPr lang="en-US" dirty="0"/>
-          </a:p>
-          <a:p>
-            <a:pPr marL="0" indent="0">
-              <a:buNone/>
-            </a:pPr>
-            <a:r>
-              <a:rPr lang="en-US" dirty="0"/>
-              <a:t>You have 15 minutes to prepare your presentations and questions.</a:t>
-            </a:r>
           </a:p>
         </p:txBody>
       </p:sp>
     </p:spTree>
     <p:extLst>
       <p:ext uri="{BB962C8B-B14F-4D97-AF65-F5344CB8AC3E}">
-        <p14:creationId xmlns:p14="http://schemas.microsoft.com/office/powerpoint/2010/main" val="1453055125"/>
+        <p14:creationId xmlns:p14="http://schemas.microsoft.com/office/powerpoint/2010/main" val="1533073046"/>
       </p:ext>
     </p:extLst>
   </p:cSld>
@@ -11178,58 +11137,47 @@
             <a:spLocks noGrp="1"/>
           </p:cNvSpPr>
           <p:nvPr>
-            <p:ph type="title"/>
-          </p:nvPr>
-        </p:nvSpPr>
-        <p:spPr/>
-        <p:txBody>
-          <a:bodyPr>
-            <a:normAutofit/>
-          </a:bodyPr>
-          <a:lstStyle/>
-          <a:p>
-            <a:r>
-              <a:rPr lang="en-US" dirty="0"/>
-              <a:t>Homework</a:t>
-            </a:r>
-          </a:p>
-        </p:txBody>
-      </p:sp>
-      <p:sp>
-        <p:nvSpPr>
-          <p:cNvPr id="3" name="Content Placeholder 2"/>
-          <p:cNvSpPr>
-            <a:spLocks noGrp="1"/>
-          </p:cNvSpPr>
-          <p:nvPr>
-            <p:ph idx="1"/>
-          </p:nvPr>
-        </p:nvSpPr>
-        <p:spPr/>
-        <p:txBody>
-          <a:bodyPr/>
-          <a:lstStyle/>
-          <a:p>
-            <a:pPr marL="0" indent="0">
-              <a:buNone/>
-            </a:pPr>
-            <a:r>
-              <a:rPr lang="en-US" dirty="0"/>
-              <a:t>Complete chapter 8 self-check questions #17 – 21.</a:t>
-            </a:r>
-          </a:p>
-          <a:p>
-            <a:pPr marL="0" indent="0">
-              <a:buNone/>
-            </a:pPr>
-            <a:endParaRPr lang="en-US" dirty="0"/>
+            <p:ph type="ctrTitle"/>
+          </p:nvPr>
+        </p:nvSpPr>
+        <p:spPr/>
+        <p:txBody>
+          <a:bodyPr/>
+          <a:lstStyle/>
+          <a:p>
+            <a:r>
+              <a:rPr lang="en-US" dirty="0"/>
+              <a:t>Finding and Fixing Errors</a:t>
+            </a:r>
+          </a:p>
+        </p:txBody>
+      </p:sp>
+      <p:sp>
+        <p:nvSpPr>
+          <p:cNvPr id="3" name="Subtitle 2"/>
+          <p:cNvSpPr>
+            <a:spLocks noGrp="1"/>
+          </p:cNvSpPr>
+          <p:nvPr>
+            <p:ph type="subTitle" idx="1"/>
+          </p:nvPr>
+        </p:nvSpPr>
+        <p:spPr/>
+        <p:txBody>
+          <a:bodyPr/>
+          <a:lstStyle/>
+          <a:p>
+            <a:r>
+              <a:rPr lang="en-US" dirty="0"/>
+              <a:t>[ 5.05 ] [ Today’s Date ] [ Instructor Name ]</a:t>
+            </a:r>
           </a:p>
         </p:txBody>
       </p:sp>
     </p:spTree>
     <p:extLst>
       <p:ext uri="{BB962C8B-B14F-4D97-AF65-F5344CB8AC3E}">
-        <p14:creationId xmlns:p14="http://schemas.microsoft.com/office/powerpoint/2010/main" val="1533073046"/>
+        <p14:creationId xmlns:p14="http://schemas.microsoft.com/office/powerpoint/2010/main" val="2341881380"/>
       </p:ext>
     </p:extLst>
   </p:cSld>
@@ -11263,47 +11211,82 @@
             <a:spLocks noGrp="1"/>
           </p:cNvSpPr>
           <p:nvPr>
-            <p:ph type="ctrTitle"/>
-          </p:nvPr>
-        </p:nvSpPr>
-        <p:spPr/>
-        <p:txBody>
-          <a:bodyPr/>
-          <a:lstStyle/>
-          <a:p>
-            <a:r>
-              <a:rPr lang="en-US" dirty="0"/>
-              <a:t>Finding and Fixing Errors</a:t>
-            </a:r>
-          </a:p>
-        </p:txBody>
-      </p:sp>
-      <p:sp>
-        <p:nvSpPr>
-          <p:cNvPr id="3" name="Subtitle 2"/>
-          <p:cNvSpPr>
-            <a:spLocks noGrp="1"/>
-          </p:cNvSpPr>
-          <p:nvPr>
-            <p:ph type="subTitle" idx="1"/>
-          </p:nvPr>
-        </p:nvSpPr>
-        <p:spPr/>
-        <p:txBody>
-          <a:bodyPr/>
-          <a:lstStyle/>
-          <a:p>
-            <a:r>
-              <a:rPr lang="en-US" dirty="0"/>
-              <a:t>[ 5.05 ] [ Today’s Date ] [ Instructor Name ]</a:t>
-            </a:r>
+            <p:ph type="title"/>
+          </p:nvPr>
+        </p:nvSpPr>
+        <p:spPr/>
+        <p:txBody>
+          <a:bodyPr/>
+          <a:lstStyle/>
+          <a:p>
+            <a:r>
+              <a:rPr lang="en-US" dirty="0"/>
+              <a:t>Today’s plan:</a:t>
+            </a:r>
+          </a:p>
+        </p:txBody>
+      </p:sp>
+      <p:sp>
+        <p:nvSpPr>
+          <p:cNvPr id="3" name="Content Placeholder 2"/>
+          <p:cNvSpPr>
+            <a:spLocks noGrp="1"/>
+          </p:cNvSpPr>
+          <p:nvPr>
+            <p:ph idx="1"/>
+          </p:nvPr>
+        </p:nvSpPr>
+        <p:spPr/>
+        <p:txBody>
+          <a:bodyPr/>
+          <a:lstStyle/>
+          <a:p>
+            <a:pPr marL="0" indent="0">
+              <a:buNone/>
+            </a:pPr>
+            <a:r>
+              <a:rPr lang="en-US" dirty="0"/>
+              <a:t>Error check and resubmit all chapter 8 assignments.</a:t>
+            </a:r>
+          </a:p>
+          <a:p>
+            <a:endParaRPr lang="en-US" dirty="0"/>
+          </a:p>
+          <a:p>
+            <a:pPr marL="0" indent="0">
+              <a:buNone/>
+            </a:pPr>
+            <a:r>
+              <a:rPr lang="en-US" dirty="0"/>
+              <a:t>Study for the test by:</a:t>
+            </a:r>
+          </a:p>
+          <a:p>
+            <a:pPr lvl="1"/>
+            <a:r>
+              <a:rPr lang="en-US" dirty="0"/>
+              <a:t>Reviewing all of the blue, self-check pages at the end of Chapter 8.</a:t>
+            </a:r>
+          </a:p>
+          <a:p>
+            <a:pPr lvl="1"/>
+            <a:r>
+              <a:rPr lang="en-US" dirty="0"/>
+              <a:t>Re-reading sections as needed to complete the self-check problems.</a:t>
+            </a:r>
+          </a:p>
+          <a:p>
+            <a:pPr marL="457200" lvl="1" indent="0">
+              <a:buNone/>
+            </a:pPr>
+            <a:endParaRPr lang="en-US" dirty="0"/>
           </a:p>
         </p:txBody>
       </p:sp>
     </p:spTree>
     <p:extLst>
       <p:ext uri="{BB962C8B-B14F-4D97-AF65-F5344CB8AC3E}">
-        <p14:creationId xmlns:p14="http://schemas.microsoft.com/office/powerpoint/2010/main" val="2341881380"/>
+        <p14:creationId xmlns:p14="http://schemas.microsoft.com/office/powerpoint/2010/main" val="2703046505"/>
       </p:ext>
     </p:extLst>
   </p:cSld>
@@ -11347,7 +11330,7 @@
           <a:p>
             <a:r>
               <a:rPr lang="en-US" dirty="0"/>
-              <a:t>Today’s plan:</a:t>
+              <a:t>Homework Regrade/Resubmit</a:t>
             </a:r>
           </a:p>
         </p:txBody>
@@ -11372,7 +11355,7 @@
             </a:pPr>
             <a:r>
               <a:rPr lang="en-US" dirty="0"/>
-              <a:t>Error check and resubmit all chapter 8 assignments.</a:t>
+              <a:t>You all have the opportunity to get full credit  on your homework grades by correcting them now, in class.</a:t>
             </a:r>
           </a:p>
           <a:p>
@@ -11384,25 +11367,11 @@
             </a:pPr>
             <a:r>
               <a:rPr lang="en-US" dirty="0"/>
-              <a:t>Study for the test by:</a:t>
-            </a:r>
-          </a:p>
-          <a:p>
-            <a:pPr lvl="1"/>
-            <a:r>
-              <a:rPr lang="en-US" dirty="0"/>
-              <a:t>Reviewing all of the blue, self-check pages at the end of Chapter 8.</a:t>
-            </a:r>
-          </a:p>
-          <a:p>
-            <a:pPr lvl="1"/>
-            <a:r>
-              <a:rPr lang="en-US" dirty="0"/>
-              <a:t>Re-reading sections as needed to complete the self-check problems.</a:t>
-            </a:r>
-          </a:p>
-          <a:p>
-            <a:pPr marL="457200" lvl="1" indent="0">
+              <a:t>Use your error checking algorithm, and if you need help just ask!</a:t>
+            </a:r>
+          </a:p>
+          <a:p>
+            <a:pPr marL="0" indent="0">
               <a:buNone/>
             </a:pPr>
             <a:endParaRPr lang="en-US" dirty="0"/>
@@ -11412,7 +11381,7 @@
     </p:spTree>
     <p:extLst>
       <p:ext uri="{BB962C8B-B14F-4D97-AF65-F5344CB8AC3E}">
-        <p14:creationId xmlns:p14="http://schemas.microsoft.com/office/powerpoint/2010/main" val="2703046505"/>
+        <p14:creationId xmlns:p14="http://schemas.microsoft.com/office/powerpoint/2010/main" val="1205574922"/>
       </p:ext>
     </p:extLst>
   </p:cSld>
@@ -11456,7 +11425,7 @@
           <a:p>
             <a:r>
               <a:rPr lang="en-US" dirty="0"/>
-              <a:t>Homework Regrade/Resubmit</a:t>
+              <a:t>Homework</a:t>
             </a:r>
           </a:p>
         </p:txBody>
@@ -11476,24 +11445,9 @@
           <a:bodyPr/>
           <a:lstStyle/>
           <a:p>
-            <a:pPr marL="0" indent="0">
-              <a:buNone/>
-            </a:pPr>
-            <a:r>
-              <a:rPr lang="en-US" dirty="0"/>
-              <a:t>You all have the opportunity to get full credit  on your homework grades by correcting them now, in class.</a:t>
-            </a:r>
-          </a:p>
-          <a:p>
-            <a:endParaRPr lang="en-US" dirty="0"/>
-          </a:p>
-          <a:p>
-            <a:pPr marL="0" indent="0">
-              <a:buNone/>
-            </a:pPr>
-            <a:r>
-              <a:rPr lang="en-US" dirty="0"/>
-              <a:t>Use your error checking algorithm, and if you need help just ask!</a:t>
+            <a:r>
+              <a:rPr lang="en-US" dirty="0"/>
+              <a:t>Begin reviewing chapter 8 for the Unit Test.</a:t>
             </a:r>
           </a:p>
           <a:p>
@@ -11507,7 +11461,7 @@
     </p:spTree>
     <p:extLst>
       <p:ext uri="{BB962C8B-B14F-4D97-AF65-F5344CB8AC3E}">
-        <p14:creationId xmlns:p14="http://schemas.microsoft.com/office/powerpoint/2010/main" val="1205574922"/>
+        <p14:creationId xmlns:p14="http://schemas.microsoft.com/office/powerpoint/2010/main" val="3146932376"/>
       </p:ext>
     </p:extLst>
   </p:cSld>
@@ -11541,53 +11495,47 @@
             <a:spLocks noGrp="1"/>
           </p:cNvSpPr>
           <p:nvPr>
-            <p:ph type="title"/>
-          </p:nvPr>
-        </p:nvSpPr>
-        <p:spPr/>
-        <p:txBody>
-          <a:bodyPr/>
-          <a:lstStyle/>
-          <a:p>
-            <a:r>
-              <a:rPr lang="en-US" dirty="0"/>
-              <a:t>Homework</a:t>
-            </a:r>
-          </a:p>
-        </p:txBody>
-      </p:sp>
-      <p:sp>
-        <p:nvSpPr>
-          <p:cNvPr id="3" name="Content Placeholder 2"/>
-          <p:cNvSpPr>
-            <a:spLocks noGrp="1"/>
-          </p:cNvSpPr>
-          <p:nvPr>
-            <p:ph idx="1"/>
-          </p:nvPr>
-        </p:nvSpPr>
-        <p:spPr/>
-        <p:txBody>
-          <a:bodyPr/>
-          <a:lstStyle/>
-          <a:p>
-            <a:r>
-              <a:rPr lang="en-US" dirty="0"/>
-              <a:t>Begin reviewing chapter 8 for the Unit Test.</a:t>
-            </a:r>
-          </a:p>
-          <a:p>
-            <a:pPr marL="0" indent="0">
-              <a:buNone/>
-            </a:pPr>
-            <a:endParaRPr lang="en-US" dirty="0"/>
+            <p:ph type="ctrTitle"/>
+          </p:nvPr>
+        </p:nvSpPr>
+        <p:spPr/>
+        <p:txBody>
+          <a:bodyPr/>
+          <a:lstStyle/>
+          <a:p>
+            <a:r>
+              <a:rPr lang="en-US" dirty="0"/>
+              <a:t>Picture Lab</a:t>
+            </a:r>
+          </a:p>
+        </p:txBody>
+      </p:sp>
+      <p:sp>
+        <p:nvSpPr>
+          <p:cNvPr id="3" name="Subtitle 2"/>
+          <p:cNvSpPr>
+            <a:spLocks noGrp="1"/>
+          </p:cNvSpPr>
+          <p:nvPr>
+            <p:ph type="subTitle" idx="1"/>
+          </p:nvPr>
+        </p:nvSpPr>
+        <p:spPr/>
+        <p:txBody>
+          <a:bodyPr/>
+          <a:lstStyle/>
+          <a:p>
+            <a:r>
+              <a:rPr lang="en-US" dirty="0"/>
+              <a:t>[ 5.06 ] [ Today’s Date ] [ Instructor Name ]</a:t>
+            </a:r>
           </a:p>
         </p:txBody>
       </p:sp>
     </p:spTree>
     <p:extLst>
       <p:ext uri="{BB962C8B-B14F-4D97-AF65-F5344CB8AC3E}">
-        <p14:creationId xmlns:p14="http://schemas.microsoft.com/office/powerpoint/2010/main" val="3146932376"/>
+        <p14:creationId xmlns:p14="http://schemas.microsoft.com/office/powerpoint/2010/main" val="2736099663"/>
       </p:ext>
     </p:extLst>
   </p:cSld>
@@ -11621,39 +11569,84 @@
             <a:spLocks noGrp="1"/>
           </p:cNvSpPr>
           <p:nvPr>
-            <p:ph type="ctrTitle"/>
-          </p:nvPr>
-        </p:nvSpPr>
-        <p:spPr/>
-        <p:txBody>
-          <a:bodyPr/>
-          <a:lstStyle/>
-          <a:p>
-            <a:r>
-              <a:rPr lang="en-US" dirty="0"/>
-              <a:t>Picture Lab</a:t>
-            </a:r>
-          </a:p>
-        </p:txBody>
-      </p:sp>
-      <p:sp>
-        <p:nvSpPr>
-          <p:cNvPr id="3" name="Subtitle 2"/>
-          <p:cNvSpPr>
-            <a:spLocks noGrp="1"/>
-          </p:cNvSpPr>
-          <p:nvPr>
-            <p:ph type="subTitle" idx="1"/>
-          </p:nvPr>
-        </p:nvSpPr>
-        <p:spPr/>
-        <p:txBody>
-          <a:bodyPr/>
-          <a:lstStyle/>
-          <a:p>
-            <a:r>
-              <a:rPr lang="en-US" dirty="0"/>
-              <a:t>[ 5.06 ] [ Today’s Date ] [ Instructor Name ]</a:t>
+            <p:ph type="title"/>
+          </p:nvPr>
+        </p:nvSpPr>
+        <p:spPr/>
+        <p:txBody>
+          <a:bodyPr/>
+          <a:lstStyle/>
+          <a:p>
+            <a:r>
+              <a:rPr lang="en-US" dirty="0"/>
+              <a:t>Picture Lab Placeholder</a:t>
+            </a:r>
+          </a:p>
+        </p:txBody>
+      </p:sp>
+      <p:sp>
+        <p:nvSpPr>
+          <p:cNvPr id="3" name="Content Placeholder 2"/>
+          <p:cNvSpPr>
+            <a:spLocks noGrp="1"/>
+          </p:cNvSpPr>
+          <p:nvPr>
+            <p:ph idx="1"/>
+          </p:nvPr>
+        </p:nvSpPr>
+        <p:spPr/>
+        <p:txBody>
+          <a:bodyPr/>
+          <a:lstStyle/>
+          <a:p>
+            <a:pPr marL="0" indent="0">
+              <a:buNone/>
+            </a:pPr>
+            <a:r>
+              <a:rPr lang="en-US" dirty="0"/>
+              <a:t>Edit and use this slide deck to go over questions your class has.</a:t>
+            </a:r>
+          </a:p>
+          <a:p>
+            <a:pPr marL="0" indent="0">
+              <a:buNone/>
+            </a:pPr>
+            <a:endParaRPr lang="en-US" dirty="0"/>
+          </a:p>
+          <a:p>
+            <a:pPr marL="0" indent="0">
+              <a:buNone/>
+            </a:pPr>
+            <a:r>
+              <a:rPr lang="en-US" dirty="0"/>
+              <a:t>Follow the Teacher Guide for the Picture Lab found on </a:t>
+            </a:r>
+            <a:r>
+              <a:rPr lang="en-US" dirty="0" err="1"/>
+              <a:t>sharepoint</a:t>
+            </a:r>
+            <a:r>
+              <a:rPr lang="en-US" dirty="0"/>
+              <a:t>.</a:t>
+            </a:r>
+          </a:p>
+          <a:p>
+            <a:pPr marL="0" indent="0">
+              <a:buNone/>
+            </a:pPr>
+            <a:endParaRPr lang="en-US" dirty="0"/>
+          </a:p>
+          <a:p>
+            <a:pPr marL="0" indent="0">
+              <a:buNone/>
+            </a:pPr>
+            <a:r>
+              <a:rPr lang="en-US" dirty="0"/>
+              <a:t>Come prepared with the Student Guide for your students, and make sure that they download </a:t>
+            </a:r>
+            <a:r>
+              <a:rPr lang="en-US"/>
+              <a:t>the appropriate files.</a:t>
             </a:r>
           </a:p>
         </p:txBody>
@@ -11661,7 +11654,7 @@
     </p:spTree>
     <p:extLst>
       <p:ext uri="{BB962C8B-B14F-4D97-AF65-F5344CB8AC3E}">
-        <p14:creationId xmlns:p14="http://schemas.microsoft.com/office/powerpoint/2010/main" val="2736099663"/>
+        <p14:creationId xmlns:p14="http://schemas.microsoft.com/office/powerpoint/2010/main" val="107183982"/>
       </p:ext>
     </p:extLst>
   </p:cSld>
@@ -11695,84 +11688,41 @@
             <a:spLocks noGrp="1"/>
           </p:cNvSpPr>
           <p:nvPr>
-            <p:ph type="title"/>
-          </p:nvPr>
-        </p:nvSpPr>
-        <p:spPr/>
-        <p:txBody>
-          <a:bodyPr/>
-          <a:lstStyle/>
-          <a:p>
-            <a:r>
-              <a:rPr lang="en-US" dirty="0"/>
-              <a:t>Picture Lab Placeholder</a:t>
-            </a:r>
-          </a:p>
-        </p:txBody>
-      </p:sp>
-      <p:sp>
-        <p:nvSpPr>
-          <p:cNvPr id="3" name="Content Placeholder 2"/>
-          <p:cNvSpPr>
-            <a:spLocks noGrp="1"/>
-          </p:cNvSpPr>
-          <p:nvPr>
-            <p:ph idx="1"/>
-          </p:nvPr>
-        </p:nvSpPr>
-        <p:spPr/>
-        <p:txBody>
-          <a:bodyPr/>
-          <a:lstStyle/>
-          <a:p>
-            <a:pPr marL="0" indent="0">
-              <a:buNone/>
-            </a:pPr>
-            <a:r>
-              <a:rPr lang="en-US" dirty="0"/>
-              <a:t>Edit and use this slide deck to go over questions your class has.</a:t>
-            </a:r>
-          </a:p>
-          <a:p>
-            <a:pPr marL="0" indent="0">
-              <a:buNone/>
-            </a:pPr>
-            <a:endParaRPr lang="en-US" dirty="0"/>
-          </a:p>
-          <a:p>
-            <a:pPr marL="0" indent="0">
-              <a:buNone/>
-            </a:pPr>
-            <a:r>
-              <a:rPr lang="en-US" dirty="0"/>
-              <a:t>Follow the Teacher Guide for the Picture Lab found on </a:t>
-            </a:r>
-            <a:r>
-              <a:rPr lang="en-US" dirty="0" err="1"/>
-              <a:t>sharepoint</a:t>
-            </a:r>
-            <a:r>
-              <a:rPr lang="en-US" dirty="0"/>
-              <a:t>.</a:t>
-            </a:r>
-          </a:p>
-          <a:p>
-            <a:pPr marL="0" indent="0">
-              <a:buNone/>
-            </a:pPr>
-            <a:endParaRPr lang="en-US" dirty="0"/>
-          </a:p>
-          <a:p>
-            <a:pPr marL="0" indent="0">
-              <a:buNone/>
-            </a:pPr>
-            <a:r>
-              <a:rPr lang="en-US" dirty="0"/>
-              <a:t>Come prepared with the Student Guide for your students, and make sure that they download </a:t>
-            </a:r>
-            <a:r>
-              <a:rPr lang="en-US"/>
-              <a:t>the appropriate files.</a:t>
+            <p:ph type="ctrTitle"/>
+          </p:nvPr>
+        </p:nvSpPr>
+        <p:spPr/>
+        <p:txBody>
+          <a:bodyPr>
+            <a:normAutofit/>
+          </a:bodyPr>
+          <a:lstStyle/>
+          <a:p>
+            <a:r>
+              <a:rPr lang="en-US" sz="4800" dirty="0"/>
+              <a:t>Review</a:t>
+            </a:r>
+          </a:p>
+        </p:txBody>
+      </p:sp>
+      <p:sp>
+        <p:nvSpPr>
+          <p:cNvPr id="3" name="Subtitle 2"/>
+          <p:cNvSpPr>
+            <a:spLocks noGrp="1"/>
+          </p:cNvSpPr>
+          <p:nvPr>
+            <p:ph type="subTitle" idx="1"/>
+          </p:nvPr>
+        </p:nvSpPr>
+        <p:spPr/>
+        <p:txBody>
+          <a:bodyPr/>
+          <a:lstStyle/>
+          <a:p>
+            <a:r>
+              <a:rPr lang="en-US" dirty="0"/>
+              <a:t>[ 4.10 ] [ Today’s Date ] [ Instructor Name ]</a:t>
             </a:r>
           </a:p>
         </p:txBody>
@@ -11780,7 +11730,7 @@
     </p:spTree>
     <p:extLst>
       <p:ext uri="{BB962C8B-B14F-4D97-AF65-F5344CB8AC3E}">
-        <p14:creationId xmlns:p14="http://schemas.microsoft.com/office/powerpoint/2010/main" val="107183982"/>
+        <p14:creationId xmlns:p14="http://schemas.microsoft.com/office/powerpoint/2010/main" val="1454496771"/>
       </p:ext>
     </p:extLst>
   </p:cSld>
@@ -11809,7 +11759,7 @@
       </p:grpSpPr>
       <p:sp>
         <p:nvSpPr>
-          <p:cNvPr id="2" name="Title 1"/>
+          <p:cNvPr id="4" name="Title 3"/>
           <p:cNvSpPr>
             <a:spLocks noGrp="1"/>
           </p:cNvSpPr>
@@ -11817,7 +11767,12 @@
             <p:ph type="ctrTitle"/>
           </p:nvPr>
         </p:nvSpPr>
-        <p:spPr/>
+        <p:spPr>
+          <a:xfrm>
+            <a:off x="1524000" y="1374151"/>
+            <a:ext cx="9144000" cy="2387600"/>
+          </a:xfrm>
+        </p:spPr>
         <p:txBody>
           <a:bodyPr>
             <a:normAutofit/>
@@ -11825,30 +11780,8 @@
           <a:lstStyle/>
           <a:p>
             <a:r>
-              <a:rPr lang="en-US" sz="4800" dirty="0"/>
-              <a:t>Review</a:t>
-            </a:r>
-          </a:p>
-        </p:txBody>
-      </p:sp>
-      <p:sp>
-        <p:nvSpPr>
-          <p:cNvPr id="3" name="Subtitle 2"/>
-          <p:cNvSpPr>
-            <a:spLocks noGrp="1"/>
-          </p:cNvSpPr>
-          <p:nvPr>
-            <p:ph type="subTitle" idx="1"/>
-          </p:nvPr>
-        </p:nvSpPr>
-        <p:spPr/>
-        <p:txBody>
-          <a:bodyPr/>
-          <a:lstStyle/>
-          <a:p>
-            <a:r>
-              <a:rPr lang="en-US" dirty="0"/>
-              <a:t>[ 4.10 ] [ Today’s Date ] [ Instructor Name ]</a:t>
+              <a:rPr lang="en-US" sz="5000" dirty="0"/>
+              <a:t>What’s on the test?</a:t>
             </a:r>
           </a:p>
         </p:txBody>
@@ -11856,7 +11789,7 @@
     </p:spTree>
     <p:extLst>
       <p:ext uri="{BB962C8B-B14F-4D97-AF65-F5344CB8AC3E}">
-        <p14:creationId xmlns:p14="http://schemas.microsoft.com/office/powerpoint/2010/main" val="1454496771"/>
+        <p14:creationId xmlns:p14="http://schemas.microsoft.com/office/powerpoint/2010/main" val="2588403587"/>
       </p:ext>
     </p:extLst>
   </p:cSld>
@@ -11885,7 +11818,7 @@
       </p:grpSpPr>
       <p:sp>
         <p:nvSpPr>
-          <p:cNvPr id="4" name="Title 3"/>
+          <p:cNvPr id="2" name="Title 1"/>
           <p:cNvSpPr>
             <a:spLocks noGrp="1"/>
           </p:cNvSpPr>
@@ -11895,7 +11828,7 @@
         </p:nvSpPr>
         <p:spPr>
           <a:xfrm>
-            <a:off x="1524000" y="1374151"/>
+            <a:off x="1524000" y="1409083"/>
             <a:ext cx="9144000" cy="2387600"/>
           </a:xfrm>
         </p:spPr>
@@ -11906,8 +11839,8 @@
           <a:lstStyle/>
           <a:p>
             <a:r>
-              <a:rPr lang="en-US" sz="5000" dirty="0"/>
-              <a:t>What’s on the test?</a:t>
+              <a:rPr lang="en-US" sz="5400" dirty="0"/>
+              <a:t>Practice Test</a:t>
             </a:r>
           </a:p>
         </p:txBody>
@@ -11915,7 +11848,7 @@
     </p:spTree>
     <p:extLst>
       <p:ext uri="{BB962C8B-B14F-4D97-AF65-F5344CB8AC3E}">
-        <p14:creationId xmlns:p14="http://schemas.microsoft.com/office/powerpoint/2010/main" val="2588403587"/>
+        <p14:creationId xmlns:p14="http://schemas.microsoft.com/office/powerpoint/2010/main" val="2405756044"/>
       </p:ext>
     </p:extLst>
   </p:cSld>
@@ -12009,65 +11942,6 @@
             <a:spLocks noGrp="1"/>
           </p:cNvSpPr>
           <p:nvPr>
-            <p:ph type="ctrTitle"/>
-          </p:nvPr>
-        </p:nvSpPr>
-        <p:spPr>
-          <a:xfrm>
-            <a:off x="1524000" y="1409083"/>
-            <a:ext cx="9144000" cy="2387600"/>
-          </a:xfrm>
-        </p:spPr>
-        <p:txBody>
-          <a:bodyPr>
-            <a:normAutofit/>
-          </a:bodyPr>
-          <a:lstStyle/>
-          <a:p>
-            <a:r>
-              <a:rPr lang="en-US" sz="5400" dirty="0"/>
-              <a:t>Practice Test</a:t>
-            </a:r>
-          </a:p>
-        </p:txBody>
-      </p:sp>
-    </p:spTree>
-    <p:extLst>
-      <p:ext uri="{BB962C8B-B14F-4D97-AF65-F5344CB8AC3E}">
-        <p14:creationId xmlns:p14="http://schemas.microsoft.com/office/powerpoint/2010/main" val="2405756044"/>
-      </p:ext>
-    </p:extLst>
-  </p:cSld>
-  <p:clrMapOvr>
-    <a:masterClrMapping/>
-  </p:clrMapOvr>
-</p:sld>
-</file>
-
-<file path=ppt/slides/slide71.xml><?xml version="1.0" encoding="utf-8"?>
-<p:sld xmlns:a="http://schemas.openxmlformats.org/drawingml/2006/main" xmlns:r="http://schemas.openxmlformats.org/officeDocument/2006/relationships" xmlns:p="http://schemas.openxmlformats.org/presentationml/2006/main">
-  <p:cSld>
-    <p:spTree>
-      <p:nvGrpSpPr>
-        <p:cNvPr id="1" name=""/>
-        <p:cNvGrpSpPr/>
-        <p:nvPr/>
-      </p:nvGrpSpPr>
-      <p:grpSpPr>
-        <a:xfrm>
-          <a:off x="0" y="0"/>
-          <a:ext cx="0" cy="0"/>
-          <a:chOff x="0" y="0"/>
-          <a:chExt cx="0" cy="0"/>
-        </a:xfrm>
-      </p:grpSpPr>
-      <p:sp>
-        <p:nvSpPr>
-          <p:cNvPr id="2" name="Title 1"/>
-          <p:cNvSpPr>
-            <a:spLocks noGrp="1"/>
-          </p:cNvSpPr>
-          <p:nvPr>
             <p:ph type="title"/>
           </p:nvPr>
         </p:nvSpPr>
@@ -12118,8 +11992,13 @@
             </a:pPr>
             <a:r>
               <a:rPr lang="en-US" dirty="0"/>
-              <a:t>For each topic, follow up by reviewing the textbook, self-check problems, and the appropriate Practice-It problems.</a:t>
-            </a:r>
+              <a:t>For each topic, follow up by reviewing the textbook and self-check </a:t>
+            </a:r>
+            <a:r>
+              <a:rPr lang="en-US"/>
+              <a:t>problems.</a:t>
+            </a:r>
+            <a:endParaRPr lang="en-US" dirty="0"/>
           </a:p>
         </p:txBody>
       </p:sp>
@@ -12136,7 +12015,7 @@
 </p:sld>
 </file>
 
-<file path=ppt/slides/slide72.xml><?xml version="1.0" encoding="utf-8"?>
+<file path=ppt/slides/slide71.xml><?xml version="1.0" encoding="utf-8"?>
 <p:sld xmlns:a="http://schemas.openxmlformats.org/drawingml/2006/main" xmlns:r="http://schemas.openxmlformats.org/officeDocument/2006/relationships" xmlns:p="http://schemas.openxmlformats.org/presentationml/2006/main">
   <p:cSld>
     <p:spTree>
@@ -12906,6 +12785,12 @@
 </file>
 
 <file path=customXml/item1.xml><?xml version="1.0" encoding="utf-8"?>
+<p:properties xmlns:p="http://schemas.microsoft.com/office/2006/metadata/properties" xmlns:xsi="http://www.w3.org/2001/XMLSchema-instance" xmlns:pc="http://schemas.microsoft.com/office/infopath/2007/PartnerControls">
+  <documentManagement/>
+</p:properties>
+</file>
+
+<file path=customXml/item2.xml><?xml version="1.0" encoding="utf-8"?>
 <?mso-contentType ?>
 <FormTemplates xmlns="http://schemas.microsoft.com/sharepoint/v3/contenttype/forms">
   <Display>DocumentLibraryForm</Display>
@@ -12914,7 +12799,7 @@
 </FormTemplates>
 </file>
 
-<file path=customXml/item2.xml><?xml version="1.0" encoding="utf-8"?>
+<file path=customXml/item3.xml><?xml version="1.0" encoding="utf-8"?>
 <ct:contentTypeSchema xmlns:ct="http://schemas.microsoft.com/office/2006/metadata/contentType" xmlns:ma="http://schemas.microsoft.com/office/2006/metadata/properties/metaAttributes" ct:_="" ma:_="" ma:contentTypeName="Document" ma:contentTypeID="0x010100BABADD3A0624AA4E97287821B8F4D7D6" ma:contentTypeVersion="3" ma:contentTypeDescription="Create a new document." ma:contentTypeScope="" ma:versionID="d1f55a70bd1930e0ae5c5588ea58d234">
   <xsd:schema xmlns:xsd="http://www.w3.org/2001/XMLSchema" xmlns:xs="http://www.w3.org/2001/XMLSchema" xmlns:p="http://schemas.microsoft.com/office/2006/metadata/properties" xmlns:ns2="5edd459b-714d-42ed-b78f-512da7d1c14e" targetNamespace="http://schemas.microsoft.com/office/2006/metadata/properties" ma:root="true" ma:fieldsID="5a6a6e2895642296b7d1775ae73bc200" ns2:_="">
     <xsd:import namespace="5edd459b-714d-42ed-b78f-512da7d1c14e"/>
@@ -13068,13 +12953,23 @@
 </ct:contentTypeSchema>
 </file>
 
-<file path=customXml/item3.xml><?xml version="1.0" encoding="utf-8"?>
-<p:properties xmlns:p="http://schemas.microsoft.com/office/2006/metadata/properties" xmlns:xsi="http://www.w3.org/2001/XMLSchema-instance" xmlns:pc="http://schemas.microsoft.com/office/infopath/2007/PartnerControls">
-  <documentManagement/>
-</p:properties>
+<file path=customXml/itemProps1.xml><?xml version="1.0" encoding="utf-8"?>
+<ds:datastoreItem xmlns:ds="http://schemas.openxmlformats.org/officeDocument/2006/customXml" ds:itemID="{4779FEB4-472A-4FE3-A477-18A5832860A4}">
+  <ds:schemaRefs>
+    <ds:schemaRef ds:uri="http://schemas.microsoft.com/office/2006/documentManagement/types"/>
+    <ds:schemaRef ds:uri="http://purl.org/dc/terms/"/>
+    <ds:schemaRef ds:uri="http://schemas.openxmlformats.org/package/2006/metadata/core-properties"/>
+    <ds:schemaRef ds:uri="5edd459b-714d-42ed-b78f-512da7d1c14e"/>
+    <ds:schemaRef ds:uri="http://purl.org/dc/dcmitype/"/>
+    <ds:schemaRef ds:uri="http://schemas.microsoft.com/office/infopath/2007/PartnerControls"/>
+    <ds:schemaRef ds:uri="http://purl.org/dc/elements/1.1/"/>
+    <ds:schemaRef ds:uri="http://schemas.microsoft.com/office/2006/metadata/properties"/>
+    <ds:schemaRef ds:uri="http://www.w3.org/XML/1998/namespace"/>
+  </ds:schemaRefs>
+</ds:datastoreItem>
 </file>
 
-<file path=customXml/itemProps1.xml><?xml version="1.0" encoding="utf-8"?>
+<file path=customXml/itemProps2.xml><?xml version="1.0" encoding="utf-8"?>
 <ds:datastoreItem xmlns:ds="http://schemas.openxmlformats.org/officeDocument/2006/customXml" ds:itemID="{255BA734-2CC6-4800-A89D-08A8272A3EA7}">
   <ds:schemaRefs>
     <ds:schemaRef ds:uri="http://schemas.microsoft.com/sharepoint/v3/contenttype/forms"/>
@@ -13082,7 +12977,7 @@
 </ds:datastoreItem>
 </file>
 
-<file path=customXml/itemProps2.xml><?xml version="1.0" encoding="utf-8"?>
+<file path=customXml/itemProps3.xml><?xml version="1.0" encoding="utf-8"?>
 <ds:datastoreItem xmlns:ds="http://schemas.openxmlformats.org/officeDocument/2006/customXml" ds:itemID="{AE61820C-677F-4878-B100-4DB8877FB679}">
   <ds:schemaRefs>
     <ds:schemaRef ds:uri="http://schemas.microsoft.com/office/2006/metadata/contentType"/>
@@ -13098,20 +12993,4 @@
     <ds:schemaRef ds:uri="http://schemas.microsoft.com/internal/obd"/>
   </ds:schemaRefs>
 </ds:datastoreItem>
-</file>
-
-<file path=customXml/itemProps3.xml><?xml version="1.0" encoding="utf-8"?>
-<ds:datastoreItem xmlns:ds="http://schemas.openxmlformats.org/officeDocument/2006/customXml" ds:itemID="{4779FEB4-472A-4FE3-A477-18A5832860A4}">
-  <ds:schemaRefs>
-    <ds:schemaRef ds:uri="http://schemas.microsoft.com/office/2006/documentManagement/types"/>
-    <ds:schemaRef ds:uri="http://purl.org/dc/terms/"/>
-    <ds:schemaRef ds:uri="http://schemas.openxmlformats.org/package/2006/metadata/core-properties"/>
-    <ds:schemaRef ds:uri="5edd459b-714d-42ed-b78f-512da7d1c14e"/>
-    <ds:schemaRef ds:uri="http://purl.org/dc/dcmitype/"/>
-    <ds:schemaRef ds:uri="http://schemas.microsoft.com/office/infopath/2007/PartnerControls"/>
-    <ds:schemaRef ds:uri="http://purl.org/dc/elements/1.1/"/>
-    <ds:schemaRef ds:uri="http://schemas.microsoft.com/office/2006/metadata/properties"/>
-    <ds:schemaRef ds:uri="http://www.w3.org/XML/1998/namespace"/>
-  </ds:schemaRefs>
-</ds:datastoreItem>
 </file>
--- a/curriculum/Unit5/Unit5.pptx
+++ b/curriculum/Unit5/Unit5.pptx
@@ -5,7 +5,7 @@
     <p:sldMasterId id="2147483648" r:id="rId4"/>
   </p:sldMasterIdLst>
   <p:notesMasterIdLst>
-    <p:notesMasterId r:id="rId76"/>
+    <p:notesMasterId r:id="rId77"/>
   </p:notesMasterIdLst>
   <p:sldIdLst>
     <p:sldId id="302" r:id="rId5"/>
@@ -43,42 +43,43 @@
     <p:sldId id="296" r:id="rId37"/>
     <p:sldId id="297" r:id="rId38"/>
     <p:sldId id="298" r:id="rId39"/>
-    <p:sldId id="300" r:id="rId40"/>
-    <p:sldId id="301" r:id="rId41"/>
-    <p:sldId id="277" r:id="rId42"/>
-    <p:sldId id="278" r:id="rId43"/>
-    <p:sldId id="279" r:id="rId44"/>
-    <p:sldId id="326" r:id="rId45"/>
-    <p:sldId id="327" r:id="rId46"/>
-    <p:sldId id="280" r:id="rId47"/>
-    <p:sldId id="281" r:id="rId48"/>
-    <p:sldId id="282" r:id="rId49"/>
-    <p:sldId id="283" r:id="rId50"/>
-    <p:sldId id="284" r:id="rId51"/>
-    <p:sldId id="285" r:id="rId52"/>
-    <p:sldId id="286" r:id="rId53"/>
-    <p:sldId id="287" r:id="rId54"/>
-    <p:sldId id="271" r:id="rId55"/>
-    <p:sldId id="272" r:id="rId56"/>
-    <p:sldId id="273" r:id="rId57"/>
-    <p:sldId id="274" r:id="rId58"/>
-    <p:sldId id="275" r:id="rId59"/>
-    <p:sldId id="276" r:id="rId60"/>
-    <p:sldId id="267" r:id="rId61"/>
-    <p:sldId id="268" r:id="rId62"/>
-    <p:sldId id="269" r:id="rId63"/>
-    <p:sldId id="270" r:id="rId64"/>
-    <p:sldId id="263" r:id="rId65"/>
-    <p:sldId id="264" r:id="rId66"/>
-    <p:sldId id="265" r:id="rId67"/>
-    <p:sldId id="266" r:id="rId68"/>
-    <p:sldId id="261" r:id="rId69"/>
-    <p:sldId id="262" r:id="rId70"/>
-    <p:sldId id="256" r:id="rId71"/>
-    <p:sldId id="257" r:id="rId72"/>
-    <p:sldId id="258" r:id="rId73"/>
-    <p:sldId id="259" r:id="rId74"/>
-    <p:sldId id="260" r:id="rId75"/>
+    <p:sldId id="299" r:id="rId40"/>
+    <p:sldId id="300" r:id="rId41"/>
+    <p:sldId id="301" r:id="rId42"/>
+    <p:sldId id="277" r:id="rId43"/>
+    <p:sldId id="278" r:id="rId44"/>
+    <p:sldId id="279" r:id="rId45"/>
+    <p:sldId id="326" r:id="rId46"/>
+    <p:sldId id="327" r:id="rId47"/>
+    <p:sldId id="280" r:id="rId48"/>
+    <p:sldId id="281" r:id="rId49"/>
+    <p:sldId id="282" r:id="rId50"/>
+    <p:sldId id="283" r:id="rId51"/>
+    <p:sldId id="284" r:id="rId52"/>
+    <p:sldId id="285" r:id="rId53"/>
+    <p:sldId id="286" r:id="rId54"/>
+    <p:sldId id="287" r:id="rId55"/>
+    <p:sldId id="271" r:id="rId56"/>
+    <p:sldId id="272" r:id="rId57"/>
+    <p:sldId id="273" r:id="rId58"/>
+    <p:sldId id="274" r:id="rId59"/>
+    <p:sldId id="275" r:id="rId60"/>
+    <p:sldId id="276" r:id="rId61"/>
+    <p:sldId id="267" r:id="rId62"/>
+    <p:sldId id="268" r:id="rId63"/>
+    <p:sldId id="269" r:id="rId64"/>
+    <p:sldId id="270" r:id="rId65"/>
+    <p:sldId id="263" r:id="rId66"/>
+    <p:sldId id="264" r:id="rId67"/>
+    <p:sldId id="265" r:id="rId68"/>
+    <p:sldId id="266" r:id="rId69"/>
+    <p:sldId id="261" r:id="rId70"/>
+    <p:sldId id="262" r:id="rId71"/>
+    <p:sldId id="256" r:id="rId72"/>
+    <p:sldId id="257" r:id="rId73"/>
+    <p:sldId id="258" r:id="rId74"/>
+    <p:sldId id="259" r:id="rId75"/>
+    <p:sldId id="260" r:id="rId76"/>
   </p:sldIdLst>
   <p:sldSz cx="12192000" cy="6858000"/>
   <p:notesSz cx="6858000" cy="9144000"/>
@@ -278,7 +279,7 @@
           <a:p>
             <a:fld id="{DFD2D4D3-AF7F-407D-A91C-28A05E3AAF0B}" type="datetimeFigureOut">
               <a:rPr lang="en-US" smtClean="0"/>
-              <a:t>2/18/2020</a:t>
+              <a:t>1/17/2020</a:t>
             </a:fld>
             <a:endParaRPr lang="en-US"/>
           </a:p>
@@ -778,7 +779,7 @@
           <a:p>
             <a:fld id="{C56969A0-B3EA-45A4-A390-44554200A62E}" type="slidenum">
               <a:rPr lang="en-US" smtClean="0"/>
-              <a:t>38</a:t>
+              <a:t>39</a:t>
             </a:fld>
             <a:endParaRPr lang="en-US"/>
           </a:p>
@@ -862,7 +863,7 @@
           <a:p>
             <a:fld id="{C56969A0-B3EA-45A4-A390-44554200A62E}" type="slidenum">
               <a:rPr lang="en-US" smtClean="0"/>
-              <a:t>51</a:t>
+              <a:t>52</a:t>
             </a:fld>
             <a:endParaRPr lang="en-US"/>
           </a:p>
@@ -946,7 +947,7 @@
           <a:p>
             <a:fld id="{C56969A0-B3EA-45A4-A390-44554200A62E}" type="slidenum">
               <a:rPr lang="en-US" smtClean="0"/>
-              <a:t>57</a:t>
+              <a:t>58</a:t>
             </a:fld>
             <a:endParaRPr lang="en-US"/>
           </a:p>
@@ -1033,7 +1034,7 @@
           <a:p>
             <a:fld id="{C56969A0-B3EA-45A4-A390-44554200A62E}" type="slidenum">
               <a:rPr lang="en-US" smtClean="0"/>
-              <a:t>58</a:t>
+              <a:t>59</a:t>
             </a:fld>
             <a:endParaRPr lang="en-US"/>
           </a:p>
@@ -1129,7 +1130,7 @@
           <a:p>
             <a:fld id="{C56969A0-B3EA-45A4-A390-44554200A62E}" type="slidenum">
               <a:rPr lang="en-US" smtClean="0"/>
-              <a:t>61</a:t>
+              <a:t>62</a:t>
             </a:fld>
             <a:endParaRPr lang="en-US"/>
           </a:p>
@@ -1225,7 +1226,7 @@
           <a:p>
             <a:fld id="{C56969A0-B3EA-45A4-A390-44554200A62E}" type="slidenum">
               <a:rPr lang="en-US" smtClean="0"/>
-              <a:t>65</a:t>
+              <a:t>66</a:t>
             </a:fld>
             <a:endParaRPr lang="en-US"/>
           </a:p>
@@ -1309,7 +1310,7 @@
           <a:p>
             <a:fld id="{C56969A0-B3EA-45A4-A390-44554200A62E}" type="slidenum">
               <a:rPr lang="en-US" smtClean="0"/>
-              <a:t>67</a:t>
+              <a:t>68</a:t>
             </a:fld>
             <a:endParaRPr lang="en-US"/>
           </a:p>
@@ -1457,7 +1458,7 @@
           <a:p>
             <a:fld id="{1F2FBFEA-012E-42C0-88EC-181B3441BE0C}" type="datetimeFigureOut">
               <a:rPr lang="en-US" smtClean="0"/>
-              <a:t>2/18/2020</a:t>
+              <a:t>1/17/2020</a:t>
             </a:fld>
             <a:endParaRPr lang="en-US"/>
           </a:p>
@@ -1625,7 +1626,7 @@
           <a:p>
             <a:fld id="{1F2FBFEA-012E-42C0-88EC-181B3441BE0C}" type="datetimeFigureOut">
               <a:rPr lang="en-US" smtClean="0"/>
-              <a:t>2/18/2020</a:t>
+              <a:t>1/17/2020</a:t>
             </a:fld>
             <a:endParaRPr lang="en-US"/>
           </a:p>
@@ -1803,7 +1804,7 @@
           <a:p>
             <a:fld id="{1F2FBFEA-012E-42C0-88EC-181B3441BE0C}" type="datetimeFigureOut">
               <a:rPr lang="en-US" smtClean="0"/>
-              <a:t>2/18/2020</a:t>
+              <a:t>1/17/2020</a:t>
             </a:fld>
             <a:endParaRPr lang="en-US"/>
           </a:p>
@@ -1971,7 +1972,7 @@
           <a:p>
             <a:fld id="{1F2FBFEA-012E-42C0-88EC-181B3441BE0C}" type="datetimeFigureOut">
               <a:rPr lang="en-US" smtClean="0"/>
-              <a:t>2/18/2020</a:t>
+              <a:t>1/17/2020</a:t>
             </a:fld>
             <a:endParaRPr lang="en-US"/>
           </a:p>
@@ -2216,7 +2217,7 @@
           <a:p>
             <a:fld id="{1F2FBFEA-012E-42C0-88EC-181B3441BE0C}" type="datetimeFigureOut">
               <a:rPr lang="en-US" smtClean="0"/>
-              <a:t>2/18/2020</a:t>
+              <a:t>1/17/2020</a:t>
             </a:fld>
             <a:endParaRPr lang="en-US"/>
           </a:p>
@@ -2445,7 +2446,7 @@
           <a:p>
             <a:fld id="{1F2FBFEA-012E-42C0-88EC-181B3441BE0C}" type="datetimeFigureOut">
               <a:rPr lang="en-US" smtClean="0"/>
-              <a:t>2/18/2020</a:t>
+              <a:t>1/17/2020</a:t>
             </a:fld>
             <a:endParaRPr lang="en-US"/>
           </a:p>
@@ -2809,7 +2810,7 @@
           <a:p>
             <a:fld id="{1F2FBFEA-012E-42C0-88EC-181B3441BE0C}" type="datetimeFigureOut">
               <a:rPr lang="en-US" smtClean="0"/>
-              <a:t>2/18/2020</a:t>
+              <a:t>1/17/2020</a:t>
             </a:fld>
             <a:endParaRPr lang="en-US"/>
           </a:p>
@@ -2926,7 +2927,7 @@
           <a:p>
             <a:fld id="{1F2FBFEA-012E-42C0-88EC-181B3441BE0C}" type="datetimeFigureOut">
               <a:rPr lang="en-US" smtClean="0"/>
-              <a:t>2/18/2020</a:t>
+              <a:t>1/17/2020</a:t>
             </a:fld>
             <a:endParaRPr lang="en-US"/>
           </a:p>
@@ -3021,7 +3022,7 @@
           <a:p>
             <a:fld id="{1F2FBFEA-012E-42C0-88EC-181B3441BE0C}" type="datetimeFigureOut">
               <a:rPr lang="en-US" smtClean="0"/>
-              <a:t>2/18/2020</a:t>
+              <a:t>1/17/2020</a:t>
             </a:fld>
             <a:endParaRPr lang="en-US"/>
           </a:p>
@@ -3296,7 +3297,7 @@
           <a:p>
             <a:fld id="{1F2FBFEA-012E-42C0-88EC-181B3441BE0C}" type="datetimeFigureOut">
               <a:rPr lang="en-US" smtClean="0"/>
-              <a:t>2/18/2020</a:t>
+              <a:t>1/17/2020</a:t>
             </a:fld>
             <a:endParaRPr lang="en-US"/>
           </a:p>
@@ -3548,7 +3549,7 @@
           <a:p>
             <a:fld id="{1F2FBFEA-012E-42C0-88EC-181B3441BE0C}" type="datetimeFigureOut">
               <a:rPr lang="en-US" smtClean="0"/>
-              <a:t>2/18/2020</a:t>
+              <a:t>1/17/2020</a:t>
             </a:fld>
             <a:endParaRPr lang="en-US"/>
           </a:p>
@@ -3759,7 +3760,7 @@
           <a:p>
             <a:fld id="{1F2FBFEA-012E-42C0-88EC-181B3441BE0C}" type="datetimeFigureOut">
               <a:rPr lang="en-US" smtClean="0"/>
-              <a:t>2/18/2020</a:t>
+              <a:t>1/17/2020</a:t>
             </a:fld>
             <a:endParaRPr lang="en-US"/>
           </a:p>
@@ -6987,172 +6988,85 @@
         </p:nvSpPr>
         <p:spPr/>
         <p:txBody>
-          <a:bodyPr/>
-          <a:lstStyle/>
-          <a:p>
-            <a:r>
-              <a:rPr lang="en-US" dirty="0"/>
-              <a:t>Research a Custom </a:t>
-            </a:r>
+          <a:bodyPr>
+            <a:normAutofit/>
+          </a:bodyPr>
+          <a:lstStyle/>
+          <a:p>
+            <a:r>
+              <a:rPr lang="en-US" dirty="0"/>
+              <a:t>Read through the Point Class and complete the following Practice-It problems:</a:t>
+            </a:r>
+          </a:p>
+        </p:txBody>
+      </p:sp>
+      <p:sp>
+        <p:nvSpPr>
+          <p:cNvPr id="3" name="Content Placeholder 2"/>
+          <p:cNvSpPr>
+            <a:spLocks noGrp="1"/>
+          </p:cNvSpPr>
+          <p:nvPr>
+            <p:ph idx="1"/>
+          </p:nvPr>
+        </p:nvSpPr>
+        <p:spPr/>
+        <p:txBody>
+          <a:bodyPr/>
+          <a:lstStyle/>
+          <a:p>
+            <a:pPr marL="514350" indent="-514350">
+              <a:buAutoNum type="alphaLcPeriod"/>
+            </a:pPr>
+            <a:endParaRPr lang="en-US" dirty="0"/>
+          </a:p>
+          <a:p>
+            <a:pPr marL="514350" indent="-514350">
+              <a:buAutoNum type="alphaLcPeriod"/>
+            </a:pPr>
             <a:r>
               <a:rPr lang="en-US" dirty="0" err="1"/>
-              <a:t>Pokemon</a:t>
-            </a:r>
-            <a:r>
-              <a:rPr lang="en-US" dirty="0"/>
-              <a:t> Class:</a:t>
-            </a:r>
-          </a:p>
-        </p:txBody>
-      </p:sp>
-      <p:sp>
-        <p:nvSpPr>
-          <p:cNvPr id="3" name="Content Placeholder 2"/>
-          <p:cNvSpPr>
-            <a:spLocks noGrp="1"/>
-          </p:cNvSpPr>
-          <p:nvPr>
-            <p:ph idx="1"/>
-          </p:nvPr>
-        </p:nvSpPr>
-        <p:spPr/>
-        <p:txBody>
-          <a:bodyPr/>
-          <a:lstStyle/>
-          <a:p>
+              <a:t>whatIsOOP</a:t>
+            </a:r>
+            <a:endParaRPr lang="en-US" dirty="0"/>
+          </a:p>
+          <a:p>
+            <a:pPr marL="514350" indent="-514350">
+              <a:buAutoNum type="alphaLcPeriod"/>
+            </a:pPr>
             <a:r>
               <a:rPr lang="en-US" dirty="0" err="1"/>
-              <a:t>i</a:t>
-            </a:r>
-            <a:r>
-              <a:rPr lang="en-US" dirty="0"/>
-              <a:t>. </a:t>
-            </a:r>
-            <a:r>
-              <a:rPr lang="en-US" dirty="0">
-                <a:hlinkClick r:id="rId2"/>
-              </a:rPr>
-              <a:t>http://www.pokemon.com/us/parents-guide/</a:t>
-            </a:r>
-            <a:r>
-              <a:rPr lang="en-US" dirty="0"/>
-              <a:t> </a:t>
-            </a:r>
-          </a:p>
-          <a:p>
-            <a:pPr marL="0" indent="0">
-              <a:buNone/>
-            </a:pPr>
-            <a:r>
-              <a:rPr lang="en-US" dirty="0"/>
-              <a:t>	(Basic overview of the game) </a:t>
-            </a:r>
-          </a:p>
-          <a:p>
-            <a:r>
-              <a:rPr lang="en-US" dirty="0"/>
-              <a:t>ii. </a:t>
-            </a:r>
-            <a:r>
-              <a:rPr lang="en-US" dirty="0">
-                <a:hlinkClick r:id="rId3"/>
-              </a:rPr>
-              <a:t>https://youtu.be/DlEbXH8eUTk?t=1m26s</a:t>
-            </a:r>
-            <a:r>
-              <a:rPr lang="en-US" dirty="0"/>
-              <a:t> </a:t>
-            </a:r>
-          </a:p>
-          <a:p>
-            <a:pPr marL="0" indent="0">
-              <a:buNone/>
-            </a:pPr>
-            <a:r>
-              <a:rPr lang="en-US" dirty="0"/>
-              <a:t>	(this is a 30 minute YouTube video of gameplay)</a:t>
-            </a:r>
-          </a:p>
-          <a:p>
-            <a:r>
-              <a:rPr lang="en-US" dirty="0"/>
-              <a:t>iii. </a:t>
-            </a:r>
-            <a:r>
-              <a:rPr lang="en-US" dirty="0">
-                <a:hlinkClick r:id="rId4"/>
-              </a:rPr>
-              <a:t>http://www.pokemon.com/us/pokedex/</a:t>
-            </a:r>
-            <a:r>
-              <a:rPr lang="en-US" dirty="0"/>
-              <a:t> (types of </a:t>
-            </a:r>
+              <a:t>whatIsAnObject</a:t>
+            </a:r>
+            <a:endParaRPr lang="en-US" dirty="0"/>
+          </a:p>
+          <a:p>
+            <a:pPr marL="514350" indent="-514350">
+              <a:buAutoNum type="alphaLcPeriod"/>
+            </a:pPr>
             <a:r>
               <a:rPr lang="en-US" dirty="0" err="1"/>
-              <a:t>Pokemon</a:t>
-            </a:r>
-            <a:r>
-              <a:rPr lang="en-US" dirty="0"/>
-              <a:t>) </a:t>
-            </a:r>
-          </a:p>
-          <a:p>
-            <a:r>
-              <a:rPr lang="en-US" dirty="0"/>
-              <a:t>iv. </a:t>
-            </a:r>
-            <a:r>
-              <a:rPr lang="en-US" dirty="0">
-                <a:hlinkClick r:id="rId5"/>
-              </a:rPr>
-              <a:t>http://tinyurl.com/no4mzic</a:t>
-            </a:r>
-            <a:r>
-              <a:rPr lang="en-US" dirty="0"/>
-              <a:t> (</a:t>
-            </a:r>
+              <a:t>StringObject</a:t>
+            </a:r>
+            <a:endParaRPr lang="en-US" dirty="0"/>
+          </a:p>
+          <a:p>
+            <a:pPr marL="514350" indent="-514350">
+              <a:buAutoNum type="alphaLcPeriod"/>
+            </a:pPr>
+            <a:r>
+              <a:rPr lang="en-US" dirty="0"/>
+              <a:t>ReferenceMystery3</a:t>
+            </a:r>
+          </a:p>
+          <a:p>
+            <a:pPr marL="514350" indent="-514350">
+              <a:buAutoNum type="alphaLcPeriod"/>
+            </a:pPr>
             <a:r>
               <a:rPr lang="en-US" dirty="0" err="1"/>
-              <a:t>Pokemon</a:t>
-            </a:r>
-            <a:r>
-              <a:rPr lang="en-US" dirty="0"/>
-              <a:t> with stats) </a:t>
-            </a:r>
-          </a:p>
-          <a:p>
-            <a:r>
-              <a:rPr lang="en-US" dirty="0"/>
-              <a:t>v. </a:t>
-            </a:r>
-            <a:r>
-              <a:rPr lang="en-US" dirty="0">
-                <a:hlinkClick r:id="rId6"/>
-              </a:rPr>
-              <a:t>http://en.wikipedia.org/wiki/</a:t>
-            </a:r>
-            <a:r>
-              <a:rPr lang="en-US" dirty="0" err="1">
-                <a:hlinkClick r:id="rId6"/>
-              </a:rPr>
-              <a:t>Gameplay_of_Pokémon</a:t>
-            </a:r>
-            <a:r>
-              <a:rPr lang="en-US" dirty="0"/>
-              <a:t> </a:t>
-            </a:r>
-          </a:p>
-          <a:p>
-            <a:pPr marL="0" indent="0">
-              <a:buNone/>
-            </a:pPr>
-            <a:r>
-              <a:rPr lang="en-US" dirty="0"/>
-              <a:t>	(Wikipedia entry)</a:t>
-            </a:r>
-          </a:p>
-          <a:p>
+              <a:t>CalculatorObject</a:t>
+            </a:r>
             <a:endParaRPr lang="en-US" dirty="0"/>
           </a:p>
         </p:txBody>
@@ -7160,7 +7074,7 @@
     </p:spTree>
     <p:extLst>
       <p:ext uri="{BB962C8B-B14F-4D97-AF65-F5344CB8AC3E}">
-        <p14:creationId xmlns:p14="http://schemas.microsoft.com/office/powerpoint/2010/main" val="4068846739"/>
+        <p14:creationId xmlns:p14="http://schemas.microsoft.com/office/powerpoint/2010/main" val="2074065062"/>
       </p:ext>
     </p:extLst>
   </p:cSld>
@@ -7199,14 +7113,20 @@
         </p:nvSpPr>
         <p:spPr/>
         <p:txBody>
-          <a:bodyPr>
-            <a:normAutofit/>
-          </a:bodyPr>
-          <a:lstStyle/>
-          <a:p>
-            <a:r>
-              <a:rPr lang="en-US" dirty="0"/>
-              <a:t>Homework</a:t>
+          <a:bodyPr/>
+          <a:lstStyle/>
+          <a:p>
+            <a:r>
+              <a:rPr lang="en-US" dirty="0"/>
+              <a:t>Research a Custom </a:t>
+            </a:r>
+            <a:r>
+              <a:rPr lang="en-US" dirty="0" err="1"/>
+              <a:t>Pokemon</a:t>
+            </a:r>
+            <a:r>
+              <a:rPr lang="en-US" dirty="0"/>
+              <a:t> Class:</a:t>
             </a:r>
           </a:p>
         </p:txBody>
@@ -7226,26 +7146,139 @@
           <a:bodyPr/>
           <a:lstStyle/>
           <a:p>
-            <a:pPr marL="0" indent="0">
-              <a:buNone/>
-            </a:pPr>
-            <a:r>
-              <a:rPr lang="en-US" dirty="0"/>
-              <a:t>Read HW 8.2 up to “</a:t>
-            </a:r>
             <a:r>
               <a:rPr lang="en-US" dirty="0" err="1"/>
-              <a:t>Mutators</a:t>
-            </a:r>
-            <a:r>
-              <a:rPr lang="en-US" dirty="0"/>
-              <a:t> and Accessors”</a:t>
-            </a:r>
-          </a:p>
-          <a:p>
-            <a:pPr marL="0" indent="0">
-              <a:buNone/>
-            </a:pPr>
+              <a:t>i</a:t>
+            </a:r>
+            <a:r>
+              <a:rPr lang="en-US" dirty="0"/>
+              <a:t>. </a:t>
+            </a:r>
+            <a:r>
+              <a:rPr lang="en-US" dirty="0">
+                <a:hlinkClick r:id="rId2"/>
+              </a:rPr>
+              <a:t>http://www.pokemon.com/us/parents-guide/</a:t>
+            </a:r>
+            <a:r>
+              <a:rPr lang="en-US" dirty="0"/>
+              <a:t> </a:t>
+            </a:r>
+          </a:p>
+          <a:p>
+            <a:pPr marL="0" indent="0">
+              <a:buNone/>
+            </a:pPr>
+            <a:r>
+              <a:rPr lang="en-US" dirty="0"/>
+              <a:t>	(Basic overview of the game) </a:t>
+            </a:r>
+          </a:p>
+          <a:p>
+            <a:r>
+              <a:rPr lang="en-US" dirty="0"/>
+              <a:t>ii. </a:t>
+            </a:r>
+            <a:r>
+              <a:rPr lang="en-US" dirty="0">
+                <a:hlinkClick r:id="rId3"/>
+              </a:rPr>
+              <a:t>https://youtu.be/DlEbXH8eUTk?t=1m26s</a:t>
+            </a:r>
+            <a:r>
+              <a:rPr lang="en-US" dirty="0"/>
+              <a:t> </a:t>
+            </a:r>
+          </a:p>
+          <a:p>
+            <a:pPr marL="0" indent="0">
+              <a:buNone/>
+            </a:pPr>
+            <a:r>
+              <a:rPr lang="en-US" dirty="0"/>
+              <a:t>	(this is a 30 minute YouTube video of gameplay)</a:t>
+            </a:r>
+          </a:p>
+          <a:p>
+            <a:r>
+              <a:rPr lang="en-US" dirty="0"/>
+              <a:t>iii. </a:t>
+            </a:r>
+            <a:r>
+              <a:rPr lang="en-US" dirty="0">
+                <a:hlinkClick r:id="rId4"/>
+              </a:rPr>
+              <a:t>http://www.pokemon.com/us/pokedex/</a:t>
+            </a:r>
+            <a:r>
+              <a:rPr lang="en-US" dirty="0"/>
+              <a:t> (types of </a:t>
+            </a:r>
+            <a:r>
+              <a:rPr lang="en-US" dirty="0" err="1"/>
+              <a:t>Pokemon</a:t>
+            </a:r>
+            <a:r>
+              <a:rPr lang="en-US" dirty="0"/>
+              <a:t>) </a:t>
+            </a:r>
+          </a:p>
+          <a:p>
+            <a:r>
+              <a:rPr lang="en-US" dirty="0"/>
+              <a:t>iv. </a:t>
+            </a:r>
+            <a:r>
+              <a:rPr lang="en-US" dirty="0">
+                <a:hlinkClick r:id="rId5"/>
+              </a:rPr>
+              <a:t>http://tinyurl.com/no4mzic</a:t>
+            </a:r>
+            <a:r>
+              <a:rPr lang="en-US" dirty="0"/>
+              <a:t> (</a:t>
+            </a:r>
+            <a:r>
+              <a:rPr lang="en-US" dirty="0" err="1"/>
+              <a:t>Pokemon</a:t>
+            </a:r>
+            <a:r>
+              <a:rPr lang="en-US" dirty="0"/>
+              <a:t> with stats) </a:t>
+            </a:r>
+          </a:p>
+          <a:p>
+            <a:r>
+              <a:rPr lang="en-US" dirty="0"/>
+              <a:t>v. </a:t>
+            </a:r>
+            <a:r>
+              <a:rPr lang="en-US" dirty="0">
+                <a:hlinkClick r:id="rId6"/>
+              </a:rPr>
+              <a:t>http://en.wikipedia.org/wiki/</a:t>
+            </a:r>
+            <a:r>
+              <a:rPr lang="en-US" dirty="0" err="1">
+                <a:hlinkClick r:id="rId6"/>
+              </a:rPr>
+              <a:t>Gameplay_of_Pokémon</a:t>
+            </a:r>
+            <a:r>
+              <a:rPr lang="en-US" dirty="0"/>
+              <a:t> </a:t>
+            </a:r>
+          </a:p>
+          <a:p>
+            <a:pPr marL="0" indent="0">
+              <a:buNone/>
+            </a:pPr>
+            <a:r>
+              <a:rPr lang="en-US" dirty="0"/>
+              <a:t>	(Wikipedia entry)</a:t>
+            </a:r>
+          </a:p>
+          <a:p>
             <a:endParaRPr lang="en-US" dirty="0"/>
           </a:p>
         </p:txBody>
@@ -7253,7 +7286,7 @@
     </p:spTree>
     <p:extLst>
       <p:ext uri="{BB962C8B-B14F-4D97-AF65-F5344CB8AC3E}">
-        <p14:creationId xmlns:p14="http://schemas.microsoft.com/office/powerpoint/2010/main" val="3454502009"/>
+        <p14:creationId xmlns:p14="http://schemas.microsoft.com/office/powerpoint/2010/main" val="4068846739"/>
       </p:ext>
     </p:extLst>
   </p:cSld>
@@ -7287,56 +7320,66 @@
             <a:spLocks noGrp="1"/>
           </p:cNvSpPr>
           <p:nvPr>
-            <p:ph type="ctrTitle"/>
-          </p:nvPr>
-        </p:nvSpPr>
-        <p:spPr>
-          <a:xfrm>
-            <a:off x="1289538" y="1122363"/>
-            <a:ext cx="9612924" cy="2387600"/>
-          </a:xfrm>
-        </p:spPr>
-        <p:txBody>
-          <a:bodyPr/>
-          <a:lstStyle/>
-          <a:p>
-            <a:r>
-              <a:rPr lang="en-US" dirty="0"/>
-              <a:t>Object State &amp; Behavior</a:t>
-            </a:r>
-          </a:p>
-        </p:txBody>
-      </p:sp>
-      <p:sp>
-        <p:nvSpPr>
-          <p:cNvPr id="3" name="Subtitle 2"/>
-          <p:cNvSpPr>
-            <a:spLocks noGrp="1"/>
-          </p:cNvSpPr>
-          <p:nvPr>
-            <p:ph type="subTitle" idx="1"/>
-          </p:nvPr>
-        </p:nvSpPr>
-        <p:spPr/>
-        <p:txBody>
-          <a:bodyPr/>
-          <a:lstStyle/>
-          <a:p>
-            <a:r>
-              <a:rPr lang="en-US"/>
-              <a:t>[ 5.02 </a:t>
-            </a:r>
-            <a:r>
-              <a:rPr lang="en-US" dirty="0"/>
-              <a:t>] [ Today’s Date ] [ Instructor Name ]</a:t>
-            </a:r>
+            <p:ph type="title"/>
+          </p:nvPr>
+        </p:nvSpPr>
+        <p:spPr/>
+        <p:txBody>
+          <a:bodyPr>
+            <a:normAutofit/>
+          </a:bodyPr>
+          <a:lstStyle/>
+          <a:p>
+            <a:r>
+              <a:rPr lang="en-US" dirty="0"/>
+              <a:t>Homework</a:t>
+            </a:r>
+          </a:p>
+        </p:txBody>
+      </p:sp>
+      <p:sp>
+        <p:nvSpPr>
+          <p:cNvPr id="3" name="Content Placeholder 2"/>
+          <p:cNvSpPr>
+            <a:spLocks noGrp="1"/>
+          </p:cNvSpPr>
+          <p:nvPr>
+            <p:ph idx="1"/>
+          </p:nvPr>
+        </p:nvSpPr>
+        <p:spPr/>
+        <p:txBody>
+          <a:bodyPr/>
+          <a:lstStyle/>
+          <a:p>
+            <a:pPr marL="0" indent="0">
+              <a:buNone/>
+            </a:pPr>
+            <a:r>
+              <a:rPr lang="en-US" dirty="0"/>
+              <a:t>Read HW 8.2 up to “</a:t>
+            </a:r>
+            <a:r>
+              <a:rPr lang="en-US" dirty="0" err="1"/>
+              <a:t>Mutators</a:t>
+            </a:r>
+            <a:r>
+              <a:rPr lang="en-US" dirty="0"/>
+              <a:t> and Accessors”</a:t>
+            </a:r>
+          </a:p>
+          <a:p>
+            <a:pPr marL="0" indent="0">
+              <a:buNone/>
+            </a:pPr>
+            <a:endParaRPr lang="en-US" dirty="0"/>
           </a:p>
         </p:txBody>
       </p:sp>
     </p:spTree>
     <p:extLst>
       <p:ext uri="{BB962C8B-B14F-4D97-AF65-F5344CB8AC3E}">
-        <p14:creationId xmlns:p14="http://schemas.microsoft.com/office/powerpoint/2010/main" val="3311494245"/>
+        <p14:creationId xmlns:p14="http://schemas.microsoft.com/office/powerpoint/2010/main" val="3454502009"/>
       </p:ext>
     </p:extLst>
   </p:cSld>
@@ -7370,208 +7413,56 @@
             <a:spLocks noGrp="1"/>
           </p:cNvSpPr>
           <p:nvPr>
-            <p:ph type="title"/>
-          </p:nvPr>
-        </p:nvSpPr>
-        <p:spPr/>
-        <p:txBody>
-          <a:bodyPr/>
-          <a:lstStyle/>
-          <a:p>
-            <a:r>
-              <a:rPr lang="en-US" dirty="0"/>
-              <a:t>Fields</a:t>
-            </a:r>
-          </a:p>
-        </p:txBody>
-      </p:sp>
-      <p:sp>
-        <p:nvSpPr>
-          <p:cNvPr id="3" name="Content Placeholder 2"/>
-          <p:cNvSpPr>
-            <a:spLocks noGrp="1"/>
-          </p:cNvSpPr>
-          <p:nvPr>
-            <p:ph idx="1"/>
-          </p:nvPr>
-        </p:nvSpPr>
-        <p:spPr/>
-        <p:txBody>
-          <a:bodyPr>
-            <a:normAutofit/>
-          </a:bodyPr>
-          <a:lstStyle/>
-          <a:p>
-            <a:pPr marL="0" indent="0">
-              <a:buNone/>
-            </a:pPr>
-            <a:r>
-              <a:rPr lang="en-US" dirty="0">
-                <a:latin typeface="Courier New" panose="02070309020205020404" pitchFamily="49" charset="0"/>
-                <a:cs typeface="Courier New" panose="02070309020205020404" pitchFamily="49" charset="0"/>
-              </a:rPr>
-              <a:t>public class </a:t>
-            </a:r>
-            <a:r>
-              <a:rPr lang="en-US" dirty="0" err="1">
-                <a:latin typeface="Courier New" panose="02070309020205020404" pitchFamily="49" charset="0"/>
-                <a:cs typeface="Courier New" panose="02070309020205020404" pitchFamily="49" charset="0"/>
-              </a:rPr>
-              <a:t>Pokemon</a:t>
-            </a:r>
-            <a:r>
-              <a:rPr lang="en-US" dirty="0">
-                <a:latin typeface="Courier New" panose="02070309020205020404" pitchFamily="49" charset="0"/>
-                <a:cs typeface="Courier New" panose="02070309020205020404" pitchFamily="49" charset="0"/>
-              </a:rPr>
-              <a:t> {</a:t>
-            </a:r>
-          </a:p>
-          <a:p>
-            <a:pPr marL="0" indent="0">
-              <a:buNone/>
-            </a:pPr>
-            <a:endParaRPr lang="en-US" dirty="0">
-              <a:latin typeface="Courier New" panose="02070309020205020404" pitchFamily="49" charset="0"/>
-              <a:cs typeface="Courier New" panose="02070309020205020404" pitchFamily="49" charset="0"/>
-            </a:endParaRPr>
-          </a:p>
-          <a:p>
-            <a:pPr marL="0" indent="0">
-              <a:buNone/>
-            </a:pPr>
-            <a:r>
-              <a:rPr lang="en-US" dirty="0">
-                <a:latin typeface="Courier New" panose="02070309020205020404" pitchFamily="49" charset="0"/>
-                <a:cs typeface="Courier New" panose="02070309020205020404" pitchFamily="49" charset="0"/>
-              </a:rPr>
-              <a:t>				</a:t>
-            </a:r>
-            <a:r>
-              <a:rPr lang="en-US" sz="2400" dirty="0">
-                <a:solidFill>
-                  <a:schemeClr val="accent6"/>
-                </a:solidFill>
-                <a:latin typeface="Courier New" panose="02070309020205020404" pitchFamily="49" charset="0"/>
-                <a:cs typeface="Courier New" panose="02070309020205020404" pitchFamily="49" charset="0"/>
-              </a:rPr>
-              <a:t>//What are some examples of fields</a:t>
-            </a:r>
-          </a:p>
-          <a:p>
-            <a:pPr marL="0" indent="0">
-              <a:buNone/>
-            </a:pPr>
-            <a:endParaRPr lang="en-US" sz="2400" dirty="0">
-              <a:latin typeface="Courier New" panose="02070309020205020404" pitchFamily="49" charset="0"/>
-              <a:cs typeface="Courier New" panose="02070309020205020404" pitchFamily="49" charset="0"/>
-            </a:endParaRPr>
-          </a:p>
-          <a:p>
-            <a:pPr marL="0" indent="0">
-              <a:buNone/>
-            </a:pPr>
-            <a:r>
-              <a:rPr lang="en-US" sz="2400" dirty="0">
-                <a:latin typeface="Courier New" panose="02070309020205020404" pitchFamily="49" charset="0"/>
-                <a:cs typeface="Courier New" panose="02070309020205020404" pitchFamily="49" charset="0"/>
-              </a:rPr>
-              <a:t>				</a:t>
-            </a:r>
-            <a:r>
-              <a:rPr lang="en-US" sz="2400" dirty="0">
-                <a:solidFill>
-                  <a:schemeClr val="accent6"/>
-                </a:solidFill>
-                <a:latin typeface="Courier New" panose="02070309020205020404" pitchFamily="49" charset="0"/>
-                <a:cs typeface="Courier New" panose="02070309020205020404" pitchFamily="49" charset="0"/>
-              </a:rPr>
-              <a:t>//What would fields look like for</a:t>
-            </a:r>
-          </a:p>
-          <a:p>
-            <a:pPr marL="0" indent="0">
-              <a:buNone/>
-            </a:pPr>
-            <a:r>
-              <a:rPr lang="en-US" sz="2400" dirty="0">
-                <a:latin typeface="Courier New" panose="02070309020205020404" pitchFamily="49" charset="0"/>
-                <a:cs typeface="Courier New" panose="02070309020205020404" pitchFamily="49" charset="0"/>
-              </a:rPr>
-              <a:t>			\	</a:t>
-            </a:r>
-            <a:r>
-              <a:rPr lang="en-US" sz="2400" dirty="0">
-                <a:solidFill>
-                  <a:schemeClr val="accent6"/>
-                </a:solidFill>
-                <a:latin typeface="Courier New" panose="02070309020205020404" pitchFamily="49" charset="0"/>
-                <a:cs typeface="Courier New" panose="02070309020205020404" pitchFamily="49" charset="0"/>
-              </a:rPr>
-              <a:t>//a student, dog, or forecast?</a:t>
-            </a:r>
-            <a:endParaRPr lang="en-US" sz="2400" dirty="0">
-              <a:latin typeface="Courier New" panose="02070309020205020404" pitchFamily="49" charset="0"/>
-              <a:cs typeface="Courier New" panose="02070309020205020404" pitchFamily="49" charset="0"/>
-            </a:endParaRPr>
-          </a:p>
-          <a:p>
-            <a:pPr marL="0" indent="0">
-              <a:buNone/>
-            </a:pPr>
-            <a:endParaRPr lang="en-US" dirty="0">
-              <a:latin typeface="Courier New" panose="02070309020205020404" pitchFamily="49" charset="0"/>
-              <a:cs typeface="Courier New" panose="02070309020205020404" pitchFamily="49" charset="0"/>
-            </a:endParaRPr>
-          </a:p>
-          <a:p>
-            <a:pPr marL="0" indent="0">
-              <a:buNone/>
-            </a:pPr>
-            <a:r>
-              <a:rPr lang="en-US" dirty="0">
-                <a:latin typeface="Courier New" panose="02070309020205020404" pitchFamily="49" charset="0"/>
-                <a:cs typeface="Courier New" panose="02070309020205020404" pitchFamily="49" charset="0"/>
-              </a:rPr>
-              <a:t>}</a:t>
-            </a:r>
-          </a:p>
-        </p:txBody>
-      </p:sp>
-      <p:pic>
-        <p:nvPicPr>
-          <p:cNvPr id="6" name="Picture 5" descr="DP status screen.png"/>
-          <p:cNvPicPr>
-            <a:picLocks noChangeAspect="1"/>
-          </p:cNvPicPr>
-          <p:nvPr/>
-        </p:nvPicPr>
-        <p:blipFill>
-          <a:blip r:embed="rId2">
-            <a:extLst>
-              <a:ext uri="{28A0092B-C50C-407E-A947-70E740481C1C}">
-                <a14:useLocalDpi xmlns:a14="http://schemas.microsoft.com/office/drawing/2010/main" val="0"/>
-              </a:ext>
-            </a:extLst>
-          </a:blip>
-          <a:stretch>
-            <a:fillRect/>
-          </a:stretch>
-        </p:blipFill>
+            <p:ph type="ctrTitle"/>
+          </p:nvPr>
+        </p:nvSpPr>
         <p:spPr>
           <a:xfrm>
-            <a:off x="950744" y="2804523"/>
-            <a:ext cx="3125280" cy="2343959"/>
+            <a:off x="1289538" y="1122363"/>
+            <a:ext cx="9612924" cy="2387600"/>
           </a:xfrm>
-          <a:prstGeom prst="rect">
-            <a:avLst/>
-          </a:prstGeom>
         </p:spPr>
-      </p:pic>
+        <p:txBody>
+          <a:bodyPr/>
+          <a:lstStyle/>
+          <a:p>
+            <a:r>
+              <a:rPr lang="en-US" dirty="0"/>
+              <a:t>Object State &amp; Behavior</a:t>
+            </a:r>
+          </a:p>
+        </p:txBody>
+      </p:sp>
+      <p:sp>
+        <p:nvSpPr>
+          <p:cNvPr id="3" name="Subtitle 2"/>
+          <p:cNvSpPr>
+            <a:spLocks noGrp="1"/>
+          </p:cNvSpPr>
+          <p:nvPr>
+            <p:ph type="subTitle" idx="1"/>
+          </p:nvPr>
+        </p:nvSpPr>
+        <p:spPr/>
+        <p:txBody>
+          <a:bodyPr/>
+          <a:lstStyle/>
+          <a:p>
+            <a:r>
+              <a:rPr lang="en-US"/>
+              <a:t>[ 5.02 </a:t>
+            </a:r>
+            <a:r>
+              <a:rPr lang="en-US" dirty="0"/>
+              <a:t>] [ Today’s Date ] [ Instructor Name ]</a:t>
+            </a:r>
+          </a:p>
+        </p:txBody>
+      </p:sp>
     </p:spTree>
     <p:extLst>
       <p:ext uri="{BB962C8B-B14F-4D97-AF65-F5344CB8AC3E}">
-        <p14:creationId xmlns:p14="http://schemas.microsoft.com/office/powerpoint/2010/main" val="4201759214"/>
+        <p14:creationId xmlns:p14="http://schemas.microsoft.com/office/powerpoint/2010/main" val="3311494245"/>
       </p:ext>
     </p:extLst>
   </p:cSld>
@@ -7675,7 +7566,7 @@
           <a:p>
             <a:r>
               <a:rPr lang="en-US" dirty="0"/>
-              <a:t>Methods</a:t>
+              <a:t>Fields</a:t>
             </a:r>
           </a:p>
         </p:txBody>
@@ -7692,59 +7583,181 @@
         </p:nvSpPr>
         <p:spPr/>
         <p:txBody>
-          <a:bodyPr/>
-          <a:lstStyle/>
-          <a:p>
-            <a:pPr marL="0" indent="0">
-              <a:buNone/>
-            </a:pPr>
-            <a:endParaRPr lang="en-US" dirty="0"/>
-          </a:p>
-          <a:p>
-            <a:pPr marL="0" indent="0">
-              <a:buNone/>
-            </a:pPr>
-            <a:r>
-              <a:rPr lang="en-US" dirty="0"/>
-              <a:t>What would be a good method to include in all instances of Students?</a:t>
-            </a:r>
-          </a:p>
-          <a:p>
-            <a:pPr marL="0" indent="0">
-              <a:buNone/>
-            </a:pPr>
-            <a:endParaRPr lang="en-US" dirty="0"/>
-          </a:p>
-          <a:p>
-            <a:pPr marL="0" indent="0">
-              <a:buNone/>
-            </a:pPr>
-            <a:r>
-              <a:rPr lang="en-US" dirty="0"/>
-              <a:t>What would be a good method for all instances of the Dog class?</a:t>
-            </a:r>
-          </a:p>
-          <a:p>
-            <a:pPr marL="0" indent="0">
-              <a:buNone/>
-            </a:pPr>
-            <a:endParaRPr lang="en-US" dirty="0"/>
-          </a:p>
-          <a:p>
-            <a:pPr marL="0" indent="0">
-              <a:buNone/>
-            </a:pPr>
-            <a:r>
-              <a:rPr lang="en-US" dirty="0"/>
-              <a:t>What method should all forecasts have, no matter what forecast?</a:t>
-            </a:r>
-          </a:p>
-        </p:txBody>
-      </p:sp>
+          <a:bodyPr>
+            <a:normAutofit/>
+          </a:bodyPr>
+          <a:lstStyle/>
+          <a:p>
+            <a:pPr marL="0" indent="0">
+              <a:buNone/>
+            </a:pPr>
+            <a:r>
+              <a:rPr lang="en-US" dirty="0">
+                <a:latin typeface="Courier New" panose="02070309020205020404" pitchFamily="49" charset="0"/>
+                <a:cs typeface="Courier New" panose="02070309020205020404" pitchFamily="49" charset="0"/>
+              </a:rPr>
+              <a:t>public class </a:t>
+            </a:r>
+            <a:r>
+              <a:rPr lang="en-US" dirty="0" err="1">
+                <a:latin typeface="Courier New" panose="02070309020205020404" pitchFamily="49" charset="0"/>
+                <a:cs typeface="Courier New" panose="02070309020205020404" pitchFamily="49" charset="0"/>
+              </a:rPr>
+              <a:t>Pokemon</a:t>
+            </a:r>
+            <a:r>
+              <a:rPr lang="en-US" dirty="0">
+                <a:latin typeface="Courier New" panose="02070309020205020404" pitchFamily="49" charset="0"/>
+                <a:cs typeface="Courier New" panose="02070309020205020404" pitchFamily="49" charset="0"/>
+              </a:rPr>
+              <a:t> {</a:t>
+            </a:r>
+          </a:p>
+          <a:p>
+            <a:pPr marL="0" indent="0">
+              <a:buNone/>
+            </a:pPr>
+            <a:endParaRPr lang="en-US" dirty="0">
+              <a:latin typeface="Courier New" panose="02070309020205020404" pitchFamily="49" charset="0"/>
+              <a:cs typeface="Courier New" panose="02070309020205020404" pitchFamily="49" charset="0"/>
+            </a:endParaRPr>
+          </a:p>
+          <a:p>
+            <a:pPr marL="0" indent="0">
+              <a:buNone/>
+            </a:pPr>
+            <a:r>
+              <a:rPr lang="en-US" dirty="0">
+                <a:latin typeface="Courier New" panose="02070309020205020404" pitchFamily="49" charset="0"/>
+                <a:cs typeface="Courier New" panose="02070309020205020404" pitchFamily="49" charset="0"/>
+              </a:rPr>
+              <a:t>				</a:t>
+            </a:r>
+            <a:r>
+              <a:rPr lang="en-US" sz="2400" dirty="0">
+                <a:solidFill>
+                  <a:schemeClr val="accent6"/>
+                </a:solidFill>
+                <a:latin typeface="Courier New" panose="02070309020205020404" pitchFamily="49" charset="0"/>
+                <a:cs typeface="Courier New" panose="02070309020205020404" pitchFamily="49" charset="0"/>
+              </a:rPr>
+              <a:t>//What are some examples of fields</a:t>
+            </a:r>
+          </a:p>
+          <a:p>
+            <a:pPr marL="0" indent="0">
+              <a:buNone/>
+            </a:pPr>
+            <a:endParaRPr lang="en-US" sz="2400" dirty="0">
+              <a:latin typeface="Courier New" panose="02070309020205020404" pitchFamily="49" charset="0"/>
+              <a:cs typeface="Courier New" panose="02070309020205020404" pitchFamily="49" charset="0"/>
+            </a:endParaRPr>
+          </a:p>
+          <a:p>
+            <a:pPr marL="0" indent="0">
+              <a:buNone/>
+            </a:pPr>
+            <a:r>
+              <a:rPr lang="en-US" sz="2400" dirty="0">
+                <a:latin typeface="Courier New" panose="02070309020205020404" pitchFamily="49" charset="0"/>
+                <a:cs typeface="Courier New" panose="02070309020205020404" pitchFamily="49" charset="0"/>
+              </a:rPr>
+              <a:t>				</a:t>
+            </a:r>
+            <a:r>
+              <a:rPr lang="en-US" sz="2400" dirty="0">
+                <a:solidFill>
+                  <a:schemeClr val="accent6"/>
+                </a:solidFill>
+                <a:latin typeface="Courier New" panose="02070309020205020404" pitchFamily="49" charset="0"/>
+                <a:cs typeface="Courier New" panose="02070309020205020404" pitchFamily="49" charset="0"/>
+              </a:rPr>
+              <a:t>//What would fields look like for</a:t>
+            </a:r>
+          </a:p>
+          <a:p>
+            <a:pPr marL="0" indent="0">
+              <a:buNone/>
+            </a:pPr>
+            <a:r>
+              <a:rPr lang="en-US" sz="2400" dirty="0">
+                <a:latin typeface="Courier New" panose="02070309020205020404" pitchFamily="49" charset="0"/>
+                <a:cs typeface="Courier New" panose="02070309020205020404" pitchFamily="49" charset="0"/>
+              </a:rPr>
+              <a:t>			\	</a:t>
+            </a:r>
+            <a:r>
+              <a:rPr lang="en-US" sz="2400" dirty="0">
+                <a:solidFill>
+                  <a:schemeClr val="accent6"/>
+                </a:solidFill>
+                <a:latin typeface="Courier New" panose="02070309020205020404" pitchFamily="49" charset="0"/>
+                <a:cs typeface="Courier New" panose="02070309020205020404" pitchFamily="49" charset="0"/>
+              </a:rPr>
+              <a:t>//a student, dog, or forecast?</a:t>
+            </a:r>
+            <a:endParaRPr lang="en-US" sz="2400" dirty="0">
+              <a:latin typeface="Courier New" panose="02070309020205020404" pitchFamily="49" charset="0"/>
+              <a:cs typeface="Courier New" panose="02070309020205020404" pitchFamily="49" charset="0"/>
+            </a:endParaRPr>
+          </a:p>
+          <a:p>
+            <a:pPr marL="0" indent="0">
+              <a:buNone/>
+            </a:pPr>
+            <a:endParaRPr lang="en-US" dirty="0">
+              <a:latin typeface="Courier New" panose="02070309020205020404" pitchFamily="49" charset="0"/>
+              <a:cs typeface="Courier New" panose="02070309020205020404" pitchFamily="49" charset="0"/>
+            </a:endParaRPr>
+          </a:p>
+          <a:p>
+            <a:pPr marL="0" indent="0">
+              <a:buNone/>
+            </a:pPr>
+            <a:r>
+              <a:rPr lang="en-US" dirty="0">
+                <a:latin typeface="Courier New" panose="02070309020205020404" pitchFamily="49" charset="0"/>
+                <a:cs typeface="Courier New" panose="02070309020205020404" pitchFamily="49" charset="0"/>
+              </a:rPr>
+              <a:t>}</a:t>
+            </a:r>
+          </a:p>
+        </p:txBody>
+      </p:sp>
+      <p:pic>
+        <p:nvPicPr>
+          <p:cNvPr id="6" name="Picture 5" descr="DP status screen.png"/>
+          <p:cNvPicPr>
+            <a:picLocks noChangeAspect="1"/>
+          </p:cNvPicPr>
+          <p:nvPr/>
+        </p:nvPicPr>
+        <p:blipFill>
+          <a:blip r:embed="rId2">
+            <a:extLst>
+              <a:ext uri="{28A0092B-C50C-407E-A947-70E740481C1C}">
+                <a14:useLocalDpi xmlns:a14="http://schemas.microsoft.com/office/drawing/2010/main" val="0"/>
+              </a:ext>
+            </a:extLst>
+          </a:blip>
+          <a:stretch>
+            <a:fillRect/>
+          </a:stretch>
+        </p:blipFill>
+        <p:spPr>
+          <a:xfrm>
+            <a:off x="950744" y="2804523"/>
+            <a:ext cx="3125280" cy="2343959"/>
+          </a:xfrm>
+          <a:prstGeom prst="rect">
+            <a:avLst/>
+          </a:prstGeom>
+        </p:spPr>
+      </p:pic>
     </p:spTree>
     <p:extLst>
       <p:ext uri="{BB962C8B-B14F-4D97-AF65-F5344CB8AC3E}">
-        <p14:creationId xmlns:p14="http://schemas.microsoft.com/office/powerpoint/2010/main" val="1990963924"/>
+        <p14:creationId xmlns:p14="http://schemas.microsoft.com/office/powerpoint/2010/main" val="4201759214"/>
       </p:ext>
     </p:extLst>
   </p:cSld>
@@ -7773,13 +7786,7 @@
       </p:grpSpPr>
       <p:sp>
         <p:nvSpPr>
-          <p:cNvPr id="2" name="Title 1">
-            <a:extLst>
-              <a:ext uri="{FF2B5EF4-FFF2-40B4-BE49-F238E27FC236}">
-                <a16:creationId xmlns:a16="http://schemas.microsoft.com/office/drawing/2014/main" id="{C523C934-E7DB-4FCA-AD40-36B282B512E8}"/>
-              </a:ext>
-            </a:extLst>
-          </p:cNvPr>
+          <p:cNvPr id="2" name="Title 1"/>
           <p:cNvSpPr>
             <a:spLocks noGrp="1"/>
           </p:cNvSpPr>
@@ -7794,20 +7801,14 @@
           <a:p>
             <a:r>
               <a:rPr lang="en-US" dirty="0"/>
-              <a:t>Accessor Methods</a:t>
-            </a:r>
-          </a:p>
-        </p:txBody>
-      </p:sp>
-      <p:sp>
-        <p:nvSpPr>
-          <p:cNvPr id="3" name="Content Placeholder 2">
-            <a:extLst>
-              <a:ext uri="{FF2B5EF4-FFF2-40B4-BE49-F238E27FC236}">
-                <a16:creationId xmlns:a16="http://schemas.microsoft.com/office/drawing/2014/main" id="{296A1DFF-D282-4F79-8A8B-C5598B31D56D}"/>
-              </a:ext>
-            </a:extLst>
-          </p:cNvPr>
+              <a:t>Methods</a:t>
+            </a:r>
+          </a:p>
+        </p:txBody>
+      </p:sp>
+      <p:sp>
+        <p:nvSpPr>
+          <p:cNvPr id="3" name="Content Placeholder 2"/>
           <p:cNvSpPr>
             <a:spLocks noGrp="1"/>
           </p:cNvSpPr>
@@ -7817,193 +7818,59 @@
         </p:nvSpPr>
         <p:spPr/>
         <p:txBody>
-          <a:bodyPr>
-            <a:normAutofit/>
-          </a:bodyPr>
-          <a:lstStyle/>
-          <a:p>
-            <a:pPr marL="0" indent="0">
-              <a:buNone/>
-            </a:pPr>
-            <a:r>
-              <a:rPr lang="en-US" sz="1600" dirty="0">
-                <a:latin typeface="Courier New" panose="02070309020205020404" pitchFamily="49" charset="0"/>
-                <a:cs typeface="Courier New" panose="02070309020205020404" pitchFamily="49" charset="0"/>
-              </a:rPr>
-              <a:t>public class Student {</a:t>
-            </a:r>
-          </a:p>
-          <a:p>
-            <a:pPr marL="457200" lvl="1" indent="0">
-              <a:buNone/>
-            </a:pPr>
-            <a:r>
-              <a:rPr lang="en-US" sz="1600" dirty="0">
-                <a:latin typeface="Courier New" panose="02070309020205020404" pitchFamily="49" charset="0"/>
-                <a:cs typeface="Courier New" panose="02070309020205020404" pitchFamily="49" charset="0"/>
-              </a:rPr>
-              <a:t>private String name;</a:t>
-            </a:r>
-          </a:p>
-          <a:p>
-            <a:pPr marL="457200" lvl="1" indent="0">
-              <a:buNone/>
-            </a:pPr>
-            <a:endParaRPr lang="en-US" sz="1600" dirty="0">
-              <a:latin typeface="Courier New" panose="02070309020205020404" pitchFamily="49" charset="0"/>
-              <a:cs typeface="Courier New" panose="02070309020205020404" pitchFamily="49" charset="0"/>
-            </a:endParaRPr>
-          </a:p>
-          <a:p>
-            <a:pPr marL="457200" lvl="1" indent="0">
-              <a:buNone/>
-            </a:pPr>
-            <a:r>
-              <a:rPr lang="en-US" sz="1600" dirty="0">
-                <a:latin typeface="Courier New" panose="02070309020205020404" pitchFamily="49" charset="0"/>
-                <a:cs typeface="Courier New" panose="02070309020205020404" pitchFamily="49" charset="0"/>
-              </a:rPr>
-              <a:t>public String </a:t>
-            </a:r>
-            <a:r>
-              <a:rPr lang="en-US" sz="1600" dirty="0" err="1">
-                <a:latin typeface="Courier New" panose="02070309020205020404" pitchFamily="49" charset="0"/>
-                <a:cs typeface="Courier New" panose="02070309020205020404" pitchFamily="49" charset="0"/>
-              </a:rPr>
-              <a:t>getName</a:t>
-            </a:r>
-            <a:r>
-              <a:rPr lang="en-US" sz="1600" dirty="0">
-                <a:latin typeface="Courier New" panose="02070309020205020404" pitchFamily="49" charset="0"/>
-                <a:cs typeface="Courier New" panose="02070309020205020404" pitchFamily="49" charset="0"/>
-              </a:rPr>
-              <a:t> () {			// getter accessor method</a:t>
-            </a:r>
-          </a:p>
-          <a:p>
-            <a:pPr marL="914400" lvl="2" indent="0">
-              <a:buNone/>
-            </a:pPr>
-            <a:r>
-              <a:rPr lang="en-US" sz="1600" dirty="0">
-                <a:latin typeface="Courier New" panose="02070309020205020404" pitchFamily="49" charset="0"/>
-                <a:cs typeface="Courier New" panose="02070309020205020404" pitchFamily="49" charset="0"/>
-              </a:rPr>
-              <a:t>return name;</a:t>
-            </a:r>
-          </a:p>
-          <a:p>
-            <a:pPr marL="457200" lvl="1" indent="0">
-              <a:buNone/>
-            </a:pPr>
-            <a:r>
-              <a:rPr lang="en-US" sz="1600" dirty="0">
-                <a:latin typeface="Courier New" panose="02070309020205020404" pitchFamily="49" charset="0"/>
-                <a:cs typeface="Courier New" panose="02070309020205020404" pitchFamily="49" charset="0"/>
-              </a:rPr>
-              <a:t>}</a:t>
-            </a:r>
-          </a:p>
-          <a:p>
-            <a:pPr marL="914400" lvl="2" indent="0">
-              <a:buNone/>
-            </a:pPr>
-            <a:endParaRPr lang="en-US" sz="1600" dirty="0">
-              <a:latin typeface="Courier New" panose="02070309020205020404" pitchFamily="49" charset="0"/>
-              <a:cs typeface="Courier New" panose="02070309020205020404" pitchFamily="49" charset="0"/>
-            </a:endParaRPr>
-          </a:p>
-          <a:p>
-            <a:pPr marL="457200" lvl="1" indent="0">
-              <a:buNone/>
-            </a:pPr>
-            <a:r>
-              <a:rPr lang="en-US" sz="1600" dirty="0">
-                <a:latin typeface="Courier New" panose="02070309020205020404" pitchFamily="49" charset="0"/>
-                <a:cs typeface="Courier New" panose="02070309020205020404" pitchFamily="49" charset="0"/>
-              </a:rPr>
-              <a:t>public void </a:t>
-            </a:r>
-            <a:r>
-              <a:rPr lang="en-US" sz="1600" dirty="0" err="1">
-                <a:latin typeface="Courier New" panose="02070309020205020404" pitchFamily="49" charset="0"/>
-                <a:cs typeface="Courier New" panose="02070309020205020404" pitchFamily="49" charset="0"/>
-              </a:rPr>
-              <a:t>setName</a:t>
-            </a:r>
-            <a:r>
-              <a:rPr lang="en-US" sz="1600" dirty="0">
-                <a:latin typeface="Courier New" panose="02070309020205020404" pitchFamily="49" charset="0"/>
-                <a:cs typeface="Courier New" panose="02070309020205020404" pitchFamily="49" charset="0"/>
-              </a:rPr>
-              <a:t>(String newname) {	// setter accessor method</a:t>
-            </a:r>
-          </a:p>
-          <a:p>
-            <a:pPr marL="914400" lvl="2" indent="0">
-              <a:buNone/>
-            </a:pPr>
-            <a:r>
-              <a:rPr lang="en-US" sz="1600" dirty="0">
-                <a:latin typeface="Courier New" panose="02070309020205020404" pitchFamily="49" charset="0"/>
-                <a:cs typeface="Courier New" panose="02070309020205020404" pitchFamily="49" charset="0"/>
-              </a:rPr>
-              <a:t>n</a:t>
-            </a:r>
-            <a:r>
-              <a:rPr lang="en-US" sz="1600">
-                <a:latin typeface="Courier New" panose="02070309020205020404" pitchFamily="49" charset="0"/>
-                <a:cs typeface="Courier New" panose="02070309020205020404" pitchFamily="49" charset="0"/>
-              </a:rPr>
-              <a:t>ame </a:t>
-            </a:r>
-            <a:r>
-              <a:rPr lang="en-US" sz="1600" dirty="0">
-                <a:latin typeface="Courier New" panose="02070309020205020404" pitchFamily="49" charset="0"/>
-                <a:cs typeface="Courier New" panose="02070309020205020404" pitchFamily="49" charset="0"/>
-              </a:rPr>
-              <a:t>= newname;</a:t>
-            </a:r>
-          </a:p>
-          <a:p>
-            <a:pPr marL="457200" lvl="1" indent="0">
-              <a:buNone/>
-            </a:pPr>
-            <a:r>
-              <a:rPr lang="en-US" sz="1600" dirty="0">
-                <a:latin typeface="Courier New" panose="02070309020205020404" pitchFamily="49" charset="0"/>
-                <a:cs typeface="Courier New" panose="02070309020205020404" pitchFamily="49" charset="0"/>
-              </a:rPr>
-              <a:t>}</a:t>
-            </a:r>
-          </a:p>
-          <a:p>
-            <a:pPr marL="0" indent="0">
-              <a:buNone/>
-            </a:pPr>
-            <a:r>
-              <a:rPr lang="en-US" sz="1600" dirty="0">
-                <a:latin typeface="Courier New" panose="02070309020205020404" pitchFamily="49" charset="0"/>
-                <a:cs typeface="Courier New" panose="02070309020205020404" pitchFamily="49" charset="0"/>
-              </a:rPr>
-              <a:t>}</a:t>
-            </a:r>
-          </a:p>
-          <a:p>
-            <a:pPr marL="0" indent="0">
-              <a:buNone/>
-            </a:pPr>
-            <a:endParaRPr lang="en-US" sz="1600" dirty="0">
-              <a:latin typeface="Courier New" panose="02070309020205020404" pitchFamily="49" charset="0"/>
-              <a:cs typeface="Courier New" panose="02070309020205020404" pitchFamily="49" charset="0"/>
-            </a:endParaRPr>
+          <a:bodyPr/>
+          <a:lstStyle/>
+          <a:p>
+            <a:pPr marL="0" indent="0">
+              <a:buNone/>
+            </a:pPr>
+            <a:endParaRPr lang="en-US" dirty="0"/>
+          </a:p>
+          <a:p>
+            <a:pPr marL="0" indent="0">
+              <a:buNone/>
+            </a:pPr>
+            <a:r>
+              <a:rPr lang="en-US" dirty="0"/>
+              <a:t>What would be a good method to include in all instances of Students?</a:t>
+            </a:r>
+          </a:p>
+          <a:p>
+            <a:pPr marL="0" indent="0">
+              <a:buNone/>
+            </a:pPr>
+            <a:endParaRPr lang="en-US" dirty="0"/>
+          </a:p>
+          <a:p>
+            <a:pPr marL="0" indent="0">
+              <a:buNone/>
+            </a:pPr>
+            <a:r>
+              <a:rPr lang="en-US" dirty="0"/>
+              <a:t>What would be a good method for all instances of the Dog class?</a:t>
+            </a:r>
+          </a:p>
+          <a:p>
+            <a:pPr marL="0" indent="0">
+              <a:buNone/>
+            </a:pPr>
+            <a:endParaRPr lang="en-US" dirty="0"/>
+          </a:p>
+          <a:p>
+            <a:pPr marL="0" indent="0">
+              <a:buNone/>
+            </a:pPr>
+            <a:r>
+              <a:rPr lang="en-US" dirty="0"/>
+              <a:t>What method should all forecasts have, no matter what forecast?</a:t>
+            </a:r>
           </a:p>
         </p:txBody>
       </p:sp>
     </p:spTree>
     <p:extLst>
       <p:ext uri="{BB962C8B-B14F-4D97-AF65-F5344CB8AC3E}">
-        <p14:creationId xmlns:p14="http://schemas.microsoft.com/office/powerpoint/2010/main" val="1459667153"/>
+        <p14:creationId xmlns:p14="http://schemas.microsoft.com/office/powerpoint/2010/main" val="1990963924"/>
       </p:ext>
     </p:extLst>
   </p:cSld>
@@ -8035,7 +7902,7 @@
           <p:cNvPr id="2" name="Title 1">
             <a:extLst>
               <a:ext uri="{FF2B5EF4-FFF2-40B4-BE49-F238E27FC236}">
-                <a16:creationId xmlns:a16="http://schemas.microsoft.com/office/drawing/2014/main" id="{F174439D-8810-466D-8FAD-EDAF6AD339AC}"/>
+                <a16:creationId xmlns:a16="http://schemas.microsoft.com/office/drawing/2014/main" id="{C523C934-E7DB-4FCA-AD40-36B282B512E8}"/>
               </a:ext>
             </a:extLst>
           </p:cNvPr>
@@ -8053,7 +7920,7 @@
           <a:p>
             <a:r>
               <a:rPr lang="en-US" dirty="0"/>
-              <a:t>Accessor Example</a:t>
+              <a:t>Accessor Methods</a:t>
             </a:r>
           </a:p>
         </p:txBody>
@@ -8063,7 +7930,7 @@
           <p:cNvPr id="3" name="Content Placeholder 2">
             <a:extLst>
               <a:ext uri="{FF2B5EF4-FFF2-40B4-BE49-F238E27FC236}">
-                <a16:creationId xmlns:a16="http://schemas.microsoft.com/office/drawing/2014/main" id="{505E8D4C-3D5C-4ECC-9470-F07BF0B5BAD3}"/>
+                <a16:creationId xmlns:a16="http://schemas.microsoft.com/office/drawing/2014/main" id="{296A1DFF-D282-4F79-8A8B-C5598B31D56D}"/>
               </a:ext>
             </a:extLst>
           </p:cNvPr>
@@ -8077,7 +7944,7 @@
         <p:spPr/>
         <p:txBody>
           <a:bodyPr>
-            <a:normAutofit lnSpcReduction="10000"/>
+            <a:normAutofit/>
           </a:bodyPr>
           <a:lstStyle/>
           <a:p>
@@ -8089,21 +7956,19 @@
                 <a:latin typeface="Courier New" panose="02070309020205020404" pitchFamily="49" charset="0"/>
                 <a:cs typeface="Courier New" panose="02070309020205020404" pitchFamily="49" charset="0"/>
               </a:rPr>
-              <a:t>public class </a:t>
-            </a:r>
-            <a:r>
-              <a:rPr lang="en-US" sz="1600" dirty="0" err="1">
-                <a:latin typeface="Courier New" panose="02070309020205020404" pitchFamily="49" charset="0"/>
-                <a:cs typeface="Courier New" panose="02070309020205020404" pitchFamily="49" charset="0"/>
-              </a:rPr>
-              <a:t>FormGroups</a:t>
-            </a:r>
+              <a:t>public class Student {</a:t>
+            </a:r>
+          </a:p>
+          <a:p>
+            <a:pPr marL="457200" lvl="1" indent="0">
+              <a:buNone/>
+            </a:pPr>
             <a:r>
               <a:rPr lang="en-US" sz="1600" dirty="0">
                 <a:latin typeface="Courier New" panose="02070309020205020404" pitchFamily="49" charset="0"/>
                 <a:cs typeface="Courier New" panose="02070309020205020404" pitchFamily="49" charset="0"/>
               </a:rPr>
-              <a:t> {</a:t>
+              <a:t>private String name;</a:t>
             </a:r>
           </a:p>
           <a:p>
@@ -8124,21 +7989,33 @@
                 <a:latin typeface="Courier New" panose="02070309020205020404" pitchFamily="49" charset="0"/>
                 <a:cs typeface="Courier New" panose="02070309020205020404" pitchFamily="49" charset="0"/>
               </a:rPr>
-              <a:t>public static void main (String </a:t>
+              <a:t>public String </a:t>
             </a:r>
             <a:r>
               <a:rPr lang="en-US" sz="1600" dirty="0" err="1">
                 <a:latin typeface="Courier New" panose="02070309020205020404" pitchFamily="49" charset="0"/>
                 <a:cs typeface="Courier New" panose="02070309020205020404" pitchFamily="49" charset="0"/>
               </a:rPr>
-              <a:t>args</a:t>
+              <a:t>getName</a:t>
             </a:r>
             <a:r>
               <a:rPr lang="en-US" sz="1600" dirty="0">
                 <a:latin typeface="Courier New" panose="02070309020205020404" pitchFamily="49" charset="0"/>
                 <a:cs typeface="Courier New" panose="02070309020205020404" pitchFamily="49" charset="0"/>
               </a:rPr>
-              <a:t>[]){</a:t>
+              <a:t> () {			// getter accessor method</a:t>
+            </a:r>
+          </a:p>
+          <a:p>
+            <a:pPr marL="914400" lvl="2" indent="0">
+              <a:buNone/>
+            </a:pPr>
+            <a:r>
+              <a:rPr lang="en-US" sz="1600" dirty="0">
+                <a:latin typeface="Courier New" panose="02070309020205020404" pitchFamily="49" charset="0"/>
+                <a:cs typeface="Courier New" panose="02070309020205020404" pitchFamily="49" charset="0"/>
+              </a:rPr>
+              <a:t>return name;</a:t>
             </a:r>
           </a:p>
           <a:p>
@@ -8150,25 +8027,11 @@
                 <a:latin typeface="Courier New" panose="02070309020205020404" pitchFamily="49" charset="0"/>
                 <a:cs typeface="Courier New" panose="02070309020205020404" pitchFamily="49" charset="0"/>
               </a:rPr>
-              <a:t>	Student </a:t>
-            </a:r>
-            <a:r>
-              <a:rPr lang="en-US" sz="1600" dirty="0" err="1">
-                <a:latin typeface="Courier New" panose="02070309020205020404" pitchFamily="49" charset="0"/>
-                <a:cs typeface="Courier New" panose="02070309020205020404" pitchFamily="49" charset="0"/>
-              </a:rPr>
-              <a:t>groupLeader</a:t>
-            </a:r>
-            <a:r>
-              <a:rPr lang="en-US" sz="1600" dirty="0">
-                <a:latin typeface="Courier New" panose="02070309020205020404" pitchFamily="49" charset="0"/>
-                <a:cs typeface="Courier New" panose="02070309020205020404" pitchFamily="49" charset="0"/>
-              </a:rPr>
-              <a:t> = new Student();</a:t>
-            </a:r>
-          </a:p>
-          <a:p>
-            <a:pPr marL="457200" lvl="1" indent="0">
+              <a:t>}</a:t>
+            </a:r>
+          </a:p>
+          <a:p>
+            <a:pPr marL="914400" lvl="2" indent="0">
               <a:buNone/>
             </a:pPr>
             <a:endParaRPr lang="en-US" sz="1600" dirty="0">
@@ -8185,25 +8048,75 @@
                 <a:latin typeface="Courier New" panose="02070309020205020404" pitchFamily="49" charset="0"/>
                 <a:cs typeface="Courier New" panose="02070309020205020404" pitchFamily="49" charset="0"/>
               </a:rPr>
-              <a:t>	</a:t>
+              <a:t>public void </a:t>
             </a:r>
             <a:r>
               <a:rPr lang="en-US" sz="1600" dirty="0" err="1">
                 <a:latin typeface="Courier New" panose="02070309020205020404" pitchFamily="49" charset="0"/>
                 <a:cs typeface="Courier New" panose="02070309020205020404" pitchFamily="49" charset="0"/>
               </a:rPr>
-              <a:t>groupLeader.setName</a:t>
+              <a:t>setName</a:t>
             </a:r>
             <a:r>
               <a:rPr lang="en-US" sz="1600" dirty="0">
                 <a:latin typeface="Courier New" panose="02070309020205020404" pitchFamily="49" charset="0"/>
                 <a:cs typeface="Courier New" panose="02070309020205020404" pitchFamily="49" charset="0"/>
               </a:rPr>
-              <a:t>(“Pat”);</a:t>
+              <a:t>(String newname) {	// setter accessor method</a:t>
+            </a:r>
+          </a:p>
+          <a:p>
+            <a:pPr marL="914400" lvl="2" indent="0">
+              <a:buNone/>
+            </a:pPr>
+            <a:r>
+              <a:rPr lang="en-US" sz="1600" dirty="0">
+                <a:latin typeface="Courier New" panose="02070309020205020404" pitchFamily="49" charset="0"/>
+                <a:cs typeface="Courier New" panose="02070309020205020404" pitchFamily="49" charset="0"/>
+              </a:rPr>
+              <a:t>n</a:t>
+            </a:r>
+            <a:r>
+              <a:rPr lang="en-US" sz="1600">
+                <a:latin typeface="Courier New" panose="02070309020205020404" pitchFamily="49" charset="0"/>
+                <a:cs typeface="Courier New" panose="02070309020205020404" pitchFamily="49" charset="0"/>
+              </a:rPr>
+              <a:t>ame </a:t>
+            </a:r>
+            <a:r>
+              <a:rPr lang="en-US" sz="1600" dirty="0">
+                <a:latin typeface="Courier New" panose="02070309020205020404" pitchFamily="49" charset="0"/>
+                <a:cs typeface="Courier New" panose="02070309020205020404" pitchFamily="49" charset="0"/>
+              </a:rPr>
+              <a:t>= newname;</a:t>
             </a:r>
           </a:p>
           <a:p>
             <a:pPr marL="457200" lvl="1" indent="0">
+              <a:buNone/>
+            </a:pPr>
+            <a:r>
+              <a:rPr lang="en-US" sz="1600" dirty="0">
+                <a:latin typeface="Courier New" panose="02070309020205020404" pitchFamily="49" charset="0"/>
+                <a:cs typeface="Courier New" panose="02070309020205020404" pitchFamily="49" charset="0"/>
+              </a:rPr>
+              <a:t>}</a:t>
+            </a:r>
+          </a:p>
+          <a:p>
+            <a:pPr marL="0" indent="0">
+              <a:buNone/>
+            </a:pPr>
+            <a:r>
+              <a:rPr lang="en-US" sz="1600" dirty="0">
+                <a:latin typeface="Courier New" panose="02070309020205020404" pitchFamily="49" charset="0"/>
+                <a:cs typeface="Courier New" panose="02070309020205020404" pitchFamily="49" charset="0"/>
+              </a:rPr>
+              <a:t>}</a:t>
+            </a:r>
+          </a:p>
+          <a:p>
+            <a:pPr marL="0" indent="0">
               <a:buNone/>
             </a:pPr>
             <a:endParaRPr lang="en-US" sz="1600" dirty="0">
@@ -8211,138 +8124,12 @@
               <a:cs typeface="Courier New" panose="02070309020205020404" pitchFamily="49" charset="0"/>
             </a:endParaRPr>
           </a:p>
-          <a:p>
-            <a:pPr marL="457200" lvl="1" indent="0">
-              <a:buNone/>
-            </a:pPr>
-            <a:r>
-              <a:rPr lang="en-US" sz="1600" dirty="0">
-                <a:latin typeface="Courier New" panose="02070309020205020404" pitchFamily="49" charset="0"/>
-                <a:cs typeface="Courier New" panose="02070309020205020404" pitchFamily="49" charset="0"/>
-              </a:rPr>
-              <a:t>	</a:t>
-            </a:r>
-            <a:r>
-              <a:rPr lang="en-US" sz="1600" dirty="0" err="1">
-                <a:latin typeface="Courier New" panose="02070309020205020404" pitchFamily="49" charset="0"/>
-                <a:cs typeface="Courier New" panose="02070309020205020404" pitchFamily="49" charset="0"/>
-              </a:rPr>
-              <a:t>System.out.println</a:t>
-            </a:r>
-            <a:r>
-              <a:rPr lang="en-US" sz="1600" dirty="0">
-                <a:latin typeface="Courier New" panose="02070309020205020404" pitchFamily="49" charset="0"/>
-                <a:cs typeface="Courier New" panose="02070309020205020404" pitchFamily="49" charset="0"/>
-              </a:rPr>
-              <a:t> (“The group leader is “ + </a:t>
-            </a:r>
-            <a:r>
-              <a:rPr lang="en-US" sz="1600" dirty="0" err="1">
-                <a:latin typeface="Courier New" panose="02070309020205020404" pitchFamily="49" charset="0"/>
-                <a:cs typeface="Courier New" panose="02070309020205020404" pitchFamily="49" charset="0"/>
-              </a:rPr>
-              <a:t>groupLeader.getName</a:t>
-            </a:r>
-            <a:r>
-              <a:rPr lang="en-US" sz="1600" dirty="0">
-                <a:latin typeface="Courier New" panose="02070309020205020404" pitchFamily="49" charset="0"/>
-                <a:cs typeface="Courier New" panose="02070309020205020404" pitchFamily="49" charset="0"/>
-              </a:rPr>
-              <a:t>()); 		</a:t>
-            </a:r>
-          </a:p>
-          <a:p>
-            <a:pPr marL="457200" lvl="1" indent="0">
-              <a:buNone/>
-            </a:pPr>
-            <a:r>
-              <a:rPr lang="en-US" sz="1600" dirty="0">
-                <a:latin typeface="Courier New" panose="02070309020205020404" pitchFamily="49" charset="0"/>
-                <a:cs typeface="Courier New" panose="02070309020205020404" pitchFamily="49" charset="0"/>
-              </a:rPr>
-              <a:t>}</a:t>
-            </a:r>
-          </a:p>
-          <a:p>
-            <a:pPr marL="0" indent="0">
-              <a:buNone/>
-            </a:pPr>
-            <a:r>
-              <a:rPr lang="en-US" sz="1600" dirty="0">
-                <a:latin typeface="Courier New" panose="02070309020205020404" pitchFamily="49" charset="0"/>
-                <a:cs typeface="Courier New" panose="02070309020205020404" pitchFamily="49" charset="0"/>
-              </a:rPr>
-              <a:t>}</a:t>
-            </a:r>
-          </a:p>
-          <a:p>
-            <a:pPr marL="0" indent="0">
-              <a:buNone/>
-            </a:pPr>
-            <a:endParaRPr lang="en-US" sz="1600" dirty="0">
-              <a:latin typeface="Courier New" panose="02070309020205020404" pitchFamily="49" charset="0"/>
-              <a:cs typeface="Courier New" panose="02070309020205020404" pitchFamily="49" charset="0"/>
-            </a:endParaRPr>
-          </a:p>
-          <a:p>
-            <a:pPr marL="0" indent="0">
-              <a:buNone/>
-            </a:pPr>
-            <a:r>
-              <a:rPr lang="en-US" sz="1600" dirty="0">
-                <a:cs typeface="Courier New" panose="02070309020205020404" pitchFamily="49" charset="0"/>
-              </a:rPr>
-              <a:t>Note: </a:t>
-            </a:r>
-          </a:p>
-          <a:p>
-            <a:r>
-              <a:rPr lang="en-US" sz="1600" dirty="0">
-                <a:cs typeface="Courier New" panose="02070309020205020404" pitchFamily="49" charset="0"/>
-              </a:rPr>
-              <a:t>The return expression from </a:t>
-            </a:r>
-            <a:r>
-              <a:rPr lang="en-US" sz="1600" dirty="0" err="1">
-                <a:latin typeface="Courier New" panose="02070309020205020404" pitchFamily="49" charset="0"/>
-                <a:cs typeface="Courier New" panose="02070309020205020404" pitchFamily="49" charset="0"/>
-              </a:rPr>
-              <a:t>groupLeader.getName</a:t>
-            </a:r>
-            <a:r>
-              <a:rPr lang="en-US" sz="1600">
-                <a:latin typeface="Courier New" panose="02070309020205020404" pitchFamily="49" charset="0"/>
-                <a:cs typeface="Courier New" panose="02070309020205020404" pitchFamily="49" charset="0"/>
-              </a:rPr>
-              <a:t>()</a:t>
-            </a:r>
-            <a:r>
-              <a:rPr lang="en-US" sz="1600">
-                <a:cs typeface="Courier New" panose="02070309020205020404" pitchFamily="49" charset="0"/>
-              </a:rPr>
-              <a:t> is a </a:t>
-            </a:r>
-            <a:r>
-              <a:rPr lang="en-US" sz="1600" dirty="0">
-                <a:cs typeface="Courier New" panose="02070309020205020404" pitchFamily="49" charset="0"/>
-              </a:rPr>
-              <a:t>reference to an object.</a:t>
-            </a:r>
-          </a:p>
-          <a:p>
-            <a:r>
-              <a:rPr lang="en-US" sz="1600" dirty="0">
-                <a:cs typeface="Courier New" panose="02070309020205020404" pitchFamily="49" charset="0"/>
-              </a:rPr>
-              <a:t>A copy of that reference is returned, not a copy of the object.</a:t>
-            </a:r>
-          </a:p>
         </p:txBody>
       </p:sp>
     </p:spTree>
     <p:extLst>
       <p:ext uri="{BB962C8B-B14F-4D97-AF65-F5344CB8AC3E}">
-        <p14:creationId xmlns:p14="http://schemas.microsoft.com/office/powerpoint/2010/main" val="1177665373"/>
+        <p14:creationId xmlns:p14="http://schemas.microsoft.com/office/powerpoint/2010/main" val="1459667153"/>
       </p:ext>
     </p:extLst>
   </p:cSld>
@@ -8371,7 +8158,13 @@
       </p:grpSpPr>
       <p:sp>
         <p:nvSpPr>
-          <p:cNvPr id="2" name="Title 1"/>
+          <p:cNvPr id="2" name="Title 1">
+            <a:extLst>
+              <a:ext uri="{FF2B5EF4-FFF2-40B4-BE49-F238E27FC236}">
+                <a16:creationId xmlns:a16="http://schemas.microsoft.com/office/drawing/2014/main" id="{F174439D-8810-466D-8FAD-EDAF6AD339AC}"/>
+              </a:ext>
+            </a:extLst>
+          </p:cNvPr>
           <p:cNvSpPr>
             <a:spLocks noGrp="1"/>
           </p:cNvSpPr>
@@ -8386,14 +8179,20 @@
           <a:p>
             <a:r>
               <a:rPr lang="en-US" dirty="0"/>
-              <a:t>Methods: Pokémon</a:t>
-            </a:r>
-          </a:p>
-        </p:txBody>
-      </p:sp>
-      <p:sp>
-        <p:nvSpPr>
-          <p:cNvPr id="3" name="Content Placeholder 2"/>
+              <a:t>Accessor Example</a:t>
+            </a:r>
+          </a:p>
+        </p:txBody>
+      </p:sp>
+      <p:sp>
+        <p:nvSpPr>
+          <p:cNvPr id="3" name="Content Placeholder 2">
+            <a:extLst>
+              <a:ext uri="{FF2B5EF4-FFF2-40B4-BE49-F238E27FC236}">
+                <a16:creationId xmlns:a16="http://schemas.microsoft.com/office/drawing/2014/main" id="{505E8D4C-3D5C-4ECC-9470-F07BF0B5BAD3}"/>
+              </a:ext>
+            </a:extLst>
+          </p:cNvPr>
           <p:cNvSpPr>
             <a:spLocks noGrp="1"/>
           </p:cNvSpPr>
@@ -8403,47 +8202,265 @@
         </p:nvSpPr>
         <p:spPr/>
         <p:txBody>
-          <a:bodyPr/>
-          <a:lstStyle/>
-          <a:p>
-            <a:pPr marL="0" indent="0">
-              <a:buNone/>
-            </a:pPr>
-            <a:r>
-              <a:rPr lang="en-US" dirty="0"/>
-              <a:t>Pokémon get an effort ribbon if their combined stats exceed a certain value – what’s a good way to get all of a Pokémon's stats?</a:t>
-            </a:r>
-          </a:p>
-          <a:p>
-            <a:pPr marL="0" indent="0">
-              <a:buNone/>
-            </a:pPr>
-            <a:endParaRPr lang="en-US" dirty="0"/>
-          </a:p>
-          <a:p>
-            <a:pPr marL="0" indent="0">
-              <a:buNone/>
-            </a:pPr>
-            <a:r>
-              <a:rPr lang="en-US" dirty="0"/>
+          <a:bodyPr>
+            <a:normAutofit lnSpcReduction="10000"/>
+          </a:bodyPr>
+          <a:lstStyle/>
+          <a:p>
+            <a:pPr marL="0" indent="0">
+              <a:buNone/>
+            </a:pPr>
+            <a:r>
+              <a:rPr lang="en-US" sz="1600" dirty="0">
+                <a:latin typeface="Courier New" panose="02070309020205020404" pitchFamily="49" charset="0"/>
+                <a:cs typeface="Courier New" panose="02070309020205020404" pitchFamily="49" charset="0"/>
+              </a:rPr>
+              <a:t>public class </a:t>
+            </a:r>
+            <a:r>
+              <a:rPr lang="en-US" sz="1600" dirty="0" err="1">
+                <a:latin typeface="Courier New" panose="02070309020205020404" pitchFamily="49" charset="0"/>
+                <a:cs typeface="Courier New" panose="02070309020205020404" pitchFamily="49" charset="0"/>
+              </a:rPr>
+              <a:t>FormGroups</a:t>
+            </a:r>
+            <a:r>
+              <a:rPr lang="en-US" sz="1600" dirty="0">
+                <a:latin typeface="Courier New" panose="02070309020205020404" pitchFamily="49" charset="0"/>
+                <a:cs typeface="Courier New" panose="02070309020205020404" pitchFamily="49" charset="0"/>
+              </a:rPr>
+              <a:t> {</a:t>
+            </a:r>
+          </a:p>
+          <a:p>
+            <a:pPr marL="457200" lvl="1" indent="0">
+              <a:buNone/>
+            </a:pPr>
+            <a:endParaRPr lang="en-US" sz="1600" dirty="0">
+              <a:latin typeface="Courier New" panose="02070309020205020404" pitchFamily="49" charset="0"/>
+              <a:cs typeface="Courier New" panose="02070309020205020404" pitchFamily="49" charset="0"/>
+            </a:endParaRPr>
+          </a:p>
+          <a:p>
+            <a:pPr marL="457200" lvl="1" indent="0">
+              <a:buNone/>
+            </a:pPr>
+            <a:r>
+              <a:rPr lang="en-US" sz="1600" dirty="0">
+                <a:latin typeface="Courier New" panose="02070309020205020404" pitchFamily="49" charset="0"/>
+                <a:cs typeface="Courier New" panose="02070309020205020404" pitchFamily="49" charset="0"/>
+              </a:rPr>
+              <a:t>public static void main (String </a:t>
+            </a:r>
+            <a:r>
+              <a:rPr lang="en-US" sz="1600" dirty="0" err="1">
+                <a:latin typeface="Courier New" panose="02070309020205020404" pitchFamily="49" charset="0"/>
+                <a:cs typeface="Courier New" panose="02070309020205020404" pitchFamily="49" charset="0"/>
+              </a:rPr>
+              <a:t>args</a:t>
+            </a:r>
+            <a:r>
+              <a:rPr lang="en-US" sz="1600" dirty="0">
+                <a:latin typeface="Courier New" panose="02070309020205020404" pitchFamily="49" charset="0"/>
+                <a:cs typeface="Courier New" panose="02070309020205020404" pitchFamily="49" charset="0"/>
+              </a:rPr>
+              <a:t>[]){</a:t>
+            </a:r>
+          </a:p>
+          <a:p>
+            <a:pPr marL="457200" lvl="1" indent="0">
+              <a:buNone/>
+            </a:pPr>
+            <a:r>
+              <a:rPr lang="en-US" sz="1600" dirty="0">
+                <a:latin typeface="Courier New" panose="02070309020205020404" pitchFamily="49" charset="0"/>
+                <a:cs typeface="Courier New" panose="02070309020205020404" pitchFamily="49" charset="0"/>
+              </a:rPr>
+              <a:t>	Student </a:t>
+            </a:r>
+            <a:r>
+              <a:rPr lang="en-US" sz="1600" dirty="0" err="1">
+                <a:latin typeface="Courier New" panose="02070309020205020404" pitchFamily="49" charset="0"/>
+                <a:cs typeface="Courier New" panose="02070309020205020404" pitchFamily="49" charset="0"/>
+              </a:rPr>
+              <a:t>groupLeader</a:t>
+            </a:r>
+            <a:r>
+              <a:rPr lang="en-US" sz="1600" dirty="0">
+                <a:latin typeface="Courier New" panose="02070309020205020404" pitchFamily="49" charset="0"/>
+                <a:cs typeface="Courier New" panose="02070309020205020404" pitchFamily="49" charset="0"/>
+              </a:rPr>
+              <a:t> = new Student();</a:t>
+            </a:r>
+          </a:p>
+          <a:p>
+            <a:pPr marL="457200" lvl="1" indent="0">
+              <a:buNone/>
+            </a:pPr>
+            <a:endParaRPr lang="en-US" sz="1600" dirty="0">
+              <a:latin typeface="Courier New" panose="02070309020205020404" pitchFamily="49" charset="0"/>
+              <a:cs typeface="Courier New" panose="02070309020205020404" pitchFamily="49" charset="0"/>
+            </a:endParaRPr>
+          </a:p>
+          <a:p>
+            <a:pPr marL="457200" lvl="1" indent="0">
+              <a:buNone/>
+            </a:pPr>
+            <a:r>
+              <a:rPr lang="en-US" sz="1600" dirty="0">
+                <a:latin typeface="Courier New" panose="02070309020205020404" pitchFamily="49" charset="0"/>
+                <a:cs typeface="Courier New" panose="02070309020205020404" pitchFamily="49" charset="0"/>
+              </a:rPr>
               <a:t>	</a:t>
             </a:r>
-          </a:p>
-          <a:p>
-            <a:pPr marL="0" indent="0">
-              <a:buNone/>
-            </a:pPr>
-            <a:r>
-              <a:rPr lang="en-US" dirty="0"/>
-              <a:t>	What would the method </a:t>
-            </a:r>
-            <a:r>
-              <a:rPr lang="en-US" dirty="0" err="1"/>
-              <a:t>sumStats</a:t>
-            </a:r>
-            <a:r>
-              <a:rPr lang="en-US" dirty="0"/>
-              <a:t> look like?</a:t>
+            <a:r>
+              <a:rPr lang="en-US" sz="1600" dirty="0" err="1">
+                <a:latin typeface="Courier New" panose="02070309020205020404" pitchFamily="49" charset="0"/>
+                <a:cs typeface="Courier New" panose="02070309020205020404" pitchFamily="49" charset="0"/>
+              </a:rPr>
+              <a:t>groupLeader.setName</a:t>
+            </a:r>
+            <a:r>
+              <a:rPr lang="en-US" sz="1600" dirty="0">
+                <a:latin typeface="Courier New" panose="02070309020205020404" pitchFamily="49" charset="0"/>
+                <a:cs typeface="Courier New" panose="02070309020205020404" pitchFamily="49" charset="0"/>
+              </a:rPr>
+              <a:t>(“Pat”);</a:t>
+            </a:r>
+          </a:p>
+          <a:p>
+            <a:pPr marL="457200" lvl="1" indent="0">
+              <a:buNone/>
+            </a:pPr>
+            <a:endParaRPr lang="en-US" sz="1600" dirty="0">
+              <a:latin typeface="Courier New" panose="02070309020205020404" pitchFamily="49" charset="0"/>
+              <a:cs typeface="Courier New" panose="02070309020205020404" pitchFamily="49" charset="0"/>
+            </a:endParaRPr>
+          </a:p>
+          <a:p>
+            <a:pPr marL="457200" lvl="1" indent="0">
+              <a:buNone/>
+            </a:pPr>
+            <a:r>
+              <a:rPr lang="en-US" sz="1600" dirty="0">
+                <a:latin typeface="Courier New" panose="02070309020205020404" pitchFamily="49" charset="0"/>
+                <a:cs typeface="Courier New" panose="02070309020205020404" pitchFamily="49" charset="0"/>
+              </a:rPr>
+              <a:t>	</a:t>
+            </a:r>
+            <a:r>
+              <a:rPr lang="en-US" sz="1600" dirty="0" err="1">
+                <a:latin typeface="Courier New" panose="02070309020205020404" pitchFamily="49" charset="0"/>
+                <a:cs typeface="Courier New" panose="02070309020205020404" pitchFamily="49" charset="0"/>
+              </a:rPr>
+              <a:t>System.out.println</a:t>
+            </a:r>
+            <a:r>
+              <a:rPr lang="en-US" sz="1600" dirty="0">
+                <a:latin typeface="Courier New" panose="02070309020205020404" pitchFamily="49" charset="0"/>
+                <a:cs typeface="Courier New" panose="02070309020205020404" pitchFamily="49" charset="0"/>
+              </a:rPr>
+              <a:t> (“The group leader is “ + </a:t>
+            </a:r>
+            <a:r>
+              <a:rPr lang="en-US" sz="1600" dirty="0" err="1">
+                <a:latin typeface="Courier New" panose="02070309020205020404" pitchFamily="49" charset="0"/>
+                <a:cs typeface="Courier New" panose="02070309020205020404" pitchFamily="49" charset="0"/>
+              </a:rPr>
+              <a:t>groupLeader.getName</a:t>
+            </a:r>
+            <a:r>
+              <a:rPr lang="en-US" sz="1600" dirty="0">
+                <a:latin typeface="Courier New" panose="02070309020205020404" pitchFamily="49" charset="0"/>
+                <a:cs typeface="Courier New" panose="02070309020205020404" pitchFamily="49" charset="0"/>
+              </a:rPr>
+              <a:t>()); 		</a:t>
+            </a:r>
+          </a:p>
+          <a:p>
+            <a:pPr marL="457200" lvl="1" indent="0">
+              <a:buNone/>
+            </a:pPr>
+            <a:r>
+              <a:rPr lang="en-US" sz="1600" dirty="0">
+                <a:latin typeface="Courier New" panose="02070309020205020404" pitchFamily="49" charset="0"/>
+                <a:cs typeface="Courier New" panose="02070309020205020404" pitchFamily="49" charset="0"/>
+              </a:rPr>
+              <a:t>}</a:t>
+            </a:r>
+          </a:p>
+          <a:p>
+            <a:pPr marL="0" indent="0">
+              <a:buNone/>
+            </a:pPr>
+            <a:r>
+              <a:rPr lang="en-US" sz="1600" dirty="0">
+                <a:latin typeface="Courier New" panose="02070309020205020404" pitchFamily="49" charset="0"/>
+                <a:cs typeface="Courier New" panose="02070309020205020404" pitchFamily="49" charset="0"/>
+              </a:rPr>
+              <a:t>}</a:t>
+            </a:r>
+          </a:p>
+          <a:p>
+            <a:pPr marL="0" indent="0">
+              <a:buNone/>
+            </a:pPr>
+            <a:endParaRPr lang="en-US" sz="1600" dirty="0">
+              <a:latin typeface="Courier New" panose="02070309020205020404" pitchFamily="49" charset="0"/>
+              <a:cs typeface="Courier New" panose="02070309020205020404" pitchFamily="49" charset="0"/>
+            </a:endParaRPr>
+          </a:p>
+          <a:p>
+            <a:pPr marL="0" indent="0">
+              <a:buNone/>
+            </a:pPr>
+            <a:r>
+              <a:rPr lang="en-US" sz="1600" dirty="0">
+                <a:cs typeface="Courier New" panose="02070309020205020404" pitchFamily="49" charset="0"/>
+              </a:rPr>
+              <a:t>Note: </a:t>
+            </a:r>
+          </a:p>
+          <a:p>
+            <a:r>
+              <a:rPr lang="en-US" sz="1600" dirty="0">
+                <a:cs typeface="Courier New" panose="02070309020205020404" pitchFamily="49" charset="0"/>
+              </a:rPr>
+              <a:t>The return expression from </a:t>
+            </a:r>
+            <a:r>
+              <a:rPr lang="en-US" sz="1600" dirty="0" err="1">
+                <a:latin typeface="Courier New" panose="02070309020205020404" pitchFamily="49" charset="0"/>
+                <a:cs typeface="Courier New" panose="02070309020205020404" pitchFamily="49" charset="0"/>
+              </a:rPr>
+              <a:t>groupLeader.getName</a:t>
+            </a:r>
+            <a:r>
+              <a:rPr lang="en-US" sz="1600">
+                <a:latin typeface="Courier New" panose="02070309020205020404" pitchFamily="49" charset="0"/>
+                <a:cs typeface="Courier New" panose="02070309020205020404" pitchFamily="49" charset="0"/>
+              </a:rPr>
+              <a:t>()</a:t>
+            </a:r>
+            <a:r>
+              <a:rPr lang="en-US" sz="1600">
+                <a:cs typeface="Courier New" panose="02070309020205020404" pitchFamily="49" charset="0"/>
+              </a:rPr>
+              <a:t> is a </a:t>
+            </a:r>
+            <a:r>
+              <a:rPr lang="en-US" sz="1600" dirty="0">
+                <a:cs typeface="Courier New" panose="02070309020205020404" pitchFamily="49" charset="0"/>
+              </a:rPr>
+              <a:t>reference to an object.</a:t>
+            </a:r>
+          </a:p>
+          <a:p>
+            <a:r>
+              <a:rPr lang="en-US" sz="1600" dirty="0">
+                <a:cs typeface="Courier New" panose="02070309020205020404" pitchFamily="49" charset="0"/>
+              </a:rPr>
+              <a:t>A copy of that reference is returned, not a copy of the object.</a:t>
             </a:r>
           </a:p>
         </p:txBody>
@@ -8451,7 +8468,7 @@
     </p:spTree>
     <p:extLst>
       <p:ext uri="{BB962C8B-B14F-4D97-AF65-F5344CB8AC3E}">
-        <p14:creationId xmlns:p14="http://schemas.microsoft.com/office/powerpoint/2010/main" val="660450313"/>
+        <p14:creationId xmlns:p14="http://schemas.microsoft.com/office/powerpoint/2010/main" val="1177665373"/>
       </p:ext>
     </p:extLst>
   </p:cSld>
@@ -8494,120 +8511,65 @@
           <a:lstStyle/>
           <a:p>
             <a:r>
+              <a:rPr lang="en-US" dirty="0"/>
+              <a:t>Methods: Pokémon</a:t>
+            </a:r>
+          </a:p>
+        </p:txBody>
+      </p:sp>
+      <p:sp>
+        <p:nvSpPr>
+          <p:cNvPr id="3" name="Content Placeholder 2"/>
+          <p:cNvSpPr>
+            <a:spLocks noGrp="1"/>
+          </p:cNvSpPr>
+          <p:nvPr>
+            <p:ph idx="1"/>
+          </p:nvPr>
+        </p:nvSpPr>
+        <p:spPr/>
+        <p:txBody>
+          <a:bodyPr/>
+          <a:lstStyle/>
+          <a:p>
+            <a:pPr marL="0" indent="0">
+              <a:buNone/>
+            </a:pPr>
+            <a:r>
+              <a:rPr lang="en-US" dirty="0"/>
+              <a:t>Pokémon get an effort ribbon if their combined stats exceed a certain value – what’s a good way to get all of a Pokémon's stats?</a:t>
+            </a:r>
+          </a:p>
+          <a:p>
+            <a:pPr marL="0" indent="0">
+              <a:buNone/>
+            </a:pPr>
+            <a:endParaRPr lang="en-US" dirty="0"/>
+          </a:p>
+          <a:p>
+            <a:pPr marL="0" indent="0">
+              <a:buNone/>
+            </a:pPr>
+            <a:r>
+              <a:rPr lang="en-US" dirty="0"/>
+              <a:t>	</a:t>
+            </a:r>
+          </a:p>
+          <a:p>
+            <a:pPr marL="0" indent="0">
+              <a:buNone/>
+            </a:pPr>
+            <a:r>
+              <a:rPr lang="en-US" dirty="0"/>
+              <a:t>	What would the method </a:t>
+            </a:r>
+            <a:r>
               <a:rPr lang="en-US" dirty="0" err="1"/>
               <a:t>sumStats</a:t>
             </a:r>
             <a:r>
               <a:rPr lang="en-US" dirty="0"/>
-              <a:t>:</a:t>
-            </a:r>
-          </a:p>
-        </p:txBody>
-      </p:sp>
-      <p:sp>
-        <p:nvSpPr>
-          <p:cNvPr id="3" name="Content Placeholder 2"/>
-          <p:cNvSpPr>
-            <a:spLocks noGrp="1"/>
-          </p:cNvSpPr>
-          <p:nvPr>
-            <p:ph idx="1"/>
-          </p:nvPr>
-        </p:nvSpPr>
-        <p:spPr/>
-        <p:txBody>
-          <a:bodyPr/>
-          <a:lstStyle/>
-          <a:p>
-            <a:pPr marL="0" indent="0">
-              <a:buNone/>
-            </a:pPr>
-            <a:r>
-              <a:rPr lang="en-US" dirty="0">
-                <a:latin typeface="Courier New" panose="02070309020205020404" pitchFamily="49" charset="0"/>
-                <a:cs typeface="Courier New" panose="02070309020205020404" pitchFamily="49" charset="0"/>
-              </a:rPr>
-              <a:t>public </a:t>
-            </a:r>
-            <a:r>
-              <a:rPr lang="en-US" dirty="0" err="1">
-                <a:latin typeface="Courier New" panose="02070309020205020404" pitchFamily="49" charset="0"/>
-                <a:cs typeface="Courier New" panose="02070309020205020404" pitchFamily="49" charset="0"/>
-              </a:rPr>
-              <a:t>int</a:t>
-            </a:r>
-            <a:r>
-              <a:rPr lang="en-US" dirty="0">
-                <a:latin typeface="Courier New" panose="02070309020205020404" pitchFamily="49" charset="0"/>
-                <a:cs typeface="Courier New" panose="02070309020205020404" pitchFamily="49" charset="0"/>
-              </a:rPr>
-              <a:t> </a:t>
-            </a:r>
-            <a:r>
-              <a:rPr lang="en-US" dirty="0" err="1">
-                <a:latin typeface="Courier New" panose="02070309020205020404" pitchFamily="49" charset="0"/>
-                <a:cs typeface="Courier New" panose="02070309020205020404" pitchFamily="49" charset="0"/>
-              </a:rPr>
-              <a:t>sumStats</a:t>
-            </a:r>
-            <a:r>
-              <a:rPr lang="en-US" dirty="0">
-                <a:latin typeface="Courier New" panose="02070309020205020404" pitchFamily="49" charset="0"/>
-                <a:cs typeface="Courier New" panose="02070309020205020404" pitchFamily="49" charset="0"/>
-              </a:rPr>
-              <a:t>() {</a:t>
-            </a:r>
-          </a:p>
-          <a:p>
-            <a:pPr marL="0" indent="0">
-              <a:buNone/>
-            </a:pPr>
-            <a:r>
-              <a:rPr lang="en-US" dirty="0">
-                <a:latin typeface="Courier New" panose="02070309020205020404" pitchFamily="49" charset="0"/>
-                <a:cs typeface="Courier New" panose="02070309020205020404" pitchFamily="49" charset="0"/>
-              </a:rPr>
-              <a:t>	return(HP + attack + defense + </a:t>
-            </a:r>
-            <a:r>
-              <a:rPr lang="en-US" dirty="0" err="1">
-                <a:latin typeface="Courier New" panose="02070309020205020404" pitchFamily="49" charset="0"/>
-                <a:cs typeface="Courier New" panose="02070309020205020404" pitchFamily="49" charset="0"/>
-              </a:rPr>
-              <a:t>specialAttack</a:t>
-            </a:r>
-            <a:r>
-              <a:rPr lang="en-US" dirty="0">
-                <a:latin typeface="Courier New" panose="02070309020205020404" pitchFamily="49" charset="0"/>
-                <a:cs typeface="Courier New" panose="02070309020205020404" pitchFamily="49" charset="0"/>
-              </a:rPr>
-              <a:t> 		+ </a:t>
-            </a:r>
-            <a:r>
-              <a:rPr lang="en-US" dirty="0" err="1">
-                <a:latin typeface="Courier New" panose="02070309020205020404" pitchFamily="49" charset="0"/>
-                <a:cs typeface="Courier New" panose="02070309020205020404" pitchFamily="49" charset="0"/>
-              </a:rPr>
-              <a:t>specialDefense</a:t>
-            </a:r>
-            <a:r>
-              <a:rPr lang="en-US" dirty="0">
-                <a:latin typeface="Courier New" panose="02070309020205020404" pitchFamily="49" charset="0"/>
-                <a:cs typeface="Courier New" panose="02070309020205020404" pitchFamily="49" charset="0"/>
-              </a:rPr>
-              <a:t> + speed);</a:t>
-            </a:r>
-          </a:p>
-          <a:p>
-            <a:pPr marL="0" indent="0">
-              <a:buNone/>
-            </a:pPr>
-            <a:r>
-              <a:rPr lang="en-US" dirty="0">
-                <a:latin typeface="Courier New" panose="02070309020205020404" pitchFamily="49" charset="0"/>
-                <a:cs typeface="Courier New" panose="02070309020205020404" pitchFamily="49" charset="0"/>
-              </a:rPr>
-              <a:t>}</a:t>
+              <a:t> look like?</a:t>
             </a:r>
           </a:p>
         </p:txBody>
@@ -8615,7 +8577,7 @@
     </p:spTree>
     <p:extLst>
       <p:ext uri="{BB962C8B-B14F-4D97-AF65-F5344CB8AC3E}">
-        <p14:creationId xmlns:p14="http://schemas.microsoft.com/office/powerpoint/2010/main" val="2988899252"/>
+        <p14:creationId xmlns:p14="http://schemas.microsoft.com/office/powerpoint/2010/main" val="660450313"/>
       </p:ext>
     </p:extLst>
   </p:cSld>
@@ -8658,14 +8620,13 @@
           <a:lstStyle/>
           <a:p>
             <a:r>
-              <a:rPr lang="en-US" dirty="0"/>
-              <a:t>Methods: </a:t>
-            </a:r>
-            <a:r>
               <a:rPr lang="en-US" dirty="0" err="1"/>
-              <a:t>Pokemon</a:t>
-            </a:r>
-            <a:endParaRPr lang="en-US" dirty="0"/>
+              <a:t>sumStats</a:t>
+            </a:r>
+            <a:r>
+              <a:rPr lang="en-US" dirty="0"/>
+              <a:t>:</a:t>
+            </a:r>
           </a:p>
         </p:txBody>
       </p:sp>
@@ -8688,93 +8649,99 @@
               <a:buNone/>
             </a:pPr>
             <a:r>
-              <a:rPr lang="en-US" dirty="0" err="1"/>
-              <a:t>Pokemon</a:t>
-            </a:r>
-            <a:r>
-              <a:rPr lang="en-US" dirty="0"/>
-              <a:t> use vitamins to boost their stats. Here are some examples:</a:t>
-            </a:r>
-          </a:p>
-          <a:p>
-            <a:pPr marL="0" indent="0">
-              <a:buNone/>
-            </a:pPr>
-            <a:endParaRPr lang="en-US" dirty="0"/>
-          </a:p>
-          <a:p>
-            <a:pPr marL="0" indent="0">
-              <a:buNone/>
-            </a:pPr>
-            <a:r>
-              <a:rPr lang="en-US" dirty="0"/>
-              <a:t>Vitamin		Function</a:t>
-            </a:r>
-          </a:p>
-          <a:p>
-            <a:pPr marL="0" indent="0">
-              <a:buNone/>
-            </a:pPr>
-            <a:r>
-              <a:rPr lang="en-US" dirty="0" err="1"/>
-              <a:t>hpUp</a:t>
-            </a:r>
-            <a:r>
-              <a:rPr lang="en-US" dirty="0"/>
-              <a:t> 			+ points to HP</a:t>
-            </a:r>
-          </a:p>
-          <a:p>
-            <a:pPr marL="0" indent="0">
-              <a:buNone/>
-            </a:pPr>
-            <a:r>
-              <a:rPr lang="en-US" dirty="0"/>
-              <a:t>protein		+ points to attack</a:t>
-            </a:r>
-          </a:p>
-          <a:p>
-            <a:pPr marL="0" indent="0">
-              <a:buNone/>
-            </a:pPr>
-            <a:r>
-              <a:rPr lang="en-US" dirty="0"/>
-              <a:t>iron			+ points to defense</a:t>
-            </a:r>
-            <a:br>
-              <a:rPr lang="en-US" dirty="0"/>
-            </a:br>
-            <a:endParaRPr lang="en-US" dirty="0"/>
-          </a:p>
-          <a:p>
-            <a:pPr marL="0" indent="0">
-              <a:buNone/>
-            </a:pPr>
-            <a:r>
-              <a:rPr lang="en-US" dirty="0"/>
-              <a:t>Now write a method, </a:t>
-            </a:r>
-            <a:r>
-              <a:rPr lang="en-US" dirty="0" err="1"/>
-              <a:t>consumeVitamin</a:t>
-            </a:r>
-            <a:r>
-              <a:rPr lang="en-US" dirty="0"/>
-              <a:t>, that actually changes the state.</a:t>
-            </a:r>
-          </a:p>
-          <a:p>
-            <a:pPr marL="0" indent="0">
-              <a:buNone/>
-            </a:pPr>
-            <a:endParaRPr lang="en-US" dirty="0"/>
+              <a:rPr lang="en-US" dirty="0">
+                <a:latin typeface="Courier New" panose="02070309020205020404" pitchFamily="49" charset="0"/>
+                <a:cs typeface="Courier New" panose="02070309020205020404" pitchFamily="49" charset="0"/>
+              </a:rPr>
+              <a:t>public </a:t>
+            </a:r>
+            <a:r>
+              <a:rPr lang="en-US" dirty="0" err="1">
+                <a:latin typeface="Courier New" panose="02070309020205020404" pitchFamily="49" charset="0"/>
+                <a:cs typeface="Courier New" panose="02070309020205020404" pitchFamily="49" charset="0"/>
+              </a:rPr>
+              <a:t>int</a:t>
+            </a:r>
+            <a:r>
+              <a:rPr lang="en-US" dirty="0">
+                <a:latin typeface="Courier New" panose="02070309020205020404" pitchFamily="49" charset="0"/>
+                <a:cs typeface="Courier New" panose="02070309020205020404" pitchFamily="49" charset="0"/>
+              </a:rPr>
+              <a:t> </a:t>
+            </a:r>
+            <a:r>
+              <a:rPr lang="en-US" dirty="0" err="1">
+                <a:latin typeface="Courier New" panose="02070309020205020404" pitchFamily="49" charset="0"/>
+                <a:cs typeface="Courier New" panose="02070309020205020404" pitchFamily="49" charset="0"/>
+              </a:rPr>
+              <a:t>sumStats</a:t>
+            </a:r>
+            <a:r>
+              <a:rPr lang="en-US" dirty="0">
+                <a:latin typeface="Courier New" panose="02070309020205020404" pitchFamily="49" charset="0"/>
+                <a:cs typeface="Courier New" panose="02070309020205020404" pitchFamily="49" charset="0"/>
+              </a:rPr>
+              <a:t>() {</a:t>
+            </a:r>
+          </a:p>
+          <a:p>
+            <a:pPr marL="0" indent="0">
+              <a:buNone/>
+            </a:pPr>
+            <a:r>
+              <a:rPr lang="en-US" dirty="0">
+                <a:latin typeface="Courier New" panose="02070309020205020404" pitchFamily="49" charset="0"/>
+                <a:cs typeface="Courier New" panose="02070309020205020404" pitchFamily="49" charset="0"/>
+              </a:rPr>
+              <a:t>	return(HP + attack + defense + </a:t>
+            </a:r>
+            <a:r>
+              <a:rPr lang="en-US" dirty="0" err="1">
+                <a:latin typeface="Courier New" panose="02070309020205020404" pitchFamily="49" charset="0"/>
+                <a:cs typeface="Courier New" panose="02070309020205020404" pitchFamily="49" charset="0"/>
+              </a:rPr>
+              <a:t>specialAttack</a:t>
+            </a:r>
+            <a:r>
+              <a:rPr lang="en-US" dirty="0">
+                <a:latin typeface="Courier New" panose="02070309020205020404" pitchFamily="49" charset="0"/>
+                <a:cs typeface="Courier New" panose="02070309020205020404" pitchFamily="49" charset="0"/>
+              </a:rPr>
+              <a:t> 		+ </a:t>
+            </a:r>
+            <a:r>
+              <a:rPr lang="en-US" dirty="0" err="1">
+                <a:latin typeface="Courier New" panose="02070309020205020404" pitchFamily="49" charset="0"/>
+                <a:cs typeface="Courier New" panose="02070309020205020404" pitchFamily="49" charset="0"/>
+              </a:rPr>
+              <a:t>specialDefense</a:t>
+            </a:r>
+            <a:r>
+              <a:rPr lang="en-US" dirty="0">
+                <a:latin typeface="Courier New" panose="02070309020205020404" pitchFamily="49" charset="0"/>
+                <a:cs typeface="Courier New" panose="02070309020205020404" pitchFamily="49" charset="0"/>
+              </a:rPr>
+              <a:t> + speed);</a:t>
+            </a:r>
+          </a:p>
+          <a:p>
+            <a:pPr marL="0" indent="0">
+              <a:buNone/>
+            </a:pPr>
+            <a:r>
+              <a:rPr lang="en-US" dirty="0">
+                <a:latin typeface="Courier New" panose="02070309020205020404" pitchFamily="49" charset="0"/>
+                <a:cs typeface="Courier New" panose="02070309020205020404" pitchFamily="49" charset="0"/>
+              </a:rPr>
+              <a:t>}</a:t>
+            </a:r>
           </a:p>
         </p:txBody>
       </p:sp>
     </p:spTree>
     <p:extLst>
       <p:ext uri="{BB962C8B-B14F-4D97-AF65-F5344CB8AC3E}">
-        <p14:creationId xmlns:p14="http://schemas.microsoft.com/office/powerpoint/2010/main" val="3888733780"/>
+        <p14:creationId xmlns:p14="http://schemas.microsoft.com/office/powerpoint/2010/main" val="2988899252"/>
       </p:ext>
     </p:extLst>
   </p:cSld>
@@ -8817,179 +8784,123 @@
           <a:lstStyle/>
           <a:p>
             <a:r>
+              <a:rPr lang="en-US" dirty="0"/>
+              <a:t>Methods: </a:t>
+            </a:r>
+            <a:r>
+              <a:rPr lang="en-US" dirty="0" err="1"/>
+              <a:t>Pokemon</a:t>
+            </a:r>
+            <a:endParaRPr lang="en-US" dirty="0"/>
+          </a:p>
+        </p:txBody>
+      </p:sp>
+      <p:sp>
+        <p:nvSpPr>
+          <p:cNvPr id="3" name="Content Placeholder 2"/>
+          <p:cNvSpPr>
+            <a:spLocks noGrp="1"/>
+          </p:cNvSpPr>
+          <p:nvPr>
+            <p:ph idx="1"/>
+          </p:nvPr>
+        </p:nvSpPr>
+        <p:spPr/>
+        <p:txBody>
+          <a:bodyPr/>
+          <a:lstStyle/>
+          <a:p>
+            <a:pPr marL="0" indent="0">
+              <a:buNone/>
+            </a:pPr>
+            <a:r>
+              <a:rPr lang="en-US" dirty="0" err="1"/>
+              <a:t>Pokemon</a:t>
+            </a:r>
+            <a:r>
+              <a:rPr lang="en-US" dirty="0"/>
+              <a:t> use vitamins to boost their stats. Here are some examples:</a:t>
+            </a:r>
+          </a:p>
+          <a:p>
+            <a:pPr marL="0" indent="0">
+              <a:buNone/>
+            </a:pPr>
+            <a:endParaRPr lang="en-US" dirty="0"/>
+          </a:p>
+          <a:p>
+            <a:pPr marL="0" indent="0">
+              <a:buNone/>
+            </a:pPr>
+            <a:r>
+              <a:rPr lang="en-US" dirty="0"/>
+              <a:t>Vitamin		Function</a:t>
+            </a:r>
+          </a:p>
+          <a:p>
+            <a:pPr marL="0" indent="0">
+              <a:buNone/>
+            </a:pPr>
+            <a:r>
+              <a:rPr lang="en-US" dirty="0" err="1"/>
+              <a:t>hpUp</a:t>
+            </a:r>
+            <a:r>
+              <a:rPr lang="en-US" dirty="0"/>
+              <a:t> 			+ points to HP</a:t>
+            </a:r>
+          </a:p>
+          <a:p>
+            <a:pPr marL="0" indent="0">
+              <a:buNone/>
+            </a:pPr>
+            <a:r>
+              <a:rPr lang="en-US" dirty="0"/>
+              <a:t>protein		+ points to attack</a:t>
+            </a:r>
+          </a:p>
+          <a:p>
+            <a:pPr marL="0" indent="0">
+              <a:buNone/>
+            </a:pPr>
+            <a:r>
+              <a:rPr lang="en-US" dirty="0"/>
+              <a:t>iron			+ points to defense</a:t>
+            </a:r>
+            <a:br>
+              <a:rPr lang="en-US" dirty="0"/>
+            </a:br>
+            <a:endParaRPr lang="en-US" dirty="0"/>
+          </a:p>
+          <a:p>
+            <a:pPr marL="0" indent="0">
+              <a:buNone/>
+            </a:pPr>
+            <a:r>
+              <a:rPr lang="en-US" dirty="0"/>
+              <a:t>Now write a method, </a:t>
+            </a:r>
+            <a:r>
               <a:rPr lang="en-US" dirty="0" err="1"/>
               <a:t>consumeVitamin</a:t>
             </a:r>
+            <a:r>
+              <a:rPr lang="en-US" dirty="0"/>
+              <a:t>, that actually changes the state.</a:t>
+            </a:r>
+          </a:p>
+          <a:p>
+            <a:pPr marL="0" indent="0">
+              <a:buNone/>
+            </a:pPr>
             <a:endParaRPr lang="en-US" dirty="0"/>
-          </a:p>
-        </p:txBody>
-      </p:sp>
-      <p:sp>
-        <p:nvSpPr>
-          <p:cNvPr id="3" name="Content Placeholder 2"/>
-          <p:cNvSpPr>
-            <a:spLocks noGrp="1"/>
-          </p:cNvSpPr>
-          <p:nvPr>
-            <p:ph idx="1"/>
-          </p:nvPr>
-        </p:nvSpPr>
-        <p:spPr/>
-        <p:txBody>
-          <a:bodyPr>
-            <a:normAutofit/>
-          </a:bodyPr>
-          <a:lstStyle/>
-          <a:p>
-            <a:pPr marL="0" indent="0">
-              <a:buNone/>
-            </a:pPr>
-            <a:r>
-              <a:rPr lang="en-US" sz="2400" dirty="0">
-                <a:latin typeface="Courier New" panose="02070309020205020404" pitchFamily="49" charset="0"/>
-                <a:cs typeface="Courier New" panose="02070309020205020404" pitchFamily="49" charset="0"/>
-              </a:rPr>
-              <a:t>public void </a:t>
-            </a:r>
-            <a:r>
-              <a:rPr lang="en-US" sz="2400" dirty="0" err="1">
-                <a:latin typeface="Courier New" panose="02070309020205020404" pitchFamily="49" charset="0"/>
-                <a:cs typeface="Courier New" panose="02070309020205020404" pitchFamily="49" charset="0"/>
-              </a:rPr>
-              <a:t>consumeVitamin</a:t>
-            </a:r>
-            <a:r>
-              <a:rPr lang="en-US" sz="2400" dirty="0">
-                <a:latin typeface="Courier New" panose="02070309020205020404" pitchFamily="49" charset="0"/>
-                <a:cs typeface="Courier New" panose="02070309020205020404" pitchFamily="49" charset="0"/>
-              </a:rPr>
-              <a:t>( </a:t>
-            </a:r>
-            <a:r>
-              <a:rPr lang="en-US" sz="2400" dirty="0" err="1">
-                <a:latin typeface="Courier New" panose="02070309020205020404" pitchFamily="49" charset="0"/>
-                <a:cs typeface="Courier New" panose="02070309020205020404" pitchFamily="49" charset="0"/>
-              </a:rPr>
-              <a:t>int</a:t>
-            </a:r>
-            <a:r>
-              <a:rPr lang="en-US" sz="2400" dirty="0">
-                <a:latin typeface="Courier New" panose="02070309020205020404" pitchFamily="49" charset="0"/>
-                <a:cs typeface="Courier New" panose="02070309020205020404" pitchFamily="49" charset="0"/>
-              </a:rPr>
-              <a:t> </a:t>
-            </a:r>
-            <a:r>
-              <a:rPr lang="en-US" sz="2400" dirty="0" err="1">
-                <a:latin typeface="Courier New" panose="02070309020205020404" pitchFamily="49" charset="0"/>
-                <a:cs typeface="Courier New" panose="02070309020205020404" pitchFamily="49" charset="0"/>
-              </a:rPr>
-              <a:t>hpUp</a:t>
-            </a:r>
-            <a:r>
-              <a:rPr lang="en-US" sz="2400" dirty="0">
-                <a:latin typeface="Courier New" panose="02070309020205020404" pitchFamily="49" charset="0"/>
-                <a:cs typeface="Courier New" panose="02070309020205020404" pitchFamily="49" charset="0"/>
-              </a:rPr>
-              <a:t>, </a:t>
-            </a:r>
-            <a:r>
-              <a:rPr lang="en-US" sz="2400" dirty="0" err="1">
-                <a:latin typeface="Courier New" panose="02070309020205020404" pitchFamily="49" charset="0"/>
-                <a:cs typeface="Courier New" panose="02070309020205020404" pitchFamily="49" charset="0"/>
-              </a:rPr>
-              <a:t>int</a:t>
-            </a:r>
-            <a:r>
-              <a:rPr lang="en-US" sz="2400" dirty="0">
-                <a:latin typeface="Courier New" panose="02070309020205020404" pitchFamily="49" charset="0"/>
-                <a:cs typeface="Courier New" panose="02070309020205020404" pitchFamily="49" charset="0"/>
-              </a:rPr>
-              <a:t> protein …) {</a:t>
-            </a:r>
-          </a:p>
-          <a:p>
-            <a:pPr marL="0" indent="0">
-              <a:buNone/>
-            </a:pPr>
-            <a:r>
-              <a:rPr lang="en-US" sz="2400" dirty="0">
-                <a:latin typeface="Courier New" panose="02070309020205020404" pitchFamily="49" charset="0"/>
-                <a:cs typeface="Courier New" panose="02070309020205020404" pitchFamily="49" charset="0"/>
-              </a:rPr>
-              <a:t>	</a:t>
-            </a:r>
-            <a:r>
-              <a:rPr lang="en-US" sz="2400" dirty="0" err="1">
-                <a:latin typeface="Courier New" panose="02070309020205020404" pitchFamily="49" charset="0"/>
-                <a:cs typeface="Courier New" panose="02070309020205020404" pitchFamily="49" charset="0"/>
-              </a:rPr>
-              <a:t>hp</a:t>
-            </a:r>
-            <a:r>
-              <a:rPr lang="en-US" sz="2400" dirty="0">
-                <a:latin typeface="Courier New" panose="02070309020205020404" pitchFamily="49" charset="0"/>
-                <a:cs typeface="Courier New" panose="02070309020205020404" pitchFamily="49" charset="0"/>
-              </a:rPr>
-              <a:t> += </a:t>
-            </a:r>
-            <a:r>
-              <a:rPr lang="en-US" sz="2400" dirty="0" err="1">
-                <a:latin typeface="Courier New" panose="02070309020205020404" pitchFamily="49" charset="0"/>
-                <a:cs typeface="Courier New" panose="02070309020205020404" pitchFamily="49" charset="0"/>
-              </a:rPr>
-              <a:t>hpUp</a:t>
-            </a:r>
-            <a:r>
-              <a:rPr lang="en-US" sz="2400" dirty="0">
-                <a:latin typeface="Courier New" panose="02070309020205020404" pitchFamily="49" charset="0"/>
-                <a:cs typeface="Courier New" panose="02070309020205020404" pitchFamily="49" charset="0"/>
-              </a:rPr>
-              <a:t>;</a:t>
-            </a:r>
-          </a:p>
-          <a:p>
-            <a:pPr marL="0" indent="0">
-              <a:buNone/>
-            </a:pPr>
-            <a:r>
-              <a:rPr lang="en-US" sz="2400" dirty="0">
-                <a:latin typeface="Courier New" panose="02070309020205020404" pitchFamily="49" charset="0"/>
-                <a:cs typeface="Courier New" panose="02070309020205020404" pitchFamily="49" charset="0"/>
-              </a:rPr>
-              <a:t>	attack += protein;</a:t>
-            </a:r>
-          </a:p>
-          <a:p>
-            <a:pPr marL="0" indent="0">
-              <a:buNone/>
-            </a:pPr>
-            <a:r>
-              <a:rPr lang="en-US" sz="2400" dirty="0">
-                <a:latin typeface="Courier New" panose="02070309020205020404" pitchFamily="49" charset="0"/>
-                <a:cs typeface="Courier New" panose="02070309020205020404" pitchFamily="49" charset="0"/>
-              </a:rPr>
-              <a:t>	…</a:t>
-            </a:r>
-          </a:p>
-          <a:p>
-            <a:pPr marL="0" indent="0">
-              <a:buNone/>
-            </a:pPr>
-            <a:r>
-              <a:rPr lang="en-US" sz="2400" dirty="0">
-                <a:latin typeface="Courier New" panose="02070309020205020404" pitchFamily="49" charset="0"/>
-                <a:cs typeface="Courier New" panose="02070309020205020404" pitchFamily="49" charset="0"/>
-              </a:rPr>
-              <a:t>}</a:t>
-            </a:r>
           </a:p>
         </p:txBody>
       </p:sp>
     </p:spTree>
     <p:extLst>
       <p:ext uri="{BB962C8B-B14F-4D97-AF65-F5344CB8AC3E}">
-        <p14:creationId xmlns:p14="http://schemas.microsoft.com/office/powerpoint/2010/main" val="2002235189"/>
+        <p14:creationId xmlns:p14="http://schemas.microsoft.com/office/powerpoint/2010/main" val="3888733780"/>
       </p:ext>
     </p:extLst>
   </p:cSld>
@@ -9032,9 +8943,10 @@
           <a:lstStyle/>
           <a:p>
             <a:r>
-              <a:rPr lang="en-US" dirty="0"/>
-              <a:t>Constructors</a:t>
-            </a:r>
+              <a:rPr lang="en-US" dirty="0" err="1"/>
+              <a:t>consumeVitamin</a:t>
+            </a:r>
+            <a:endParaRPr lang="en-US" dirty="0"/>
           </a:p>
         </p:txBody>
       </p:sp>
@@ -9051,7 +8963,7 @@
         <p:spPr/>
         <p:txBody>
           <a:bodyPr>
-            <a:normAutofit fontScale="77500" lnSpcReduction="20000"/>
+            <a:normAutofit/>
           </a:bodyPr>
           <a:lstStyle/>
           <a:p>
@@ -9059,85 +8971,103 @@
               <a:buNone/>
             </a:pPr>
             <a:r>
-              <a:rPr lang="en-US" dirty="0"/>
-              <a:t>We need to initialize our values of each instance of the Pokémon class.</a:t>
-            </a:r>
-          </a:p>
-          <a:p>
-            <a:pPr marL="0" indent="0">
-              <a:buNone/>
-            </a:pPr>
-            <a:r>
-              <a:rPr lang="en-US" dirty="0"/>
-              <a:t>This is done in the constructor:</a:t>
-            </a:r>
-          </a:p>
-          <a:p>
-            <a:pPr marL="0" indent="0">
-              <a:buNone/>
-            </a:pPr>
-            <a:endParaRPr lang="en-US" dirty="0"/>
-          </a:p>
-          <a:p>
-            <a:pPr marL="0" indent="0">
-              <a:buNone/>
-            </a:pPr>
-            <a:r>
-              <a:rPr lang="en-US" dirty="0">
-                <a:latin typeface="Courier New" panose="02070309020205020404" pitchFamily="49" charset="0"/>
-                <a:cs typeface="Courier New" panose="02070309020205020404" pitchFamily="49" charset="0"/>
-              </a:rPr>
-              <a:t>public class </a:t>
-            </a:r>
-            <a:r>
-              <a:rPr lang="en-US" dirty="0" err="1">
-                <a:latin typeface="Courier New" panose="02070309020205020404" pitchFamily="49" charset="0"/>
-                <a:cs typeface="Courier New" panose="02070309020205020404" pitchFamily="49" charset="0"/>
-              </a:rPr>
-              <a:t>Pokemon</a:t>
-            </a:r>
-            <a:r>
-              <a:rPr lang="en-US" dirty="0">
-                <a:latin typeface="Courier New" panose="02070309020205020404" pitchFamily="49" charset="0"/>
-                <a:cs typeface="Courier New" panose="02070309020205020404" pitchFamily="49" charset="0"/>
-              </a:rPr>
-              <a:t> {</a:t>
-            </a:r>
-          </a:p>
-          <a:p>
-            <a:pPr marL="0" indent="0">
-              <a:buNone/>
-            </a:pPr>
-            <a:r>
-              <a:rPr lang="en-US" dirty="0">
+              <a:rPr lang="en-US" sz="2400" dirty="0">
+                <a:latin typeface="Courier New" panose="02070309020205020404" pitchFamily="49" charset="0"/>
+                <a:cs typeface="Courier New" panose="02070309020205020404" pitchFamily="49" charset="0"/>
+              </a:rPr>
+              <a:t>public void </a:t>
+            </a:r>
+            <a:r>
+              <a:rPr lang="en-US" sz="2400" dirty="0" err="1">
+                <a:latin typeface="Courier New" panose="02070309020205020404" pitchFamily="49" charset="0"/>
+                <a:cs typeface="Courier New" panose="02070309020205020404" pitchFamily="49" charset="0"/>
+              </a:rPr>
+              <a:t>consumeVitamin</a:t>
+            </a:r>
+            <a:r>
+              <a:rPr lang="en-US" sz="2400" dirty="0">
+                <a:latin typeface="Courier New" panose="02070309020205020404" pitchFamily="49" charset="0"/>
+                <a:cs typeface="Courier New" panose="02070309020205020404" pitchFamily="49" charset="0"/>
+              </a:rPr>
+              <a:t>( </a:t>
+            </a:r>
+            <a:r>
+              <a:rPr lang="en-US" sz="2400" dirty="0" err="1">
+                <a:latin typeface="Courier New" panose="02070309020205020404" pitchFamily="49" charset="0"/>
+                <a:cs typeface="Courier New" panose="02070309020205020404" pitchFamily="49" charset="0"/>
+              </a:rPr>
+              <a:t>int</a:t>
+            </a:r>
+            <a:r>
+              <a:rPr lang="en-US" sz="2400" dirty="0">
+                <a:latin typeface="Courier New" panose="02070309020205020404" pitchFamily="49" charset="0"/>
+                <a:cs typeface="Courier New" panose="02070309020205020404" pitchFamily="49" charset="0"/>
+              </a:rPr>
+              <a:t> </a:t>
+            </a:r>
+            <a:r>
+              <a:rPr lang="en-US" sz="2400" dirty="0" err="1">
+                <a:latin typeface="Courier New" panose="02070309020205020404" pitchFamily="49" charset="0"/>
+                <a:cs typeface="Courier New" panose="02070309020205020404" pitchFamily="49" charset="0"/>
+              </a:rPr>
+              <a:t>hpUp</a:t>
+            </a:r>
+            <a:r>
+              <a:rPr lang="en-US" sz="2400" dirty="0">
+                <a:latin typeface="Courier New" panose="02070309020205020404" pitchFamily="49" charset="0"/>
+                <a:cs typeface="Courier New" panose="02070309020205020404" pitchFamily="49" charset="0"/>
+              </a:rPr>
+              <a:t>, </a:t>
+            </a:r>
+            <a:r>
+              <a:rPr lang="en-US" sz="2400" dirty="0" err="1">
+                <a:latin typeface="Courier New" panose="02070309020205020404" pitchFamily="49" charset="0"/>
+                <a:cs typeface="Courier New" panose="02070309020205020404" pitchFamily="49" charset="0"/>
+              </a:rPr>
+              <a:t>int</a:t>
+            </a:r>
+            <a:r>
+              <a:rPr lang="en-US" sz="2400" dirty="0">
+                <a:latin typeface="Courier New" panose="02070309020205020404" pitchFamily="49" charset="0"/>
+                <a:cs typeface="Courier New" panose="02070309020205020404" pitchFamily="49" charset="0"/>
+              </a:rPr>
+              <a:t> protein …) {</a:t>
+            </a:r>
+          </a:p>
+          <a:p>
+            <a:pPr marL="0" indent="0">
+              <a:buNone/>
+            </a:pPr>
+            <a:r>
+              <a:rPr lang="en-US" sz="2400" dirty="0">
                 <a:latin typeface="Courier New" panose="02070309020205020404" pitchFamily="49" charset="0"/>
                 <a:cs typeface="Courier New" panose="02070309020205020404" pitchFamily="49" charset="0"/>
               </a:rPr>
               <a:t>	</a:t>
             </a:r>
             <a:r>
-              <a:rPr lang="en-US" dirty="0" err="1">
-                <a:latin typeface="Courier New" panose="02070309020205020404" pitchFamily="49" charset="0"/>
-                <a:cs typeface="Courier New" panose="02070309020205020404" pitchFamily="49" charset="0"/>
-              </a:rPr>
-              <a:t>int</a:t>
-            </a:r>
-            <a:r>
-              <a:rPr lang="en-US" dirty="0">
-                <a:latin typeface="Courier New" panose="02070309020205020404" pitchFamily="49" charset="0"/>
-                <a:cs typeface="Courier New" panose="02070309020205020404" pitchFamily="49" charset="0"/>
-              </a:rPr>
-              <a:t> </a:t>
-            </a:r>
-            <a:r>
-              <a:rPr lang="en-US" dirty="0" err="1">
+              <a:rPr lang="en-US" sz="2400" dirty="0" err="1">
                 <a:latin typeface="Courier New" panose="02070309020205020404" pitchFamily="49" charset="0"/>
                 <a:cs typeface="Courier New" panose="02070309020205020404" pitchFamily="49" charset="0"/>
               </a:rPr>
               <a:t>hp</a:t>
             </a:r>
             <a:r>
-              <a:rPr lang="en-US" dirty="0">
+              <a:rPr lang="en-US" sz="2400" dirty="0">
+                <a:latin typeface="Courier New" panose="02070309020205020404" pitchFamily="49" charset="0"/>
+                <a:cs typeface="Courier New" panose="02070309020205020404" pitchFamily="49" charset="0"/>
+              </a:rPr>
+              <a:t> += </a:t>
+            </a:r>
+            <a:r>
+              <a:rPr lang="en-US" sz="2400" dirty="0" err="1">
+                <a:latin typeface="Courier New" panose="02070309020205020404" pitchFamily="49" charset="0"/>
+                <a:cs typeface="Courier New" panose="02070309020205020404" pitchFamily="49" charset="0"/>
+              </a:rPr>
+              <a:t>hpUp</a:t>
+            </a:r>
+            <a:r>
+              <a:rPr lang="en-US" sz="2400" dirty="0">
                 <a:latin typeface="Courier New" panose="02070309020205020404" pitchFamily="49" charset="0"/>
                 <a:cs typeface="Courier New" panose="02070309020205020404" pitchFamily="49" charset="0"/>
               </a:rPr>
@@ -9149,192 +9079,43 @@
               <a:buNone/>
             </a:pPr>
             <a:r>
-              <a:rPr lang="en-US" dirty="0">
-                <a:latin typeface="Courier New" panose="02070309020205020404" pitchFamily="49" charset="0"/>
-                <a:cs typeface="Courier New" panose="02070309020205020404" pitchFamily="49" charset="0"/>
-              </a:rPr>
-              <a:t>	</a:t>
-            </a:r>
-            <a:r>
-              <a:rPr lang="en-US" dirty="0" err="1">
-                <a:latin typeface="Courier New" panose="02070309020205020404" pitchFamily="49" charset="0"/>
-                <a:cs typeface="Courier New" panose="02070309020205020404" pitchFamily="49" charset="0"/>
-              </a:rPr>
-              <a:t>int</a:t>
-            </a:r>
-            <a:r>
-              <a:rPr lang="en-US" dirty="0">
-                <a:latin typeface="Courier New" panose="02070309020205020404" pitchFamily="49" charset="0"/>
-                <a:cs typeface="Courier New" panose="02070309020205020404" pitchFamily="49" charset="0"/>
-              </a:rPr>
-              <a:t> attack;</a:t>
-            </a:r>
-          </a:p>
-          <a:p>
-            <a:pPr marL="0" indent="0">
-              <a:buNone/>
-            </a:pPr>
-            <a:endParaRPr lang="en-US" dirty="0">
-              <a:latin typeface="Courier New" panose="02070309020205020404" pitchFamily="49" charset="0"/>
-              <a:cs typeface="Courier New" panose="02070309020205020404" pitchFamily="49" charset="0"/>
-            </a:endParaRPr>
-          </a:p>
-          <a:p>
-            <a:pPr marL="0" indent="0">
-              <a:buNone/>
-            </a:pPr>
-            <a:r>
-              <a:rPr lang="en-US" dirty="0">
-                <a:latin typeface="Courier New" panose="02070309020205020404" pitchFamily="49" charset="0"/>
-                <a:cs typeface="Courier New" panose="02070309020205020404" pitchFamily="49" charset="0"/>
-              </a:rPr>
-              <a:t>	public </a:t>
-            </a:r>
-            <a:r>
-              <a:rPr lang="en-US" dirty="0" err="1">
-                <a:latin typeface="Courier New" panose="02070309020205020404" pitchFamily="49" charset="0"/>
-                <a:cs typeface="Courier New" panose="02070309020205020404" pitchFamily="49" charset="0"/>
-              </a:rPr>
-              <a:t>Pokemon</a:t>
-            </a:r>
-            <a:r>
-              <a:rPr lang="en-US" dirty="0">
-                <a:latin typeface="Courier New" panose="02070309020205020404" pitchFamily="49" charset="0"/>
-                <a:cs typeface="Courier New" panose="02070309020205020404" pitchFamily="49" charset="0"/>
-              </a:rPr>
-              <a:t>(</a:t>
-            </a:r>
-            <a:r>
-              <a:rPr lang="en-US" dirty="0" err="1">
-                <a:latin typeface="Courier New" panose="02070309020205020404" pitchFamily="49" charset="0"/>
-                <a:cs typeface="Courier New" panose="02070309020205020404" pitchFamily="49" charset="0"/>
-              </a:rPr>
-              <a:t>int</a:t>
-            </a:r>
-            <a:r>
-              <a:rPr lang="en-US" dirty="0">
-                <a:latin typeface="Courier New" panose="02070309020205020404" pitchFamily="49" charset="0"/>
-                <a:cs typeface="Courier New" panose="02070309020205020404" pitchFamily="49" charset="0"/>
-              </a:rPr>
-              <a:t> </a:t>
-            </a:r>
-            <a:r>
-              <a:rPr lang="en-US" dirty="0" err="1">
-                <a:latin typeface="Courier New" panose="02070309020205020404" pitchFamily="49" charset="0"/>
-                <a:cs typeface="Courier New" panose="02070309020205020404" pitchFamily="49" charset="0"/>
-              </a:rPr>
-              <a:t>hitpoints</a:t>
-            </a:r>
-            <a:r>
-              <a:rPr lang="en-US" dirty="0">
-                <a:latin typeface="Courier New" panose="02070309020205020404" pitchFamily="49" charset="0"/>
-                <a:cs typeface="Courier New" panose="02070309020205020404" pitchFamily="49" charset="0"/>
-              </a:rPr>
-              <a:t>, </a:t>
-            </a:r>
-            <a:r>
-              <a:rPr lang="en-US" dirty="0" err="1">
-                <a:latin typeface="Courier New" panose="02070309020205020404" pitchFamily="49" charset="0"/>
-                <a:cs typeface="Courier New" panose="02070309020205020404" pitchFamily="49" charset="0"/>
-              </a:rPr>
-              <a:t>int</a:t>
-            </a:r>
-            <a:r>
-              <a:rPr lang="en-US" dirty="0">
-                <a:latin typeface="Courier New" panose="02070309020205020404" pitchFamily="49" charset="0"/>
-                <a:cs typeface="Courier New" panose="02070309020205020404" pitchFamily="49" charset="0"/>
-              </a:rPr>
-              <a:t> a) { </a:t>
-            </a:r>
-          </a:p>
-          <a:p>
-            <a:pPr marL="0" indent="0">
-              <a:buNone/>
-            </a:pPr>
-            <a:r>
-              <a:rPr lang="en-US" dirty="0">
-                <a:latin typeface="Courier New" panose="02070309020205020404" pitchFamily="49" charset="0"/>
-                <a:cs typeface="Courier New" panose="02070309020205020404" pitchFamily="49" charset="0"/>
-              </a:rPr>
-              <a:t>		</a:t>
-            </a:r>
-            <a:r>
-              <a:rPr lang="en-US" dirty="0" err="1">
-                <a:latin typeface="Courier New" panose="02070309020205020404" pitchFamily="49" charset="0"/>
-                <a:cs typeface="Courier New" panose="02070309020205020404" pitchFamily="49" charset="0"/>
-              </a:rPr>
-              <a:t>hp</a:t>
-            </a:r>
-            <a:r>
-              <a:rPr lang="en-US" dirty="0">
-                <a:latin typeface="Courier New" panose="02070309020205020404" pitchFamily="49" charset="0"/>
-                <a:cs typeface="Courier New" panose="02070309020205020404" pitchFamily="49" charset="0"/>
-              </a:rPr>
-              <a:t> = </a:t>
-            </a:r>
-            <a:r>
-              <a:rPr lang="en-US" dirty="0" err="1">
-                <a:latin typeface="Courier New" panose="02070309020205020404" pitchFamily="49" charset="0"/>
-                <a:cs typeface="Courier New" panose="02070309020205020404" pitchFamily="49" charset="0"/>
-              </a:rPr>
-              <a:t>hitpoints</a:t>
-            </a:r>
-            <a:r>
-              <a:rPr lang="en-US" dirty="0">
-                <a:latin typeface="Courier New" panose="02070309020205020404" pitchFamily="49" charset="0"/>
-                <a:cs typeface="Courier New" panose="02070309020205020404" pitchFamily="49" charset="0"/>
-              </a:rPr>
-              <a:t>;</a:t>
-            </a:r>
-          </a:p>
-          <a:p>
-            <a:pPr marL="0" indent="0">
-              <a:buNone/>
-            </a:pPr>
-            <a:r>
-              <a:rPr lang="en-US" dirty="0">
-                <a:latin typeface="Courier New" panose="02070309020205020404" pitchFamily="49" charset="0"/>
-                <a:cs typeface="Courier New" panose="02070309020205020404" pitchFamily="49" charset="0"/>
-              </a:rPr>
-              <a:t>		attack = a;</a:t>
-            </a:r>
-          </a:p>
-          <a:p>
-            <a:pPr marL="0" indent="0">
-              <a:buNone/>
-            </a:pPr>
-            <a:r>
-              <a:rPr lang="en-US" dirty="0">
-                <a:latin typeface="Courier New" panose="02070309020205020404" pitchFamily="49" charset="0"/>
-                <a:cs typeface="Courier New" panose="02070309020205020404" pitchFamily="49" charset="0"/>
-              </a:rPr>
-              <a:t>	}</a:t>
-            </a:r>
-          </a:p>
-          <a:p>
-            <a:pPr marL="0" indent="0">
-              <a:buNone/>
-            </a:pPr>
-            <a:r>
-              <a:rPr lang="en-US" dirty="0">
+              <a:rPr lang="en-US" sz="2400" dirty="0">
+                <a:latin typeface="Courier New" panose="02070309020205020404" pitchFamily="49" charset="0"/>
+                <a:cs typeface="Courier New" panose="02070309020205020404" pitchFamily="49" charset="0"/>
+              </a:rPr>
+              <a:t>	attack += protein;</a:t>
+            </a:r>
+          </a:p>
+          <a:p>
+            <a:pPr marL="0" indent="0">
+              <a:buNone/>
+            </a:pPr>
+            <a:r>
+              <a:rPr lang="en-US" sz="2400" dirty="0">
+                <a:latin typeface="Courier New" panose="02070309020205020404" pitchFamily="49" charset="0"/>
+                <a:cs typeface="Courier New" panose="02070309020205020404" pitchFamily="49" charset="0"/>
+              </a:rPr>
+              <a:t>	…</a:t>
+            </a:r>
+          </a:p>
+          <a:p>
+            <a:pPr marL="0" indent="0">
+              <a:buNone/>
+            </a:pPr>
+            <a:r>
+              <a:rPr lang="en-US" sz="2400" dirty="0">
                 <a:latin typeface="Courier New" panose="02070309020205020404" pitchFamily="49" charset="0"/>
                 <a:cs typeface="Courier New" panose="02070309020205020404" pitchFamily="49" charset="0"/>
               </a:rPr>
               <a:t>}</a:t>
             </a:r>
-          </a:p>
-          <a:p>
-            <a:pPr marL="0" indent="0">
-              <a:buNone/>
-            </a:pPr>
-            <a:endParaRPr lang="en-US" dirty="0"/>
           </a:p>
         </p:txBody>
       </p:sp>
     </p:spTree>
     <p:extLst>
       <p:ext uri="{BB962C8B-B14F-4D97-AF65-F5344CB8AC3E}">
-        <p14:creationId xmlns:p14="http://schemas.microsoft.com/office/powerpoint/2010/main" val="949328187"/>
+        <p14:creationId xmlns:p14="http://schemas.microsoft.com/office/powerpoint/2010/main" val="2002235189"/>
       </p:ext>
     </p:extLst>
   </p:cSld>
@@ -9396,7 +9177,7 @@
         <p:spPr/>
         <p:txBody>
           <a:bodyPr>
-            <a:normAutofit/>
+            <a:normAutofit fontScale="77500" lnSpcReduction="20000"/>
           </a:bodyPr>
           <a:lstStyle/>
           <a:p>
@@ -9405,7 +9186,114 @@
             </a:pPr>
             <a:r>
               <a:rPr lang="en-US" dirty="0"/>
-              <a:t>We can then call these constructors to create our instances:</a:t>
+              <a:t>We need to initialize our values of each instance of the Pokémon class.</a:t>
+            </a:r>
+          </a:p>
+          <a:p>
+            <a:pPr marL="0" indent="0">
+              <a:buNone/>
+            </a:pPr>
+            <a:r>
+              <a:rPr lang="en-US" dirty="0"/>
+              <a:t>This is done in the constructor:</a:t>
+            </a:r>
+          </a:p>
+          <a:p>
+            <a:pPr marL="0" indent="0">
+              <a:buNone/>
+            </a:pPr>
+            <a:endParaRPr lang="en-US" dirty="0"/>
+          </a:p>
+          <a:p>
+            <a:pPr marL="0" indent="0">
+              <a:buNone/>
+            </a:pPr>
+            <a:r>
+              <a:rPr lang="en-US" dirty="0">
+                <a:latin typeface="Courier New" panose="02070309020205020404" pitchFamily="49" charset="0"/>
+                <a:cs typeface="Courier New" panose="02070309020205020404" pitchFamily="49" charset="0"/>
+              </a:rPr>
+              <a:t>public class </a:t>
+            </a:r>
+            <a:r>
+              <a:rPr lang="en-US" dirty="0" err="1">
+                <a:latin typeface="Courier New" panose="02070309020205020404" pitchFamily="49" charset="0"/>
+                <a:cs typeface="Courier New" panose="02070309020205020404" pitchFamily="49" charset="0"/>
+              </a:rPr>
+              <a:t>Pokemon</a:t>
+            </a:r>
+            <a:r>
+              <a:rPr lang="en-US" dirty="0">
+                <a:latin typeface="Courier New" panose="02070309020205020404" pitchFamily="49" charset="0"/>
+                <a:cs typeface="Courier New" panose="02070309020205020404" pitchFamily="49" charset="0"/>
+              </a:rPr>
+              <a:t> {</a:t>
+            </a:r>
+          </a:p>
+          <a:p>
+            <a:pPr marL="0" indent="0">
+              <a:buNone/>
+            </a:pPr>
+            <a:r>
+              <a:rPr lang="en-US" dirty="0">
+                <a:latin typeface="Courier New" panose="02070309020205020404" pitchFamily="49" charset="0"/>
+                <a:cs typeface="Courier New" panose="02070309020205020404" pitchFamily="49" charset="0"/>
+              </a:rPr>
+              <a:t>	</a:t>
+            </a:r>
+            <a:r>
+              <a:rPr lang="en-US" dirty="0" err="1">
+                <a:latin typeface="Courier New" panose="02070309020205020404" pitchFamily="49" charset="0"/>
+                <a:cs typeface="Courier New" panose="02070309020205020404" pitchFamily="49" charset="0"/>
+              </a:rPr>
+              <a:t>int</a:t>
+            </a:r>
+            <a:r>
+              <a:rPr lang="en-US" dirty="0">
+                <a:latin typeface="Courier New" panose="02070309020205020404" pitchFamily="49" charset="0"/>
+                <a:cs typeface="Courier New" panose="02070309020205020404" pitchFamily="49" charset="0"/>
+              </a:rPr>
+              <a:t> </a:t>
+            </a:r>
+            <a:r>
+              <a:rPr lang="en-US" dirty="0" err="1">
+                <a:latin typeface="Courier New" panose="02070309020205020404" pitchFamily="49" charset="0"/>
+                <a:cs typeface="Courier New" panose="02070309020205020404" pitchFamily="49" charset="0"/>
+              </a:rPr>
+              <a:t>hp</a:t>
+            </a:r>
+            <a:r>
+              <a:rPr lang="en-US" dirty="0">
+                <a:latin typeface="Courier New" panose="02070309020205020404" pitchFamily="49" charset="0"/>
+                <a:cs typeface="Courier New" panose="02070309020205020404" pitchFamily="49" charset="0"/>
+              </a:rPr>
+              <a:t>;</a:t>
+            </a:r>
+          </a:p>
+          <a:p>
+            <a:pPr marL="0" indent="0">
+              <a:buNone/>
+            </a:pPr>
+            <a:r>
+              <a:rPr lang="en-US" dirty="0">
+                <a:latin typeface="Courier New" panose="02070309020205020404" pitchFamily="49" charset="0"/>
+                <a:cs typeface="Courier New" panose="02070309020205020404" pitchFamily="49" charset="0"/>
+              </a:rPr>
+              <a:t>	</a:t>
+            </a:r>
+            <a:r>
+              <a:rPr lang="en-US" dirty="0" err="1">
+                <a:latin typeface="Courier New" panose="02070309020205020404" pitchFamily="49" charset="0"/>
+                <a:cs typeface="Courier New" panose="02070309020205020404" pitchFamily="49" charset="0"/>
+              </a:rPr>
+              <a:t>int</a:t>
+            </a:r>
+            <a:r>
+              <a:rPr lang="en-US" dirty="0">
+                <a:latin typeface="Courier New" panose="02070309020205020404" pitchFamily="49" charset="0"/>
+                <a:cs typeface="Courier New" panose="02070309020205020404" pitchFamily="49" charset="0"/>
+              </a:rPr>
+              <a:t> attack;</a:t>
             </a:r>
           </a:p>
           <a:p>
@@ -9426,78 +9314,139 @@
                 <a:latin typeface="Courier New" panose="02070309020205020404" pitchFamily="49" charset="0"/>
                 <a:cs typeface="Courier New" panose="02070309020205020404" pitchFamily="49" charset="0"/>
               </a:rPr>
-              <a:t>Pokémon </a:t>
+              <a:t>	public </a:t>
             </a:r>
             <a:r>
               <a:rPr lang="en-US" dirty="0" err="1">
                 <a:latin typeface="Courier New" panose="02070309020205020404" pitchFamily="49" charset="0"/>
                 <a:cs typeface="Courier New" panose="02070309020205020404" pitchFamily="49" charset="0"/>
               </a:rPr>
-              <a:t>pikachu</a:t>
+              <a:t>Pokemon</a:t>
             </a:r>
             <a:r>
               <a:rPr lang="en-US" dirty="0">
                 <a:latin typeface="Courier New" panose="02070309020205020404" pitchFamily="49" charset="0"/>
                 <a:cs typeface="Courier New" panose="02070309020205020404" pitchFamily="49" charset="0"/>
               </a:rPr>
-              <a:t> = new Pokémon(70, 120);</a:t>
-            </a:r>
-          </a:p>
-          <a:p>
-            <a:pPr marL="0" indent="0">
-              <a:buNone/>
-            </a:pPr>
-            <a:endParaRPr lang="en-US" dirty="0">
-              <a:latin typeface="Courier New" panose="02070309020205020404" pitchFamily="49" charset="0"/>
-              <a:cs typeface="Courier New" panose="02070309020205020404" pitchFamily="49" charset="0"/>
-            </a:endParaRPr>
-          </a:p>
-          <a:p>
-            <a:pPr marL="0" indent="0">
-              <a:buNone/>
-            </a:pPr>
+              <a:t>(</a:t>
+            </a:r>
+            <a:r>
+              <a:rPr lang="en-US" dirty="0" err="1">
+                <a:latin typeface="Courier New" panose="02070309020205020404" pitchFamily="49" charset="0"/>
+                <a:cs typeface="Courier New" panose="02070309020205020404" pitchFamily="49" charset="0"/>
+              </a:rPr>
+              <a:t>int</a:t>
+            </a:r>
             <a:r>
               <a:rPr lang="en-US" dirty="0">
-                <a:cs typeface="Courier New" panose="02070309020205020404" pitchFamily="49" charset="0"/>
-              </a:rPr>
-              <a:t>We can also call our methods on the object:</a:t>
-            </a:r>
-          </a:p>
-          <a:p>
-            <a:pPr marL="0" indent="0">
-              <a:buNone/>
-            </a:pPr>
-            <a:endParaRPr lang="en-US" dirty="0">
-              <a:cs typeface="Courier New" panose="02070309020205020404" pitchFamily="49" charset="0"/>
-            </a:endParaRPr>
-          </a:p>
-          <a:p>
-            <a:pPr marL="0" indent="0">
-              <a:buNone/>
-            </a:pPr>
+                <a:latin typeface="Courier New" panose="02070309020205020404" pitchFamily="49" charset="0"/>
+                <a:cs typeface="Courier New" panose="02070309020205020404" pitchFamily="49" charset="0"/>
+              </a:rPr>
+              <a:t> </a:t>
+            </a:r>
             <a:r>
               <a:rPr lang="en-US" dirty="0" err="1">
                 <a:latin typeface="Courier New" panose="02070309020205020404" pitchFamily="49" charset="0"/>
                 <a:cs typeface="Courier New" panose="02070309020205020404" pitchFamily="49" charset="0"/>
               </a:rPr>
-              <a:t>pikachu.sumStats</a:t>
+              <a:t>hitpoints</a:t>
             </a:r>
             <a:r>
               <a:rPr lang="en-US" dirty="0">
                 <a:latin typeface="Courier New" panose="02070309020205020404" pitchFamily="49" charset="0"/>
                 <a:cs typeface="Courier New" panose="02070309020205020404" pitchFamily="49" charset="0"/>
               </a:rPr>
-              <a:t>(); </a:t>
+              <a:t>, </a:t>
+            </a:r>
+            <a:r>
+              <a:rPr lang="en-US" dirty="0" err="1">
+                <a:latin typeface="Courier New" panose="02070309020205020404" pitchFamily="49" charset="0"/>
+                <a:cs typeface="Courier New" panose="02070309020205020404" pitchFamily="49" charset="0"/>
+              </a:rPr>
+              <a:t>int</a:t>
             </a:r>
             <a:r>
               <a:rPr lang="en-US" dirty="0">
-                <a:solidFill>
-                  <a:schemeClr val="accent6"/>
-                </a:solidFill>
-                <a:latin typeface="Courier New" panose="02070309020205020404" pitchFamily="49" charset="0"/>
-                <a:cs typeface="Courier New" panose="02070309020205020404" pitchFamily="49" charset="0"/>
-              </a:rPr>
-              <a:t>//returns 190</a:t>
+                <a:latin typeface="Courier New" panose="02070309020205020404" pitchFamily="49" charset="0"/>
+                <a:cs typeface="Courier New" panose="02070309020205020404" pitchFamily="49" charset="0"/>
+              </a:rPr>
+              <a:t> a) { </a:t>
+            </a:r>
+          </a:p>
+          <a:p>
+            <a:pPr marL="0" indent="0">
+              <a:buNone/>
+            </a:pPr>
+            <a:r>
+              <a:rPr lang="en-US" dirty="0">
+                <a:latin typeface="Courier New" panose="02070309020205020404" pitchFamily="49" charset="0"/>
+                <a:cs typeface="Courier New" panose="02070309020205020404" pitchFamily="49" charset="0"/>
+              </a:rPr>
+              <a:t>		</a:t>
+            </a:r>
+            <a:r>
+              <a:rPr lang="en-US" dirty="0" err="1">
+                <a:latin typeface="Courier New" panose="02070309020205020404" pitchFamily="49" charset="0"/>
+                <a:cs typeface="Courier New" panose="02070309020205020404" pitchFamily="49" charset="0"/>
+              </a:rPr>
+              <a:t>hp</a:t>
+            </a:r>
+            <a:r>
+              <a:rPr lang="en-US" dirty="0">
+                <a:latin typeface="Courier New" panose="02070309020205020404" pitchFamily="49" charset="0"/>
+                <a:cs typeface="Courier New" panose="02070309020205020404" pitchFamily="49" charset="0"/>
+              </a:rPr>
+              <a:t> = </a:t>
+            </a:r>
+            <a:r>
+              <a:rPr lang="en-US" dirty="0" err="1">
+                <a:latin typeface="Courier New" panose="02070309020205020404" pitchFamily="49" charset="0"/>
+                <a:cs typeface="Courier New" panose="02070309020205020404" pitchFamily="49" charset="0"/>
+              </a:rPr>
+              <a:t>hitpoints</a:t>
+            </a:r>
+            <a:r>
+              <a:rPr lang="en-US" dirty="0">
+                <a:latin typeface="Courier New" panose="02070309020205020404" pitchFamily="49" charset="0"/>
+                <a:cs typeface="Courier New" panose="02070309020205020404" pitchFamily="49" charset="0"/>
+              </a:rPr>
+              <a:t>;</a:t>
+            </a:r>
+          </a:p>
+          <a:p>
+            <a:pPr marL="0" indent="0">
+              <a:buNone/>
+            </a:pPr>
+            <a:r>
+              <a:rPr lang="en-US" dirty="0">
+                <a:latin typeface="Courier New" panose="02070309020205020404" pitchFamily="49" charset="0"/>
+                <a:cs typeface="Courier New" panose="02070309020205020404" pitchFamily="49" charset="0"/>
+              </a:rPr>
+              <a:t>		attack = a;</a:t>
+            </a:r>
+          </a:p>
+          <a:p>
+            <a:pPr marL="0" indent="0">
+              <a:buNone/>
+            </a:pPr>
+            <a:r>
+              <a:rPr lang="en-US" dirty="0">
+                <a:latin typeface="Courier New" panose="02070309020205020404" pitchFamily="49" charset="0"/>
+                <a:cs typeface="Courier New" panose="02070309020205020404" pitchFamily="49" charset="0"/>
+              </a:rPr>
+              <a:t>	}</a:t>
+            </a:r>
+          </a:p>
+          <a:p>
+            <a:pPr marL="0" indent="0">
+              <a:buNone/>
+            </a:pPr>
+            <a:r>
+              <a:rPr lang="en-US" dirty="0">
+                <a:latin typeface="Courier New" panose="02070309020205020404" pitchFamily="49" charset="0"/>
+                <a:cs typeface="Courier New" panose="02070309020205020404" pitchFamily="49" charset="0"/>
+              </a:rPr>
+              <a:t>}</a:t>
             </a:r>
           </a:p>
           <a:p>
@@ -9511,7 +9460,7 @@
     </p:spTree>
     <p:extLst>
       <p:ext uri="{BB962C8B-B14F-4D97-AF65-F5344CB8AC3E}">
-        <p14:creationId xmlns:p14="http://schemas.microsoft.com/office/powerpoint/2010/main" val="77082624"/>
+        <p14:creationId xmlns:p14="http://schemas.microsoft.com/office/powerpoint/2010/main" val="949328187"/>
       </p:ext>
     </p:extLst>
   </p:cSld>
@@ -9545,30 +9494,150 @@
             <a:spLocks noGrp="1"/>
           </p:cNvSpPr>
           <p:nvPr>
-            <p:ph type="ctrTitle"/>
-          </p:nvPr>
-        </p:nvSpPr>
-        <p:spPr>
-          <a:xfrm>
-            <a:off x="1524000" y="1459990"/>
-            <a:ext cx="9144000" cy="2387600"/>
-          </a:xfrm>
-        </p:spPr>
-        <p:txBody>
-          <a:bodyPr/>
-          <a:lstStyle/>
-          <a:p>
-            <a:r>
-              <a:rPr lang="en-US" dirty="0"/>
-              <a:t>Worksheet</a:t>
-            </a:r>
+            <p:ph type="title"/>
+          </p:nvPr>
+        </p:nvSpPr>
+        <p:spPr/>
+        <p:txBody>
+          <a:bodyPr/>
+          <a:lstStyle/>
+          <a:p>
+            <a:r>
+              <a:rPr lang="en-US" dirty="0"/>
+              <a:t>Constructors</a:t>
+            </a:r>
+          </a:p>
+        </p:txBody>
+      </p:sp>
+      <p:sp>
+        <p:nvSpPr>
+          <p:cNvPr id="3" name="Content Placeholder 2"/>
+          <p:cNvSpPr>
+            <a:spLocks noGrp="1"/>
+          </p:cNvSpPr>
+          <p:nvPr>
+            <p:ph idx="1"/>
+          </p:nvPr>
+        </p:nvSpPr>
+        <p:spPr/>
+        <p:txBody>
+          <a:bodyPr>
+            <a:normAutofit/>
+          </a:bodyPr>
+          <a:lstStyle/>
+          <a:p>
+            <a:pPr marL="0" indent="0">
+              <a:buNone/>
+            </a:pPr>
+            <a:r>
+              <a:rPr lang="en-US" dirty="0"/>
+              <a:t>We can then call these constructors to create our instances:</a:t>
+            </a:r>
+          </a:p>
+          <a:p>
+            <a:pPr marL="0" indent="0">
+              <a:buNone/>
+            </a:pPr>
+            <a:endParaRPr lang="en-US" dirty="0">
+              <a:latin typeface="Courier New" panose="02070309020205020404" pitchFamily="49" charset="0"/>
+              <a:cs typeface="Courier New" panose="02070309020205020404" pitchFamily="49" charset="0"/>
+            </a:endParaRPr>
+          </a:p>
+          <a:p>
+            <a:pPr marL="0" indent="0">
+              <a:buNone/>
+            </a:pPr>
+            <a:r>
+              <a:rPr lang="en-US" dirty="0">
+                <a:latin typeface="Courier New" panose="02070309020205020404" pitchFamily="49" charset="0"/>
+                <a:cs typeface="Courier New" panose="02070309020205020404" pitchFamily="49" charset="0"/>
+              </a:rPr>
+              <a:t>Pokémon </a:t>
+            </a:r>
+            <a:r>
+              <a:rPr lang="en-US" dirty="0" err="1">
+                <a:latin typeface="Courier New" panose="02070309020205020404" pitchFamily="49" charset="0"/>
+                <a:cs typeface="Courier New" panose="02070309020205020404" pitchFamily="49" charset="0"/>
+              </a:rPr>
+              <a:t>pikachu</a:t>
+            </a:r>
+            <a:r>
+              <a:rPr lang="en-US" dirty="0">
+                <a:latin typeface="Courier New" panose="02070309020205020404" pitchFamily="49" charset="0"/>
+                <a:cs typeface="Courier New" panose="02070309020205020404" pitchFamily="49" charset="0"/>
+              </a:rPr>
+              <a:t> = new Pokémon(70, 120);</a:t>
+            </a:r>
+          </a:p>
+          <a:p>
+            <a:pPr marL="0" indent="0">
+              <a:buNone/>
+            </a:pPr>
+            <a:endParaRPr lang="en-US" dirty="0">
+              <a:latin typeface="Courier New" panose="02070309020205020404" pitchFamily="49" charset="0"/>
+              <a:cs typeface="Courier New" panose="02070309020205020404" pitchFamily="49" charset="0"/>
+            </a:endParaRPr>
+          </a:p>
+          <a:p>
+            <a:pPr marL="0" indent="0">
+              <a:buNone/>
+            </a:pPr>
+            <a:r>
+              <a:rPr lang="en-US" dirty="0">
+                <a:cs typeface="Courier New" panose="02070309020205020404" pitchFamily="49" charset="0"/>
+              </a:rPr>
+              <a:t>We can also call our methods on the object:</a:t>
+            </a:r>
+          </a:p>
+          <a:p>
+            <a:pPr marL="0" indent="0">
+              <a:buNone/>
+            </a:pPr>
+            <a:endParaRPr lang="en-US" dirty="0">
+              <a:cs typeface="Courier New" panose="02070309020205020404" pitchFamily="49" charset="0"/>
+            </a:endParaRPr>
+          </a:p>
+          <a:p>
+            <a:pPr marL="0" indent="0">
+              <a:buNone/>
+            </a:pPr>
+            <a:r>
+              <a:rPr lang="en-US" dirty="0" err="1">
+                <a:latin typeface="Courier New" panose="02070309020205020404" pitchFamily="49" charset="0"/>
+                <a:cs typeface="Courier New" panose="02070309020205020404" pitchFamily="49" charset="0"/>
+              </a:rPr>
+              <a:t>pikachu.sumStats</a:t>
+            </a:r>
+            <a:r>
+              <a:rPr lang="en-US" dirty="0">
+                <a:latin typeface="Courier New" panose="02070309020205020404" pitchFamily="49" charset="0"/>
+                <a:cs typeface="Courier New" panose="02070309020205020404" pitchFamily="49" charset="0"/>
+              </a:rPr>
+              <a:t>(); </a:t>
+            </a:r>
+            <a:r>
+              <a:rPr lang="en-US" dirty="0">
+                <a:solidFill>
+                  <a:schemeClr val="accent6"/>
+                </a:solidFill>
+                <a:latin typeface="Courier New" panose="02070309020205020404" pitchFamily="49" charset="0"/>
+                <a:cs typeface="Courier New" panose="02070309020205020404" pitchFamily="49" charset="0"/>
+              </a:rPr>
+              <a:t>//returns 190</a:t>
+            </a:r>
+          </a:p>
+          <a:p>
+            <a:pPr marL="0" indent="0">
+              <a:buNone/>
+            </a:pPr>
+            <a:endParaRPr lang="en-US" dirty="0"/>
           </a:p>
         </p:txBody>
       </p:sp>
     </p:spTree>
     <p:extLst>
       <p:ext uri="{BB962C8B-B14F-4D97-AF65-F5344CB8AC3E}">
-        <p14:creationId xmlns:p14="http://schemas.microsoft.com/office/powerpoint/2010/main" val="436073697"/>
+        <p14:creationId xmlns:p14="http://schemas.microsoft.com/office/powerpoint/2010/main" val="77082624"/>
       </p:ext>
     </p:extLst>
   </p:cSld>
@@ -9662,73 +9731,30 @@
             <a:spLocks noGrp="1"/>
           </p:cNvSpPr>
           <p:nvPr>
-            <p:ph type="title"/>
-          </p:nvPr>
-        </p:nvSpPr>
-        <p:spPr/>
-        <p:txBody>
-          <a:bodyPr>
-            <a:normAutofit/>
-          </a:bodyPr>
-          <a:lstStyle/>
-          <a:p>
-            <a:r>
-              <a:rPr lang="en-US" dirty="0"/>
-              <a:t>Homework</a:t>
-            </a:r>
-          </a:p>
-        </p:txBody>
-      </p:sp>
-      <p:sp>
-        <p:nvSpPr>
-          <p:cNvPr id="3" name="Content Placeholder 2"/>
-          <p:cNvSpPr>
-            <a:spLocks noGrp="1"/>
-          </p:cNvSpPr>
-          <p:nvPr>
-            <p:ph idx="1"/>
-          </p:nvPr>
-        </p:nvSpPr>
-        <p:spPr/>
-        <p:txBody>
-          <a:bodyPr/>
-          <a:lstStyle/>
-          <a:p>
-            <a:pPr marL="0" indent="0">
-              <a:buNone/>
-            </a:pPr>
-            <a:r>
-              <a:rPr lang="en-US" dirty="0"/>
-              <a:t>Read HW 8.3 up to “The Keyword this”</a:t>
-            </a:r>
-          </a:p>
-          <a:p>
-            <a:pPr marL="0" indent="0">
-              <a:buNone/>
-            </a:pPr>
-            <a:endParaRPr lang="en-US" dirty="0"/>
-          </a:p>
-          <a:p>
-            <a:pPr marL="0" indent="0">
-              <a:buNone/>
-            </a:pPr>
-            <a:r>
-              <a:rPr lang="en-US" dirty="0"/>
-              <a:t>Complete self-check questions #9 – 11, 13 – 16 </a:t>
-            </a:r>
-          </a:p>
-          <a:p>
-            <a:pPr marL="0" indent="0">
-              <a:buNone/>
-            </a:pPr>
-            <a:endParaRPr lang="en-US" dirty="0"/>
+            <p:ph type="ctrTitle"/>
+          </p:nvPr>
+        </p:nvSpPr>
+        <p:spPr>
+          <a:xfrm>
+            <a:off x="1524000" y="1459990"/>
+            <a:ext cx="9144000" cy="2387600"/>
+          </a:xfrm>
+        </p:spPr>
+        <p:txBody>
+          <a:bodyPr/>
+          <a:lstStyle/>
+          <a:p>
+            <a:r>
+              <a:rPr lang="en-US" dirty="0"/>
+              <a:t>Worksheet</a:t>
+            </a:r>
           </a:p>
         </p:txBody>
       </p:sp>
     </p:spTree>
     <p:extLst>
       <p:ext uri="{BB962C8B-B14F-4D97-AF65-F5344CB8AC3E}">
-        <p14:creationId xmlns:p14="http://schemas.microsoft.com/office/powerpoint/2010/main" val="2861209685"/>
+        <p14:creationId xmlns:p14="http://schemas.microsoft.com/office/powerpoint/2010/main" val="436073697"/>
       </p:ext>
     </p:extLst>
   </p:cSld>
@@ -9762,57 +9788,73 @@
             <a:spLocks noGrp="1"/>
           </p:cNvSpPr>
           <p:nvPr>
-            <p:ph type="ctrTitle"/>
-          </p:nvPr>
-        </p:nvSpPr>
-        <p:spPr>
-          <a:xfrm>
-            <a:off x="1289538" y="1122363"/>
-            <a:ext cx="9612924" cy="2387600"/>
-          </a:xfrm>
-        </p:spPr>
-        <p:txBody>
-          <a:bodyPr/>
-          <a:lstStyle/>
-          <a:p>
-            <a:r>
-              <a:rPr lang="en-US" dirty="0"/>
-              <a:t>Object Initialization</a:t>
-            </a:r>
-            <a:r>
-              <a:rPr lang="en-US"/>
-              <a:t>: Constructors</a:t>
-            </a:r>
+            <p:ph type="title"/>
+          </p:nvPr>
+        </p:nvSpPr>
+        <p:spPr/>
+        <p:txBody>
+          <a:bodyPr>
+            <a:normAutofit/>
+          </a:bodyPr>
+          <a:lstStyle/>
+          <a:p>
+            <a:r>
+              <a:rPr lang="en-US" dirty="0"/>
+              <a:t>Homework</a:t>
+            </a:r>
+          </a:p>
+        </p:txBody>
+      </p:sp>
+      <p:sp>
+        <p:nvSpPr>
+          <p:cNvPr id="3" name="Content Placeholder 2"/>
+          <p:cNvSpPr>
+            <a:spLocks noGrp="1"/>
+          </p:cNvSpPr>
+          <p:nvPr>
+            <p:ph idx="1"/>
+          </p:nvPr>
+        </p:nvSpPr>
+        <p:spPr/>
+        <p:txBody>
+          <a:bodyPr/>
+          <a:lstStyle/>
+          <a:p>
+            <a:pPr marL="0" indent="0">
+              <a:buNone/>
+            </a:pPr>
+            <a:r>
+              <a:rPr lang="en-US" dirty="0"/>
+              <a:t>Read HW 8.3 up to “The Keyword this”</a:t>
+            </a:r>
+          </a:p>
+          <a:p>
+            <a:pPr marL="0" indent="0">
+              <a:buNone/>
+            </a:pPr>
             <a:endParaRPr lang="en-US" dirty="0"/>
           </a:p>
-        </p:txBody>
-      </p:sp>
-      <p:sp>
-        <p:nvSpPr>
-          <p:cNvPr id="3" name="Subtitle 2"/>
-          <p:cNvSpPr>
-            <a:spLocks noGrp="1"/>
-          </p:cNvSpPr>
-          <p:nvPr>
-            <p:ph type="subTitle" idx="1"/>
-          </p:nvPr>
-        </p:nvSpPr>
-        <p:spPr/>
-        <p:txBody>
-          <a:bodyPr/>
-          <a:lstStyle/>
-          <a:p>
-            <a:r>
-              <a:rPr lang="en-US" dirty="0"/>
-              <a:t>[ 5.03 ] [ Today’s Date ] [ Instructor Name ]</a:t>
-            </a:r>
+          <a:p>
+            <a:pPr marL="0" indent="0">
+              <a:buNone/>
+            </a:pPr>
+            <a:r>
+              <a:rPr lang="en-US" dirty="0"/>
+              <a:t>Complete self-check questions #9 – 11, 13 – 16 </a:t>
+            </a:r>
+          </a:p>
+          <a:p>
+            <a:pPr marL="0" indent="0">
+              <a:buNone/>
+            </a:pPr>
+            <a:endParaRPr lang="en-US" dirty="0"/>
           </a:p>
         </p:txBody>
       </p:sp>
     </p:spTree>
     <p:extLst>
       <p:ext uri="{BB962C8B-B14F-4D97-AF65-F5344CB8AC3E}">
-        <p14:creationId xmlns:p14="http://schemas.microsoft.com/office/powerpoint/2010/main" val="993143345"/>
+        <p14:creationId xmlns:p14="http://schemas.microsoft.com/office/powerpoint/2010/main" val="2861209685"/>
       </p:ext>
     </p:extLst>
   </p:cSld>
@@ -9846,276 +9888,49 @@
             <a:spLocks noGrp="1"/>
           </p:cNvSpPr>
           <p:nvPr>
-            <p:ph type="title"/>
-          </p:nvPr>
-        </p:nvSpPr>
-        <p:spPr/>
-        <p:txBody>
-          <a:bodyPr/>
-          <a:lstStyle/>
-          <a:p>
-            <a:r>
-              <a:rPr lang="en-US" dirty="0"/>
-              <a:t>Student</a:t>
-            </a:r>
-          </a:p>
-        </p:txBody>
-      </p:sp>
-      <p:sp>
-        <p:nvSpPr>
-          <p:cNvPr id="3" name="Content Placeholder 2"/>
-          <p:cNvSpPr>
-            <a:spLocks noGrp="1"/>
-          </p:cNvSpPr>
-          <p:nvPr>
-            <p:ph idx="1"/>
-          </p:nvPr>
-        </p:nvSpPr>
-        <p:spPr/>
-        <p:txBody>
-          <a:bodyPr>
-            <a:noAutofit/>
-          </a:bodyPr>
-          <a:lstStyle/>
-          <a:p>
-            <a:pPr marL="0" indent="0">
-              <a:buNone/>
-            </a:pPr>
-            <a:r>
-              <a:rPr lang="en-US" sz="1800" dirty="0">
-                <a:latin typeface="Courier New" panose="02070309020205020404" pitchFamily="49" charset="0"/>
-                <a:cs typeface="Courier New" panose="02070309020205020404" pitchFamily="49" charset="0"/>
-              </a:rPr>
-              <a:t>public class Student {</a:t>
-            </a:r>
-          </a:p>
-          <a:p>
-            <a:pPr marL="0" indent="0">
-              <a:buNone/>
-            </a:pPr>
-            <a:r>
-              <a:rPr lang="en-US" sz="1800" dirty="0">
-                <a:latin typeface="Courier New" panose="02070309020205020404" pitchFamily="49" charset="0"/>
-                <a:cs typeface="Courier New" panose="02070309020205020404" pitchFamily="49" charset="0"/>
-              </a:rPr>
-              <a:t>	public String name;</a:t>
-            </a:r>
-          </a:p>
-          <a:p>
-            <a:pPr marL="0" indent="0">
-              <a:buNone/>
-            </a:pPr>
-            <a:r>
-              <a:rPr lang="en-US" sz="1800" dirty="0">
-                <a:latin typeface="Courier New" panose="02070309020205020404" pitchFamily="49" charset="0"/>
-                <a:cs typeface="Courier New" panose="02070309020205020404" pitchFamily="49" charset="0"/>
-              </a:rPr>
-              <a:t>	public </a:t>
-            </a:r>
-            <a:r>
-              <a:rPr lang="en-US" sz="1800" dirty="0" err="1">
-                <a:latin typeface="Courier New" panose="02070309020205020404" pitchFamily="49" charset="0"/>
-                <a:cs typeface="Courier New" panose="02070309020205020404" pitchFamily="49" charset="0"/>
-              </a:rPr>
-              <a:t>int</a:t>
-            </a:r>
-            <a:r>
-              <a:rPr lang="en-US" sz="1800" dirty="0">
-                <a:latin typeface="Courier New" panose="02070309020205020404" pitchFamily="49" charset="0"/>
-                <a:cs typeface="Courier New" panose="02070309020205020404" pitchFamily="49" charset="0"/>
-              </a:rPr>
-              <a:t> </a:t>
-            </a:r>
-            <a:r>
-              <a:rPr lang="en-US" sz="1800" dirty="0" err="1">
-                <a:latin typeface="Courier New" panose="02070309020205020404" pitchFamily="49" charset="0"/>
-                <a:cs typeface="Courier New" panose="02070309020205020404" pitchFamily="49" charset="0"/>
-              </a:rPr>
-              <a:t>gradeLevel</a:t>
-            </a:r>
-            <a:r>
-              <a:rPr lang="en-US" sz="1800" dirty="0">
-                <a:latin typeface="Courier New" panose="02070309020205020404" pitchFamily="49" charset="0"/>
-                <a:cs typeface="Courier New" panose="02070309020205020404" pitchFamily="49" charset="0"/>
-              </a:rPr>
-              <a:t>;</a:t>
-            </a:r>
-          </a:p>
-          <a:p>
-            <a:pPr marL="0" indent="0">
-              <a:buNone/>
-            </a:pPr>
-            <a:r>
-              <a:rPr lang="en-US" sz="1800" dirty="0">
-                <a:latin typeface="Courier New" panose="02070309020205020404" pitchFamily="49" charset="0"/>
-                <a:cs typeface="Courier New" panose="02070309020205020404" pitchFamily="49" charset="0"/>
-              </a:rPr>
-              <a:t>	public double </a:t>
-            </a:r>
-            <a:r>
-              <a:rPr lang="en-US" sz="1800" dirty="0" err="1">
-                <a:latin typeface="Courier New" panose="02070309020205020404" pitchFamily="49" charset="0"/>
-                <a:cs typeface="Courier New" panose="02070309020205020404" pitchFamily="49" charset="0"/>
-              </a:rPr>
-              <a:t>gpa</a:t>
-            </a:r>
-            <a:r>
-              <a:rPr lang="en-US" sz="1800" dirty="0">
-                <a:latin typeface="Courier New" panose="02070309020205020404" pitchFamily="49" charset="0"/>
-                <a:cs typeface="Courier New" panose="02070309020205020404" pitchFamily="49" charset="0"/>
-              </a:rPr>
-              <a:t>;</a:t>
-            </a:r>
-          </a:p>
-          <a:p>
-            <a:pPr marL="0" indent="0">
-              <a:buNone/>
-            </a:pPr>
-            <a:endParaRPr lang="en-US" sz="1800" dirty="0">
-              <a:latin typeface="Courier New" panose="02070309020205020404" pitchFamily="49" charset="0"/>
-              <a:cs typeface="Courier New" panose="02070309020205020404" pitchFamily="49" charset="0"/>
-            </a:endParaRPr>
-          </a:p>
-          <a:p>
-            <a:pPr marL="0" indent="0">
-              <a:buNone/>
-            </a:pPr>
-            <a:r>
-              <a:rPr lang="en-US" sz="1800" dirty="0">
-                <a:latin typeface="Courier New" panose="02070309020205020404" pitchFamily="49" charset="0"/>
-                <a:cs typeface="Courier New" panose="02070309020205020404" pitchFamily="49" charset="0"/>
-              </a:rPr>
-              <a:t>	public Student(String n, </a:t>
-            </a:r>
-            <a:r>
-              <a:rPr lang="en-US" sz="1800" dirty="0" err="1">
-                <a:latin typeface="Courier New" panose="02070309020205020404" pitchFamily="49" charset="0"/>
-                <a:cs typeface="Courier New" panose="02070309020205020404" pitchFamily="49" charset="0"/>
-              </a:rPr>
-              <a:t>int</a:t>
-            </a:r>
-            <a:r>
-              <a:rPr lang="en-US" sz="1800" dirty="0">
-                <a:latin typeface="Courier New" panose="02070309020205020404" pitchFamily="49" charset="0"/>
-                <a:cs typeface="Courier New" panose="02070309020205020404" pitchFamily="49" charset="0"/>
-              </a:rPr>
-              <a:t> </a:t>
-            </a:r>
-            <a:r>
-              <a:rPr lang="en-US" sz="1800" dirty="0" err="1">
-                <a:latin typeface="Courier New" panose="02070309020205020404" pitchFamily="49" charset="0"/>
-                <a:cs typeface="Courier New" panose="02070309020205020404" pitchFamily="49" charset="0"/>
-              </a:rPr>
-              <a:t>gl</a:t>
-            </a:r>
-            <a:r>
-              <a:rPr lang="en-US" sz="1800" dirty="0">
-                <a:latin typeface="Courier New" panose="02070309020205020404" pitchFamily="49" charset="0"/>
-                <a:cs typeface="Courier New" panose="02070309020205020404" pitchFamily="49" charset="0"/>
-              </a:rPr>
-              <a:t>, double g) {</a:t>
-            </a:r>
-          </a:p>
-          <a:p>
-            <a:pPr marL="0" indent="0">
-              <a:buNone/>
-            </a:pPr>
-            <a:r>
-              <a:rPr lang="en-US" sz="1800" dirty="0">
-                <a:latin typeface="Courier New" panose="02070309020205020404" pitchFamily="49" charset="0"/>
-                <a:cs typeface="Courier New" panose="02070309020205020404" pitchFamily="49" charset="0"/>
-              </a:rPr>
-              <a:t>		name = n;</a:t>
-            </a:r>
-          </a:p>
-          <a:p>
-            <a:pPr marL="0" indent="0">
-              <a:buNone/>
-            </a:pPr>
-            <a:r>
-              <a:rPr lang="en-US" sz="1800" dirty="0">
-                <a:latin typeface="Courier New" panose="02070309020205020404" pitchFamily="49" charset="0"/>
-                <a:cs typeface="Courier New" panose="02070309020205020404" pitchFamily="49" charset="0"/>
-              </a:rPr>
-              <a:t>		</a:t>
-            </a:r>
-            <a:r>
-              <a:rPr lang="en-US" sz="1800" dirty="0" err="1">
-                <a:latin typeface="Courier New" panose="02070309020205020404" pitchFamily="49" charset="0"/>
-                <a:cs typeface="Courier New" panose="02070309020205020404" pitchFamily="49" charset="0"/>
-              </a:rPr>
-              <a:t>gradelevel</a:t>
-            </a:r>
-            <a:r>
-              <a:rPr lang="en-US" sz="1800" dirty="0">
-                <a:latin typeface="Courier New" panose="02070309020205020404" pitchFamily="49" charset="0"/>
-                <a:cs typeface="Courier New" panose="02070309020205020404" pitchFamily="49" charset="0"/>
-              </a:rPr>
-              <a:t> = </a:t>
-            </a:r>
-            <a:r>
-              <a:rPr lang="en-US" sz="1800" dirty="0" err="1">
-                <a:latin typeface="Courier New" panose="02070309020205020404" pitchFamily="49" charset="0"/>
-                <a:cs typeface="Courier New" panose="02070309020205020404" pitchFamily="49" charset="0"/>
-              </a:rPr>
-              <a:t>gl</a:t>
-            </a:r>
-            <a:r>
-              <a:rPr lang="en-US" sz="1800" dirty="0">
-                <a:latin typeface="Courier New" panose="02070309020205020404" pitchFamily="49" charset="0"/>
-                <a:cs typeface="Courier New" panose="02070309020205020404" pitchFamily="49" charset="0"/>
-              </a:rPr>
-              <a:t>;</a:t>
-            </a:r>
-          </a:p>
-          <a:p>
-            <a:pPr marL="0" indent="0">
-              <a:buNone/>
-            </a:pPr>
-            <a:r>
-              <a:rPr lang="en-US" sz="1800" dirty="0">
-                <a:latin typeface="Courier New" panose="02070309020205020404" pitchFamily="49" charset="0"/>
-                <a:cs typeface="Courier New" panose="02070309020205020404" pitchFamily="49" charset="0"/>
-              </a:rPr>
-              <a:t>		</a:t>
-            </a:r>
-            <a:r>
-              <a:rPr lang="en-US" sz="1800" dirty="0" err="1">
-                <a:latin typeface="Courier New" panose="02070309020205020404" pitchFamily="49" charset="0"/>
-                <a:cs typeface="Courier New" panose="02070309020205020404" pitchFamily="49" charset="0"/>
-              </a:rPr>
-              <a:t>gpa</a:t>
-            </a:r>
-            <a:r>
-              <a:rPr lang="en-US" sz="1800" dirty="0">
-                <a:latin typeface="Courier New" panose="02070309020205020404" pitchFamily="49" charset="0"/>
-                <a:cs typeface="Courier New" panose="02070309020205020404" pitchFamily="49" charset="0"/>
-              </a:rPr>
-              <a:t> = g;</a:t>
-            </a:r>
-          </a:p>
-          <a:p>
-            <a:pPr marL="0" indent="0">
-              <a:buNone/>
-            </a:pPr>
-            <a:r>
-              <a:rPr lang="en-US" sz="1800" dirty="0">
-                <a:latin typeface="Courier New" panose="02070309020205020404" pitchFamily="49" charset="0"/>
-                <a:cs typeface="Courier New" panose="02070309020205020404" pitchFamily="49" charset="0"/>
-              </a:rPr>
-              <a:t>	}</a:t>
-            </a:r>
-          </a:p>
-          <a:p>
-            <a:pPr marL="0" indent="0">
-              <a:buNone/>
-            </a:pPr>
-            <a:r>
-              <a:rPr lang="en-US" sz="1800" dirty="0">
-                <a:latin typeface="Courier New" panose="02070309020205020404" pitchFamily="49" charset="0"/>
-                <a:cs typeface="Courier New" panose="02070309020205020404" pitchFamily="49" charset="0"/>
-              </a:rPr>
-              <a:t>}</a:t>
+            <p:ph type="ctrTitle"/>
+          </p:nvPr>
+        </p:nvSpPr>
+        <p:spPr>
+          <a:xfrm>
+            <a:off x="1289538" y="1122363"/>
+            <a:ext cx="9612924" cy="2387600"/>
+          </a:xfrm>
+        </p:spPr>
+        <p:txBody>
+          <a:bodyPr/>
+          <a:lstStyle/>
+          <a:p>
+            <a:r>
+              <a:rPr lang="en-US" dirty="0"/>
+              <a:t>Object Initialization</a:t>
+            </a:r>
+            <a:r>
+              <a:rPr lang="en-US"/>
+              <a:t>: Constructors</a:t>
+            </a:r>
+            <a:endParaRPr lang="en-US" dirty="0"/>
+          </a:p>
+        </p:txBody>
+      </p:sp>
+      <p:sp>
+        <p:nvSpPr>
+          <p:cNvPr id="3" name="Subtitle 2"/>
+          <p:cNvSpPr>
+            <a:spLocks noGrp="1"/>
+          </p:cNvSpPr>
+          <p:nvPr>
+            <p:ph type="subTitle" idx="1"/>
+          </p:nvPr>
+        </p:nvSpPr>
+        <p:spPr/>
+        <p:txBody>
+          <a:bodyPr/>
+          <a:lstStyle/>
+          <a:p>
+            <a:r>
+              <a:rPr lang="en-US" dirty="0"/>
+              <a:t>[ 5.03 ] [ Today’s Date ] [ Instructor Name ]</a:t>
             </a:r>
           </a:p>
         </p:txBody>
@@ -10123,7 +9938,7 @@
     </p:spTree>
     <p:extLst>
       <p:ext uri="{BB962C8B-B14F-4D97-AF65-F5344CB8AC3E}">
-        <p14:creationId xmlns:p14="http://schemas.microsoft.com/office/powerpoint/2010/main" val="2786955950"/>
+        <p14:creationId xmlns:p14="http://schemas.microsoft.com/office/powerpoint/2010/main" val="993143345"/>
       </p:ext>
     </p:extLst>
   </p:cSld>
@@ -10167,7 +9982,7 @@
           <a:p>
             <a:r>
               <a:rPr lang="en-US" dirty="0"/>
-              <a:t>Dog</a:t>
+              <a:t>Student</a:t>
             </a:r>
           </a:p>
         </p:txBody>
@@ -10209,7 +10024,7 @@
                 <a:latin typeface="Courier New" panose="02070309020205020404" pitchFamily="49" charset="0"/>
                 <a:cs typeface="Courier New" panose="02070309020205020404" pitchFamily="49" charset="0"/>
               </a:rPr>
-              <a:t>	public String breed;</a:t>
+              <a:t>	public String name;</a:t>
             </a:r>
           </a:p>
           <a:p>
@@ -10221,7 +10036,61 @@
                 <a:latin typeface="Courier New" panose="02070309020205020404" pitchFamily="49" charset="0"/>
                 <a:cs typeface="Courier New" panose="02070309020205020404" pitchFamily="49" charset="0"/>
               </a:rPr>
-              <a:t>	???;				//What else could be made fields?</a:t>
+              <a:t>	public </a:t>
+            </a:r>
+            <a:r>
+              <a:rPr lang="en-US" sz="1800" dirty="0" err="1">
+                <a:latin typeface="Courier New" panose="02070309020205020404" pitchFamily="49" charset="0"/>
+                <a:cs typeface="Courier New" panose="02070309020205020404" pitchFamily="49" charset="0"/>
+              </a:rPr>
+              <a:t>int</a:t>
+            </a:r>
+            <a:r>
+              <a:rPr lang="en-US" sz="1800" dirty="0">
+                <a:latin typeface="Courier New" panose="02070309020205020404" pitchFamily="49" charset="0"/>
+                <a:cs typeface="Courier New" panose="02070309020205020404" pitchFamily="49" charset="0"/>
+              </a:rPr>
+              <a:t> </a:t>
+            </a:r>
+            <a:r>
+              <a:rPr lang="en-US" sz="1800" dirty="0" err="1">
+                <a:latin typeface="Courier New" panose="02070309020205020404" pitchFamily="49" charset="0"/>
+                <a:cs typeface="Courier New" panose="02070309020205020404" pitchFamily="49" charset="0"/>
+              </a:rPr>
+              <a:t>gradeLevel</a:t>
+            </a:r>
+            <a:r>
+              <a:rPr lang="en-US" sz="1800" dirty="0">
+                <a:latin typeface="Courier New" panose="02070309020205020404" pitchFamily="49" charset="0"/>
+                <a:cs typeface="Courier New" panose="02070309020205020404" pitchFamily="49" charset="0"/>
+              </a:rPr>
+              <a:t>;</a:t>
+            </a:r>
+          </a:p>
+          <a:p>
+            <a:pPr marL="0" indent="0">
+              <a:buNone/>
+            </a:pPr>
+            <a:r>
+              <a:rPr lang="en-US" sz="1800" dirty="0">
+                <a:latin typeface="Courier New" panose="02070309020205020404" pitchFamily="49" charset="0"/>
+                <a:cs typeface="Courier New" panose="02070309020205020404" pitchFamily="49" charset="0"/>
+              </a:rPr>
+              <a:t>	public double </a:t>
+            </a:r>
+            <a:r>
+              <a:rPr lang="en-US" sz="1800" dirty="0" err="1">
+                <a:latin typeface="Courier New" panose="02070309020205020404" pitchFamily="49" charset="0"/>
+                <a:cs typeface="Courier New" panose="02070309020205020404" pitchFamily="49" charset="0"/>
+              </a:rPr>
+              <a:t>gpa</a:t>
+            </a:r>
+            <a:r>
+              <a:rPr lang="en-US" sz="1800" dirty="0">
+                <a:latin typeface="Courier New" panose="02070309020205020404" pitchFamily="49" charset="0"/>
+                <a:cs typeface="Courier New" panose="02070309020205020404" pitchFamily="49" charset="0"/>
+              </a:rPr>
+              <a:t>;</a:t>
             </a:r>
           </a:p>
           <a:p>
@@ -10242,19 +10111,113 @@
                 <a:latin typeface="Courier New" panose="02070309020205020404" pitchFamily="49" charset="0"/>
                 <a:cs typeface="Courier New" panose="02070309020205020404" pitchFamily="49" charset="0"/>
               </a:rPr>
-              <a:t>	public Dog(???) {		//How do we add these as parameters?</a:t>
-            </a:r>
-          </a:p>
-          <a:p>
-            <a:pPr marL="0" indent="0">
-              <a:buNone/>
-            </a:pPr>
+              <a:t>	public Student(String n, </a:t>
+            </a:r>
+            <a:r>
+              <a:rPr lang="en-US" sz="1800" dirty="0" err="1">
+                <a:latin typeface="Courier New" panose="02070309020205020404" pitchFamily="49" charset="0"/>
+                <a:cs typeface="Courier New" panose="02070309020205020404" pitchFamily="49" charset="0"/>
+              </a:rPr>
+              <a:t>int</a:t>
+            </a:r>
             <a:r>
               <a:rPr lang="en-US" sz="1800" dirty="0">
                 <a:latin typeface="Courier New" panose="02070309020205020404" pitchFamily="49" charset="0"/>
                 <a:cs typeface="Courier New" panose="02070309020205020404" pitchFamily="49" charset="0"/>
               </a:rPr>
-              <a:t>		???;			//How do we assign values passed through?</a:t>
+              <a:t> </a:t>
+            </a:r>
+            <a:r>
+              <a:rPr lang="en-US" sz="1800" dirty="0" err="1">
+                <a:latin typeface="Courier New" panose="02070309020205020404" pitchFamily="49" charset="0"/>
+                <a:cs typeface="Courier New" panose="02070309020205020404" pitchFamily="49" charset="0"/>
+              </a:rPr>
+              <a:t>gl</a:t>
+            </a:r>
+            <a:r>
+              <a:rPr lang="en-US" sz="1800" dirty="0">
+                <a:latin typeface="Courier New" panose="02070309020205020404" pitchFamily="49" charset="0"/>
+                <a:cs typeface="Courier New" panose="02070309020205020404" pitchFamily="49" charset="0"/>
+              </a:rPr>
+              <a:t>, double g) {</a:t>
+            </a:r>
+          </a:p>
+          <a:p>
+            <a:pPr marL="0" indent="0">
+              <a:buNone/>
+            </a:pPr>
+            <a:r>
+              <a:rPr lang="en-US" sz="1800" dirty="0">
+                <a:latin typeface="Courier New" panose="02070309020205020404" pitchFamily="49" charset="0"/>
+                <a:cs typeface="Courier New" panose="02070309020205020404" pitchFamily="49" charset="0"/>
+              </a:rPr>
+              <a:t>		name = n;</a:t>
+            </a:r>
+          </a:p>
+          <a:p>
+            <a:pPr marL="0" indent="0">
+              <a:buNone/>
+            </a:pPr>
+            <a:r>
+              <a:rPr lang="en-US" sz="1800" dirty="0">
+                <a:latin typeface="Courier New" panose="02070309020205020404" pitchFamily="49" charset="0"/>
+                <a:cs typeface="Courier New" panose="02070309020205020404" pitchFamily="49" charset="0"/>
+              </a:rPr>
+              <a:t>		</a:t>
+            </a:r>
+            <a:r>
+              <a:rPr lang="en-US" sz="1800" dirty="0" err="1">
+                <a:latin typeface="Courier New" panose="02070309020205020404" pitchFamily="49" charset="0"/>
+                <a:cs typeface="Courier New" panose="02070309020205020404" pitchFamily="49" charset="0"/>
+              </a:rPr>
+              <a:t>gradelevel</a:t>
+            </a:r>
+            <a:r>
+              <a:rPr lang="en-US" sz="1800" dirty="0">
+                <a:latin typeface="Courier New" panose="02070309020205020404" pitchFamily="49" charset="0"/>
+                <a:cs typeface="Courier New" panose="02070309020205020404" pitchFamily="49" charset="0"/>
+              </a:rPr>
+              <a:t> = </a:t>
+            </a:r>
+            <a:r>
+              <a:rPr lang="en-US" sz="1800" dirty="0" err="1">
+                <a:latin typeface="Courier New" panose="02070309020205020404" pitchFamily="49" charset="0"/>
+                <a:cs typeface="Courier New" panose="02070309020205020404" pitchFamily="49" charset="0"/>
+              </a:rPr>
+              <a:t>gl</a:t>
+            </a:r>
+            <a:r>
+              <a:rPr lang="en-US" sz="1800" dirty="0">
+                <a:latin typeface="Courier New" panose="02070309020205020404" pitchFamily="49" charset="0"/>
+                <a:cs typeface="Courier New" panose="02070309020205020404" pitchFamily="49" charset="0"/>
+              </a:rPr>
+              <a:t>;</a:t>
+            </a:r>
+          </a:p>
+          <a:p>
+            <a:pPr marL="0" indent="0">
+              <a:buNone/>
+            </a:pPr>
+            <a:r>
+              <a:rPr lang="en-US" sz="1800" dirty="0">
+                <a:latin typeface="Courier New" panose="02070309020205020404" pitchFamily="49" charset="0"/>
+                <a:cs typeface="Courier New" panose="02070309020205020404" pitchFamily="49" charset="0"/>
+              </a:rPr>
+              <a:t>		</a:t>
+            </a:r>
+            <a:r>
+              <a:rPr lang="en-US" sz="1800" dirty="0" err="1">
+                <a:latin typeface="Courier New" panose="02070309020205020404" pitchFamily="49" charset="0"/>
+                <a:cs typeface="Courier New" panose="02070309020205020404" pitchFamily="49" charset="0"/>
+              </a:rPr>
+              <a:t>gpa</a:t>
+            </a:r>
+            <a:r>
+              <a:rPr lang="en-US" sz="1800" dirty="0">
+                <a:latin typeface="Courier New" panose="02070309020205020404" pitchFamily="49" charset="0"/>
+                <a:cs typeface="Courier New" panose="02070309020205020404" pitchFamily="49" charset="0"/>
+              </a:rPr>
+              <a:t> = g;</a:t>
             </a:r>
           </a:p>
           <a:p>
@@ -10286,7 +10249,7 @@
     </p:spTree>
     <p:extLst>
       <p:ext uri="{BB962C8B-B14F-4D97-AF65-F5344CB8AC3E}">
-        <p14:creationId xmlns:p14="http://schemas.microsoft.com/office/powerpoint/2010/main" val="3883131265"/>
+        <p14:creationId xmlns:p14="http://schemas.microsoft.com/office/powerpoint/2010/main" val="2786955950"/>
       </p:ext>
     </p:extLst>
   </p:cSld>
@@ -10330,7 +10293,7 @@
           <a:p>
             <a:r>
               <a:rPr lang="en-US" dirty="0"/>
-              <a:t>Forecast</a:t>
+              <a:t>Dog</a:t>
             </a:r>
           </a:p>
         </p:txBody>
@@ -10360,7 +10323,7 @@
                 <a:latin typeface="Courier New" panose="02070309020205020404" pitchFamily="49" charset="0"/>
                 <a:cs typeface="Courier New" panose="02070309020205020404" pitchFamily="49" charset="0"/>
               </a:rPr>
-              <a:t>public class Forecast {</a:t>
+              <a:t>public class Student {</a:t>
             </a:r>
           </a:p>
           <a:p>
@@ -10372,35 +10335,40 @@
                 <a:latin typeface="Courier New" panose="02070309020205020404" pitchFamily="49" charset="0"/>
                 <a:cs typeface="Courier New" panose="02070309020205020404" pitchFamily="49" charset="0"/>
               </a:rPr>
-              <a:t>	public </a:t>
-            </a:r>
-            <a:r>
-              <a:rPr lang="en-US" sz="1800" dirty="0" err="1">
-                <a:latin typeface="Courier New" panose="02070309020205020404" pitchFamily="49" charset="0"/>
-                <a:cs typeface="Courier New" panose="02070309020205020404" pitchFamily="49" charset="0"/>
-              </a:rPr>
-              <a:t>boolean</a:t>
-            </a:r>
+              <a:t>	public String breed;</a:t>
+            </a:r>
+          </a:p>
+          <a:p>
+            <a:pPr marL="0" indent="0">
+              <a:buNone/>
+            </a:pPr>
             <a:r>
               <a:rPr lang="en-US" sz="1800" dirty="0">
                 <a:latin typeface="Courier New" panose="02070309020205020404" pitchFamily="49" charset="0"/>
                 <a:cs typeface="Courier New" panose="02070309020205020404" pitchFamily="49" charset="0"/>
               </a:rPr>
-              <a:t> </a:t>
-            </a:r>
-            <a:r>
-              <a:rPr lang="en-US" sz="1800" dirty="0" err="1">
-                <a:latin typeface="Courier New" panose="02070309020205020404" pitchFamily="49" charset="0"/>
-                <a:cs typeface="Courier New" panose="02070309020205020404" pitchFamily="49" charset="0"/>
-              </a:rPr>
-              <a:t>tornadoWarning</a:t>
-            </a:r>
+              <a:t>	???;				//What else could be made fields?</a:t>
+            </a:r>
+          </a:p>
+          <a:p>
+            <a:pPr marL="0" indent="0">
+              <a:buNone/>
+            </a:pPr>
+            <a:endParaRPr lang="en-US" sz="1800" dirty="0">
+              <a:latin typeface="Courier New" panose="02070309020205020404" pitchFamily="49" charset="0"/>
+              <a:cs typeface="Courier New" panose="02070309020205020404" pitchFamily="49" charset="0"/>
+            </a:endParaRPr>
+          </a:p>
+          <a:p>
+            <a:pPr marL="0" indent="0">
+              <a:buNone/>
+            </a:pPr>
             <a:r>
               <a:rPr lang="en-US" sz="1800" dirty="0">
                 <a:latin typeface="Courier New" panose="02070309020205020404" pitchFamily="49" charset="0"/>
                 <a:cs typeface="Courier New" panose="02070309020205020404" pitchFamily="49" charset="0"/>
               </a:rPr>
-              <a:t>;		//Does it make sense to have</a:t>
+              <a:t>	public Dog(???) {		//How do we add these as parameters?</a:t>
             </a:r>
           </a:p>
           <a:p>
@@ -10412,7 +10380,7 @@
                 <a:latin typeface="Courier New" panose="02070309020205020404" pitchFamily="49" charset="0"/>
                 <a:cs typeface="Courier New" panose="02070309020205020404" pitchFamily="49" charset="0"/>
               </a:rPr>
-              <a:t>	???;						//a tornado warning? This is</a:t>
+              <a:t>		???;			//How do we assign values passed through?</a:t>
             </a:r>
           </a:p>
           <a:p>
@@ -10424,19 +10392,7 @@
                 <a:latin typeface="Courier New" panose="02070309020205020404" pitchFamily="49" charset="0"/>
                 <a:cs typeface="Courier New" panose="02070309020205020404" pitchFamily="49" charset="0"/>
               </a:rPr>
-              <a:t>							//a design choice!!!</a:t>
-            </a:r>
-          </a:p>
-          <a:p>
-            <a:pPr marL="0" indent="0">
-              <a:buNone/>
-            </a:pPr>
-            <a:r>
-              <a:rPr lang="en-US" sz="1800" dirty="0">
-                <a:latin typeface="Courier New" panose="02070309020205020404" pitchFamily="49" charset="0"/>
-                <a:cs typeface="Courier New" panose="02070309020205020404" pitchFamily="49" charset="0"/>
-              </a:rPr>
-              <a:t>	Constructor(???)</a:t>
+              <a:t>	}</a:t>
             </a:r>
           </a:p>
           <a:p>
@@ -10456,7 +10412,7 @@
     </p:spTree>
     <p:extLst>
       <p:ext uri="{BB962C8B-B14F-4D97-AF65-F5344CB8AC3E}">
-        <p14:creationId xmlns:p14="http://schemas.microsoft.com/office/powerpoint/2010/main" val="2369493087"/>
+        <p14:creationId xmlns:p14="http://schemas.microsoft.com/office/powerpoint/2010/main" val="3883131265"/>
       </p:ext>
     </p:extLst>
   </p:cSld>
@@ -10500,7 +10456,7 @@
           <a:p>
             <a:r>
               <a:rPr lang="en-US" dirty="0"/>
-              <a:t>Exit Ticket:</a:t>
+              <a:t>Forecast</a:t>
             </a:r>
           </a:p>
         </p:txBody>
@@ -10517,30 +10473,108 @@
         </p:nvSpPr>
         <p:spPr/>
         <p:txBody>
-          <a:bodyPr/>
-          <a:lstStyle/>
-          <a:p>
-            <a:pPr marL="0" indent="0">
-              <a:buNone/>
-            </a:pPr>
-            <a:endParaRPr lang="en-US" dirty="0"/>
-          </a:p>
-          <a:p>
-            <a:pPr marL="0" indent="0">
-              <a:buNone/>
-            </a:pPr>
-            <a:r>
-              <a:rPr lang="en-US" dirty="0"/>
-              <a:t>Write your name and the name of another group’s class. </a:t>
-            </a:r>
-          </a:p>
-          <a:p>
-            <a:pPr marL="0" indent="0">
-              <a:buNone/>
-            </a:pPr>
-            <a:r>
-              <a:rPr lang="en-US" dirty="0"/>
-              <a:t>How would you declare an object according to that group’s constructor?</a:t>
+          <a:bodyPr>
+            <a:noAutofit/>
+          </a:bodyPr>
+          <a:lstStyle/>
+          <a:p>
+            <a:pPr marL="0" indent="0">
+              <a:buNone/>
+            </a:pPr>
+            <a:r>
+              <a:rPr lang="en-US" sz="1800" dirty="0">
+                <a:latin typeface="Courier New" panose="02070309020205020404" pitchFamily="49" charset="0"/>
+                <a:cs typeface="Courier New" panose="02070309020205020404" pitchFamily="49" charset="0"/>
+              </a:rPr>
+              <a:t>public class Forecast {</a:t>
+            </a:r>
+          </a:p>
+          <a:p>
+            <a:pPr marL="0" indent="0">
+              <a:buNone/>
+            </a:pPr>
+            <a:r>
+              <a:rPr lang="en-US" sz="1800" dirty="0">
+                <a:latin typeface="Courier New" panose="02070309020205020404" pitchFamily="49" charset="0"/>
+                <a:cs typeface="Courier New" panose="02070309020205020404" pitchFamily="49" charset="0"/>
+              </a:rPr>
+              <a:t>	public </a:t>
+            </a:r>
+            <a:r>
+              <a:rPr lang="en-US" sz="1800" dirty="0" err="1">
+                <a:latin typeface="Courier New" panose="02070309020205020404" pitchFamily="49" charset="0"/>
+                <a:cs typeface="Courier New" panose="02070309020205020404" pitchFamily="49" charset="0"/>
+              </a:rPr>
+              <a:t>boolean</a:t>
+            </a:r>
+            <a:r>
+              <a:rPr lang="en-US" sz="1800" dirty="0">
+                <a:latin typeface="Courier New" panose="02070309020205020404" pitchFamily="49" charset="0"/>
+                <a:cs typeface="Courier New" panose="02070309020205020404" pitchFamily="49" charset="0"/>
+              </a:rPr>
+              <a:t> </a:t>
+            </a:r>
+            <a:r>
+              <a:rPr lang="en-US" sz="1800" dirty="0" err="1">
+                <a:latin typeface="Courier New" panose="02070309020205020404" pitchFamily="49" charset="0"/>
+                <a:cs typeface="Courier New" panose="02070309020205020404" pitchFamily="49" charset="0"/>
+              </a:rPr>
+              <a:t>tornadoWarning</a:t>
+            </a:r>
+            <a:r>
+              <a:rPr lang="en-US" sz="1800" dirty="0">
+                <a:latin typeface="Courier New" panose="02070309020205020404" pitchFamily="49" charset="0"/>
+                <a:cs typeface="Courier New" panose="02070309020205020404" pitchFamily="49" charset="0"/>
+              </a:rPr>
+              <a:t>;		//Does it make sense to have</a:t>
+            </a:r>
+          </a:p>
+          <a:p>
+            <a:pPr marL="0" indent="0">
+              <a:buNone/>
+            </a:pPr>
+            <a:r>
+              <a:rPr lang="en-US" sz="1800" dirty="0">
+                <a:latin typeface="Courier New" panose="02070309020205020404" pitchFamily="49" charset="0"/>
+                <a:cs typeface="Courier New" panose="02070309020205020404" pitchFamily="49" charset="0"/>
+              </a:rPr>
+              <a:t>	???;						//a tornado warning? This is</a:t>
+            </a:r>
+          </a:p>
+          <a:p>
+            <a:pPr marL="0" indent="0">
+              <a:buNone/>
+            </a:pPr>
+            <a:r>
+              <a:rPr lang="en-US" sz="1800" dirty="0">
+                <a:latin typeface="Courier New" panose="02070309020205020404" pitchFamily="49" charset="0"/>
+                <a:cs typeface="Courier New" panose="02070309020205020404" pitchFamily="49" charset="0"/>
+              </a:rPr>
+              <a:t>							//a design choice!!!</a:t>
+            </a:r>
+          </a:p>
+          <a:p>
+            <a:pPr marL="0" indent="0">
+              <a:buNone/>
+            </a:pPr>
+            <a:r>
+              <a:rPr lang="en-US" sz="1800" dirty="0">
+                <a:latin typeface="Courier New" panose="02070309020205020404" pitchFamily="49" charset="0"/>
+                <a:cs typeface="Courier New" panose="02070309020205020404" pitchFamily="49" charset="0"/>
+              </a:rPr>
+              <a:t>	Constructor(???)</a:t>
+            </a:r>
+          </a:p>
+          <a:p>
+            <a:pPr marL="0" indent="0">
+              <a:buNone/>
+            </a:pPr>
+            <a:r>
+              <a:rPr lang="en-US" sz="1800" dirty="0">
+                <a:latin typeface="Courier New" panose="02070309020205020404" pitchFamily="49" charset="0"/>
+                <a:cs typeface="Courier New" panose="02070309020205020404" pitchFamily="49" charset="0"/>
+              </a:rPr>
+              <a:t>}</a:t>
             </a:r>
           </a:p>
         </p:txBody>
@@ -10548,7 +10582,7 @@
     </p:spTree>
     <p:extLst>
       <p:ext uri="{BB962C8B-B14F-4D97-AF65-F5344CB8AC3E}">
-        <p14:creationId xmlns:p14="http://schemas.microsoft.com/office/powerpoint/2010/main" val="4210590996"/>
+        <p14:creationId xmlns:p14="http://schemas.microsoft.com/office/powerpoint/2010/main" val="2369493087"/>
       </p:ext>
     </p:extLst>
   </p:cSld>
@@ -10587,14 +10621,12 @@
         </p:nvSpPr>
         <p:spPr/>
         <p:txBody>
-          <a:bodyPr>
-            <a:normAutofit/>
-          </a:bodyPr>
-          <a:lstStyle/>
-          <a:p>
-            <a:r>
-              <a:rPr lang="en-US" dirty="0"/>
-              <a:t>Homework</a:t>
+          <a:bodyPr/>
+          <a:lstStyle/>
+          <a:p>
+            <a:r>
+              <a:rPr lang="en-US" dirty="0"/>
+              <a:t>Exit Ticket:</a:t>
             </a:r>
           </a:p>
         </p:txBody>
@@ -10617,15 +10649,6 @@
             <a:pPr marL="0" indent="0">
               <a:buNone/>
             </a:pPr>
-            <a:r>
-              <a:rPr lang="en-US" dirty="0"/>
-              <a:t>Read HW 8.4</a:t>
-            </a:r>
-          </a:p>
-          <a:p>
-            <a:pPr marL="0" indent="0">
-              <a:buNone/>
-            </a:pPr>
             <a:endParaRPr lang="en-US" dirty="0"/>
           </a:p>
           <a:p>
@@ -10634,21 +10657,24 @@
             </a:pPr>
             <a:r>
               <a:rPr lang="en-US" dirty="0"/>
-              <a:t>	Take notes, since you will have to teach a mini-lesson later.</a:t>
-            </a:r>
-          </a:p>
-          <a:p>
-            <a:pPr marL="0" indent="0">
-              <a:buNone/>
-            </a:pPr>
-            <a:endParaRPr lang="en-US" dirty="0"/>
+              <a:t>Write your name and the name of another group’s class. </a:t>
+            </a:r>
+          </a:p>
+          <a:p>
+            <a:pPr marL="0" indent="0">
+              <a:buNone/>
+            </a:pPr>
+            <a:r>
+              <a:rPr lang="en-US" dirty="0"/>
+              <a:t>How would you declare an object according to that group’s constructor?</a:t>
+            </a:r>
           </a:p>
         </p:txBody>
       </p:sp>
     </p:spTree>
     <p:extLst>
       <p:ext uri="{BB962C8B-B14F-4D97-AF65-F5344CB8AC3E}">
-        <p14:creationId xmlns:p14="http://schemas.microsoft.com/office/powerpoint/2010/main" val="4016129065"/>
+        <p14:creationId xmlns:p14="http://schemas.microsoft.com/office/powerpoint/2010/main" val="4210590996"/>
       </p:ext>
     </p:extLst>
   </p:cSld>
@@ -10682,52 +10708,73 @@
             <a:spLocks noGrp="1"/>
           </p:cNvSpPr>
           <p:nvPr>
-            <p:ph type="ctrTitle"/>
-          </p:nvPr>
-        </p:nvSpPr>
-        <p:spPr>
-          <a:xfrm>
-            <a:off x="1289538" y="1122363"/>
-            <a:ext cx="9612924" cy="2387600"/>
-          </a:xfrm>
-        </p:spPr>
-        <p:txBody>
-          <a:bodyPr/>
-          <a:lstStyle/>
-          <a:p>
-            <a:r>
-              <a:rPr lang="en-US" dirty="0"/>
-              <a:t>Encapsulation</a:t>
-            </a:r>
-          </a:p>
-        </p:txBody>
-      </p:sp>
-      <p:sp>
-        <p:nvSpPr>
-          <p:cNvPr id="3" name="Subtitle 2"/>
-          <p:cNvSpPr>
-            <a:spLocks noGrp="1"/>
-          </p:cNvSpPr>
-          <p:nvPr>
-            <p:ph type="subTitle" idx="1"/>
-          </p:nvPr>
-        </p:nvSpPr>
-        <p:spPr/>
-        <p:txBody>
-          <a:bodyPr/>
-          <a:lstStyle/>
-          <a:p>
-            <a:r>
-              <a:rPr lang="en-US" dirty="0"/>
-              <a:t>[ 5.04 ] [ Today’s Date ] [ Instructor Name ]</a:t>
-            </a:r>
+            <p:ph type="title"/>
+          </p:nvPr>
+        </p:nvSpPr>
+        <p:spPr/>
+        <p:txBody>
+          <a:bodyPr>
+            <a:normAutofit/>
+          </a:bodyPr>
+          <a:lstStyle/>
+          <a:p>
+            <a:r>
+              <a:rPr lang="en-US" dirty="0"/>
+              <a:t>Homework</a:t>
+            </a:r>
+          </a:p>
+        </p:txBody>
+      </p:sp>
+      <p:sp>
+        <p:nvSpPr>
+          <p:cNvPr id="3" name="Content Placeholder 2"/>
+          <p:cNvSpPr>
+            <a:spLocks noGrp="1"/>
+          </p:cNvSpPr>
+          <p:nvPr>
+            <p:ph idx="1"/>
+          </p:nvPr>
+        </p:nvSpPr>
+        <p:spPr/>
+        <p:txBody>
+          <a:bodyPr/>
+          <a:lstStyle/>
+          <a:p>
+            <a:pPr marL="0" indent="0">
+              <a:buNone/>
+            </a:pPr>
+            <a:r>
+              <a:rPr lang="en-US" dirty="0"/>
+              <a:t>Read HW 8.4</a:t>
+            </a:r>
+          </a:p>
+          <a:p>
+            <a:pPr marL="0" indent="0">
+              <a:buNone/>
+            </a:pPr>
+            <a:endParaRPr lang="en-US" dirty="0"/>
+          </a:p>
+          <a:p>
+            <a:pPr marL="0" indent="0">
+              <a:buNone/>
+            </a:pPr>
+            <a:r>
+              <a:rPr lang="en-US" dirty="0"/>
+              <a:t>	Take notes, since you will have to teach a mini-lesson later.</a:t>
+            </a:r>
+          </a:p>
+          <a:p>
+            <a:pPr marL="0" indent="0">
+              <a:buNone/>
+            </a:pPr>
+            <a:endParaRPr lang="en-US" dirty="0"/>
           </a:p>
         </p:txBody>
       </p:sp>
     </p:spTree>
     <p:extLst>
       <p:ext uri="{BB962C8B-B14F-4D97-AF65-F5344CB8AC3E}">
-        <p14:creationId xmlns:p14="http://schemas.microsoft.com/office/powerpoint/2010/main" val="3189092506"/>
+        <p14:creationId xmlns:p14="http://schemas.microsoft.com/office/powerpoint/2010/main" val="4016129065"/>
       </p:ext>
     </p:extLst>
   </p:cSld>
@@ -10761,89 +10808,44 @@
             <a:spLocks noGrp="1"/>
           </p:cNvSpPr>
           <p:nvPr>
-            <p:ph type="title"/>
-          </p:nvPr>
-        </p:nvSpPr>
-        <p:spPr/>
-        <p:txBody>
-          <a:bodyPr/>
-          <a:lstStyle/>
-          <a:p>
-            <a:pPr algn="ctr"/>
-            <a:r>
-              <a:rPr lang="en-US" dirty="0"/>
-              <a:t>Mini Lessons on chapter 8 section 4.</a:t>
-            </a:r>
-          </a:p>
-        </p:txBody>
-      </p:sp>
-      <p:sp>
-        <p:nvSpPr>
-          <p:cNvPr id="3" name="Content Placeholder 2"/>
-          <p:cNvSpPr>
-            <a:spLocks noGrp="1"/>
-          </p:cNvSpPr>
-          <p:nvPr>
-            <p:ph idx="1"/>
-          </p:nvPr>
-        </p:nvSpPr>
-        <p:spPr/>
-        <p:txBody>
-          <a:bodyPr>
-            <a:normAutofit/>
-          </a:bodyPr>
-          <a:lstStyle/>
-          <a:p>
-            <a:pPr marL="0" indent="0" algn="ctr">
-              <a:buNone/>
-            </a:pPr>
-            <a:r>
-              <a:rPr lang="en-US" sz="3200" dirty="0"/>
-              <a:t>Encapsulation and Abstraction</a:t>
-            </a:r>
-          </a:p>
-          <a:p>
-            <a:pPr algn="ctr"/>
-            <a:endParaRPr lang="en-US" sz="3200" dirty="0"/>
-          </a:p>
-          <a:p>
-            <a:pPr marL="0" indent="0" algn="ctr">
-              <a:buNone/>
-            </a:pPr>
-            <a:r>
-              <a:rPr lang="en-US" sz="3200" dirty="0"/>
-              <a:t>Private Fields</a:t>
-            </a:r>
-          </a:p>
-          <a:p>
-            <a:pPr algn="ctr"/>
-            <a:endParaRPr lang="en-US" sz="3200" dirty="0"/>
-          </a:p>
-          <a:p>
-            <a:pPr marL="0" indent="0" algn="ctr">
-              <a:buNone/>
-            </a:pPr>
-            <a:r>
-              <a:rPr lang="en-US" sz="3200" dirty="0"/>
-              <a:t>Class </a:t>
-            </a:r>
-            <a:r>
-              <a:rPr lang="en-US" sz="3200" dirty="0" err="1"/>
-              <a:t>Invarients</a:t>
-            </a:r>
-            <a:endParaRPr lang="en-US" sz="3200" dirty="0"/>
-          </a:p>
-          <a:p>
-            <a:pPr algn="ctr"/>
-            <a:endParaRPr lang="en-US" sz="3200" dirty="0"/>
-          </a:p>
-          <a:p>
-            <a:pPr marL="0" indent="0" algn="ctr">
-              <a:buNone/>
-            </a:pPr>
-            <a:r>
-              <a:rPr lang="en-US" sz="3200" dirty="0"/>
-              <a:t>Changing Internal Implementations</a:t>
+            <p:ph type="ctrTitle"/>
+          </p:nvPr>
+        </p:nvSpPr>
+        <p:spPr>
+          <a:xfrm>
+            <a:off x="1289538" y="1122363"/>
+            <a:ext cx="9612924" cy="2387600"/>
+          </a:xfrm>
+        </p:spPr>
+        <p:txBody>
+          <a:bodyPr/>
+          <a:lstStyle/>
+          <a:p>
+            <a:r>
+              <a:rPr lang="en-US" dirty="0"/>
+              <a:t>Encapsulation</a:t>
+            </a:r>
+          </a:p>
+        </p:txBody>
+      </p:sp>
+      <p:sp>
+        <p:nvSpPr>
+          <p:cNvPr id="3" name="Subtitle 2"/>
+          <p:cNvSpPr>
+            <a:spLocks noGrp="1"/>
+          </p:cNvSpPr>
+          <p:nvPr>
+            <p:ph type="subTitle" idx="1"/>
+          </p:nvPr>
+        </p:nvSpPr>
+        <p:spPr/>
+        <p:txBody>
+          <a:bodyPr/>
+          <a:lstStyle/>
+          <a:p>
+            <a:r>
+              <a:rPr lang="en-US" dirty="0"/>
+              <a:t>[ 5.04 ] [ Today’s Date ] [ Instructor Name ]</a:t>
             </a:r>
           </a:p>
         </p:txBody>
@@ -10851,7 +10853,7 @@
     </p:spTree>
     <p:extLst>
       <p:ext uri="{BB962C8B-B14F-4D97-AF65-F5344CB8AC3E}">
-        <p14:creationId xmlns:p14="http://schemas.microsoft.com/office/powerpoint/2010/main" val="3307385066"/>
+        <p14:creationId xmlns:p14="http://schemas.microsoft.com/office/powerpoint/2010/main" val="3189092506"/>
       </p:ext>
     </p:extLst>
   </p:cSld>
@@ -10893,9 +10895,10 @@
           <a:bodyPr/>
           <a:lstStyle/>
           <a:p>
-            <a:r>
-              <a:rPr lang="en-US" dirty="0"/>
-              <a:t>Mini Lesson Guidelines</a:t>
+            <a:pPr algn="ctr"/>
+            <a:r>
+              <a:rPr lang="en-US" dirty="0"/>
+              <a:t>Mini Lessons on chapter 8 section 4.</a:t>
             </a:r>
           </a:p>
         </p:txBody>
@@ -10912,45 +10915,61 @@
         </p:nvSpPr>
         <p:spPr/>
         <p:txBody>
-          <a:bodyPr/>
-          <a:lstStyle/>
-          <a:p>
-            <a:pPr marL="0" indent="0">
-              <a:buNone/>
-            </a:pPr>
-            <a:r>
-              <a:rPr lang="en-US" dirty="0"/>
-              <a:t>Each group has 7 minutes to present and 2 minutes for questions.</a:t>
-            </a:r>
-          </a:p>
-          <a:p>
-            <a:pPr marL="0" indent="0">
-              <a:buNone/>
-            </a:pPr>
-            <a:endParaRPr lang="en-US" dirty="0"/>
-          </a:p>
-          <a:p>
-            <a:pPr marL="0" indent="0">
-              <a:buNone/>
-            </a:pPr>
-            <a:r>
-              <a:rPr lang="en-US" dirty="0"/>
-              <a:t>Each group must submit 3 questions related to your topic for an in class quiz tomorrow.</a:t>
-            </a:r>
-          </a:p>
-          <a:p>
-            <a:pPr marL="0" indent="0">
-              <a:buNone/>
-            </a:pPr>
-            <a:endParaRPr lang="en-US" dirty="0"/>
-          </a:p>
-          <a:p>
-            <a:pPr marL="0" indent="0">
-              <a:buNone/>
-            </a:pPr>
-            <a:r>
-              <a:rPr lang="en-US" dirty="0"/>
-              <a:t>You have 15 minutes to prepare your presentations and questions.</a:t>
+          <a:bodyPr>
+            <a:normAutofit/>
+          </a:bodyPr>
+          <a:lstStyle/>
+          <a:p>
+            <a:pPr marL="0" indent="0" algn="ctr">
+              <a:buNone/>
+            </a:pPr>
+            <a:r>
+              <a:rPr lang="en-US" sz="3200" dirty="0"/>
+              <a:t>Encapsulation and Abstraction</a:t>
+            </a:r>
+          </a:p>
+          <a:p>
+            <a:pPr algn="ctr"/>
+            <a:endParaRPr lang="en-US" sz="3200" dirty="0"/>
+          </a:p>
+          <a:p>
+            <a:pPr marL="0" indent="0" algn="ctr">
+              <a:buNone/>
+            </a:pPr>
+            <a:r>
+              <a:rPr lang="en-US" sz="3200" dirty="0"/>
+              <a:t>Private Fields</a:t>
+            </a:r>
+          </a:p>
+          <a:p>
+            <a:pPr algn="ctr"/>
+            <a:endParaRPr lang="en-US" sz="3200" dirty="0"/>
+          </a:p>
+          <a:p>
+            <a:pPr marL="0" indent="0" algn="ctr">
+              <a:buNone/>
+            </a:pPr>
+            <a:r>
+              <a:rPr lang="en-US" sz="3200" dirty="0"/>
+              <a:t>Class </a:t>
+            </a:r>
+            <a:r>
+              <a:rPr lang="en-US" sz="3200" dirty="0" err="1"/>
+              <a:t>Invarients</a:t>
+            </a:r>
+            <a:endParaRPr lang="en-US" sz="3200" dirty="0"/>
+          </a:p>
+          <a:p>
+            <a:pPr algn="ctr"/>
+            <a:endParaRPr lang="en-US" sz="3200" dirty="0"/>
+          </a:p>
+          <a:p>
+            <a:pPr marL="0" indent="0" algn="ctr">
+              <a:buNone/>
+            </a:pPr>
+            <a:r>
+              <a:rPr lang="en-US" sz="3200" dirty="0"/>
+              <a:t>Changing Internal Implementations</a:t>
             </a:r>
           </a:p>
         </p:txBody>
@@ -10958,7 +10977,7 @@
     </p:spTree>
     <p:extLst>
       <p:ext uri="{BB962C8B-B14F-4D97-AF65-F5344CB8AC3E}">
-        <p14:creationId xmlns:p14="http://schemas.microsoft.com/office/powerpoint/2010/main" val="1453055125"/>
+        <p14:creationId xmlns:p14="http://schemas.microsoft.com/office/powerpoint/2010/main" val="3307385066"/>
       </p:ext>
     </p:extLst>
   </p:cSld>
@@ -11057,14 +11076,12 @@
         </p:nvSpPr>
         <p:spPr/>
         <p:txBody>
-          <a:bodyPr>
-            <a:normAutofit/>
-          </a:bodyPr>
-          <a:lstStyle/>
-          <a:p>
-            <a:r>
-              <a:rPr lang="en-US" dirty="0"/>
-              <a:t>Homework</a:t>
+          <a:bodyPr/>
+          <a:lstStyle/>
+          <a:p>
+            <a:r>
+              <a:rPr lang="en-US" dirty="0"/>
+              <a:t>Mini Lesson Guidelines</a:t>
             </a:r>
           </a:p>
         </p:txBody>
@@ -11089,7 +11106,7 @@
             </a:pPr>
             <a:r>
               <a:rPr lang="en-US" dirty="0"/>
-              <a:t>Complete chapter 8 self-check questions #17 – 21.</a:t>
+              <a:t>Each group has 7 minutes to present and 2 minutes for questions.</a:t>
             </a:r>
           </a:p>
           <a:p>
@@ -11097,13 +11114,37 @@
               <a:buNone/>
             </a:pPr>
             <a:endParaRPr lang="en-US" dirty="0"/>
+          </a:p>
+          <a:p>
+            <a:pPr marL="0" indent="0">
+              <a:buNone/>
+            </a:pPr>
+            <a:r>
+              <a:rPr lang="en-US" dirty="0"/>
+              <a:t>Each group must submit 3 questions related to your topic for an in class quiz tomorrow.</a:t>
+            </a:r>
+          </a:p>
+          <a:p>
+            <a:pPr marL="0" indent="0">
+              <a:buNone/>
+            </a:pPr>
+            <a:endParaRPr lang="en-US" dirty="0"/>
+          </a:p>
+          <a:p>
+            <a:pPr marL="0" indent="0">
+              <a:buNone/>
+            </a:pPr>
+            <a:r>
+              <a:rPr lang="en-US" dirty="0"/>
+              <a:t>You have 15 minutes to prepare your presentations and questions.</a:t>
+            </a:r>
           </a:p>
         </p:txBody>
       </p:sp>
     </p:spTree>
     <p:extLst>
       <p:ext uri="{BB962C8B-B14F-4D97-AF65-F5344CB8AC3E}">
-        <p14:creationId xmlns:p14="http://schemas.microsoft.com/office/powerpoint/2010/main" val="1533073046"/>
+        <p14:creationId xmlns:p14="http://schemas.microsoft.com/office/powerpoint/2010/main" val="1453055125"/>
       </p:ext>
     </p:extLst>
   </p:cSld>
@@ -11137,47 +11178,58 @@
             <a:spLocks noGrp="1"/>
           </p:cNvSpPr>
           <p:nvPr>
-            <p:ph type="ctrTitle"/>
-          </p:nvPr>
-        </p:nvSpPr>
-        <p:spPr/>
-        <p:txBody>
-          <a:bodyPr/>
-          <a:lstStyle/>
-          <a:p>
-            <a:r>
-              <a:rPr lang="en-US" dirty="0"/>
-              <a:t>Finding and Fixing Errors</a:t>
-            </a:r>
-          </a:p>
-        </p:txBody>
-      </p:sp>
-      <p:sp>
-        <p:nvSpPr>
-          <p:cNvPr id="3" name="Subtitle 2"/>
-          <p:cNvSpPr>
-            <a:spLocks noGrp="1"/>
-          </p:cNvSpPr>
-          <p:nvPr>
-            <p:ph type="subTitle" idx="1"/>
-          </p:nvPr>
-        </p:nvSpPr>
-        <p:spPr/>
-        <p:txBody>
-          <a:bodyPr/>
-          <a:lstStyle/>
-          <a:p>
-            <a:r>
-              <a:rPr lang="en-US" dirty="0"/>
-              <a:t>[ 5.05 ] [ Today’s Date ] [ Instructor Name ]</a:t>
-            </a:r>
+            <p:ph type="title"/>
+          </p:nvPr>
+        </p:nvSpPr>
+        <p:spPr/>
+        <p:txBody>
+          <a:bodyPr>
+            <a:normAutofit/>
+          </a:bodyPr>
+          <a:lstStyle/>
+          <a:p>
+            <a:r>
+              <a:rPr lang="en-US" dirty="0"/>
+              <a:t>Homework</a:t>
+            </a:r>
+          </a:p>
+        </p:txBody>
+      </p:sp>
+      <p:sp>
+        <p:nvSpPr>
+          <p:cNvPr id="3" name="Content Placeholder 2"/>
+          <p:cNvSpPr>
+            <a:spLocks noGrp="1"/>
+          </p:cNvSpPr>
+          <p:nvPr>
+            <p:ph idx="1"/>
+          </p:nvPr>
+        </p:nvSpPr>
+        <p:spPr/>
+        <p:txBody>
+          <a:bodyPr/>
+          <a:lstStyle/>
+          <a:p>
+            <a:pPr marL="0" indent="0">
+              <a:buNone/>
+            </a:pPr>
+            <a:r>
+              <a:rPr lang="en-US" dirty="0"/>
+              <a:t>Complete chapter 8 self-check questions #17 – 21.</a:t>
+            </a:r>
+          </a:p>
+          <a:p>
+            <a:pPr marL="0" indent="0">
+              <a:buNone/>
+            </a:pPr>
+            <a:endParaRPr lang="en-US" dirty="0"/>
           </a:p>
         </p:txBody>
       </p:sp>
     </p:spTree>
     <p:extLst>
       <p:ext uri="{BB962C8B-B14F-4D97-AF65-F5344CB8AC3E}">
-        <p14:creationId xmlns:p14="http://schemas.microsoft.com/office/powerpoint/2010/main" val="2341881380"/>
+        <p14:creationId xmlns:p14="http://schemas.microsoft.com/office/powerpoint/2010/main" val="1533073046"/>
       </p:ext>
     </p:extLst>
   </p:cSld>
@@ -11211,82 +11263,47 @@
             <a:spLocks noGrp="1"/>
           </p:cNvSpPr>
           <p:nvPr>
-            <p:ph type="title"/>
-          </p:nvPr>
-        </p:nvSpPr>
-        <p:spPr/>
-        <p:txBody>
-          <a:bodyPr/>
-          <a:lstStyle/>
-          <a:p>
-            <a:r>
-              <a:rPr lang="en-US" dirty="0"/>
-              <a:t>Today’s plan:</a:t>
-            </a:r>
-          </a:p>
-        </p:txBody>
-      </p:sp>
-      <p:sp>
-        <p:nvSpPr>
-          <p:cNvPr id="3" name="Content Placeholder 2"/>
-          <p:cNvSpPr>
-            <a:spLocks noGrp="1"/>
-          </p:cNvSpPr>
-          <p:nvPr>
-            <p:ph idx="1"/>
-          </p:nvPr>
-        </p:nvSpPr>
-        <p:spPr/>
-        <p:txBody>
-          <a:bodyPr/>
-          <a:lstStyle/>
-          <a:p>
-            <a:pPr marL="0" indent="0">
-              <a:buNone/>
-            </a:pPr>
-            <a:r>
-              <a:rPr lang="en-US" dirty="0"/>
-              <a:t>Error check and resubmit all chapter 8 assignments.</a:t>
-            </a:r>
-          </a:p>
-          <a:p>
-            <a:endParaRPr lang="en-US" dirty="0"/>
-          </a:p>
-          <a:p>
-            <a:pPr marL="0" indent="0">
-              <a:buNone/>
-            </a:pPr>
-            <a:r>
-              <a:rPr lang="en-US" dirty="0"/>
-              <a:t>Study for the test by:</a:t>
-            </a:r>
-          </a:p>
-          <a:p>
-            <a:pPr lvl="1"/>
-            <a:r>
-              <a:rPr lang="en-US" dirty="0"/>
-              <a:t>Reviewing all of the blue, self-check pages at the end of Chapter 8.</a:t>
-            </a:r>
-          </a:p>
-          <a:p>
-            <a:pPr lvl="1"/>
-            <a:r>
-              <a:rPr lang="en-US" dirty="0"/>
-              <a:t>Re-reading sections as needed to complete the self-check problems.</a:t>
-            </a:r>
-          </a:p>
-          <a:p>
-            <a:pPr marL="457200" lvl="1" indent="0">
-              <a:buNone/>
-            </a:pPr>
-            <a:endParaRPr lang="en-US" dirty="0"/>
+            <p:ph type="ctrTitle"/>
+          </p:nvPr>
+        </p:nvSpPr>
+        <p:spPr/>
+        <p:txBody>
+          <a:bodyPr/>
+          <a:lstStyle/>
+          <a:p>
+            <a:r>
+              <a:rPr lang="en-US" dirty="0"/>
+              <a:t>Finding and Fixing Errors</a:t>
+            </a:r>
+          </a:p>
+        </p:txBody>
+      </p:sp>
+      <p:sp>
+        <p:nvSpPr>
+          <p:cNvPr id="3" name="Subtitle 2"/>
+          <p:cNvSpPr>
+            <a:spLocks noGrp="1"/>
+          </p:cNvSpPr>
+          <p:nvPr>
+            <p:ph type="subTitle" idx="1"/>
+          </p:nvPr>
+        </p:nvSpPr>
+        <p:spPr/>
+        <p:txBody>
+          <a:bodyPr/>
+          <a:lstStyle/>
+          <a:p>
+            <a:r>
+              <a:rPr lang="en-US" dirty="0"/>
+              <a:t>[ 5.05 ] [ Today’s Date ] [ Instructor Name ]</a:t>
+            </a:r>
           </a:p>
         </p:txBody>
       </p:sp>
     </p:spTree>
     <p:extLst>
       <p:ext uri="{BB962C8B-B14F-4D97-AF65-F5344CB8AC3E}">
-        <p14:creationId xmlns:p14="http://schemas.microsoft.com/office/powerpoint/2010/main" val="2703046505"/>
+        <p14:creationId xmlns:p14="http://schemas.microsoft.com/office/powerpoint/2010/main" val="2341881380"/>
       </p:ext>
     </p:extLst>
   </p:cSld>
@@ -11330,7 +11347,7 @@
           <a:p>
             <a:r>
               <a:rPr lang="en-US" dirty="0"/>
-              <a:t>Homework Regrade/Resubmit</a:t>
+              <a:t>Today’s plan:</a:t>
             </a:r>
           </a:p>
         </p:txBody>
@@ -11355,7 +11372,7 @@
             </a:pPr>
             <a:r>
               <a:rPr lang="en-US" dirty="0"/>
-              <a:t>You all have the opportunity to get full credit  on your homework grades by correcting them now, in class.</a:t>
+              <a:t>Error check and resubmit all chapter 8 assignments.</a:t>
             </a:r>
           </a:p>
           <a:p>
@@ -11367,11 +11384,25 @@
             </a:pPr>
             <a:r>
               <a:rPr lang="en-US" dirty="0"/>
-              <a:t>Use your error checking algorithm, and if you need help just ask!</a:t>
-            </a:r>
-          </a:p>
-          <a:p>
-            <a:pPr marL="0" indent="0">
+              <a:t>Study for the test by:</a:t>
+            </a:r>
+          </a:p>
+          <a:p>
+            <a:pPr lvl="1"/>
+            <a:r>
+              <a:rPr lang="en-US" dirty="0"/>
+              <a:t>Reviewing all of the blue, self-check pages at the end of Chapter 8.</a:t>
+            </a:r>
+          </a:p>
+          <a:p>
+            <a:pPr lvl="1"/>
+            <a:r>
+              <a:rPr lang="en-US" dirty="0"/>
+              <a:t>Re-reading sections as needed to complete the self-check problems.</a:t>
+            </a:r>
+          </a:p>
+          <a:p>
+            <a:pPr marL="457200" lvl="1" indent="0">
               <a:buNone/>
             </a:pPr>
             <a:endParaRPr lang="en-US" dirty="0"/>
@@ -11381,7 +11412,7 @@
     </p:spTree>
     <p:extLst>
       <p:ext uri="{BB962C8B-B14F-4D97-AF65-F5344CB8AC3E}">
-        <p14:creationId xmlns:p14="http://schemas.microsoft.com/office/powerpoint/2010/main" val="1205574922"/>
+        <p14:creationId xmlns:p14="http://schemas.microsoft.com/office/powerpoint/2010/main" val="2703046505"/>
       </p:ext>
     </p:extLst>
   </p:cSld>
@@ -11425,7 +11456,7 @@
           <a:p>
             <a:r>
               <a:rPr lang="en-US" dirty="0"/>
-              <a:t>Homework</a:t>
+              <a:t>Homework Regrade/Resubmit</a:t>
             </a:r>
           </a:p>
         </p:txBody>
@@ -11445,9 +11476,24 @@
           <a:bodyPr/>
           <a:lstStyle/>
           <a:p>
-            <a:r>
-              <a:rPr lang="en-US" dirty="0"/>
-              <a:t>Begin reviewing chapter 8 for the Unit Test.</a:t>
+            <a:pPr marL="0" indent="0">
+              <a:buNone/>
+            </a:pPr>
+            <a:r>
+              <a:rPr lang="en-US" dirty="0"/>
+              <a:t>You all have the opportunity to get full credit  on your homework grades by correcting them now, in class.</a:t>
+            </a:r>
+          </a:p>
+          <a:p>
+            <a:endParaRPr lang="en-US" dirty="0"/>
+          </a:p>
+          <a:p>
+            <a:pPr marL="0" indent="0">
+              <a:buNone/>
+            </a:pPr>
+            <a:r>
+              <a:rPr lang="en-US" dirty="0"/>
+              <a:t>Use your error checking algorithm, and if you need help just ask!</a:t>
             </a:r>
           </a:p>
           <a:p>
@@ -11461,7 +11507,7 @@
     </p:spTree>
     <p:extLst>
       <p:ext uri="{BB962C8B-B14F-4D97-AF65-F5344CB8AC3E}">
-        <p14:creationId xmlns:p14="http://schemas.microsoft.com/office/powerpoint/2010/main" val="3146932376"/>
+        <p14:creationId xmlns:p14="http://schemas.microsoft.com/office/powerpoint/2010/main" val="1205574922"/>
       </p:ext>
     </p:extLst>
   </p:cSld>
@@ -11495,47 +11541,53 @@
             <a:spLocks noGrp="1"/>
           </p:cNvSpPr>
           <p:nvPr>
-            <p:ph type="ctrTitle"/>
-          </p:nvPr>
-        </p:nvSpPr>
-        <p:spPr/>
-        <p:txBody>
-          <a:bodyPr/>
-          <a:lstStyle/>
-          <a:p>
-            <a:r>
-              <a:rPr lang="en-US" dirty="0"/>
-              <a:t>Picture Lab</a:t>
-            </a:r>
-          </a:p>
-        </p:txBody>
-      </p:sp>
-      <p:sp>
-        <p:nvSpPr>
-          <p:cNvPr id="3" name="Subtitle 2"/>
-          <p:cNvSpPr>
-            <a:spLocks noGrp="1"/>
-          </p:cNvSpPr>
-          <p:nvPr>
-            <p:ph type="subTitle" idx="1"/>
-          </p:nvPr>
-        </p:nvSpPr>
-        <p:spPr/>
-        <p:txBody>
-          <a:bodyPr/>
-          <a:lstStyle/>
-          <a:p>
-            <a:r>
-              <a:rPr lang="en-US" dirty="0"/>
-              <a:t>[ 5.06 ] [ Today’s Date ] [ Instructor Name ]</a:t>
-            </a:r>
+            <p:ph type="title"/>
+          </p:nvPr>
+        </p:nvSpPr>
+        <p:spPr/>
+        <p:txBody>
+          <a:bodyPr/>
+          <a:lstStyle/>
+          <a:p>
+            <a:r>
+              <a:rPr lang="en-US" dirty="0"/>
+              <a:t>Homework</a:t>
+            </a:r>
+          </a:p>
+        </p:txBody>
+      </p:sp>
+      <p:sp>
+        <p:nvSpPr>
+          <p:cNvPr id="3" name="Content Placeholder 2"/>
+          <p:cNvSpPr>
+            <a:spLocks noGrp="1"/>
+          </p:cNvSpPr>
+          <p:nvPr>
+            <p:ph idx="1"/>
+          </p:nvPr>
+        </p:nvSpPr>
+        <p:spPr/>
+        <p:txBody>
+          <a:bodyPr/>
+          <a:lstStyle/>
+          <a:p>
+            <a:r>
+              <a:rPr lang="en-US" dirty="0"/>
+              <a:t>Begin reviewing chapter 8 for the Unit Test.</a:t>
+            </a:r>
+          </a:p>
+          <a:p>
+            <a:pPr marL="0" indent="0">
+              <a:buNone/>
+            </a:pPr>
+            <a:endParaRPr lang="en-US" dirty="0"/>
           </a:p>
         </p:txBody>
       </p:sp>
     </p:spTree>
     <p:extLst>
       <p:ext uri="{BB962C8B-B14F-4D97-AF65-F5344CB8AC3E}">
-        <p14:creationId xmlns:p14="http://schemas.microsoft.com/office/powerpoint/2010/main" val="2736099663"/>
+        <p14:creationId xmlns:p14="http://schemas.microsoft.com/office/powerpoint/2010/main" val="3146932376"/>
       </p:ext>
     </p:extLst>
   </p:cSld>
@@ -11569,84 +11621,39 @@
             <a:spLocks noGrp="1"/>
           </p:cNvSpPr>
           <p:nvPr>
-            <p:ph type="title"/>
-          </p:nvPr>
-        </p:nvSpPr>
-        <p:spPr/>
-        <p:txBody>
-          <a:bodyPr/>
-          <a:lstStyle/>
-          <a:p>
-            <a:r>
-              <a:rPr lang="en-US" dirty="0"/>
-              <a:t>Picture Lab Placeholder</a:t>
-            </a:r>
-          </a:p>
-        </p:txBody>
-      </p:sp>
-      <p:sp>
-        <p:nvSpPr>
-          <p:cNvPr id="3" name="Content Placeholder 2"/>
-          <p:cNvSpPr>
-            <a:spLocks noGrp="1"/>
-          </p:cNvSpPr>
-          <p:nvPr>
-            <p:ph idx="1"/>
-          </p:nvPr>
-        </p:nvSpPr>
-        <p:spPr/>
-        <p:txBody>
-          <a:bodyPr/>
-          <a:lstStyle/>
-          <a:p>
-            <a:pPr marL="0" indent="0">
-              <a:buNone/>
-            </a:pPr>
-            <a:r>
-              <a:rPr lang="en-US" dirty="0"/>
-              <a:t>Edit and use this slide deck to go over questions your class has.</a:t>
-            </a:r>
-          </a:p>
-          <a:p>
-            <a:pPr marL="0" indent="0">
-              <a:buNone/>
-            </a:pPr>
-            <a:endParaRPr lang="en-US" dirty="0"/>
-          </a:p>
-          <a:p>
-            <a:pPr marL="0" indent="0">
-              <a:buNone/>
-            </a:pPr>
-            <a:r>
-              <a:rPr lang="en-US" dirty="0"/>
-              <a:t>Follow the Teacher Guide for the Picture Lab found on </a:t>
-            </a:r>
-            <a:r>
-              <a:rPr lang="en-US" dirty="0" err="1"/>
-              <a:t>sharepoint</a:t>
-            </a:r>
-            <a:r>
-              <a:rPr lang="en-US" dirty="0"/>
-              <a:t>.</a:t>
-            </a:r>
-          </a:p>
-          <a:p>
-            <a:pPr marL="0" indent="0">
-              <a:buNone/>
-            </a:pPr>
-            <a:endParaRPr lang="en-US" dirty="0"/>
-          </a:p>
-          <a:p>
-            <a:pPr marL="0" indent="0">
-              <a:buNone/>
-            </a:pPr>
-            <a:r>
-              <a:rPr lang="en-US" dirty="0"/>
-              <a:t>Come prepared with the Student Guide for your students, and make sure that they download </a:t>
-            </a:r>
-            <a:r>
-              <a:rPr lang="en-US"/>
-              <a:t>the appropriate files.</a:t>
+            <p:ph type="ctrTitle"/>
+          </p:nvPr>
+        </p:nvSpPr>
+        <p:spPr/>
+        <p:txBody>
+          <a:bodyPr/>
+          <a:lstStyle/>
+          <a:p>
+            <a:r>
+              <a:rPr lang="en-US" dirty="0"/>
+              <a:t>Picture Lab</a:t>
+            </a:r>
+          </a:p>
+        </p:txBody>
+      </p:sp>
+      <p:sp>
+        <p:nvSpPr>
+          <p:cNvPr id="3" name="Subtitle 2"/>
+          <p:cNvSpPr>
+            <a:spLocks noGrp="1"/>
+          </p:cNvSpPr>
+          <p:nvPr>
+            <p:ph type="subTitle" idx="1"/>
+          </p:nvPr>
+        </p:nvSpPr>
+        <p:spPr/>
+        <p:txBody>
+          <a:bodyPr/>
+          <a:lstStyle/>
+          <a:p>
+            <a:r>
+              <a:rPr lang="en-US" dirty="0"/>
+              <a:t>[ 5.06 ] [ Today’s Date ] [ Instructor Name ]</a:t>
             </a:r>
           </a:p>
         </p:txBody>
@@ -11654,7 +11661,7 @@
     </p:spTree>
     <p:extLst>
       <p:ext uri="{BB962C8B-B14F-4D97-AF65-F5344CB8AC3E}">
-        <p14:creationId xmlns:p14="http://schemas.microsoft.com/office/powerpoint/2010/main" val="107183982"/>
+        <p14:creationId xmlns:p14="http://schemas.microsoft.com/office/powerpoint/2010/main" val="2736099663"/>
       </p:ext>
     </p:extLst>
   </p:cSld>
@@ -11688,41 +11695,84 @@
             <a:spLocks noGrp="1"/>
           </p:cNvSpPr>
           <p:nvPr>
-            <p:ph type="ctrTitle"/>
-          </p:nvPr>
-        </p:nvSpPr>
-        <p:spPr/>
-        <p:txBody>
-          <a:bodyPr>
-            <a:normAutofit/>
-          </a:bodyPr>
-          <a:lstStyle/>
-          <a:p>
-            <a:r>
-              <a:rPr lang="en-US" sz="4800" dirty="0"/>
-              <a:t>Review</a:t>
-            </a:r>
-          </a:p>
-        </p:txBody>
-      </p:sp>
-      <p:sp>
-        <p:nvSpPr>
-          <p:cNvPr id="3" name="Subtitle 2"/>
-          <p:cNvSpPr>
-            <a:spLocks noGrp="1"/>
-          </p:cNvSpPr>
-          <p:nvPr>
-            <p:ph type="subTitle" idx="1"/>
-          </p:nvPr>
-        </p:nvSpPr>
-        <p:spPr/>
-        <p:txBody>
-          <a:bodyPr/>
-          <a:lstStyle/>
-          <a:p>
-            <a:r>
-              <a:rPr lang="en-US" dirty="0"/>
-              <a:t>[ 4.10 ] [ Today’s Date ] [ Instructor Name ]</a:t>
+            <p:ph type="title"/>
+          </p:nvPr>
+        </p:nvSpPr>
+        <p:spPr/>
+        <p:txBody>
+          <a:bodyPr/>
+          <a:lstStyle/>
+          <a:p>
+            <a:r>
+              <a:rPr lang="en-US" dirty="0"/>
+              <a:t>Picture Lab Placeholder</a:t>
+            </a:r>
+          </a:p>
+        </p:txBody>
+      </p:sp>
+      <p:sp>
+        <p:nvSpPr>
+          <p:cNvPr id="3" name="Content Placeholder 2"/>
+          <p:cNvSpPr>
+            <a:spLocks noGrp="1"/>
+          </p:cNvSpPr>
+          <p:nvPr>
+            <p:ph idx="1"/>
+          </p:nvPr>
+        </p:nvSpPr>
+        <p:spPr/>
+        <p:txBody>
+          <a:bodyPr/>
+          <a:lstStyle/>
+          <a:p>
+            <a:pPr marL="0" indent="0">
+              <a:buNone/>
+            </a:pPr>
+            <a:r>
+              <a:rPr lang="en-US" dirty="0"/>
+              <a:t>Edit and use this slide deck to go over questions your class has.</a:t>
+            </a:r>
+          </a:p>
+          <a:p>
+            <a:pPr marL="0" indent="0">
+              <a:buNone/>
+            </a:pPr>
+            <a:endParaRPr lang="en-US" dirty="0"/>
+          </a:p>
+          <a:p>
+            <a:pPr marL="0" indent="0">
+              <a:buNone/>
+            </a:pPr>
+            <a:r>
+              <a:rPr lang="en-US" dirty="0"/>
+              <a:t>Follow the Teacher Guide for the Picture Lab found on </a:t>
+            </a:r>
+            <a:r>
+              <a:rPr lang="en-US" dirty="0" err="1"/>
+              <a:t>sharepoint</a:t>
+            </a:r>
+            <a:r>
+              <a:rPr lang="en-US" dirty="0"/>
+              <a:t>.</a:t>
+            </a:r>
+          </a:p>
+          <a:p>
+            <a:pPr marL="0" indent="0">
+              <a:buNone/>
+            </a:pPr>
+            <a:endParaRPr lang="en-US" dirty="0"/>
+          </a:p>
+          <a:p>
+            <a:pPr marL="0" indent="0">
+              <a:buNone/>
+            </a:pPr>
+            <a:r>
+              <a:rPr lang="en-US" dirty="0"/>
+              <a:t>Come prepared with the Student Guide for your students, and make sure that they download </a:t>
+            </a:r>
+            <a:r>
+              <a:rPr lang="en-US"/>
+              <a:t>the appropriate files.</a:t>
             </a:r>
           </a:p>
         </p:txBody>
@@ -11730,7 +11780,7 @@
     </p:spTree>
     <p:extLst>
       <p:ext uri="{BB962C8B-B14F-4D97-AF65-F5344CB8AC3E}">
-        <p14:creationId xmlns:p14="http://schemas.microsoft.com/office/powerpoint/2010/main" val="1454496771"/>
+        <p14:creationId xmlns:p14="http://schemas.microsoft.com/office/powerpoint/2010/main" val="107183982"/>
       </p:ext>
     </p:extLst>
   </p:cSld>
@@ -11759,7 +11809,7 @@
       </p:grpSpPr>
       <p:sp>
         <p:nvSpPr>
-          <p:cNvPr id="4" name="Title 3"/>
+          <p:cNvPr id="2" name="Title 1"/>
           <p:cNvSpPr>
             <a:spLocks noGrp="1"/>
           </p:cNvSpPr>
@@ -11767,12 +11817,7 @@
             <p:ph type="ctrTitle"/>
           </p:nvPr>
         </p:nvSpPr>
-        <p:spPr>
-          <a:xfrm>
-            <a:off x="1524000" y="1374151"/>
-            <a:ext cx="9144000" cy="2387600"/>
-          </a:xfrm>
-        </p:spPr>
+        <p:spPr/>
         <p:txBody>
           <a:bodyPr>
             <a:normAutofit/>
@@ -11780,8 +11825,30 @@
           <a:lstStyle/>
           <a:p>
             <a:r>
-              <a:rPr lang="en-US" sz="5000" dirty="0"/>
-              <a:t>What’s on the test?</a:t>
+              <a:rPr lang="en-US" sz="4800" dirty="0"/>
+              <a:t>Review</a:t>
+            </a:r>
+          </a:p>
+        </p:txBody>
+      </p:sp>
+      <p:sp>
+        <p:nvSpPr>
+          <p:cNvPr id="3" name="Subtitle 2"/>
+          <p:cNvSpPr>
+            <a:spLocks noGrp="1"/>
+          </p:cNvSpPr>
+          <p:nvPr>
+            <p:ph type="subTitle" idx="1"/>
+          </p:nvPr>
+        </p:nvSpPr>
+        <p:spPr/>
+        <p:txBody>
+          <a:bodyPr/>
+          <a:lstStyle/>
+          <a:p>
+            <a:r>
+              <a:rPr lang="en-US" dirty="0"/>
+              <a:t>[ 4.10 ] [ Today’s Date ] [ Instructor Name ]</a:t>
             </a:r>
           </a:p>
         </p:txBody>
@@ -11789,7 +11856,7 @@
     </p:spTree>
     <p:extLst>
       <p:ext uri="{BB962C8B-B14F-4D97-AF65-F5344CB8AC3E}">
-        <p14:creationId xmlns:p14="http://schemas.microsoft.com/office/powerpoint/2010/main" val="2588403587"/>
+        <p14:creationId xmlns:p14="http://schemas.microsoft.com/office/powerpoint/2010/main" val="1454496771"/>
       </p:ext>
     </p:extLst>
   </p:cSld>
@@ -11818,7 +11885,7 @@
       </p:grpSpPr>
       <p:sp>
         <p:nvSpPr>
-          <p:cNvPr id="2" name="Title 1"/>
+          <p:cNvPr id="4" name="Title 3"/>
           <p:cNvSpPr>
             <a:spLocks noGrp="1"/>
           </p:cNvSpPr>
@@ -11828,7 +11895,7 @@
         </p:nvSpPr>
         <p:spPr>
           <a:xfrm>
-            <a:off x="1524000" y="1409083"/>
+            <a:off x="1524000" y="1374151"/>
             <a:ext cx="9144000" cy="2387600"/>
           </a:xfrm>
         </p:spPr>
@@ -11839,8 +11906,8 @@
           <a:lstStyle/>
           <a:p>
             <a:r>
-              <a:rPr lang="en-US" sz="5400" dirty="0"/>
-              <a:t>Practice Test</a:t>
+              <a:rPr lang="en-US" sz="5000" dirty="0"/>
+              <a:t>What’s on the test?</a:t>
             </a:r>
           </a:p>
         </p:txBody>
@@ -11848,7 +11915,7 @@
     </p:spTree>
     <p:extLst>
       <p:ext uri="{BB962C8B-B14F-4D97-AF65-F5344CB8AC3E}">
-        <p14:creationId xmlns:p14="http://schemas.microsoft.com/office/powerpoint/2010/main" val="2405756044"/>
+        <p14:creationId xmlns:p14="http://schemas.microsoft.com/office/powerpoint/2010/main" val="2588403587"/>
       </p:ext>
     </p:extLst>
   </p:cSld>
@@ -11942,6 +12009,65 @@
             <a:spLocks noGrp="1"/>
           </p:cNvSpPr>
           <p:nvPr>
+            <p:ph type="ctrTitle"/>
+          </p:nvPr>
+        </p:nvSpPr>
+        <p:spPr>
+          <a:xfrm>
+            <a:off x="1524000" y="1409083"/>
+            <a:ext cx="9144000" cy="2387600"/>
+          </a:xfrm>
+        </p:spPr>
+        <p:txBody>
+          <a:bodyPr>
+            <a:normAutofit/>
+          </a:bodyPr>
+          <a:lstStyle/>
+          <a:p>
+            <a:r>
+              <a:rPr lang="en-US" sz="5400" dirty="0"/>
+              <a:t>Practice Test</a:t>
+            </a:r>
+          </a:p>
+        </p:txBody>
+      </p:sp>
+    </p:spTree>
+    <p:extLst>
+      <p:ext uri="{BB962C8B-B14F-4D97-AF65-F5344CB8AC3E}">
+        <p14:creationId xmlns:p14="http://schemas.microsoft.com/office/powerpoint/2010/main" val="2405756044"/>
+      </p:ext>
+    </p:extLst>
+  </p:cSld>
+  <p:clrMapOvr>
+    <a:masterClrMapping/>
+  </p:clrMapOvr>
+</p:sld>
+</file>
+
+<file path=ppt/slides/slide71.xml><?xml version="1.0" encoding="utf-8"?>
+<p:sld xmlns:a="http://schemas.openxmlformats.org/drawingml/2006/main" xmlns:r="http://schemas.openxmlformats.org/officeDocument/2006/relationships" xmlns:p="http://schemas.openxmlformats.org/presentationml/2006/main">
+  <p:cSld>
+    <p:spTree>
+      <p:nvGrpSpPr>
+        <p:cNvPr id="1" name=""/>
+        <p:cNvGrpSpPr/>
+        <p:nvPr/>
+      </p:nvGrpSpPr>
+      <p:grpSpPr>
+        <a:xfrm>
+          <a:off x="0" y="0"/>
+          <a:ext cx="0" cy="0"/>
+          <a:chOff x="0" y="0"/>
+          <a:chExt cx="0" cy="0"/>
+        </a:xfrm>
+      </p:grpSpPr>
+      <p:sp>
+        <p:nvSpPr>
+          <p:cNvPr id="2" name="Title 1"/>
+          <p:cNvSpPr>
+            <a:spLocks noGrp="1"/>
+          </p:cNvSpPr>
+          <p:nvPr>
             <p:ph type="title"/>
           </p:nvPr>
         </p:nvSpPr>
@@ -11992,13 +12118,8 @@
             </a:pPr>
             <a:r>
               <a:rPr lang="en-US" dirty="0"/>
-              <a:t>For each topic, follow up by reviewing the textbook and self-check </a:t>
-            </a:r>
-            <a:r>
-              <a:rPr lang="en-US"/>
-              <a:t>problems.</a:t>
-            </a:r>
-            <a:endParaRPr lang="en-US" dirty="0"/>
+              <a:t>For each topic, follow up by reviewing the textbook, self-check problems, and the appropriate Practice-It problems.</a:t>
+            </a:r>
           </a:p>
         </p:txBody>
       </p:sp>
@@ -12015,7 +12136,7 @@
 </p:sld>
 </file>
 
-<file path=ppt/slides/slide71.xml><?xml version="1.0" encoding="utf-8"?>
+<file path=ppt/slides/slide72.xml><?xml version="1.0" encoding="utf-8"?>
 <p:sld xmlns:a="http://schemas.openxmlformats.org/drawingml/2006/main" xmlns:r="http://schemas.openxmlformats.org/officeDocument/2006/relationships" xmlns:p="http://schemas.openxmlformats.org/presentationml/2006/main">
   <p:cSld>
     <p:spTree>
@@ -12785,12 +12906,6 @@
 </file>
 
 <file path=customXml/item1.xml><?xml version="1.0" encoding="utf-8"?>
-<p:properties xmlns:p="http://schemas.microsoft.com/office/2006/metadata/properties" xmlns:xsi="http://www.w3.org/2001/XMLSchema-instance" xmlns:pc="http://schemas.microsoft.com/office/infopath/2007/PartnerControls">
-  <documentManagement/>
-</p:properties>
-</file>
-
-<file path=customXml/item2.xml><?xml version="1.0" encoding="utf-8"?>
 <?mso-contentType ?>
 <FormTemplates xmlns="http://schemas.microsoft.com/sharepoint/v3/contenttype/forms">
   <Display>DocumentLibraryForm</Display>
@@ -12799,19 +12914,29 @@
 </FormTemplates>
 </file>
 
-<file path=customXml/item3.xml><?xml version="1.0" encoding="utf-8"?>
-<ct:contentTypeSchema xmlns:ct="http://schemas.microsoft.com/office/2006/metadata/contentType" xmlns:ma="http://schemas.microsoft.com/office/2006/metadata/properties/metaAttributes" ct:_="" ma:_="" ma:contentTypeName="Document" ma:contentTypeID="0x010100BABADD3A0624AA4E97287821B8F4D7D6" ma:contentTypeVersion="3" ma:contentTypeDescription="Create a new document." ma:contentTypeScope="" ma:versionID="d1f55a70bd1930e0ae5c5588ea58d234">
-  <xsd:schema xmlns:xsd="http://www.w3.org/2001/XMLSchema" xmlns:xs="http://www.w3.org/2001/XMLSchema" xmlns:p="http://schemas.microsoft.com/office/2006/metadata/properties" xmlns:ns2="5edd459b-714d-42ed-b78f-512da7d1c14e" targetNamespace="http://schemas.microsoft.com/office/2006/metadata/properties" ma:root="true" ma:fieldsID="5a6a6e2895642296b7d1775ae73bc200" ns2:_="">
-    <xsd:import namespace="5edd459b-714d-42ed-b78f-512da7d1c14e"/>
+<file path=customXml/item2.xml><?xml version="1.0" encoding="utf-8"?>
+<ct:contentTypeSchema xmlns:ct="http://schemas.microsoft.com/office/2006/metadata/contentType" xmlns:ma="http://schemas.microsoft.com/office/2006/metadata/properties/metaAttributes" ct:_="" ma:_="" ma:contentTypeName="Document" ma:contentTypeID="0x01010011E83E049C87AC4AB56F27089B4ACA55" ma:contentTypeVersion="12" ma:contentTypeDescription="Create a new document." ma:contentTypeScope="" ma:versionID="1178fe99ddca204d3fc8224f4ed0acf8">
+  <xsd:schema xmlns:xsd="http://www.w3.org/2001/XMLSchema" xmlns:xs="http://www.w3.org/2001/XMLSchema" xmlns:p="http://schemas.microsoft.com/office/2006/metadata/properties" xmlns:ns2="be898649-fe57-4b08-9fd4-31fc752880e3" xmlns:ns3="6f430b7c-f2e9-4385-9cb2-4dd06cc2317e" targetNamespace="http://schemas.microsoft.com/office/2006/metadata/properties" ma:root="true" ma:fieldsID="05a700af6660b82c6e85ae510b7169e9" ns2:_="" ns3:_="">
+    <xsd:import namespace="be898649-fe57-4b08-9fd4-31fc752880e3"/>
+    <xsd:import namespace="6f430b7c-f2e9-4385-9cb2-4dd06cc2317e"/>
     <xsd:element name="properties">
       <xsd:complexType>
         <xsd:sequence>
           <xsd:element name="documentManagement">
             <xsd:complexType>
               <xsd:all>
-                <xsd:element ref="ns2:SharedWithUsers" minOccurs="0"/>
-                <xsd:element ref="ns2:SharedWithDetails" minOccurs="0"/>
-                <xsd:element ref="ns2:SharingHintHash" minOccurs="0"/>
+                <xsd:element ref="ns2:MediaServiceMetadata" minOccurs="0"/>
+                <xsd:element ref="ns2:MediaServiceFastMetadata" minOccurs="0"/>
+                <xsd:element ref="ns2:MediaServiceAutoTags" minOccurs="0"/>
+                <xsd:element ref="ns2:MediaServiceDateTaken" minOccurs="0"/>
+                <xsd:element ref="ns3:SharedWithUsers" minOccurs="0"/>
+                <xsd:element ref="ns3:SharedWithDetails" minOccurs="0"/>
+                <xsd:element ref="ns2:MediaServiceLocation" minOccurs="0"/>
+                <xsd:element ref="ns2:MediaServiceOCR" minOccurs="0"/>
+                <xsd:element ref="ns2:MediaServiceEventHashCode" minOccurs="0"/>
+                <xsd:element ref="ns2:MediaServiceGenerationTime" minOccurs="0"/>
+                <xsd:element ref="ns2:MediaServiceAutoKeyPoints" minOccurs="0"/>
+                <xsd:element ref="ns2:MediaServiceKeyPoints" minOccurs="0"/>
               </xsd:all>
             </xsd:complexType>
           </xsd:element>
@@ -12819,10 +12944,68 @@
       </xsd:complexType>
     </xsd:element>
   </xsd:schema>
-  <xsd:schema xmlns:xsd="http://www.w3.org/2001/XMLSchema" xmlns:xs="http://www.w3.org/2001/XMLSchema" xmlns:dms="http://schemas.microsoft.com/office/2006/documentManagement/types" xmlns:pc="http://schemas.microsoft.com/office/infopath/2007/PartnerControls" targetNamespace="5edd459b-714d-42ed-b78f-512da7d1c14e" elementFormDefault="qualified">
+  <xsd:schema xmlns:xsd="http://www.w3.org/2001/XMLSchema" xmlns:xs="http://www.w3.org/2001/XMLSchema" xmlns:dms="http://schemas.microsoft.com/office/2006/documentManagement/types" xmlns:pc="http://schemas.microsoft.com/office/infopath/2007/PartnerControls" targetNamespace="be898649-fe57-4b08-9fd4-31fc752880e3" elementFormDefault="qualified">
     <xsd:import namespace="http://schemas.microsoft.com/office/2006/documentManagement/types"/>
     <xsd:import namespace="http://schemas.microsoft.com/office/infopath/2007/PartnerControls"/>
-    <xsd:element name="SharedWithUsers" ma:index="8" nillable="true" ma:displayName="Shared With" ma:internalName="SharedWithUsers" ma:readOnly="true">
+    <xsd:element name="MediaServiceMetadata" ma:index="8" nillable="true" ma:displayName="MediaServiceMetadata" ma:description="" ma:hidden="true" ma:internalName="MediaServiceMetadata" ma:readOnly="true">
+      <xsd:simpleType>
+        <xsd:restriction base="dms:Note"/>
+      </xsd:simpleType>
+    </xsd:element>
+    <xsd:element name="MediaServiceFastMetadata" ma:index="9" nillable="true" ma:displayName="MediaServiceFastMetadata" ma:description="" ma:hidden="true" ma:internalName="MediaServiceFastMetadata" ma:readOnly="true">
+      <xsd:simpleType>
+        <xsd:restriction base="dms:Note"/>
+      </xsd:simpleType>
+    </xsd:element>
+    <xsd:element name="MediaServiceAutoTags" ma:index="10" nillable="true" ma:displayName="MediaServiceAutoTags" ma:description="" ma:internalName="MediaServiceAutoTags" ma:readOnly="true">
+      <xsd:simpleType>
+        <xsd:restriction base="dms:Text"/>
+      </xsd:simpleType>
+    </xsd:element>
+    <xsd:element name="MediaServiceDateTaken" ma:index="11" nillable="true" ma:displayName="MediaServiceDateTaken" ma:description="" ma:hidden="true" ma:internalName="MediaServiceDateTaken" ma:readOnly="true">
+      <xsd:simpleType>
+        <xsd:restriction base="dms:Text"/>
+      </xsd:simpleType>
+    </xsd:element>
+    <xsd:element name="MediaServiceLocation" ma:index="14" nillable="true" ma:displayName="MediaServiceLocation" ma:internalName="MediaServiceLocation" ma:readOnly="true">
+      <xsd:simpleType>
+        <xsd:restriction base="dms:Text"/>
+      </xsd:simpleType>
+    </xsd:element>
+    <xsd:element name="MediaServiceOCR" ma:index="15" nillable="true" ma:displayName="MediaServiceOCR" ma:internalName="MediaServiceOCR" ma:readOnly="true">
+      <xsd:simpleType>
+        <xsd:restriction base="dms:Note">
+          <xsd:maxLength value="255"/>
+        </xsd:restriction>
+      </xsd:simpleType>
+    </xsd:element>
+    <xsd:element name="MediaServiceEventHashCode" ma:index="16" nillable="true" ma:displayName="MediaServiceEventHashCode" ma:hidden="true" ma:internalName="MediaServiceEventHashCode" ma:readOnly="true">
+      <xsd:simpleType>
+        <xsd:restriction base="dms:Text"/>
+      </xsd:simpleType>
+    </xsd:element>
+    <xsd:element name="MediaServiceGenerationTime" ma:index="17" nillable="true" ma:displayName="MediaServiceGenerationTime" ma:hidden="true" ma:internalName="MediaServiceGenerationTime" ma:readOnly="true">
+      <xsd:simpleType>
+        <xsd:restriction base="dms:Text"/>
+      </xsd:simpleType>
+    </xsd:element>
+    <xsd:element name="MediaServiceAutoKeyPoints" ma:index="18" nillable="true" ma:displayName="MediaServiceAutoKeyPoints" ma:hidden="true" ma:internalName="MediaServiceAutoKeyPoints" ma:readOnly="true">
+      <xsd:simpleType>
+        <xsd:restriction base="dms:Note"/>
+      </xsd:simpleType>
+    </xsd:element>
+    <xsd:element name="MediaServiceKeyPoints" ma:index="19" nillable="true" ma:displayName="KeyPoints" ma:internalName="MediaServiceKeyPoints" ma:readOnly="true">
+      <xsd:simpleType>
+        <xsd:restriction base="dms:Note">
+          <xsd:maxLength value="255"/>
+        </xsd:restriction>
+      </xsd:simpleType>
+    </xsd:element>
+  </xsd:schema>
+  <xsd:schema xmlns:xsd="http://www.w3.org/2001/XMLSchema" xmlns:xs="http://www.w3.org/2001/XMLSchema" xmlns:dms="http://schemas.microsoft.com/office/2006/documentManagement/types" xmlns:pc="http://schemas.microsoft.com/office/infopath/2007/PartnerControls" targetNamespace="6f430b7c-f2e9-4385-9cb2-4dd06cc2317e" elementFormDefault="qualified">
+    <xsd:import namespace="http://schemas.microsoft.com/office/2006/documentManagement/types"/>
+    <xsd:import namespace="http://schemas.microsoft.com/office/infopath/2007/PartnerControls"/>
+    <xsd:element name="SharedWithUsers" ma:index="12" nillable="true" ma:displayName="Shared With" ma:internalName="SharedWithUsers" ma:readOnly="true">
       <xsd:complexType>
         <xsd:complexContent>
           <xsd:extension base="dms:UserMulti">
@@ -12841,16 +13024,11 @@
         </xsd:complexContent>
       </xsd:complexType>
     </xsd:element>
-    <xsd:element name="SharedWithDetails" ma:index="9" nillable="true" ma:displayName="Shared With Details" ma:internalName="SharedWithDetails" ma:readOnly="true">
+    <xsd:element name="SharedWithDetails" ma:index="13" nillable="true" ma:displayName="Shared With Details" ma:internalName="SharedWithDetails" ma:readOnly="true">
       <xsd:simpleType>
         <xsd:restriction base="dms:Note">
           <xsd:maxLength value="255"/>
         </xsd:restriction>
-      </xsd:simpleType>
-    </xsd:element>
-    <xsd:element name="SharingHintHash" ma:index="10" nillable="true" ma:displayName="Sharing Hint Hash" ma:internalName="SharingHintHash" ma:readOnly="true">
-      <xsd:simpleType>
-        <xsd:restriction base="dms:Text"/>
       </xsd:simpleType>
     </xsd:element>
   </xsd:schema>
@@ -12953,7 +13131,25 @@
 </ct:contentTypeSchema>
 </file>
 
+<file path=customXml/item3.xml><?xml version="1.0" encoding="utf-8"?>
+<p:properties xmlns:p="http://schemas.microsoft.com/office/2006/metadata/properties" xmlns:xsi="http://www.w3.org/2001/XMLSchema-instance" xmlns:pc="http://schemas.microsoft.com/office/infopath/2007/PartnerControls">
+  <documentManagement/>
+</p:properties>
+</file>
+
 <file path=customXml/itemProps1.xml><?xml version="1.0" encoding="utf-8"?>
+<ds:datastoreItem xmlns:ds="http://schemas.openxmlformats.org/officeDocument/2006/customXml" ds:itemID="{255BA734-2CC6-4800-A89D-08A8272A3EA7}">
+  <ds:schemaRefs>
+    <ds:schemaRef ds:uri="http://schemas.microsoft.com/sharepoint/v3/contenttype/forms"/>
+  </ds:schemaRefs>
+</ds:datastoreItem>
+</file>
+
+<file path=customXml/itemProps2.xml><?xml version="1.0" encoding="utf-8"?>
+<ds:datastoreItem xmlns:ds="http://schemas.openxmlformats.org/officeDocument/2006/customXml" ds:itemID="{0AC03C4C-D7E7-4645-AB16-0862D6DC6427}"/>
+</file>
+
+<file path=customXml/itemProps3.xml><?xml version="1.0" encoding="utf-8"?>
 <ds:datastoreItem xmlns:ds="http://schemas.openxmlformats.org/officeDocument/2006/customXml" ds:itemID="{4779FEB4-472A-4FE3-A477-18A5832860A4}">
   <ds:schemaRefs>
     <ds:schemaRef ds:uri="http://schemas.microsoft.com/office/2006/documentManagement/types"/>
@@ -12967,30 +13163,4 @@
     <ds:schemaRef ds:uri="http://www.w3.org/XML/1998/namespace"/>
   </ds:schemaRefs>
 </ds:datastoreItem>
-</file>
-
-<file path=customXml/itemProps2.xml><?xml version="1.0" encoding="utf-8"?>
-<ds:datastoreItem xmlns:ds="http://schemas.openxmlformats.org/officeDocument/2006/customXml" ds:itemID="{255BA734-2CC6-4800-A89D-08A8272A3EA7}">
-  <ds:schemaRefs>
-    <ds:schemaRef ds:uri="http://schemas.microsoft.com/sharepoint/v3/contenttype/forms"/>
-  </ds:schemaRefs>
-</ds:datastoreItem>
-</file>
-
-<file path=customXml/itemProps3.xml><?xml version="1.0" encoding="utf-8"?>
-<ds:datastoreItem xmlns:ds="http://schemas.openxmlformats.org/officeDocument/2006/customXml" ds:itemID="{AE61820C-677F-4878-B100-4DB8877FB679}">
-  <ds:schemaRefs>
-    <ds:schemaRef ds:uri="http://schemas.microsoft.com/office/2006/metadata/contentType"/>
-    <ds:schemaRef ds:uri="http://schemas.microsoft.com/office/2006/metadata/properties/metaAttributes"/>
-    <ds:schemaRef ds:uri="http://www.w3.org/2001/XMLSchema"/>
-    <ds:schemaRef ds:uri="http://schemas.microsoft.com/office/2006/metadata/properties"/>
-    <ds:schemaRef ds:uri="5edd459b-714d-42ed-b78f-512da7d1c14e"/>
-    <ds:schemaRef ds:uri="http://schemas.microsoft.com/office/2006/documentManagement/types"/>
-    <ds:schemaRef ds:uri="http://schemas.microsoft.com/office/infopath/2007/PartnerControls"/>
-    <ds:schemaRef ds:uri="http://schemas.openxmlformats.org/package/2006/metadata/core-properties"/>
-    <ds:schemaRef ds:uri="http://purl.org/dc/elements/1.1/"/>
-    <ds:schemaRef ds:uri="http://purl.org/dc/terms/"/>
-    <ds:schemaRef ds:uri="http://schemas.microsoft.com/internal/obd"/>
-  </ds:schemaRefs>
-</ds:datastoreItem>
 </file>
--- a/curriculum/Unit5/Unit5.pptx
+++ b/curriculum/Unit5/Unit5.pptx
@@ -279,7 +279,7 @@
           <a:p>
             <a:fld id="{DFD2D4D3-AF7F-407D-A91C-28A05E3AAF0B}" type="datetimeFigureOut">
               <a:rPr lang="en-US" smtClean="0"/>
-              <a:t>1/17/2020</a:t>
+              <a:t>2/18/2020</a:t>
             </a:fld>
             <a:endParaRPr lang="en-US"/>
           </a:p>
@@ -1103,11 +1103,7 @@
             </a:r>
             <a:r>
               <a:rPr lang="en-US" baseline="0" dirty="0"/>
-              <a:t> unit is mostly done either on practice it or the board. Feel free to edit </a:t>
-            </a:r>
-            <a:r>
-              <a:rPr lang="en-US" baseline="0"/>
-              <a:t>this slide deck as you see fit!</a:t>
+              <a:t> unit is mostly do on the board. Feel free to edit this slide deck as you see fit!</a:t>
             </a:r>
             <a:endParaRPr lang="en-US" dirty="0"/>
           </a:p>
@@ -1199,11 +1195,7 @@
             </a:r>
             <a:r>
               <a:rPr lang="en-US" baseline="0" dirty="0"/>
-              <a:t> unit is mostly done either on practice it or the board. Feel free to edit </a:t>
-            </a:r>
-            <a:r>
-              <a:rPr lang="en-US" baseline="0"/>
-              <a:t>this slide deck as you see fit!</a:t>
+              <a:t> unit is mostly done on the board. Feel free to edit this slide deck as you see fit!</a:t>
             </a:r>
             <a:endParaRPr lang="en-US" dirty="0"/>
           </a:p>
@@ -1458,7 +1450,7 @@
           <a:p>
             <a:fld id="{1F2FBFEA-012E-42C0-88EC-181B3441BE0C}" type="datetimeFigureOut">
               <a:rPr lang="en-US" smtClean="0"/>
-              <a:t>1/17/2020</a:t>
+              <a:t>2/18/2020</a:t>
             </a:fld>
             <a:endParaRPr lang="en-US"/>
           </a:p>
@@ -1626,7 +1618,7 @@
           <a:p>
             <a:fld id="{1F2FBFEA-012E-42C0-88EC-181B3441BE0C}" type="datetimeFigureOut">
               <a:rPr lang="en-US" smtClean="0"/>
-              <a:t>1/17/2020</a:t>
+              <a:t>2/18/2020</a:t>
             </a:fld>
             <a:endParaRPr lang="en-US"/>
           </a:p>
@@ -1804,7 +1796,7 @@
           <a:p>
             <a:fld id="{1F2FBFEA-012E-42C0-88EC-181B3441BE0C}" type="datetimeFigureOut">
               <a:rPr lang="en-US" smtClean="0"/>
-              <a:t>1/17/2020</a:t>
+              <a:t>2/18/2020</a:t>
             </a:fld>
             <a:endParaRPr lang="en-US"/>
           </a:p>
@@ -1972,7 +1964,7 @@
           <a:p>
             <a:fld id="{1F2FBFEA-012E-42C0-88EC-181B3441BE0C}" type="datetimeFigureOut">
               <a:rPr lang="en-US" smtClean="0"/>
-              <a:t>1/17/2020</a:t>
+              <a:t>2/18/2020</a:t>
             </a:fld>
             <a:endParaRPr lang="en-US"/>
           </a:p>
@@ -2217,7 +2209,7 @@
           <a:p>
             <a:fld id="{1F2FBFEA-012E-42C0-88EC-181B3441BE0C}" type="datetimeFigureOut">
               <a:rPr lang="en-US" smtClean="0"/>
-              <a:t>1/17/2020</a:t>
+              <a:t>2/18/2020</a:t>
             </a:fld>
             <a:endParaRPr lang="en-US"/>
           </a:p>
@@ -2446,7 +2438,7 @@
           <a:p>
             <a:fld id="{1F2FBFEA-012E-42C0-88EC-181B3441BE0C}" type="datetimeFigureOut">
               <a:rPr lang="en-US" smtClean="0"/>
-              <a:t>1/17/2020</a:t>
+              <a:t>2/18/2020</a:t>
             </a:fld>
             <a:endParaRPr lang="en-US"/>
           </a:p>
@@ -2810,7 +2802,7 @@
           <a:p>
             <a:fld id="{1F2FBFEA-012E-42C0-88EC-181B3441BE0C}" type="datetimeFigureOut">
               <a:rPr lang="en-US" smtClean="0"/>
-              <a:t>1/17/2020</a:t>
+              <a:t>2/18/2020</a:t>
             </a:fld>
             <a:endParaRPr lang="en-US"/>
           </a:p>
@@ -2927,7 +2919,7 @@
           <a:p>
             <a:fld id="{1F2FBFEA-012E-42C0-88EC-181B3441BE0C}" type="datetimeFigureOut">
               <a:rPr lang="en-US" smtClean="0"/>
-              <a:t>1/17/2020</a:t>
+              <a:t>2/18/2020</a:t>
             </a:fld>
             <a:endParaRPr lang="en-US"/>
           </a:p>
@@ -3022,7 +3014,7 @@
           <a:p>
             <a:fld id="{1F2FBFEA-012E-42C0-88EC-181B3441BE0C}" type="datetimeFigureOut">
               <a:rPr lang="en-US" smtClean="0"/>
-              <a:t>1/17/2020</a:t>
+              <a:t>2/18/2020</a:t>
             </a:fld>
             <a:endParaRPr lang="en-US"/>
           </a:p>
@@ -3297,7 +3289,7 @@
           <a:p>
             <a:fld id="{1F2FBFEA-012E-42C0-88EC-181B3441BE0C}" type="datetimeFigureOut">
               <a:rPr lang="en-US" smtClean="0"/>
-              <a:t>1/17/2020</a:t>
+              <a:t>2/18/2020</a:t>
             </a:fld>
             <a:endParaRPr lang="en-US"/>
           </a:p>
@@ -3549,7 +3541,7 @@
           <a:p>
             <a:fld id="{1F2FBFEA-012E-42C0-88EC-181B3441BE0C}" type="datetimeFigureOut">
               <a:rPr lang="en-US" smtClean="0"/>
-              <a:t>1/17/2020</a:t>
+              <a:t>2/18/2020</a:t>
             </a:fld>
             <a:endParaRPr lang="en-US"/>
           </a:p>
@@ -3760,7 +3752,7 @@
           <a:p>
             <a:fld id="{1F2FBFEA-012E-42C0-88EC-181B3441BE0C}" type="datetimeFigureOut">
               <a:rPr lang="en-US" smtClean="0"/>
-              <a:t>1/17/2020</a:t>
+              <a:t>2/18/2020</a:t>
             </a:fld>
             <a:endParaRPr lang="en-US"/>
           </a:p>
@@ -6995,7 +6987,7 @@
           <a:p>
             <a:r>
               <a:rPr lang="en-US" dirty="0"/>
-              <a:t>Read through the Point Class and complete the following Practice-It problems:</a:t>
+              <a:t>Read through the Point Class and complete the following Practice problems:</a:t>
             </a:r>
           </a:p>
         </p:txBody>
@@ -7025,6 +7017,10 @@
               <a:buAutoNum type="alphaLcPeriod"/>
             </a:pPr>
             <a:r>
+              <a:rPr lang="en-US" dirty="0"/>
+              <a:t>Self-Check 8.1: </a:t>
+            </a:r>
+            <a:r>
               <a:rPr lang="en-US" dirty="0" err="1"/>
               <a:t>whatIsOOP</a:t>
             </a:r>
@@ -7035,6 +7031,10 @@
               <a:buAutoNum type="alphaLcPeriod"/>
             </a:pPr>
             <a:r>
+              <a:rPr lang="en-US" dirty="0"/>
+              <a:t>Self-Check 8.2: </a:t>
+            </a:r>
+            <a:r>
               <a:rPr lang="en-US" dirty="0" err="1"/>
               <a:t>whatIsAnObject</a:t>
             </a:r>
@@ -7045,6 +7045,10 @@
               <a:buAutoNum type="alphaLcPeriod"/>
             </a:pPr>
             <a:r>
+              <a:rPr lang="en-US" dirty="0"/>
+              <a:t>Self-Check 8.3: </a:t>
+            </a:r>
+            <a:r>
               <a:rPr lang="en-US" dirty="0" err="1"/>
               <a:t>StringObject</a:t>
             </a:r>
@@ -7056,13 +7060,17 @@
             </a:pPr>
             <a:r>
               <a:rPr lang="en-US" dirty="0"/>
-              <a:t>ReferenceMystery3</a:t>
+              <a:t>Self-Check 8.4: ReferenceMystery3</a:t>
             </a:r>
           </a:p>
           <a:p>
             <a:pPr marL="514350" indent="-514350">
               <a:buAutoNum type="alphaLcPeriod"/>
             </a:pPr>
+            <a:r>
+              <a:rPr lang="en-US" dirty="0"/>
+              <a:t>Self-Check 8.5: </a:t>
+            </a:r>
             <a:r>
               <a:rPr lang="en-US" dirty="0" err="1"/>
               <a:t>CalculatorObject</a:t>
@@ -12118,7 +12126,7 @@
             </a:pPr>
             <a:r>
               <a:rPr lang="en-US" dirty="0"/>
-              <a:t>For each topic, follow up by reviewing the textbook, self-check problems, and the appropriate Practice-It problems.</a:t>
+              <a:t>For each topic, follow up by reviewing the textbook, self-check problems, and the appropriate Practice problems.</a:t>
             </a:r>
           </a:p>
         </p:txBody>
@@ -12906,6 +12914,12 @@
 </file>
 
 <file path=customXml/item1.xml><?xml version="1.0" encoding="utf-8"?>
+<p:properties xmlns:p="http://schemas.microsoft.com/office/2006/metadata/properties" xmlns:xsi="http://www.w3.org/2001/XMLSchema-instance" xmlns:pc="http://schemas.microsoft.com/office/infopath/2007/PartnerControls">
+  <documentManagement/>
+</p:properties>
+</file>
+
+<file path=customXml/item2.xml><?xml version="1.0" encoding="utf-8"?>
 <?mso-contentType ?>
 <FormTemplates xmlns="http://schemas.microsoft.com/sharepoint/v3/contenttype/forms">
   <Display>DocumentLibraryForm</Display>
@@ -12914,7 +12928,7 @@
 </FormTemplates>
 </file>
 
-<file path=customXml/item2.xml><?xml version="1.0" encoding="utf-8"?>
+<file path=customXml/item3.xml><?xml version="1.0" encoding="utf-8"?>
 <ct:contentTypeSchema xmlns:ct="http://schemas.microsoft.com/office/2006/metadata/contentType" xmlns:ma="http://schemas.microsoft.com/office/2006/metadata/properties/metaAttributes" ct:_="" ma:_="" ma:contentTypeName="Document" ma:contentTypeID="0x01010011E83E049C87AC4AB56F27089B4ACA55" ma:contentTypeVersion="12" ma:contentTypeDescription="Create a new document." ma:contentTypeScope="" ma:versionID="1178fe99ddca204d3fc8224f4ed0acf8">
   <xsd:schema xmlns:xsd="http://www.w3.org/2001/XMLSchema" xmlns:xs="http://www.w3.org/2001/XMLSchema" xmlns:p="http://schemas.microsoft.com/office/2006/metadata/properties" xmlns:ns2="be898649-fe57-4b08-9fd4-31fc752880e3" xmlns:ns3="6f430b7c-f2e9-4385-9cb2-4dd06cc2317e" targetNamespace="http://schemas.microsoft.com/office/2006/metadata/properties" ma:root="true" ma:fieldsID="05a700af6660b82c6e85ae510b7169e9" ns2:_="" ns3:_="">
     <xsd:import namespace="be898649-fe57-4b08-9fd4-31fc752880e3"/>
@@ -13131,25 +13145,7 @@
 </ct:contentTypeSchema>
 </file>
 
-<file path=customXml/item3.xml><?xml version="1.0" encoding="utf-8"?>
-<p:properties xmlns:p="http://schemas.microsoft.com/office/2006/metadata/properties" xmlns:xsi="http://www.w3.org/2001/XMLSchema-instance" xmlns:pc="http://schemas.microsoft.com/office/infopath/2007/PartnerControls">
-  <documentManagement/>
-</p:properties>
-</file>
-
 <file path=customXml/itemProps1.xml><?xml version="1.0" encoding="utf-8"?>
-<ds:datastoreItem xmlns:ds="http://schemas.openxmlformats.org/officeDocument/2006/customXml" ds:itemID="{255BA734-2CC6-4800-A89D-08A8272A3EA7}">
-  <ds:schemaRefs>
-    <ds:schemaRef ds:uri="http://schemas.microsoft.com/sharepoint/v3/contenttype/forms"/>
-  </ds:schemaRefs>
-</ds:datastoreItem>
-</file>
-
-<file path=customXml/itemProps2.xml><?xml version="1.0" encoding="utf-8"?>
-<ds:datastoreItem xmlns:ds="http://schemas.openxmlformats.org/officeDocument/2006/customXml" ds:itemID="{0AC03C4C-D7E7-4645-AB16-0862D6DC6427}"/>
-</file>
-
-<file path=customXml/itemProps3.xml><?xml version="1.0" encoding="utf-8"?>
 <ds:datastoreItem xmlns:ds="http://schemas.openxmlformats.org/officeDocument/2006/customXml" ds:itemID="{4779FEB4-472A-4FE3-A477-18A5832860A4}">
   <ds:schemaRefs>
     <ds:schemaRef ds:uri="http://schemas.microsoft.com/office/2006/documentManagement/types"/>
@@ -13163,4 +13159,31 @@
     <ds:schemaRef ds:uri="http://www.w3.org/XML/1998/namespace"/>
   </ds:schemaRefs>
 </ds:datastoreItem>
+</file>
+
+<file path=customXml/itemProps2.xml><?xml version="1.0" encoding="utf-8"?>
+<ds:datastoreItem xmlns:ds="http://schemas.openxmlformats.org/officeDocument/2006/customXml" ds:itemID="{255BA734-2CC6-4800-A89D-08A8272A3EA7}">
+  <ds:schemaRefs>
+    <ds:schemaRef ds:uri="http://schemas.microsoft.com/sharepoint/v3/contenttype/forms"/>
+  </ds:schemaRefs>
+</ds:datastoreItem>
+</file>
+
+<file path=customXml/itemProps3.xml><?xml version="1.0" encoding="utf-8"?>
+<ds:datastoreItem xmlns:ds="http://schemas.openxmlformats.org/officeDocument/2006/customXml" ds:itemID="{0AC03C4C-D7E7-4645-AB16-0862D6DC6427}">
+  <ds:schemaRefs>
+    <ds:schemaRef ds:uri="http://schemas.microsoft.com/office/2006/metadata/contentType"/>
+    <ds:schemaRef ds:uri="http://schemas.microsoft.com/office/2006/metadata/properties/metaAttributes"/>
+    <ds:schemaRef ds:uri="http://www.w3.org/2001/XMLSchema"/>
+    <ds:schemaRef ds:uri="http://schemas.microsoft.com/office/2006/metadata/properties"/>
+    <ds:schemaRef ds:uri="be898649-fe57-4b08-9fd4-31fc752880e3"/>
+    <ds:schemaRef ds:uri="6f430b7c-f2e9-4385-9cb2-4dd06cc2317e"/>
+    <ds:schemaRef ds:uri="http://schemas.microsoft.com/office/2006/documentManagement/types"/>
+    <ds:schemaRef ds:uri="http://schemas.microsoft.com/office/infopath/2007/PartnerControls"/>
+    <ds:schemaRef ds:uri="http://schemas.openxmlformats.org/package/2006/metadata/core-properties"/>
+    <ds:schemaRef ds:uri="http://purl.org/dc/elements/1.1/"/>
+    <ds:schemaRef ds:uri="http://purl.org/dc/terms/"/>
+    <ds:schemaRef ds:uri="http://schemas.microsoft.com/internal/obd"/>
+  </ds:schemaRefs>
+</ds:datastoreItem>
 </file>